--- a/LaTeX-поделки/Системы спинов 1.pptx
+++ b/LaTeX-поделки/Системы спинов 1.pptx
@@ -4,6 +4,12 @@
   <p:sldMasterIdLst>
     <p:sldMasterId id="2147483732" r:id="rId1"/>
   </p:sldMasterIdLst>
+  <p:notesMasterIdLst>
+    <p:notesMasterId r:id="rId18"/>
+  </p:notesMasterIdLst>
+  <p:handoutMasterIdLst>
+    <p:handoutMasterId r:id="rId19"/>
+  </p:handoutMasterIdLst>
   <p:sldIdLst>
     <p:sldId id="256" r:id="rId2"/>
     <p:sldId id="257" r:id="rId3"/>
@@ -122,6 +128,594 @@
 </p:presentation>
 </file>
 
+<file path=ppt/handoutMasters/handoutMaster1.xml><?xml version="1.0" encoding="utf-8"?>
+<p:handoutMaster xmlns:a="http://schemas.openxmlformats.org/drawingml/2006/main" xmlns:r="http://schemas.openxmlformats.org/officeDocument/2006/relationships" xmlns:p="http://schemas.openxmlformats.org/presentationml/2006/main">
+  <p:cSld>
+    <p:bg>
+      <p:bgRef idx="1001">
+        <a:schemeClr val="bg1"/>
+      </p:bgRef>
+    </p:bg>
+    <p:spTree>
+      <p:nvGrpSpPr>
+        <p:cNvPr id="1" name=""/>
+        <p:cNvGrpSpPr/>
+        <p:nvPr/>
+      </p:nvGrpSpPr>
+      <p:grpSpPr>
+        <a:xfrm>
+          <a:off x="0" y="0"/>
+          <a:ext cx="0" cy="0"/>
+          <a:chOff x="0" y="0"/>
+          <a:chExt cx="0" cy="0"/>
+        </a:xfrm>
+      </p:grpSpPr>
+      <p:sp>
+        <p:nvSpPr>
+          <p:cNvPr id="2" name="Верхний колонтитул 1"/>
+          <p:cNvSpPr>
+            <a:spLocks noGrp="1"/>
+          </p:cNvSpPr>
+          <p:nvPr>
+            <p:ph type="hdr" sz="quarter"/>
+          </p:nvPr>
+        </p:nvSpPr>
+        <p:spPr>
+          <a:xfrm>
+            <a:off x="0" y="0"/>
+            <a:ext cx="2971800" cy="457200"/>
+          </a:xfrm>
+          <a:prstGeom prst="rect">
+            <a:avLst/>
+          </a:prstGeom>
+        </p:spPr>
+        <p:txBody>
+          <a:bodyPr vert="horz" lIns="91440" tIns="45720" rIns="91440" bIns="45720" rtlCol="0"/>
+          <a:lstStyle>
+            <a:lvl1pPr algn="l">
+              <a:defRPr sz="1200"/>
+            </a:lvl1pPr>
+          </a:lstStyle>
+          <a:p>
+            <a:endParaRPr lang="ru-RU"/>
+          </a:p>
+        </p:txBody>
+      </p:sp>
+      <p:sp>
+        <p:nvSpPr>
+          <p:cNvPr id="3" name="Дата 2"/>
+          <p:cNvSpPr>
+            <a:spLocks noGrp="1"/>
+          </p:cNvSpPr>
+          <p:nvPr>
+            <p:ph type="dt" sz="quarter" idx="1"/>
+          </p:nvPr>
+        </p:nvSpPr>
+        <p:spPr>
+          <a:xfrm>
+            <a:off x="3884613" y="0"/>
+            <a:ext cx="2971800" cy="457200"/>
+          </a:xfrm>
+          <a:prstGeom prst="rect">
+            <a:avLst/>
+          </a:prstGeom>
+        </p:spPr>
+        <p:txBody>
+          <a:bodyPr vert="horz" lIns="91440" tIns="45720" rIns="91440" bIns="45720" rtlCol="0"/>
+          <a:lstStyle>
+            <a:lvl1pPr algn="r">
+              <a:defRPr sz="1200"/>
+            </a:lvl1pPr>
+          </a:lstStyle>
+          <a:p>
+            <a:fld id="{2DAE3516-E495-44C0-B309-469C16998D46}" type="datetimeFigureOut">
+              <a:rPr lang="ru-RU" smtClean="0"/>
+              <a:t>23.04.2018</a:t>
+            </a:fld>
+            <a:endParaRPr lang="ru-RU"/>
+          </a:p>
+        </p:txBody>
+      </p:sp>
+      <p:sp>
+        <p:nvSpPr>
+          <p:cNvPr id="4" name="Нижний колонтитул 3"/>
+          <p:cNvSpPr>
+            <a:spLocks noGrp="1"/>
+          </p:cNvSpPr>
+          <p:nvPr>
+            <p:ph type="ftr" sz="quarter" idx="2"/>
+          </p:nvPr>
+        </p:nvSpPr>
+        <p:spPr>
+          <a:xfrm>
+            <a:off x="0" y="8685213"/>
+            <a:ext cx="2971800" cy="457200"/>
+          </a:xfrm>
+          <a:prstGeom prst="rect">
+            <a:avLst/>
+          </a:prstGeom>
+        </p:spPr>
+        <p:txBody>
+          <a:bodyPr vert="horz" lIns="91440" tIns="45720" rIns="91440" bIns="45720" rtlCol="0" anchor="b"/>
+          <a:lstStyle>
+            <a:lvl1pPr algn="l">
+              <a:defRPr sz="1200"/>
+            </a:lvl1pPr>
+          </a:lstStyle>
+          <a:p>
+            <a:endParaRPr lang="ru-RU"/>
+          </a:p>
+        </p:txBody>
+      </p:sp>
+      <p:sp>
+        <p:nvSpPr>
+          <p:cNvPr id="5" name="Номер слайда 4"/>
+          <p:cNvSpPr>
+            <a:spLocks noGrp="1"/>
+          </p:cNvSpPr>
+          <p:nvPr>
+            <p:ph type="sldNum" sz="quarter" idx="3"/>
+          </p:nvPr>
+        </p:nvSpPr>
+        <p:spPr>
+          <a:xfrm>
+            <a:off x="3884613" y="8685213"/>
+            <a:ext cx="2971800" cy="457200"/>
+          </a:xfrm>
+          <a:prstGeom prst="rect">
+            <a:avLst/>
+          </a:prstGeom>
+        </p:spPr>
+        <p:txBody>
+          <a:bodyPr vert="horz" lIns="91440" tIns="45720" rIns="91440" bIns="45720" rtlCol="0" anchor="b"/>
+          <a:lstStyle>
+            <a:lvl1pPr algn="r">
+              <a:defRPr sz="1200"/>
+            </a:lvl1pPr>
+          </a:lstStyle>
+          <a:p>
+            <a:fld id="{7B6D9256-B3EA-42D4-AE1F-866490FBEDDD}" type="slidenum">
+              <a:rPr lang="ru-RU" smtClean="0"/>
+              <a:t>‹#›</a:t>
+            </a:fld>
+            <a:endParaRPr lang="ru-RU"/>
+          </a:p>
+        </p:txBody>
+      </p:sp>
+    </p:spTree>
+  </p:cSld>
+  <p:clrMap bg1="lt1" tx1="dk1" bg2="lt2" tx2="dk2" accent1="accent1" accent2="accent2" accent3="accent3" accent4="accent4" accent5="accent5" accent6="accent6" hlink="hlink" folHlink="folHlink"/>
+</p:handoutMaster>
+</file>
+
+<file path=ppt/notesMasters/notesMaster1.xml><?xml version="1.0" encoding="utf-8"?>
+<p:notesMaster xmlns:a="http://schemas.openxmlformats.org/drawingml/2006/main" xmlns:r="http://schemas.openxmlformats.org/officeDocument/2006/relationships" xmlns:p="http://schemas.openxmlformats.org/presentationml/2006/main">
+  <p:cSld>
+    <p:bg>
+      <p:bgRef idx="1001">
+        <a:schemeClr val="bg1"/>
+      </p:bgRef>
+    </p:bg>
+    <p:spTree>
+      <p:nvGrpSpPr>
+        <p:cNvPr id="1" name=""/>
+        <p:cNvGrpSpPr/>
+        <p:nvPr/>
+      </p:nvGrpSpPr>
+      <p:grpSpPr>
+        <a:xfrm>
+          <a:off x="0" y="0"/>
+          <a:ext cx="0" cy="0"/>
+          <a:chOff x="0" y="0"/>
+          <a:chExt cx="0" cy="0"/>
+        </a:xfrm>
+      </p:grpSpPr>
+      <p:sp>
+        <p:nvSpPr>
+          <p:cNvPr id="2" name="Верхний колонтитул 1"/>
+          <p:cNvSpPr>
+            <a:spLocks noGrp="1"/>
+          </p:cNvSpPr>
+          <p:nvPr>
+            <p:ph type="hdr" sz="quarter"/>
+          </p:nvPr>
+        </p:nvSpPr>
+        <p:spPr>
+          <a:xfrm>
+            <a:off x="0" y="0"/>
+            <a:ext cx="2971800" cy="457200"/>
+          </a:xfrm>
+          <a:prstGeom prst="rect">
+            <a:avLst/>
+          </a:prstGeom>
+        </p:spPr>
+        <p:txBody>
+          <a:bodyPr vert="horz" lIns="91440" tIns="45720" rIns="91440" bIns="45720" rtlCol="0"/>
+          <a:lstStyle>
+            <a:lvl1pPr algn="l">
+              <a:defRPr sz="1200"/>
+            </a:lvl1pPr>
+          </a:lstStyle>
+          <a:p>
+            <a:endParaRPr lang="ru-RU"/>
+          </a:p>
+        </p:txBody>
+      </p:sp>
+      <p:sp>
+        <p:nvSpPr>
+          <p:cNvPr id="3" name="Дата 2"/>
+          <p:cNvSpPr>
+            <a:spLocks noGrp="1"/>
+          </p:cNvSpPr>
+          <p:nvPr>
+            <p:ph type="dt" idx="1"/>
+          </p:nvPr>
+        </p:nvSpPr>
+        <p:spPr>
+          <a:xfrm>
+            <a:off x="3884613" y="0"/>
+            <a:ext cx="2971800" cy="457200"/>
+          </a:xfrm>
+          <a:prstGeom prst="rect">
+            <a:avLst/>
+          </a:prstGeom>
+        </p:spPr>
+        <p:txBody>
+          <a:bodyPr vert="horz" lIns="91440" tIns="45720" rIns="91440" bIns="45720" rtlCol="0"/>
+          <a:lstStyle>
+            <a:lvl1pPr algn="r">
+              <a:defRPr sz="1200"/>
+            </a:lvl1pPr>
+          </a:lstStyle>
+          <a:p>
+            <a:fld id="{A7EC3FFA-A56C-4EDA-BC81-A40063DE4661}" type="datetimeFigureOut">
+              <a:rPr lang="ru-RU" smtClean="0"/>
+              <a:t>23.04.2018</a:t>
+            </a:fld>
+            <a:endParaRPr lang="ru-RU"/>
+          </a:p>
+        </p:txBody>
+      </p:sp>
+      <p:sp>
+        <p:nvSpPr>
+          <p:cNvPr id="4" name="Образ слайда 3"/>
+          <p:cNvSpPr>
+            <a:spLocks noGrp="1" noRot="1" noChangeAspect="1"/>
+          </p:cNvSpPr>
+          <p:nvPr>
+            <p:ph type="sldImg" idx="2"/>
+          </p:nvPr>
+        </p:nvSpPr>
+        <p:spPr>
+          <a:xfrm>
+            <a:off x="1143000" y="685800"/>
+            <a:ext cx="4572000" cy="3429000"/>
+          </a:xfrm>
+          <a:prstGeom prst="rect">
+            <a:avLst/>
+          </a:prstGeom>
+          <a:noFill/>
+          <a:ln w="12700">
+            <a:solidFill>
+              <a:prstClr val="black"/>
+            </a:solidFill>
+          </a:ln>
+        </p:spPr>
+        <p:txBody>
+          <a:bodyPr vert="horz" lIns="91440" tIns="45720" rIns="91440" bIns="45720" rtlCol="0" anchor="ctr"/>
+          <a:lstStyle/>
+          <a:p>
+            <a:endParaRPr lang="ru-RU"/>
+          </a:p>
+        </p:txBody>
+      </p:sp>
+      <p:sp>
+        <p:nvSpPr>
+          <p:cNvPr id="5" name="Заметки 4"/>
+          <p:cNvSpPr>
+            <a:spLocks noGrp="1"/>
+          </p:cNvSpPr>
+          <p:nvPr>
+            <p:ph type="body" sz="quarter" idx="3"/>
+          </p:nvPr>
+        </p:nvSpPr>
+        <p:spPr>
+          <a:xfrm>
+            <a:off x="685800" y="4343400"/>
+            <a:ext cx="5486400" cy="4114800"/>
+          </a:xfrm>
+          <a:prstGeom prst="rect">
+            <a:avLst/>
+          </a:prstGeom>
+        </p:spPr>
+        <p:txBody>
+          <a:bodyPr vert="horz" lIns="91440" tIns="45720" rIns="91440" bIns="45720" rtlCol="0">
+            <a:normAutofit/>
+          </a:bodyPr>
+          <a:lstStyle/>
+          <a:p>
+            <a:pPr lvl="0"/>
+            <a:r>
+              <a:rPr lang="ru-RU" smtClean="0"/>
+              <a:t>Образец текста</a:t>
+            </a:r>
+          </a:p>
+          <a:p>
+            <a:pPr lvl="1"/>
+            <a:r>
+              <a:rPr lang="ru-RU" smtClean="0"/>
+              <a:t>Второй уровень</a:t>
+            </a:r>
+          </a:p>
+          <a:p>
+            <a:pPr lvl="2"/>
+            <a:r>
+              <a:rPr lang="ru-RU" smtClean="0"/>
+              <a:t>Третий уровень</a:t>
+            </a:r>
+          </a:p>
+          <a:p>
+            <a:pPr lvl="3"/>
+            <a:r>
+              <a:rPr lang="ru-RU" smtClean="0"/>
+              <a:t>Четвертый уровень</a:t>
+            </a:r>
+          </a:p>
+          <a:p>
+            <a:pPr lvl="4"/>
+            <a:r>
+              <a:rPr lang="ru-RU" smtClean="0"/>
+              <a:t>Пятый уровень</a:t>
+            </a:r>
+            <a:endParaRPr lang="ru-RU"/>
+          </a:p>
+        </p:txBody>
+      </p:sp>
+      <p:sp>
+        <p:nvSpPr>
+          <p:cNvPr id="6" name="Нижний колонтитул 5"/>
+          <p:cNvSpPr>
+            <a:spLocks noGrp="1"/>
+          </p:cNvSpPr>
+          <p:nvPr>
+            <p:ph type="ftr" sz="quarter" idx="4"/>
+          </p:nvPr>
+        </p:nvSpPr>
+        <p:spPr>
+          <a:xfrm>
+            <a:off x="0" y="8685213"/>
+            <a:ext cx="2971800" cy="457200"/>
+          </a:xfrm>
+          <a:prstGeom prst="rect">
+            <a:avLst/>
+          </a:prstGeom>
+        </p:spPr>
+        <p:txBody>
+          <a:bodyPr vert="horz" lIns="91440" tIns="45720" rIns="91440" bIns="45720" rtlCol="0" anchor="b"/>
+          <a:lstStyle>
+            <a:lvl1pPr algn="l">
+              <a:defRPr sz="1200"/>
+            </a:lvl1pPr>
+          </a:lstStyle>
+          <a:p>
+            <a:endParaRPr lang="ru-RU"/>
+          </a:p>
+        </p:txBody>
+      </p:sp>
+      <p:sp>
+        <p:nvSpPr>
+          <p:cNvPr id="7" name="Номер слайда 6"/>
+          <p:cNvSpPr>
+            <a:spLocks noGrp="1"/>
+          </p:cNvSpPr>
+          <p:nvPr>
+            <p:ph type="sldNum" sz="quarter" idx="5"/>
+          </p:nvPr>
+        </p:nvSpPr>
+        <p:spPr>
+          <a:xfrm>
+            <a:off x="3884613" y="8685213"/>
+            <a:ext cx="2971800" cy="457200"/>
+          </a:xfrm>
+          <a:prstGeom prst="rect">
+            <a:avLst/>
+          </a:prstGeom>
+        </p:spPr>
+        <p:txBody>
+          <a:bodyPr vert="horz" lIns="91440" tIns="45720" rIns="91440" bIns="45720" rtlCol="0" anchor="b"/>
+          <a:lstStyle>
+            <a:lvl1pPr algn="r">
+              <a:defRPr sz="1200"/>
+            </a:lvl1pPr>
+          </a:lstStyle>
+          <a:p>
+            <a:fld id="{56B4F9E9-9FC8-4C9E-A8E3-81161DD4E26B}" type="slidenum">
+              <a:rPr lang="ru-RU" smtClean="0"/>
+              <a:t>‹#›</a:t>
+            </a:fld>
+            <a:endParaRPr lang="ru-RU"/>
+          </a:p>
+        </p:txBody>
+      </p:sp>
+    </p:spTree>
+  </p:cSld>
+  <p:clrMap bg1="lt1" tx1="dk1" bg2="lt2" tx2="dk2" accent1="accent1" accent2="accent2" accent3="accent3" accent4="accent4" accent5="accent5" accent6="accent6" hlink="hlink" folHlink="folHlink"/>
+  <p:notesStyle>
+    <a:lvl1pPr marL="0" algn="l" defTabSz="914400" rtl="0" eaLnBrk="1" latinLnBrk="0" hangingPunct="1">
+      <a:defRPr sz="1200" kern="1200">
+        <a:solidFill>
+          <a:schemeClr val="tx1"/>
+        </a:solidFill>
+        <a:latin typeface="+mn-lt"/>
+        <a:ea typeface="+mn-ea"/>
+        <a:cs typeface="+mn-cs"/>
+      </a:defRPr>
+    </a:lvl1pPr>
+    <a:lvl2pPr marL="457200" algn="l" defTabSz="914400" rtl="0" eaLnBrk="1" latinLnBrk="0" hangingPunct="1">
+      <a:defRPr sz="1200" kern="1200">
+        <a:solidFill>
+          <a:schemeClr val="tx1"/>
+        </a:solidFill>
+        <a:latin typeface="+mn-lt"/>
+        <a:ea typeface="+mn-ea"/>
+        <a:cs typeface="+mn-cs"/>
+      </a:defRPr>
+    </a:lvl2pPr>
+    <a:lvl3pPr marL="914400" algn="l" defTabSz="914400" rtl="0" eaLnBrk="1" latinLnBrk="0" hangingPunct="1">
+      <a:defRPr sz="1200" kern="1200">
+        <a:solidFill>
+          <a:schemeClr val="tx1"/>
+        </a:solidFill>
+        <a:latin typeface="+mn-lt"/>
+        <a:ea typeface="+mn-ea"/>
+        <a:cs typeface="+mn-cs"/>
+      </a:defRPr>
+    </a:lvl3pPr>
+    <a:lvl4pPr marL="1371600" algn="l" defTabSz="914400" rtl="0" eaLnBrk="1" latinLnBrk="0" hangingPunct="1">
+      <a:defRPr sz="1200" kern="1200">
+        <a:solidFill>
+          <a:schemeClr val="tx1"/>
+        </a:solidFill>
+        <a:latin typeface="+mn-lt"/>
+        <a:ea typeface="+mn-ea"/>
+        <a:cs typeface="+mn-cs"/>
+      </a:defRPr>
+    </a:lvl4pPr>
+    <a:lvl5pPr marL="1828800" algn="l" defTabSz="914400" rtl="0" eaLnBrk="1" latinLnBrk="0" hangingPunct="1">
+      <a:defRPr sz="1200" kern="1200">
+        <a:solidFill>
+          <a:schemeClr val="tx1"/>
+        </a:solidFill>
+        <a:latin typeface="+mn-lt"/>
+        <a:ea typeface="+mn-ea"/>
+        <a:cs typeface="+mn-cs"/>
+      </a:defRPr>
+    </a:lvl5pPr>
+    <a:lvl6pPr marL="2286000" algn="l" defTabSz="914400" rtl="0" eaLnBrk="1" latinLnBrk="0" hangingPunct="1">
+      <a:defRPr sz="1200" kern="1200">
+        <a:solidFill>
+          <a:schemeClr val="tx1"/>
+        </a:solidFill>
+        <a:latin typeface="+mn-lt"/>
+        <a:ea typeface="+mn-ea"/>
+        <a:cs typeface="+mn-cs"/>
+      </a:defRPr>
+    </a:lvl6pPr>
+    <a:lvl7pPr marL="2743200" algn="l" defTabSz="914400" rtl="0" eaLnBrk="1" latinLnBrk="0" hangingPunct="1">
+      <a:defRPr sz="1200" kern="1200">
+        <a:solidFill>
+          <a:schemeClr val="tx1"/>
+        </a:solidFill>
+        <a:latin typeface="+mn-lt"/>
+        <a:ea typeface="+mn-ea"/>
+        <a:cs typeface="+mn-cs"/>
+      </a:defRPr>
+    </a:lvl7pPr>
+    <a:lvl8pPr marL="3200400" algn="l" defTabSz="914400" rtl="0" eaLnBrk="1" latinLnBrk="0" hangingPunct="1">
+      <a:defRPr sz="1200" kern="1200">
+        <a:solidFill>
+          <a:schemeClr val="tx1"/>
+        </a:solidFill>
+        <a:latin typeface="+mn-lt"/>
+        <a:ea typeface="+mn-ea"/>
+        <a:cs typeface="+mn-cs"/>
+      </a:defRPr>
+    </a:lvl8pPr>
+    <a:lvl9pPr marL="3657600" algn="l" defTabSz="914400" rtl="0" eaLnBrk="1" latinLnBrk="0" hangingPunct="1">
+      <a:defRPr sz="1200" kern="1200">
+        <a:solidFill>
+          <a:schemeClr val="tx1"/>
+        </a:solidFill>
+        <a:latin typeface="+mn-lt"/>
+        <a:ea typeface="+mn-ea"/>
+        <a:cs typeface="+mn-cs"/>
+      </a:defRPr>
+    </a:lvl9pPr>
+  </p:notesStyle>
+</p:notesMaster>
+</file>
+
+<file path=ppt/notesSlides/notesSlide1.xml><?xml version="1.0" encoding="utf-8"?>
+<p:notes xmlns:a="http://schemas.openxmlformats.org/drawingml/2006/main" xmlns:r="http://schemas.openxmlformats.org/officeDocument/2006/relationships" xmlns:p="http://schemas.openxmlformats.org/presentationml/2006/main">
+  <p:cSld>
+    <p:spTree>
+      <p:nvGrpSpPr>
+        <p:cNvPr id="1" name=""/>
+        <p:cNvGrpSpPr/>
+        <p:nvPr/>
+      </p:nvGrpSpPr>
+      <p:grpSpPr>
+        <a:xfrm>
+          <a:off x="0" y="0"/>
+          <a:ext cx="0" cy="0"/>
+          <a:chOff x="0" y="0"/>
+          <a:chExt cx="0" cy="0"/>
+        </a:xfrm>
+      </p:grpSpPr>
+      <p:sp>
+        <p:nvSpPr>
+          <p:cNvPr id="2" name="Образ слайда 1"/>
+          <p:cNvSpPr>
+            <a:spLocks noGrp="1" noRot="1" noChangeAspect="1"/>
+          </p:cNvSpPr>
+          <p:nvPr>
+            <p:ph type="sldImg"/>
+          </p:nvPr>
+        </p:nvSpPr>
+        <p:spPr/>
+      </p:sp>
+      <p:sp>
+        <p:nvSpPr>
+          <p:cNvPr id="3" name="Заметки 2"/>
+          <p:cNvSpPr>
+            <a:spLocks noGrp="1"/>
+          </p:cNvSpPr>
+          <p:nvPr>
+            <p:ph type="body" idx="1"/>
+          </p:nvPr>
+        </p:nvSpPr>
+        <p:spPr/>
+        <p:txBody>
+          <a:bodyPr>
+            <a:normAutofit/>
+          </a:bodyPr>
+          <a:lstStyle/>
+          <a:p>
+            <a:endParaRPr lang="ru-RU"/>
+          </a:p>
+        </p:txBody>
+      </p:sp>
+      <p:sp>
+        <p:nvSpPr>
+          <p:cNvPr id="4" name="Номер слайда 3"/>
+          <p:cNvSpPr>
+            <a:spLocks noGrp="1"/>
+          </p:cNvSpPr>
+          <p:nvPr>
+            <p:ph type="sldNum" sz="quarter" idx="10"/>
+          </p:nvPr>
+        </p:nvSpPr>
+        <p:spPr/>
+        <p:txBody>
+          <a:bodyPr/>
+          <a:lstStyle/>
+          <a:p>
+            <a:fld id="{56B4F9E9-9FC8-4C9E-A8E3-81161DD4E26B}" type="slidenum">
+              <a:rPr lang="ru-RU" smtClean="0"/>
+              <a:t>1</a:t>
+            </a:fld>
+            <a:endParaRPr lang="ru-RU"/>
+          </a:p>
+        </p:txBody>
+      </p:sp>
+    </p:spTree>
+  </p:cSld>
+  <p:clrMapOvr>
+    <a:masterClrMapping/>
+  </p:clrMapOvr>
+</p:notes>
+</file>
+
 <file path=ppt/slideLayouts/slideLayout1.xml><?xml version="1.0" encoding="utf-8"?>
 <p:sldLayout xmlns:a="http://schemas.openxmlformats.org/drawingml/2006/main" xmlns:r="http://schemas.openxmlformats.org/officeDocument/2006/relationships" xmlns:p="http://schemas.openxmlformats.org/presentationml/2006/main" type="title" preserve="1">
   <p:cSld name="Титульный слайд">
@@ -304,7 +898,7 @@
             <a:fld id="{ED11739C-C208-4F5C-8B29-8EDD222516F3}" type="datetimeFigureOut">
               <a:rPr lang="ru-RU" smtClean="0"/>
               <a:pPr/>
-              <a:t>22.04.2018</a:t>
+              <a:t>23.04.2018</a:t>
             </a:fld>
             <a:endParaRPr lang="ru-RU"/>
           </a:p>
@@ -471,7 +1065,7 @@
             <a:fld id="{ED11739C-C208-4F5C-8B29-8EDD222516F3}" type="datetimeFigureOut">
               <a:rPr lang="ru-RU" smtClean="0"/>
               <a:pPr/>
-              <a:t>22.04.2018</a:t>
+              <a:t>23.04.2018</a:t>
             </a:fld>
             <a:endParaRPr lang="ru-RU"/>
           </a:p>
@@ -648,7 +1242,7 @@
             <a:fld id="{ED11739C-C208-4F5C-8B29-8EDD222516F3}" type="datetimeFigureOut">
               <a:rPr lang="ru-RU" smtClean="0"/>
               <a:pPr/>
-              <a:t>22.04.2018</a:t>
+              <a:t>23.04.2018</a:t>
             </a:fld>
             <a:endParaRPr lang="ru-RU"/>
           </a:p>
@@ -815,7 +1409,7 @@
             <a:fld id="{ED11739C-C208-4F5C-8B29-8EDD222516F3}" type="datetimeFigureOut">
               <a:rPr lang="ru-RU" smtClean="0"/>
               <a:pPr/>
-              <a:t>22.04.2018</a:t>
+              <a:t>23.04.2018</a:t>
             </a:fld>
             <a:endParaRPr lang="ru-RU"/>
           </a:p>
@@ -1058,7 +1652,7 @@
             <a:fld id="{ED11739C-C208-4F5C-8B29-8EDD222516F3}" type="datetimeFigureOut">
               <a:rPr lang="ru-RU" smtClean="0"/>
               <a:pPr/>
-              <a:t>22.04.2018</a:t>
+              <a:t>23.04.2018</a:t>
             </a:fld>
             <a:endParaRPr lang="ru-RU"/>
           </a:p>
@@ -1343,7 +1937,7 @@
             <a:fld id="{ED11739C-C208-4F5C-8B29-8EDD222516F3}" type="datetimeFigureOut">
               <a:rPr lang="ru-RU" smtClean="0"/>
               <a:pPr/>
-              <a:t>22.04.2018</a:t>
+              <a:t>23.04.2018</a:t>
             </a:fld>
             <a:endParaRPr lang="ru-RU"/>
           </a:p>
@@ -1762,7 +2356,7 @@
             <a:fld id="{ED11739C-C208-4F5C-8B29-8EDD222516F3}" type="datetimeFigureOut">
               <a:rPr lang="ru-RU" smtClean="0"/>
               <a:pPr/>
-              <a:t>22.04.2018</a:t>
+              <a:t>23.04.2018</a:t>
             </a:fld>
             <a:endParaRPr lang="ru-RU"/>
           </a:p>
@@ -1877,7 +2471,7 @@
             <a:fld id="{ED11739C-C208-4F5C-8B29-8EDD222516F3}" type="datetimeFigureOut">
               <a:rPr lang="ru-RU" smtClean="0"/>
               <a:pPr/>
-              <a:t>22.04.2018</a:t>
+              <a:t>23.04.2018</a:t>
             </a:fld>
             <a:endParaRPr lang="ru-RU"/>
           </a:p>
@@ -1969,7 +2563,7 @@
             <a:fld id="{ED11739C-C208-4F5C-8B29-8EDD222516F3}" type="datetimeFigureOut">
               <a:rPr lang="ru-RU" smtClean="0"/>
               <a:pPr/>
-              <a:t>22.04.2018</a:t>
+              <a:t>23.04.2018</a:t>
             </a:fld>
             <a:endParaRPr lang="ru-RU"/>
           </a:p>
@@ -2243,7 +2837,7 @@
             <a:fld id="{ED11739C-C208-4F5C-8B29-8EDD222516F3}" type="datetimeFigureOut">
               <a:rPr lang="ru-RU" smtClean="0"/>
               <a:pPr/>
-              <a:t>22.04.2018</a:t>
+              <a:t>23.04.2018</a:t>
             </a:fld>
             <a:endParaRPr lang="ru-RU"/>
           </a:p>
@@ -2493,7 +3087,7 @@
             <a:fld id="{ED11739C-C208-4F5C-8B29-8EDD222516F3}" type="datetimeFigureOut">
               <a:rPr lang="ru-RU" smtClean="0"/>
               <a:pPr/>
-              <a:t>22.04.2018</a:t>
+              <a:t>23.04.2018</a:t>
             </a:fld>
             <a:endParaRPr lang="ru-RU"/>
           </a:p>
@@ -2703,7 +3297,7 @@
             <a:fld id="{ED11739C-C208-4F5C-8B29-8EDD222516F3}" type="datetimeFigureOut">
               <a:rPr lang="ru-RU" smtClean="0"/>
               <a:pPr/>
-              <a:t>22.04.2018</a:t>
+              <a:t>23.04.2018</a:t>
             </a:fld>
             <a:endParaRPr lang="ru-RU"/>
           </a:p>
@@ -3216,11 +3810,6 @@
               </a:rPr>
               <a:t>)</a:t>
             </a:r>
-            <a:endParaRPr lang="ru-RU" sz="3100" dirty="0" smtClean="0">
-              <a:solidFill>
-                <a:schemeClr val="accent3"/>
-              </a:solidFill>
-            </a:endParaRPr>
           </a:p>
           <a:p>
             <a:r>
@@ -3398,11 +3987,7 @@
           <a:p>
             <a:r>
               <a:rPr lang="ru-RU" dirty="0" smtClean="0"/>
-              <a:t>Уравнение </a:t>
-            </a:r>
-            <a:r>
-              <a:rPr lang="ru-RU" dirty="0" smtClean="0"/>
-              <a:t>Шредингера</a:t>
+              <a:t>Уравнение Шредингера</a:t>
             </a:r>
             <a:endParaRPr lang="ru-RU" dirty="0"/>
           </a:p>
@@ -3458,11 +4043,7 @@
           <a:p>
             <a:r>
               <a:rPr lang="ru-RU" dirty="0" smtClean="0"/>
-              <a:t>р</a:t>
-            </a:r>
-            <a:r>
-              <a:rPr lang="ru-RU" dirty="0" smtClean="0"/>
-              <a:t>еализован в </a:t>
+              <a:t>реализован в </a:t>
             </a:r>
             <a:r>
               <a:rPr lang="en-US" dirty="0" smtClean="0">
@@ -3575,7 +4156,6 @@
               <a:rPr lang="ru-RU" dirty="0" smtClean="0"/>
               <a:t>Итого ищем СЗ </a:t>
             </a:r>
-            <a:endParaRPr lang="ru-RU" dirty="0" smtClean="0"/>
           </a:p>
           <a:p>
             <a:r>
@@ -3640,11 +4220,48 @@
           </a:p>
         </p:txBody>
       </p:sp>
+      <p:sp>
+        <p:nvSpPr>
+          <p:cNvPr id="12" name="TextBox 11"/>
+          <p:cNvSpPr txBox="1"/>
+          <p:nvPr/>
+        </p:nvSpPr>
+        <p:spPr>
+          <a:xfrm>
+            <a:off x="8842314" y="0"/>
+            <a:ext cx="301686" cy="369332"/>
+          </a:xfrm>
+          <a:prstGeom prst="rect">
+            <a:avLst/>
+          </a:prstGeom>
+          <a:noFill/>
+        </p:spPr>
+        <p:txBody>
+          <a:bodyPr wrap="none" rtlCol="0">
+            <a:spAutoFit/>
+          </a:bodyPr>
+          <a:lstStyle/>
+          <a:p>
+            <a:r>
+              <a:rPr lang="en-US" dirty="0" smtClean="0"/>
+              <a:t>9</a:t>
+            </a:r>
+            <a:endParaRPr lang="ru-RU" dirty="0"/>
+          </a:p>
+        </p:txBody>
+      </p:sp>
     </p:spTree>
   </p:cSld>
   <p:clrMapOvr>
     <a:masterClrMapping/>
   </p:clrMapOvr>
+  <p:timing>
+    <p:tnLst>
+      <p:par>
+        <p:cTn id="1" dur="indefinite" restart="never" nodeType="tmRoot"/>
+      </p:par>
+    </p:tnLst>
+  </p:timing>
 </p:sld>
 </file>
 
@@ -3838,6 +4455,40 @@
           </a:xfrm>
         </p:spPr>
       </p:pic>
+      <p:sp>
+        <p:nvSpPr>
+          <p:cNvPr id="9" name="TextBox 8"/>
+          <p:cNvSpPr txBox="1"/>
+          <p:nvPr/>
+        </p:nvSpPr>
+        <p:spPr>
+          <a:xfrm>
+            <a:off x="8725296" y="0"/>
+            <a:ext cx="418704" cy="369332"/>
+          </a:xfrm>
+          <a:prstGeom prst="rect">
+            <a:avLst/>
+          </a:prstGeom>
+          <a:noFill/>
+        </p:spPr>
+        <p:txBody>
+          <a:bodyPr wrap="none" rtlCol="0">
+            <a:spAutoFit/>
+          </a:bodyPr>
+          <a:lstStyle/>
+          <a:p>
+            <a:r>
+              <a:rPr lang="en-US" dirty="0" smtClean="0"/>
+              <a:t>1</a:t>
+            </a:r>
+            <a:r>
+              <a:rPr lang="ru-RU" dirty="0" smtClean="0"/>
+              <a:t>0</a:t>
+            </a:r>
+            <a:endParaRPr lang="ru-RU" dirty="0"/>
+          </a:p>
+        </p:txBody>
+      </p:sp>
     </p:spTree>
   </p:cSld>
   <p:clrMapOvr>
@@ -3887,11 +4538,7 @@
           <a:p>
             <a:r>
               <a:rPr lang="ru-RU" dirty="0" smtClean="0"/>
-              <a:t>Вариационный </a:t>
-            </a:r>
-            <a:r>
-              <a:rPr lang="ru-RU" dirty="0" smtClean="0"/>
-              <a:t>метод</a:t>
+              <a:t>Вариационный метод</a:t>
             </a:r>
             <a:endParaRPr lang="ru-RU" dirty="0"/>
           </a:p>
@@ -3946,17 +4593,51 @@
           <p:nvPr/>
         </p:nvGraphicFramePr>
         <p:xfrm>
-          <a:off x="3851920" y="2708920"/>
-          <a:ext cx="4752975" cy="2713037"/>
+          <a:off x="4321175" y="2501900"/>
+          <a:ext cx="3811588" cy="3127375"/>
         </p:xfrm>
         <a:graphic>
           <a:graphicData uri="http://schemas.openxmlformats.org/presentationml/2006/ole">
-            <p:oleObj spid="_x0000_s24580" name="Equation" r:id="rId5" imgW="2628720" imgH="1498320" progId="Equation.DSMT4">
+            <p:oleObj spid="_x0000_s24580" name="Equation" r:id="rId5" imgW="2108160" imgH="1726920" progId="Equation.DSMT4">
               <p:embed/>
             </p:oleObj>
           </a:graphicData>
         </a:graphic>
       </p:graphicFrame>
+      <p:sp>
+        <p:nvSpPr>
+          <p:cNvPr id="9" name="TextBox 8"/>
+          <p:cNvSpPr txBox="1"/>
+          <p:nvPr/>
+        </p:nvSpPr>
+        <p:spPr>
+          <a:xfrm>
+            <a:off x="8725296" y="0"/>
+            <a:ext cx="418704" cy="369332"/>
+          </a:xfrm>
+          <a:prstGeom prst="rect">
+            <a:avLst/>
+          </a:prstGeom>
+          <a:noFill/>
+        </p:spPr>
+        <p:txBody>
+          <a:bodyPr wrap="none" rtlCol="0">
+            <a:spAutoFit/>
+          </a:bodyPr>
+          <a:lstStyle/>
+          <a:p>
+            <a:r>
+              <a:rPr lang="en-US" dirty="0" smtClean="0"/>
+              <a:t>1</a:t>
+            </a:r>
+            <a:r>
+              <a:rPr lang="ru-RU" dirty="0" smtClean="0"/>
+              <a:t>1</a:t>
+            </a:r>
+            <a:endParaRPr lang="ru-RU" dirty="0"/>
+          </a:p>
+        </p:txBody>
+      </p:sp>
     </p:spTree>
   </p:cSld>
   <p:clrMapOvr>
@@ -4162,11 +4843,52 @@
           </a:p>
         </p:txBody>
       </p:sp>
+      <p:sp>
+        <p:nvSpPr>
+          <p:cNvPr id="9" name="TextBox 8"/>
+          <p:cNvSpPr txBox="1"/>
+          <p:nvPr/>
+        </p:nvSpPr>
+        <p:spPr>
+          <a:xfrm>
+            <a:off x="8725296" y="0"/>
+            <a:ext cx="418704" cy="369332"/>
+          </a:xfrm>
+          <a:prstGeom prst="rect">
+            <a:avLst/>
+          </a:prstGeom>
+          <a:noFill/>
+        </p:spPr>
+        <p:txBody>
+          <a:bodyPr wrap="none" rtlCol="0">
+            <a:spAutoFit/>
+          </a:bodyPr>
+          <a:lstStyle/>
+          <a:p>
+            <a:r>
+              <a:rPr lang="en-US" dirty="0" smtClean="0"/>
+              <a:t>1</a:t>
+            </a:r>
+            <a:r>
+              <a:rPr lang="ru-RU" dirty="0" smtClean="0"/>
+              <a:t>2</a:t>
+            </a:r>
+            <a:endParaRPr lang="ru-RU" dirty="0"/>
+          </a:p>
+        </p:txBody>
+      </p:sp>
     </p:spTree>
   </p:cSld>
   <p:clrMapOvr>
     <a:masterClrMapping/>
   </p:clrMapOvr>
+  <p:timing>
+    <p:tnLst>
+      <p:par>
+        <p:cTn id="1" dur="indefinite" restart="never" nodeType="tmRoot"/>
+      </p:par>
+    </p:tnLst>
+  </p:timing>
 </p:sld>
 </file>
 
@@ -4204,11 +4926,7 @@
           <a:p>
             <a:r>
               <a:rPr lang="ru-RU" dirty="0" smtClean="0"/>
-              <a:t>Сравнение </a:t>
-            </a:r>
-            <a:r>
-              <a:rPr lang="ru-RU" dirty="0" smtClean="0"/>
-              <a:t>результатов</a:t>
+              <a:t>Сравнение результатов</a:t>
             </a:r>
             <a:endParaRPr lang="ru-RU" dirty="0"/>
           </a:p>
@@ -4225,8 +4943,8 @@
           </p:nvPr>
         </p:nvGraphicFramePr>
         <p:xfrm>
-          <a:off x="467544" y="2564904"/>
-          <a:ext cx="8229600" cy="2225040"/>
+          <a:off x="3491880" y="2564904"/>
+          <a:ext cx="5122912" cy="2225040"/>
         </p:xfrm>
         <a:graphic>
           <a:graphicData uri="http://schemas.openxmlformats.org/drawingml/2006/table">
@@ -4235,29 +4953,10 @@
                 <a:tableStyleId>{5C22544A-7EE6-4342-B048-85BDC9FD1C3A}</a:tableStyleId>
               </a:tblPr>
               <a:tblGrid>
-                <a:gridCol w="3106688"/>
                 <a:gridCol w="2664296"/>
                 <a:gridCol w="2458616"/>
               </a:tblGrid>
               <a:tr h="370840">
-                <a:tc>
-                  <a:txBody>
-                    <a:bodyPr/>
-                    <a:lstStyle/>
-                    <a:p>
-                      <a:r>
-                        <a:rPr lang="ru-RU" dirty="0" smtClean="0"/>
-                        <a:t>Количество</a:t>
-                      </a:r>
-                      <a:r>
-                        <a:rPr lang="ru-RU" baseline="0" dirty="0" smtClean="0"/>
-                        <a:t> спинов в линии</a:t>
-                      </a:r>
-                      <a:endParaRPr lang="ru-RU" dirty="0"/>
-                    </a:p>
-                  </a:txBody>
-                  <a:tcPr/>
-                </a:tc>
                 <a:tc>
                   <a:txBody>
                     <a:bodyPr/>
@@ -4288,20 +4987,6 @@
                 </a:tc>
               </a:tr>
               <a:tr h="370840">
-                <a:tc>
-                  <a:txBody>
-                    <a:bodyPr/>
-                    <a:lstStyle/>
-                    <a:p>
-                      <a:r>
-                        <a:rPr lang="ru-RU" dirty="0" smtClean="0"/>
-                        <a:t>4</a:t>
-                      </a:r>
-                      <a:endParaRPr lang="ru-RU" dirty="0"/>
-                    </a:p>
-                  </a:txBody>
-                  <a:tcPr/>
-                </a:tc>
                 <a:tc>
                   <a:txBody>
                     <a:bodyPr/>
@@ -4352,20 +5037,6 @@
                     <a:lstStyle/>
                     <a:p>
                       <a:r>
-                        <a:rPr lang="ru-RU" dirty="0" smtClean="0"/>
-                        <a:t>5</a:t>
-                      </a:r>
-                      <a:endParaRPr lang="ru-RU" dirty="0"/>
-                    </a:p>
-                  </a:txBody>
-                  <a:tcPr/>
-                </a:tc>
-                <a:tc>
-                  <a:txBody>
-                    <a:bodyPr/>
-                    <a:lstStyle/>
-                    <a:p>
-                      <a:r>
                         <a:rPr lang="ru-RU" sz="1800" kern="1200" dirty="0" smtClean="0">
                           <a:solidFill>
                             <a:schemeClr val="dk1"/>
@@ -4404,20 +5075,6 @@
                 </a:tc>
               </a:tr>
               <a:tr h="370840">
-                <a:tc>
-                  <a:txBody>
-                    <a:bodyPr/>
-                    <a:lstStyle/>
-                    <a:p>
-                      <a:r>
-                        <a:rPr lang="ru-RU" dirty="0" smtClean="0"/>
-                        <a:t>6</a:t>
-                      </a:r>
-                      <a:endParaRPr lang="ru-RU" dirty="0"/>
-                    </a:p>
-                  </a:txBody>
-                  <a:tcPr/>
-                </a:tc>
                 <a:tc>
                   <a:txBody>
                     <a:bodyPr/>
@@ -4468,20 +5125,6 @@
                     <a:lstStyle/>
                     <a:p>
                       <a:r>
-                        <a:rPr lang="ru-RU" dirty="0" smtClean="0"/>
-                        <a:t>7</a:t>
-                      </a:r>
-                      <a:endParaRPr lang="ru-RU" dirty="0"/>
-                    </a:p>
-                  </a:txBody>
-                  <a:tcPr/>
-                </a:tc>
-                <a:tc>
-                  <a:txBody>
-                    <a:bodyPr/>
-                    <a:lstStyle/>
-                    <a:p>
-                      <a:r>
                         <a:rPr lang="ru-RU" sz="1800" kern="1200" dirty="0" smtClean="0">
                           <a:solidFill>
                             <a:schemeClr val="dk1"/>
@@ -4520,20 +5163,6 @@
                 </a:tc>
               </a:tr>
               <a:tr h="370840">
-                <a:tc>
-                  <a:txBody>
-                    <a:bodyPr/>
-                    <a:lstStyle/>
-                    <a:p>
-                      <a:r>
-                        <a:rPr lang="ru-RU" dirty="0" smtClean="0"/>
-                        <a:t>8</a:t>
-                      </a:r>
-                      <a:endParaRPr lang="ru-RU" dirty="0"/>
-                    </a:p>
-                  </a:txBody>
-                  <a:tcPr/>
-                </a:tc>
                 <a:tc>
                   <a:txBody>
                     <a:bodyPr/>
@@ -4590,12 +5219,12 @@
           <p:nvPr/>
         </p:nvGraphicFramePr>
         <p:xfrm>
-          <a:off x="3275856" y="1412776"/>
-          <a:ext cx="1962483" cy="835099"/>
+          <a:off x="3006725" y="1433513"/>
+          <a:ext cx="2505075" cy="792162"/>
         </p:xfrm>
         <a:graphic>
           <a:graphicData uri="http://schemas.openxmlformats.org/presentationml/2006/ole">
-            <p:oleObj spid="_x0000_s25602" name="Equation" r:id="rId3" imgW="596880" imgH="253800" progId="Equation.DSMT4">
+            <p:oleObj spid="_x0000_s25602" name="Equation" r:id="rId3" imgW="761760" imgH="241200" progId="Equation.DSMT4">
               <p:embed/>
             </p:oleObj>
           </a:graphicData>
@@ -4617,8 +5246,8 @@
         </p:blipFill>
         <p:spPr>
           <a:xfrm>
-            <a:off x="539552" y="4941168"/>
-            <a:ext cx="1368152" cy="820891"/>
+            <a:off x="1259632" y="4971392"/>
+            <a:ext cx="1656184" cy="993710"/>
           </a:xfrm>
           <a:prstGeom prst="rect">
             <a:avLst/>
@@ -4641,8 +5270,8 @@
         </p:blipFill>
         <p:spPr>
           <a:xfrm>
-            <a:off x="539552" y="5805264"/>
-            <a:ext cx="1368152" cy="820891"/>
+            <a:off x="1259632" y="5864290"/>
+            <a:ext cx="1656184" cy="993710"/>
           </a:xfrm>
           <a:prstGeom prst="rect">
             <a:avLst/>
@@ -4871,11 +5500,172 @@
           </a:p>
         </p:txBody>
       </p:sp>
+      <p:sp>
+        <p:nvSpPr>
+          <p:cNvPr id="13" name="TextBox 12"/>
+          <p:cNvSpPr txBox="1"/>
+          <p:nvPr/>
+        </p:nvSpPr>
+        <p:spPr>
+          <a:xfrm>
+            <a:off x="8725296" y="0"/>
+            <a:ext cx="418704" cy="369332"/>
+          </a:xfrm>
+          <a:prstGeom prst="rect">
+            <a:avLst/>
+          </a:prstGeom>
+          <a:noFill/>
+        </p:spPr>
+        <p:txBody>
+          <a:bodyPr wrap="none" rtlCol="0">
+            <a:spAutoFit/>
+          </a:bodyPr>
+          <a:lstStyle/>
+          <a:p>
+            <a:r>
+              <a:rPr lang="en-US" dirty="0" smtClean="0"/>
+              <a:t>1</a:t>
+            </a:r>
+            <a:r>
+              <a:rPr lang="ru-RU" dirty="0" smtClean="0"/>
+              <a:t>3</a:t>
+            </a:r>
+            <a:endParaRPr lang="ru-RU" dirty="0"/>
+          </a:p>
+        </p:txBody>
+      </p:sp>
+      <p:pic>
+        <p:nvPicPr>
+          <p:cNvPr id="15" name="Рисунок 14" descr="line4.png"/>
+          <p:cNvPicPr>
+            <a:picLocks noChangeAspect="1"/>
+          </p:cNvPicPr>
+          <p:nvPr/>
+        </p:nvPicPr>
+        <p:blipFill>
+          <a:blip r:embed="rId6" cstate="print"/>
+          <a:stretch>
+            <a:fillRect/>
+          </a:stretch>
+        </p:blipFill>
+        <p:spPr>
+          <a:xfrm>
+            <a:off x="467544" y="2996952"/>
+            <a:ext cx="2933711" cy="322708"/>
+          </a:xfrm>
+          <a:prstGeom prst="rect">
+            <a:avLst/>
+          </a:prstGeom>
+        </p:spPr>
+      </p:pic>
+      <p:pic>
+        <p:nvPicPr>
+          <p:cNvPr id="16" name="Рисунок 15" descr="line5.png"/>
+          <p:cNvPicPr>
+            <a:picLocks noChangeAspect="1"/>
+          </p:cNvPicPr>
+          <p:nvPr/>
+        </p:nvPicPr>
+        <p:blipFill>
+          <a:blip r:embed="rId7" cstate="print"/>
+          <a:stretch>
+            <a:fillRect/>
+          </a:stretch>
+        </p:blipFill>
+        <p:spPr>
+          <a:xfrm>
+            <a:off x="467544" y="3356992"/>
+            <a:ext cx="2933711" cy="322708"/>
+          </a:xfrm>
+          <a:prstGeom prst="rect">
+            <a:avLst/>
+          </a:prstGeom>
+        </p:spPr>
+      </p:pic>
+      <p:pic>
+        <p:nvPicPr>
+          <p:cNvPr id="17" name="Рисунок 16" descr="line6.png"/>
+          <p:cNvPicPr>
+            <a:picLocks noChangeAspect="1"/>
+          </p:cNvPicPr>
+          <p:nvPr/>
+        </p:nvPicPr>
+        <p:blipFill>
+          <a:blip r:embed="rId8" cstate="print"/>
+          <a:stretch>
+            <a:fillRect/>
+          </a:stretch>
+        </p:blipFill>
+        <p:spPr>
+          <a:xfrm>
+            <a:off x="467544" y="3717032"/>
+            <a:ext cx="2933711" cy="322708"/>
+          </a:xfrm>
+          <a:prstGeom prst="rect">
+            <a:avLst/>
+          </a:prstGeom>
+        </p:spPr>
+      </p:pic>
+      <p:pic>
+        <p:nvPicPr>
+          <p:cNvPr id="18" name="Рисунок 17" descr="line7.png"/>
+          <p:cNvPicPr>
+            <a:picLocks noChangeAspect="1"/>
+          </p:cNvPicPr>
+          <p:nvPr/>
+        </p:nvPicPr>
+        <p:blipFill>
+          <a:blip r:embed="rId9" cstate="print"/>
+          <a:stretch>
+            <a:fillRect/>
+          </a:stretch>
+        </p:blipFill>
+        <p:spPr>
+          <a:xfrm>
+            <a:off x="467544" y="4077072"/>
+            <a:ext cx="2933711" cy="322708"/>
+          </a:xfrm>
+          <a:prstGeom prst="rect">
+            <a:avLst/>
+          </a:prstGeom>
+        </p:spPr>
+      </p:pic>
+      <p:pic>
+        <p:nvPicPr>
+          <p:cNvPr id="19" name="Рисунок 18" descr="line8.png"/>
+          <p:cNvPicPr>
+            <a:picLocks noChangeAspect="1"/>
+          </p:cNvPicPr>
+          <p:nvPr/>
+        </p:nvPicPr>
+        <p:blipFill>
+          <a:blip r:embed="rId10" cstate="print"/>
+          <a:stretch>
+            <a:fillRect/>
+          </a:stretch>
+        </p:blipFill>
+        <p:spPr>
+          <a:xfrm>
+            <a:off x="467544" y="4437112"/>
+            <a:ext cx="2933711" cy="322708"/>
+          </a:xfrm>
+          <a:prstGeom prst="rect">
+            <a:avLst/>
+          </a:prstGeom>
+        </p:spPr>
+      </p:pic>
     </p:spTree>
   </p:cSld>
   <p:clrMapOvr>
     <a:masterClrMapping/>
   </p:clrMapOvr>
+  <p:timing>
+    <p:tnLst>
+      <p:par>
+        <p:cTn id="1" dur="indefinite" restart="never" nodeType="tmRoot"/>
+      </p:par>
+    </p:tnLst>
+  </p:timing>
 </p:sld>
 </file>
 
@@ -4915,6 +5705,10 @@
               <a:rPr lang="ru-RU" dirty="0" smtClean="0"/>
               <a:t>Вывод</a:t>
             </a:r>
+            <a:r>
+              <a:rPr lang="ru-RU" dirty="0" smtClean="0"/>
+              <a:t>ы</a:t>
+            </a:r>
             <a:endParaRPr lang="ru-RU" dirty="0"/>
           </a:p>
         </p:txBody>
@@ -4927,8 +5721,8 @@
         </p:nvSpPr>
         <p:spPr>
           <a:xfrm>
-            <a:off x="1115616" y="1844824"/>
-            <a:ext cx="4068678" cy="369332"/>
+            <a:off x="827584" y="6165304"/>
+            <a:ext cx="1920719" cy="215444"/>
           </a:xfrm>
           <a:prstGeom prst="rect">
             <a:avLst/>
@@ -4942,10 +5736,116 @@
           <a:lstStyle/>
           <a:p>
             <a:r>
+              <a:rPr lang="ru-RU" sz="800" dirty="0" smtClean="0"/>
+              <a:t>До квантового компьютера еще далеко</a:t>
+            </a:r>
+            <a:endParaRPr lang="ru-RU" sz="800" dirty="0"/>
+          </a:p>
+        </p:txBody>
+      </p:sp>
+      <p:sp>
+        <p:nvSpPr>
+          <p:cNvPr id="6" name="TextBox 5"/>
+          <p:cNvSpPr txBox="1"/>
+          <p:nvPr/>
+        </p:nvSpPr>
+        <p:spPr>
+          <a:xfrm>
+            <a:off x="8725296" y="0"/>
+            <a:ext cx="418704" cy="369332"/>
+          </a:xfrm>
+          <a:prstGeom prst="rect">
+            <a:avLst/>
+          </a:prstGeom>
+          <a:noFill/>
+        </p:spPr>
+        <p:txBody>
+          <a:bodyPr wrap="none" rtlCol="0">
+            <a:spAutoFit/>
+          </a:bodyPr>
+          <a:lstStyle/>
+          <a:p>
+            <a:r>
+              <a:rPr lang="en-US" dirty="0" smtClean="0"/>
+              <a:t>1</a:t>
+            </a:r>
+            <a:r>
               <a:rPr lang="ru-RU" dirty="0" smtClean="0"/>
-              <a:t>До квантового компьютера еще далеко</a:t>
+              <a:t>4</a:t>
             </a:r>
             <a:endParaRPr lang="ru-RU" dirty="0"/>
+          </a:p>
+        </p:txBody>
+      </p:sp>
+      <p:sp>
+        <p:nvSpPr>
+          <p:cNvPr id="10" name="Содержимое 2"/>
+          <p:cNvSpPr>
+            <a:spLocks noGrp="1"/>
+          </p:cNvSpPr>
+          <p:nvPr>
+            <p:ph idx="1"/>
+          </p:nvPr>
+        </p:nvSpPr>
+        <p:spPr>
+          <a:xfrm>
+            <a:off x="457200" y="1600200"/>
+            <a:ext cx="8229600" cy="4525963"/>
+          </a:xfrm>
+        </p:spPr>
+        <p:txBody>
+          <a:bodyPr>
+            <a:normAutofit lnSpcReduction="10000"/>
+          </a:bodyPr>
+          <a:lstStyle/>
+          <a:p>
+            <a:pPr algn="just"/>
+            <a:r>
+              <a:rPr lang="ru-RU" sz="2000" dirty="0" smtClean="0">
+                <a:latin typeface="Times New Roman" pitchFamily="18" charset="0"/>
+                <a:cs typeface="Times New Roman" pitchFamily="18" charset="0"/>
+              </a:rPr>
+              <a:t>В работе исследованы спиновые системы с явным учетом пространственных симметрий и инвариантности относительно обращения времени.</a:t>
+            </a:r>
+          </a:p>
+          <a:p>
+            <a:pPr algn="just"/>
+            <a:r>
+              <a:rPr lang="ru-RU" sz="2000" dirty="0" smtClean="0">
+                <a:latin typeface="Times New Roman" pitchFamily="18" charset="0"/>
+                <a:cs typeface="Times New Roman" pitchFamily="18" charset="0"/>
+              </a:rPr>
+              <a:t>Рассчитаны точные спектры энергий для кластеров из небольшого числа частиц.</a:t>
+            </a:r>
+          </a:p>
+          <a:p>
+            <a:pPr algn="just"/>
+            <a:r>
+              <a:rPr lang="ru-RU" sz="2000" dirty="0" smtClean="0">
+                <a:latin typeface="Times New Roman" pitchFamily="18" charset="0"/>
+                <a:cs typeface="Times New Roman" pitchFamily="18" charset="0"/>
+              </a:rPr>
+              <a:t>Проведена оценка энергии основного состояния системы большого числа спинов методом ее разбиения на кластеры, спектры которых возможно эффективно рассчитать.</a:t>
+            </a:r>
+          </a:p>
+          <a:p>
+            <a:pPr algn="just"/>
+            <a:endParaRPr lang="ru-RU" sz="2000" dirty="0" smtClean="0">
+              <a:latin typeface="Times New Roman" pitchFamily="18" charset="0"/>
+              <a:cs typeface="Times New Roman" pitchFamily="18" charset="0"/>
+            </a:endParaRPr>
+          </a:p>
+          <a:p>
+            <a:pPr algn="just">
+              <a:buNone/>
+            </a:pPr>
+            <a:r>
+              <a:rPr lang="ru-RU" sz="2000" dirty="0" smtClean="0">
+                <a:latin typeface="Times New Roman" pitchFamily="18" charset="0"/>
+                <a:cs typeface="Times New Roman" pitchFamily="18" charset="0"/>
+              </a:rPr>
+              <a:t>	Исследуемый метод не предполагает конкуренции с наиболее эффективными алгоритмами, вместо этого он описывает систему с точки зрения симметрий, которые могут не коммутировать друг с другом, что исключает возможные появления спонтанного нарушения симметрии.</a:t>
+            </a:r>
           </a:p>
         </p:txBody>
       </p:sp>
@@ -4954,6 +5854,13 @@
   <p:clrMapOvr>
     <a:masterClrMapping/>
   </p:clrMapOvr>
+  <p:timing>
+    <p:tnLst>
+      <p:par>
+        <p:cTn id="1" dur="indefinite" restart="never" nodeType="tmRoot"/>
+      </p:par>
+    </p:tnLst>
+  </p:timing>
 </p:sld>
 </file>
 
@@ -4989,7 +5896,11 @@
           <a:bodyPr/>
           <a:lstStyle/>
           <a:p>
-            <a:endParaRPr lang="ru-RU"/>
+            <a:r>
+              <a:rPr lang="ru-RU" dirty="0" smtClean="0"/>
+              <a:t>Спасибо за внимание</a:t>
+            </a:r>
+            <a:endParaRPr lang="ru-RU" dirty="0"/>
           </a:p>
         </p:txBody>
       </p:sp>
@@ -5003,12 +5914,266 @@
             <p:ph idx="1"/>
           </p:nvPr>
         </p:nvSpPr>
-        <p:spPr/>
-        <p:txBody>
-          <a:bodyPr/>
-          <a:lstStyle/>
-          <a:p>
-            <a:endParaRPr lang="ru-RU"/>
+        <p:spPr>
+          <a:xfrm>
+            <a:off x="457200" y="2564904"/>
+            <a:ext cx="8229600" cy="3561259"/>
+          </a:xfrm>
+        </p:spPr>
+        <p:txBody>
+          <a:bodyPr>
+            <a:normAutofit/>
+          </a:bodyPr>
+          <a:lstStyle/>
+          <a:p>
+            <a:r>
+              <a:rPr lang="fi-FI" sz="2000" dirty="0" smtClean="0"/>
+              <a:t>R</a:t>
+            </a:r>
+            <a:r>
+              <a:rPr lang="fi-FI" sz="2000" dirty="0" smtClean="0"/>
+              <a:t>. Tarrah, R. Valenti (1990)</a:t>
+            </a:r>
+            <a:r>
+              <a:rPr lang="ru-RU" sz="2000" dirty="0" smtClean="0"/>
+              <a:t> </a:t>
+            </a:r>
+            <a:r>
+              <a:rPr lang="en-US" sz="2000" dirty="0" smtClean="0"/>
+              <a:t>Exact </a:t>
+            </a:r>
+            <a:r>
+              <a:rPr lang="en-US" sz="2000" dirty="0" smtClean="0"/>
+              <a:t>lover bounds to the ground state of spin systems: The </a:t>
+            </a:r>
+            <a:r>
+              <a:rPr lang="en-US" sz="2000" dirty="0" smtClean="0"/>
+              <a:t>two-dimensional</a:t>
+            </a:r>
+            <a:r>
+              <a:rPr lang="ru-RU" sz="2000" dirty="0" smtClean="0"/>
+              <a:t> </a:t>
+            </a:r>
+            <a:r>
+              <a:rPr lang="en-US" sz="2000" dirty="0" smtClean="0"/>
+              <a:t>S </a:t>
+            </a:r>
+            <a:r>
+              <a:rPr lang="en-US" sz="2000" dirty="0" smtClean="0"/>
+              <a:t>= 1/2 </a:t>
+            </a:r>
+            <a:r>
+              <a:rPr lang="en-US" sz="2000" dirty="0" err="1" smtClean="0"/>
+              <a:t>antiferromagnetic</a:t>
+            </a:r>
+            <a:r>
+              <a:rPr lang="en-US" sz="2000" dirty="0" smtClean="0"/>
+              <a:t> </a:t>
+            </a:r>
+            <a:r>
+              <a:rPr lang="en-US" sz="2000" dirty="0" err="1" smtClean="0"/>
+              <a:t>Geisenberg</a:t>
+            </a:r>
+            <a:r>
+              <a:rPr lang="en-US" sz="2000" dirty="0" smtClean="0"/>
+              <a:t> model	</a:t>
+            </a:r>
+            <a:r>
+              <a:rPr lang="en-US" sz="2000" dirty="0" smtClean="0"/>
+              <a:t>Physical </a:t>
+            </a:r>
+            <a:r>
+              <a:rPr lang="en-US" sz="2000" dirty="0" smtClean="0"/>
+              <a:t>review B , 1990.</a:t>
+            </a:r>
+          </a:p>
+          <a:p>
+            <a:r>
+              <a:rPr lang="ru-RU" sz="2000" dirty="0" smtClean="0"/>
+              <a:t>??? Ссылка на вариационный метод                          </a:t>
+            </a:r>
+          </a:p>
+          <a:p>
+            <a:r>
+              <a:rPr lang="en-US" sz="2000" dirty="0" smtClean="0"/>
+              <a:t>N. </a:t>
+            </a:r>
+            <a:r>
+              <a:rPr lang="en-US" sz="2000" dirty="0" err="1" smtClean="0"/>
+              <a:t>Il'in</a:t>
+            </a:r>
+            <a:r>
+              <a:rPr lang="en-US" sz="2000" dirty="0" smtClean="0"/>
+              <a:t>, E. </a:t>
+            </a:r>
+            <a:r>
+              <a:rPr lang="en-US" sz="2000" dirty="0" err="1" smtClean="0"/>
+              <a:t>Shpagina</a:t>
+            </a:r>
+            <a:r>
+              <a:rPr lang="en-US" sz="2000" dirty="0" smtClean="0"/>
+              <a:t>, F. </a:t>
+            </a:r>
+            <a:r>
+              <a:rPr lang="en-US" sz="2000" dirty="0" err="1" smtClean="0"/>
+              <a:t>Uskov</a:t>
+            </a:r>
+            <a:r>
+              <a:rPr lang="en-US" sz="2000" dirty="0" smtClean="0"/>
+              <a:t>, O. </a:t>
+            </a:r>
+            <a:r>
+              <a:rPr lang="en-US" sz="2000" dirty="0" err="1" smtClean="0"/>
+              <a:t>Lychkovskiy</a:t>
+            </a:r>
+            <a:r>
+              <a:rPr lang="ru-RU" sz="2000" dirty="0" smtClean="0"/>
+              <a:t>, </a:t>
+            </a:r>
+            <a:r>
+              <a:rPr lang="en-US" sz="2000" dirty="0" smtClean="0"/>
+              <a:t>Squaring </a:t>
+            </a:r>
+            <a:r>
+              <a:rPr lang="en-US" sz="2000" dirty="0" err="1" smtClean="0"/>
+              <a:t>parametrization</a:t>
+            </a:r>
+            <a:r>
+              <a:rPr lang="en-US" sz="2000" dirty="0" smtClean="0"/>
+              <a:t> of constrained and unconstrained sets of quantum </a:t>
+            </a:r>
+            <a:r>
+              <a:rPr lang="en-US" sz="2000" dirty="0" smtClean="0"/>
+              <a:t>states.</a:t>
+            </a:r>
+            <a:r>
+              <a:rPr lang="ru-RU" sz="2000" dirty="0" smtClean="0"/>
+              <a:t> Ссылка </a:t>
+            </a:r>
+            <a:r>
+              <a:rPr lang="ru-RU" sz="2000" dirty="0" smtClean="0"/>
+              <a:t>на </a:t>
+            </a:r>
+            <a:r>
+              <a:rPr lang="en-US" sz="2000" dirty="0" smtClean="0"/>
+              <a:t>??? J Phys A</a:t>
+            </a:r>
+            <a:endParaRPr lang="ru-RU" sz="2000" dirty="0" smtClean="0"/>
+          </a:p>
+          <a:p>
+            <a:r>
+              <a:rPr lang="en-US" sz="2000" i="1" dirty="0" smtClean="0"/>
+              <a:t>K.S.D. Beach, A.W. </a:t>
+            </a:r>
+            <a:r>
+              <a:rPr lang="en-US" sz="2000" i="1" dirty="0" err="1" smtClean="0"/>
+              <a:t>Sandvik</a:t>
+            </a:r>
+            <a:r>
+              <a:rPr lang="en-US" sz="2000" i="1" dirty="0" smtClean="0"/>
+              <a:t> </a:t>
+            </a:r>
+            <a:r>
+              <a:rPr lang="ru-RU" sz="2000" i="1" dirty="0" smtClean="0"/>
+              <a:t> </a:t>
+            </a:r>
+            <a:r>
+              <a:rPr lang="en-US" sz="2000" dirty="0" smtClean="0"/>
+              <a:t>Some </a:t>
+            </a:r>
+            <a:r>
+              <a:rPr lang="en-US" sz="2000" dirty="0" smtClean="0"/>
+              <a:t>formal results for the valence bond </a:t>
+            </a:r>
+            <a:r>
+              <a:rPr lang="en-US" sz="2000" dirty="0" smtClean="0"/>
+              <a:t>basis</a:t>
+            </a:r>
+            <a:r>
+              <a:rPr lang="ru-RU" sz="2000" dirty="0" smtClean="0"/>
+              <a:t> </a:t>
+            </a:r>
+            <a:r>
+              <a:rPr lang="en-US" sz="2000" i="1" dirty="0" smtClean="0"/>
+              <a:t>Nuclear </a:t>
+            </a:r>
+            <a:r>
+              <a:rPr lang="en-US" sz="2000" i="1" dirty="0" smtClean="0"/>
+              <a:t>Physics B 750 [FS] (2006) </a:t>
+            </a:r>
+            <a:r>
+              <a:rPr lang="en-US" sz="2000" i="1" dirty="0" smtClean="0"/>
+              <a:t>142–178</a:t>
+            </a:r>
+            <a:endParaRPr lang="ru-RU" sz="2000" dirty="0"/>
+          </a:p>
+        </p:txBody>
+      </p:sp>
+      <p:sp>
+        <p:nvSpPr>
+          <p:cNvPr id="5" name="TextBox 4"/>
+          <p:cNvSpPr txBox="1"/>
+          <p:nvPr/>
+        </p:nvSpPr>
+        <p:spPr>
+          <a:xfrm>
+            <a:off x="8725296" y="0"/>
+            <a:ext cx="418704" cy="369332"/>
+          </a:xfrm>
+          <a:prstGeom prst="rect">
+            <a:avLst/>
+          </a:prstGeom>
+          <a:noFill/>
+        </p:spPr>
+        <p:txBody>
+          <a:bodyPr wrap="none" rtlCol="0">
+            <a:spAutoFit/>
+          </a:bodyPr>
+          <a:lstStyle/>
+          <a:p>
+            <a:r>
+              <a:rPr lang="en-US" dirty="0" smtClean="0"/>
+              <a:t>1</a:t>
+            </a:r>
+            <a:r>
+              <a:rPr lang="ru-RU" dirty="0" smtClean="0"/>
+              <a:t>5</a:t>
+            </a:r>
+            <a:endParaRPr lang="ru-RU" dirty="0"/>
+          </a:p>
+        </p:txBody>
+      </p:sp>
+      <p:sp>
+        <p:nvSpPr>
+          <p:cNvPr id="6" name="TextBox 5"/>
+          <p:cNvSpPr txBox="1"/>
+          <p:nvPr/>
+        </p:nvSpPr>
+        <p:spPr>
+          <a:xfrm>
+            <a:off x="3491880" y="1772816"/>
+            <a:ext cx="1996700" cy="523220"/>
+          </a:xfrm>
+          <a:prstGeom prst="rect">
+            <a:avLst/>
+          </a:prstGeom>
+          <a:noFill/>
+        </p:spPr>
+        <p:txBody>
+          <a:bodyPr wrap="none" rtlCol="0">
+            <a:spAutoFit/>
+          </a:bodyPr>
+          <a:lstStyle/>
+          <a:p>
+            <a:r>
+              <a:rPr lang="ru-RU" sz="2800" dirty="0" smtClean="0"/>
+              <a:t>Литература</a:t>
+            </a:r>
+            <a:r>
+              <a:rPr lang="ru-RU" dirty="0" smtClean="0"/>
+              <a:t>:</a:t>
+            </a:r>
+            <a:endParaRPr lang="ru-RU" dirty="0" smtClean="0"/>
           </a:p>
         </p:txBody>
       </p:sp>
@@ -5017,6 +6182,13 @@
   <p:clrMapOvr>
     <a:masterClrMapping/>
   </p:clrMapOvr>
+  <p:timing>
+    <p:tnLst>
+      <p:par>
+        <p:cTn id="1" dur="indefinite" restart="never" nodeType="tmRoot"/>
+      </p:par>
+    </p:tnLst>
+  </p:timing>
 </p:sld>
 </file>
 
@@ -5072,10 +6244,131 @@
         </p:nvSpPr>
         <p:spPr/>
         <p:txBody>
-          <a:bodyPr/>
-          <a:lstStyle/>
-          <a:p>
-            <a:endParaRPr lang="ru-RU"/>
+          <a:bodyPr>
+            <a:normAutofit fontScale="70000" lnSpcReduction="20000"/>
+          </a:bodyPr>
+          <a:lstStyle/>
+          <a:p>
+            <a:r>
+              <a:rPr lang="ru-RU" dirty="0" smtClean="0"/>
+              <a:t>Мотивация</a:t>
+            </a:r>
+          </a:p>
+          <a:p>
+            <a:r>
+              <a:rPr lang="ru-RU" dirty="0" smtClean="0"/>
+              <a:t>Описание модели, задача</a:t>
+            </a:r>
+          </a:p>
+          <a:p>
+            <a:r>
+              <a:rPr lang="ru-RU" dirty="0" smtClean="0"/>
+              <a:t>Методы решения</a:t>
+            </a:r>
+          </a:p>
+          <a:p>
+            <a:r>
+              <a:rPr lang="ru-RU" dirty="0" smtClean="0"/>
+              <a:t>Параметризация матрицы плотности</a:t>
+            </a:r>
+          </a:p>
+          <a:p>
+            <a:r>
+              <a:rPr lang="ru-RU" dirty="0" smtClean="0"/>
+              <a:t>Символьное умножение матриц</a:t>
+            </a:r>
+          </a:p>
+          <a:p>
+            <a:r>
+              <a:rPr lang="ru-RU" dirty="0" smtClean="0"/>
+              <a:t>Скалярное произведение матриц</a:t>
+            </a:r>
+          </a:p>
+          <a:p>
+            <a:r>
+              <a:rPr lang="ru-RU" dirty="0" smtClean="0"/>
+              <a:t>Переполненность базиса</a:t>
+            </a:r>
+          </a:p>
+          <a:p>
+            <a:r>
+              <a:rPr lang="ru-RU" dirty="0" smtClean="0"/>
+              <a:t>Уравнение Шредингера</a:t>
+            </a:r>
+          </a:p>
+          <a:p>
+            <a:r>
+              <a:rPr lang="ru-RU" dirty="0" smtClean="0"/>
+              <a:t>УШ: генерация </a:t>
+            </a:r>
+            <a:r>
+              <a:rPr lang="ru-RU" dirty="0" err="1" smtClean="0"/>
+              <a:t>Ро</a:t>
+            </a:r>
+            <a:endParaRPr lang="ru-RU" dirty="0" smtClean="0"/>
+          </a:p>
+          <a:p>
+            <a:r>
+              <a:rPr lang="ru-RU" dirty="0" smtClean="0"/>
+              <a:t>Вариационный метод</a:t>
+            </a:r>
+          </a:p>
+          <a:p>
+            <a:r>
+              <a:rPr lang="ru-RU" dirty="0" smtClean="0"/>
+              <a:t>Вар. метод: генерация </a:t>
+            </a:r>
+            <a:r>
+              <a:rPr lang="ru-RU" dirty="0" err="1" smtClean="0"/>
+              <a:t>Ро</a:t>
+            </a:r>
+            <a:endParaRPr lang="ru-RU" dirty="0" smtClean="0"/>
+          </a:p>
+          <a:p>
+            <a:r>
+              <a:rPr lang="ru-RU" dirty="0" smtClean="0"/>
+              <a:t>Сравнение результатов</a:t>
+            </a:r>
+          </a:p>
+          <a:p>
+            <a:r>
+              <a:rPr lang="ru-RU" dirty="0" smtClean="0"/>
+              <a:t>Выводы</a:t>
+            </a:r>
+            <a:endParaRPr lang="ru-RU" dirty="0" smtClean="0"/>
+          </a:p>
+          <a:p>
+            <a:endParaRPr lang="ru-RU" dirty="0"/>
+          </a:p>
+        </p:txBody>
+      </p:sp>
+      <p:sp>
+        <p:nvSpPr>
+          <p:cNvPr id="6" name="TextBox 5"/>
+          <p:cNvSpPr txBox="1"/>
+          <p:nvPr/>
+        </p:nvSpPr>
+        <p:spPr>
+          <a:xfrm>
+            <a:off x="8842314" y="0"/>
+            <a:ext cx="301686" cy="369332"/>
+          </a:xfrm>
+          <a:prstGeom prst="rect">
+            <a:avLst/>
+          </a:prstGeom>
+          <a:noFill/>
+        </p:spPr>
+        <p:txBody>
+          <a:bodyPr wrap="none" rtlCol="0">
+            <a:spAutoFit/>
+          </a:bodyPr>
+          <a:lstStyle/>
+          <a:p>
+            <a:r>
+              <a:rPr lang="en-US" dirty="0" smtClean="0"/>
+              <a:t>1</a:t>
+            </a:r>
+            <a:endParaRPr lang="ru-RU" dirty="0"/>
           </a:p>
         </p:txBody>
       </p:sp>
@@ -5151,19 +6444,66 @@
           <a:p>
             <a:r>
               <a:rPr lang="ru-RU" dirty="0" smtClean="0"/>
-              <a:t>Цель</a:t>
-            </a:r>
-          </a:p>
-          <a:p>
+              <a:t>Квантовый компьютер</a:t>
+            </a:r>
+          </a:p>
+          <a:p>
+            <a:r>
+              <a:rPr lang="ru-RU" dirty="0" err="1" smtClean="0"/>
+              <a:t>Кубиты</a:t>
+            </a:r>
+            <a:endParaRPr lang="en-US" dirty="0" smtClean="0"/>
+          </a:p>
+          <a:p>
+            <a:r>
+              <a:rPr lang="ru-RU" dirty="0" err="1" smtClean="0"/>
+              <a:t>Джозефсоновские</a:t>
+            </a:r>
             <a:r>
               <a:rPr lang="ru-RU" dirty="0" smtClean="0"/>
-              <a:t>Новизна</a:t>
-            </a:r>
+              <a:t> контакты</a:t>
+            </a:r>
+            <a:endParaRPr lang="ru-RU" dirty="0" smtClean="0"/>
           </a:p>
           <a:p>
             <a:r>
               <a:rPr lang="ru-RU" dirty="0" smtClean="0"/>
-              <a:t>Квантовый компьютер, все дела…</a:t>
+              <a:t>Высокотемпературные сверхпроводники</a:t>
+            </a:r>
+          </a:p>
+          <a:p>
+            <a:pPr>
+              <a:buNone/>
+            </a:pPr>
+            <a:endParaRPr lang="ru-RU" dirty="0" smtClean="0"/>
+          </a:p>
+        </p:txBody>
+      </p:sp>
+      <p:sp>
+        <p:nvSpPr>
+          <p:cNvPr id="6" name="TextBox 5"/>
+          <p:cNvSpPr txBox="1"/>
+          <p:nvPr/>
+        </p:nvSpPr>
+        <p:spPr>
+          <a:xfrm>
+            <a:off x="8842314" y="0"/>
+            <a:ext cx="301686" cy="369332"/>
+          </a:xfrm>
+          <a:prstGeom prst="rect">
+            <a:avLst/>
+          </a:prstGeom>
+          <a:noFill/>
+        </p:spPr>
+        <p:txBody>
+          <a:bodyPr wrap="none" rtlCol="0">
+            <a:spAutoFit/>
+          </a:bodyPr>
+          <a:lstStyle/>
+          <a:p>
+            <a:r>
+              <a:rPr lang="en-US" dirty="0" smtClean="0"/>
+              <a:t>2</a:t>
             </a:r>
             <a:endParaRPr lang="ru-RU" dirty="0"/>
           </a:p>
@@ -5238,12 +6578,12 @@
           <p:nvPr/>
         </p:nvGraphicFramePr>
         <p:xfrm>
-          <a:off x="323082" y="982662"/>
-          <a:ext cx="3552825" cy="1976438"/>
+          <a:off x="347663" y="1052513"/>
+          <a:ext cx="4395787" cy="1976437"/>
         </p:xfrm>
         <a:graphic>
           <a:graphicData uri="http://schemas.openxmlformats.org/presentationml/2006/ole">
-            <p:oleObj spid="_x0000_s2050" name="Equation" r:id="rId3" imgW="1866600" imgH="1041120" progId="Equation.DSMT4">
+            <p:oleObj spid="_x0000_s2050" name="Equation" r:id="rId3" imgW="2311200" imgH="1041120" progId="Equation.DSMT4">
               <p:embed/>
             </p:oleObj>
           </a:graphicData>
@@ -5282,12 +6622,12 @@
           <p:nvPr/>
         </p:nvGraphicFramePr>
         <p:xfrm>
-          <a:off x="323528" y="3284984"/>
-          <a:ext cx="4781550" cy="2233613"/>
+          <a:off x="371475" y="3284538"/>
+          <a:ext cx="4684713" cy="2233612"/>
         </p:xfrm>
         <a:graphic>
           <a:graphicData uri="http://schemas.openxmlformats.org/presentationml/2006/ole">
-            <p:oleObj spid="_x0000_s2051" name="Equation" r:id="rId5" imgW="2501640" imgH="1168200" progId="Equation.DSMT4">
+            <p:oleObj spid="_x0000_s2051" name="Equation" r:id="rId5" imgW="2450880" imgH="1168200" progId="Equation.DSMT4">
               <p:embed/>
             </p:oleObj>
           </a:graphicData>
@@ -5302,7 +6642,7 @@
         <p:spPr>
           <a:xfrm>
             <a:off x="5220072" y="3212976"/>
-            <a:ext cx="3672408" cy="2246769"/>
+            <a:ext cx="3672408" cy="2554545"/>
           </a:xfrm>
           <a:prstGeom prst="rect">
             <a:avLst/>
@@ -5385,6 +6725,29 @@
                 <a:cs typeface="Times New Roman" pitchFamily="18" charset="0"/>
               </a:rPr>
               <a:t>”</a:t>
+            </a:r>
+          </a:p>
+          <a:p>
+            <a:r>
+              <a:rPr lang="en-US" sz="2000" dirty="0" smtClean="0">
+                <a:latin typeface="Times New Roman" pitchFamily="18" charset="0"/>
+                <a:cs typeface="Times New Roman" pitchFamily="18" charset="0"/>
+              </a:rPr>
+              <a:t>		La</a:t>
+            </a:r>
+            <a:r>
+              <a:rPr lang="en-US" sz="2000" baseline="-25000" dirty="0" smtClean="0">
+                <a:latin typeface="Times New Roman" pitchFamily="18" charset="0"/>
+                <a:cs typeface="Times New Roman" pitchFamily="18" charset="0"/>
+              </a:rPr>
+              <a:t>2</a:t>
+            </a:r>
+            <a:r>
+              <a:rPr lang="en-US" sz="2000" dirty="0" smtClean="0">
+                <a:latin typeface="Times New Roman" pitchFamily="18" charset="0"/>
+                <a:cs typeface="Times New Roman" pitchFamily="18" charset="0"/>
+              </a:rPr>
+              <a:t>CuO</a:t>
             </a:r>
             <a:endParaRPr lang="ru-RU" sz="2000" dirty="0" smtClean="0">
               <a:latin typeface="Times New Roman" pitchFamily="18" charset="0"/>
@@ -5499,6 +6862,36 @@
           </a:graphicData>
         </a:graphic>
       </p:graphicFrame>
+      <p:sp>
+        <p:nvSpPr>
+          <p:cNvPr id="13" name="TextBox 12"/>
+          <p:cNvSpPr txBox="1"/>
+          <p:nvPr/>
+        </p:nvSpPr>
+        <p:spPr>
+          <a:xfrm>
+            <a:off x="8842314" y="0"/>
+            <a:ext cx="301686" cy="369332"/>
+          </a:xfrm>
+          <a:prstGeom prst="rect">
+            <a:avLst/>
+          </a:prstGeom>
+          <a:noFill/>
+        </p:spPr>
+        <p:txBody>
+          <a:bodyPr wrap="none" rtlCol="0">
+            <a:spAutoFit/>
+          </a:bodyPr>
+          <a:lstStyle/>
+          <a:p>
+            <a:r>
+              <a:rPr lang="en-US" dirty="0" smtClean="0"/>
+              <a:t>3</a:t>
+            </a:r>
+            <a:endParaRPr lang="ru-RU" dirty="0"/>
+          </a:p>
+        </p:txBody>
+      </p:sp>
     </p:spTree>
   </p:cSld>
   <p:clrMapOvr>
@@ -5598,12 +6991,12 @@
           <p:nvPr/>
         </p:nvGraphicFramePr>
         <p:xfrm>
-          <a:off x="468313" y="1052513"/>
-          <a:ext cx="4579937" cy="1633537"/>
+          <a:off x="369888" y="1052513"/>
+          <a:ext cx="4778375" cy="1633537"/>
         </p:xfrm>
         <a:graphic>
           <a:graphicData uri="http://schemas.openxmlformats.org/presentationml/2006/ole">
-            <p:oleObj spid="_x0000_s3074" name="Equation" r:id="rId3" imgW="2349360" imgH="838080" progId="Equation.DSMT4">
+            <p:oleObj spid="_x0000_s3074" name="Equation" r:id="rId3" imgW="2450880" imgH="838080" progId="Equation.DSMT4">
               <p:embed/>
             </p:oleObj>
           </a:graphicData>
@@ -5775,12 +7168,12 @@
           <p:nvPr/>
         </p:nvGraphicFramePr>
         <p:xfrm>
-          <a:off x="395536" y="3717032"/>
-          <a:ext cx="7339012" cy="1820862"/>
+          <a:off x="361950" y="3716338"/>
+          <a:ext cx="7405688" cy="1820862"/>
         </p:xfrm>
         <a:graphic>
           <a:graphicData uri="http://schemas.openxmlformats.org/presentationml/2006/ole">
-            <p:oleObj spid="_x0000_s3076" name="Equation" r:id="rId5" imgW="4190760" imgH="1041120" progId="Equation.DSMT4">
+            <p:oleObj spid="_x0000_s3076" name="Equation" r:id="rId5" imgW="4228920" imgH="1041120" progId="Equation.DSMT4">
               <p:embed/>
             </p:oleObj>
           </a:graphicData>
@@ -5842,6 +7235,36 @@
             <a:endParaRPr lang="ru-RU" dirty="0" smtClean="0"/>
           </a:p>
           <a:p>
+            <a:endParaRPr lang="ru-RU" dirty="0"/>
+          </a:p>
+        </p:txBody>
+      </p:sp>
+      <p:sp>
+        <p:nvSpPr>
+          <p:cNvPr id="17" name="TextBox 16"/>
+          <p:cNvSpPr txBox="1"/>
+          <p:nvPr/>
+        </p:nvSpPr>
+        <p:spPr>
+          <a:xfrm>
+            <a:off x="8842314" y="0"/>
+            <a:ext cx="301686" cy="369332"/>
+          </a:xfrm>
+          <a:prstGeom prst="rect">
+            <a:avLst/>
+          </a:prstGeom>
+          <a:noFill/>
+        </p:spPr>
+        <p:txBody>
+          <a:bodyPr wrap="none" rtlCol="0">
+            <a:spAutoFit/>
+          </a:bodyPr>
+          <a:lstStyle/>
+          <a:p>
+            <a:r>
+              <a:rPr lang="en-US" dirty="0" smtClean="0"/>
+              <a:t>4</a:t>
+            </a:r>
             <a:endParaRPr lang="ru-RU" dirty="0"/>
           </a:p>
         </p:txBody>
@@ -6002,12 +7425,40 @@
           </a:p>
           <a:p>
             <a:r>
+              <a:rPr lang="en-US" dirty="0" smtClean="0"/>
+              <a:t>J</a:t>
+            </a:r>
+            <a:r>
               <a:rPr lang="ru-RU" dirty="0" smtClean="0"/>
-              <a:t>Ссылка на </a:t>
+              <a:t>.</a:t>
             </a:r>
             <a:r>
               <a:rPr lang="en-US" dirty="0" smtClean="0"/>
-              <a:t>??? J Phys A</a:t>
+              <a:t> Phys</a:t>
+            </a:r>
+            <a:r>
+              <a:rPr lang="ru-RU" dirty="0" smtClean="0"/>
+              <a:t>.</a:t>
+            </a:r>
+            <a:r>
+              <a:rPr lang="en-US" dirty="0" smtClean="0"/>
+              <a:t> A</a:t>
+            </a:r>
+            <a:r>
+              <a:rPr lang="ru-RU" dirty="0" smtClean="0"/>
+              <a:t>:</a:t>
+            </a:r>
+            <a:r>
+              <a:rPr lang="en-US" dirty="0" smtClean="0"/>
+              <a:t>Math. </a:t>
+            </a:r>
+            <a:r>
+              <a:rPr lang="en-US" dirty="0" err="1" smtClean="0"/>
+              <a:t>Theor</a:t>
+            </a:r>
+            <a:r>
+              <a:rPr lang="en-US" dirty="0" smtClean="0"/>
+              <a:t>. 51 (2018) 085301</a:t>
             </a:r>
             <a:endParaRPr lang="ru-RU" dirty="0"/>
           </a:p>
@@ -6082,7 +7533,7 @@
           <p:nvPr/>
         </p:nvGraphicFramePr>
         <p:xfrm>
-          <a:off x="4572001" y="2996952"/>
+          <a:off x="4816128" y="3060452"/>
           <a:ext cx="4327872" cy="3797548"/>
         </p:xfrm>
         <a:graphic>
@@ -6093,6 +7544,36 @@
           </a:graphicData>
         </a:graphic>
       </p:graphicFrame>
+      <p:sp>
+        <p:nvSpPr>
+          <p:cNvPr id="11" name="TextBox 10"/>
+          <p:cNvSpPr txBox="1"/>
+          <p:nvPr/>
+        </p:nvSpPr>
+        <p:spPr>
+          <a:xfrm>
+            <a:off x="8842314" y="0"/>
+            <a:ext cx="301686" cy="369332"/>
+          </a:xfrm>
+          <a:prstGeom prst="rect">
+            <a:avLst/>
+          </a:prstGeom>
+          <a:noFill/>
+        </p:spPr>
+        <p:txBody>
+          <a:bodyPr wrap="none" rtlCol="0">
+            <a:spAutoFit/>
+          </a:bodyPr>
+          <a:lstStyle/>
+          <a:p>
+            <a:r>
+              <a:rPr lang="en-US" dirty="0" smtClean="0"/>
+              <a:t>5</a:t>
+            </a:r>
+            <a:endParaRPr lang="ru-RU" dirty="0"/>
+          </a:p>
+        </p:txBody>
+      </p:sp>
     </p:spTree>
   </p:cSld>
   <p:clrMapOvr>
@@ -6242,6 +7723,36 @@
           </a:graphicData>
         </a:graphic>
       </p:graphicFrame>
+      <p:sp>
+        <p:nvSpPr>
+          <p:cNvPr id="9" name="TextBox 8"/>
+          <p:cNvSpPr txBox="1"/>
+          <p:nvPr/>
+        </p:nvSpPr>
+        <p:spPr>
+          <a:xfrm>
+            <a:off x="8842314" y="0"/>
+            <a:ext cx="301686" cy="369332"/>
+          </a:xfrm>
+          <a:prstGeom prst="rect">
+            <a:avLst/>
+          </a:prstGeom>
+          <a:noFill/>
+        </p:spPr>
+        <p:txBody>
+          <a:bodyPr wrap="none" rtlCol="0">
+            <a:spAutoFit/>
+          </a:bodyPr>
+          <a:lstStyle/>
+          <a:p>
+            <a:r>
+              <a:rPr lang="en-US" dirty="0" smtClean="0"/>
+              <a:t>6</a:t>
+            </a:r>
+            <a:endParaRPr lang="ru-RU" dirty="0"/>
+          </a:p>
+        </p:txBody>
+      </p:sp>
     </p:spTree>
   </p:cSld>
   <p:clrMapOvr>
@@ -6443,11 +7954,37 @@
           <a:p>
             <a:r>
               <a:rPr lang="en-US" i="1" dirty="0" smtClean="0"/>
-              <a:t>Nuclear </a:t>
-            </a:r>
-            <a:r>
-              <a:rPr lang="en-US" i="1" dirty="0" smtClean="0"/>
-              <a:t>Physics B 750 [FS] (2006) 142–178</a:t>
+              <a:t>Nuclear Physics B 750 [FS] (2006) 142–178</a:t>
+            </a:r>
+            <a:endParaRPr lang="ru-RU" dirty="0"/>
+          </a:p>
+        </p:txBody>
+      </p:sp>
+      <p:sp>
+        <p:nvSpPr>
+          <p:cNvPr id="10" name="TextBox 9"/>
+          <p:cNvSpPr txBox="1"/>
+          <p:nvPr/>
+        </p:nvSpPr>
+        <p:spPr>
+          <a:xfrm>
+            <a:off x="8842314" y="0"/>
+            <a:ext cx="301686" cy="369332"/>
+          </a:xfrm>
+          <a:prstGeom prst="rect">
+            <a:avLst/>
+          </a:prstGeom>
+          <a:noFill/>
+        </p:spPr>
+        <p:txBody>
+          <a:bodyPr wrap="none" rtlCol="0">
+            <a:spAutoFit/>
+          </a:bodyPr>
+          <a:lstStyle/>
+          <a:p>
+            <a:r>
+              <a:rPr lang="en-US" dirty="0" smtClean="0"/>
+              <a:t>7</a:t>
             </a:r>
             <a:endParaRPr lang="ru-RU" dirty="0"/>
           </a:p>
@@ -6612,11 +8149,48 @@
           </a:p>
         </p:txBody>
       </p:sp>
+      <p:sp>
+        <p:nvSpPr>
+          <p:cNvPr id="10" name="TextBox 9"/>
+          <p:cNvSpPr txBox="1"/>
+          <p:nvPr/>
+        </p:nvSpPr>
+        <p:spPr>
+          <a:xfrm>
+            <a:off x="8842314" y="0"/>
+            <a:ext cx="301686" cy="369332"/>
+          </a:xfrm>
+          <a:prstGeom prst="rect">
+            <a:avLst/>
+          </a:prstGeom>
+          <a:noFill/>
+        </p:spPr>
+        <p:txBody>
+          <a:bodyPr wrap="none" rtlCol="0">
+            <a:spAutoFit/>
+          </a:bodyPr>
+          <a:lstStyle/>
+          <a:p>
+            <a:r>
+              <a:rPr lang="en-US" dirty="0" smtClean="0"/>
+              <a:t>8</a:t>
+            </a:r>
+            <a:endParaRPr lang="ru-RU" dirty="0"/>
+          </a:p>
+        </p:txBody>
+      </p:sp>
     </p:spTree>
   </p:cSld>
   <p:clrMapOvr>
     <a:masterClrMapping/>
   </p:clrMapOvr>
+  <p:timing>
+    <p:tnLst>
+      <p:par>
+        <p:cTn id="1" dur="indefinite" restart="never" nodeType="tmRoot"/>
+      </p:par>
+    </p:tnLst>
+  </p:timing>
 </p:sld>
 </file>
 
@@ -6901,4 +8475,570 @@
   <a:objectDefaults/>
   <a:extraClrSchemeLst/>
 </a:theme>
+</file>
+
+<file path=ppt/theme/theme2.xml><?xml version="1.0" encoding="utf-8"?>
+<a:theme xmlns:a="http://schemas.openxmlformats.org/drawingml/2006/main" name="Тема Office">
+  <a:themeElements>
+    <a:clrScheme name="Стандартная">
+      <a:dk1>
+        <a:sysClr val="windowText" lastClr="000000"/>
+      </a:dk1>
+      <a:lt1>
+        <a:sysClr val="window" lastClr="FFFFFF"/>
+      </a:lt1>
+      <a:dk2>
+        <a:srgbClr val="1F497D"/>
+      </a:dk2>
+      <a:lt2>
+        <a:srgbClr val="EEECE1"/>
+      </a:lt2>
+      <a:accent1>
+        <a:srgbClr val="4F81BD"/>
+      </a:accent1>
+      <a:accent2>
+        <a:srgbClr val="C0504D"/>
+      </a:accent2>
+      <a:accent3>
+        <a:srgbClr val="9BBB59"/>
+      </a:accent3>
+      <a:accent4>
+        <a:srgbClr val="8064A2"/>
+      </a:accent4>
+      <a:accent5>
+        <a:srgbClr val="4BACC6"/>
+      </a:accent5>
+      <a:accent6>
+        <a:srgbClr val="F79646"/>
+      </a:accent6>
+      <a:hlink>
+        <a:srgbClr val="0000FF"/>
+      </a:hlink>
+      <a:folHlink>
+        <a:srgbClr val="800080"/>
+      </a:folHlink>
+    </a:clrScheme>
+    <a:fontScheme name="Стандартная">
+      <a:majorFont>
+        <a:latin typeface="Calibri"/>
+        <a:ea typeface=""/>
+        <a:cs typeface=""/>
+        <a:font script="Jpan" typeface="ＭＳ Ｐゴシック"/>
+        <a:font script="Hang" typeface="맑은 고딕"/>
+        <a:font script="Hans" typeface="宋体"/>
+        <a:font script="Hant" typeface="新細明體"/>
+        <a:font script="Arab" typeface="Times New Roman"/>
+        <a:font script="Hebr" typeface="Times New Roman"/>
+        <a:font script="Thai" typeface="Angsana New"/>
+        <a:font script="Ethi" typeface="Nyala"/>
+        <a:font script="Beng" typeface="Vrinda"/>
+        <a:font script="Gujr" typeface="Shruti"/>
+        <a:font script="Khmr" typeface="MoolBoran"/>
+        <a:font script="Knda" typeface="Tunga"/>
+        <a:font script="Guru" typeface="Raavi"/>
+        <a:font script="Cans" typeface="Euphemia"/>
+        <a:font script="Cher" typeface="Plantagenet Cherokee"/>
+        <a:font script="Yiii" typeface="Microsoft Yi Baiti"/>
+        <a:font script="Tibt" typeface="Microsoft Himalaya"/>
+        <a:font script="Thaa" typeface="MV Boli"/>
+        <a:font script="Deva" typeface="Mangal"/>
+        <a:font script="Telu" typeface="Gautami"/>
+        <a:font script="Taml" typeface="Latha"/>
+        <a:font script="Syrc" typeface="Estrangelo Edessa"/>
+        <a:font script="Orya" typeface="Kalinga"/>
+        <a:font script="Mlym" typeface="Kartika"/>
+        <a:font script="Laoo" typeface="DokChampa"/>
+        <a:font script="Sinh" typeface="Iskoola Pota"/>
+        <a:font script="Mong" typeface="Mongolian Baiti"/>
+        <a:font script="Viet" typeface="Times New Roman"/>
+        <a:font script="Uigh" typeface="Microsoft Uighur"/>
+      </a:majorFont>
+      <a:minorFont>
+        <a:latin typeface="Calibri"/>
+        <a:ea typeface=""/>
+        <a:cs typeface=""/>
+        <a:font script="Jpan" typeface="ＭＳ Ｐゴシック"/>
+        <a:font script="Hang" typeface="맑은 고딕"/>
+        <a:font script="Hans" typeface="宋体"/>
+        <a:font script="Hant" typeface="新細明體"/>
+        <a:font script="Arab" typeface="Arial"/>
+        <a:font script="Hebr" typeface="Arial"/>
+        <a:font script="Thai" typeface="Cordia New"/>
+        <a:font script="Ethi" typeface="Nyala"/>
+        <a:font script="Beng" typeface="Vrinda"/>
+        <a:font script="Gujr" typeface="Shruti"/>
+        <a:font script="Khmr" typeface="DaunPenh"/>
+        <a:font script="Knda" typeface="Tunga"/>
+        <a:font script="Guru" typeface="Raavi"/>
+        <a:font script="Cans" typeface="Euphemia"/>
+        <a:font script="Cher" typeface="Plantagenet Cherokee"/>
+        <a:font script="Yiii" typeface="Microsoft Yi Baiti"/>
+        <a:font script="Tibt" typeface="Microsoft Himalaya"/>
+        <a:font script="Thaa" typeface="MV Boli"/>
+        <a:font script="Deva" typeface="Mangal"/>
+        <a:font script="Telu" typeface="Gautami"/>
+        <a:font script="Taml" typeface="Latha"/>
+        <a:font script="Syrc" typeface="Estrangelo Edessa"/>
+        <a:font script="Orya" typeface="Kalinga"/>
+        <a:font script="Mlym" typeface="Kartika"/>
+        <a:font script="Laoo" typeface="DokChampa"/>
+        <a:font script="Sinh" typeface="Iskoola Pota"/>
+        <a:font script="Mong" typeface="Mongolian Baiti"/>
+        <a:font script="Viet" typeface="Arial"/>
+        <a:font script="Uigh" typeface="Microsoft Uighur"/>
+      </a:minorFont>
+    </a:fontScheme>
+    <a:fmtScheme name="Стандартная">
+      <a:fillStyleLst>
+        <a:solidFill>
+          <a:schemeClr val="phClr"/>
+        </a:solidFill>
+        <a:gradFill rotWithShape="1">
+          <a:gsLst>
+            <a:gs pos="0">
+              <a:schemeClr val="phClr">
+                <a:tint val="50000"/>
+                <a:satMod val="300000"/>
+              </a:schemeClr>
+            </a:gs>
+            <a:gs pos="35000">
+              <a:schemeClr val="phClr">
+                <a:tint val="37000"/>
+                <a:satMod val="300000"/>
+              </a:schemeClr>
+            </a:gs>
+            <a:gs pos="100000">
+              <a:schemeClr val="phClr">
+                <a:tint val="15000"/>
+                <a:satMod val="350000"/>
+              </a:schemeClr>
+            </a:gs>
+          </a:gsLst>
+          <a:lin ang="16200000" scaled="1"/>
+        </a:gradFill>
+        <a:gradFill rotWithShape="1">
+          <a:gsLst>
+            <a:gs pos="0">
+              <a:schemeClr val="phClr">
+                <a:shade val="51000"/>
+                <a:satMod val="130000"/>
+              </a:schemeClr>
+            </a:gs>
+            <a:gs pos="80000">
+              <a:schemeClr val="phClr">
+                <a:shade val="93000"/>
+                <a:satMod val="130000"/>
+              </a:schemeClr>
+            </a:gs>
+            <a:gs pos="100000">
+              <a:schemeClr val="phClr">
+                <a:shade val="94000"/>
+                <a:satMod val="135000"/>
+              </a:schemeClr>
+            </a:gs>
+          </a:gsLst>
+          <a:lin ang="16200000" scaled="0"/>
+        </a:gradFill>
+      </a:fillStyleLst>
+      <a:lnStyleLst>
+        <a:ln w="9525" cap="flat" cmpd="sng" algn="ctr">
+          <a:solidFill>
+            <a:schemeClr val="phClr">
+              <a:shade val="95000"/>
+              <a:satMod val="105000"/>
+            </a:schemeClr>
+          </a:solidFill>
+          <a:prstDash val="solid"/>
+        </a:ln>
+        <a:ln w="25400" cap="flat" cmpd="sng" algn="ctr">
+          <a:solidFill>
+            <a:schemeClr val="phClr"/>
+          </a:solidFill>
+          <a:prstDash val="solid"/>
+        </a:ln>
+        <a:ln w="38100" cap="flat" cmpd="sng" algn="ctr">
+          <a:solidFill>
+            <a:schemeClr val="phClr"/>
+          </a:solidFill>
+          <a:prstDash val="solid"/>
+        </a:ln>
+      </a:lnStyleLst>
+      <a:effectStyleLst>
+        <a:effectStyle>
+          <a:effectLst>
+            <a:outerShdw blurRad="40000" dist="20000" dir="5400000" rotWithShape="0">
+              <a:srgbClr val="000000">
+                <a:alpha val="38000"/>
+              </a:srgbClr>
+            </a:outerShdw>
+          </a:effectLst>
+        </a:effectStyle>
+        <a:effectStyle>
+          <a:effectLst>
+            <a:outerShdw blurRad="40000" dist="23000" dir="5400000" rotWithShape="0">
+              <a:srgbClr val="000000">
+                <a:alpha val="35000"/>
+              </a:srgbClr>
+            </a:outerShdw>
+          </a:effectLst>
+        </a:effectStyle>
+        <a:effectStyle>
+          <a:effectLst>
+            <a:outerShdw blurRad="40000" dist="23000" dir="5400000" rotWithShape="0">
+              <a:srgbClr val="000000">
+                <a:alpha val="35000"/>
+              </a:srgbClr>
+            </a:outerShdw>
+          </a:effectLst>
+          <a:scene3d>
+            <a:camera prst="orthographicFront">
+              <a:rot lat="0" lon="0" rev="0"/>
+            </a:camera>
+            <a:lightRig rig="threePt" dir="t">
+              <a:rot lat="0" lon="0" rev="1200000"/>
+            </a:lightRig>
+          </a:scene3d>
+          <a:sp3d>
+            <a:bevelT w="63500" h="25400"/>
+          </a:sp3d>
+        </a:effectStyle>
+      </a:effectStyleLst>
+      <a:bgFillStyleLst>
+        <a:solidFill>
+          <a:schemeClr val="phClr"/>
+        </a:solidFill>
+        <a:gradFill rotWithShape="1">
+          <a:gsLst>
+            <a:gs pos="0">
+              <a:schemeClr val="phClr">
+                <a:tint val="40000"/>
+                <a:satMod val="350000"/>
+              </a:schemeClr>
+            </a:gs>
+            <a:gs pos="40000">
+              <a:schemeClr val="phClr">
+                <a:tint val="45000"/>
+                <a:shade val="99000"/>
+                <a:satMod val="350000"/>
+              </a:schemeClr>
+            </a:gs>
+            <a:gs pos="100000">
+              <a:schemeClr val="phClr">
+                <a:shade val="20000"/>
+                <a:satMod val="255000"/>
+              </a:schemeClr>
+            </a:gs>
+          </a:gsLst>
+          <a:path path="circle">
+            <a:fillToRect l="50000" t="-80000" r="50000" b="180000"/>
+          </a:path>
+        </a:gradFill>
+        <a:gradFill rotWithShape="1">
+          <a:gsLst>
+            <a:gs pos="0">
+              <a:schemeClr val="phClr">
+                <a:tint val="80000"/>
+                <a:satMod val="300000"/>
+              </a:schemeClr>
+            </a:gs>
+            <a:gs pos="100000">
+              <a:schemeClr val="phClr">
+                <a:shade val="30000"/>
+                <a:satMod val="200000"/>
+              </a:schemeClr>
+            </a:gs>
+          </a:gsLst>
+          <a:path path="circle">
+            <a:fillToRect l="50000" t="50000" r="50000" b="50000"/>
+          </a:path>
+        </a:gradFill>
+      </a:bgFillStyleLst>
+    </a:fmtScheme>
+  </a:themeElements>
+  <a:objectDefaults/>
+  <a:extraClrSchemeLst/>
+</a:theme>
+</file>
+
+<file path=ppt/theme/theme3.xml><?xml version="1.0" encoding="utf-8"?>
+<a:theme xmlns:a="http://schemas.openxmlformats.org/drawingml/2006/main" name="Тема Office">
+  <a:themeElements>
+    <a:clrScheme name="Стандартная">
+      <a:dk1>
+        <a:sysClr val="windowText" lastClr="000000"/>
+      </a:dk1>
+      <a:lt1>
+        <a:sysClr val="window" lastClr="FFFFFF"/>
+      </a:lt1>
+      <a:dk2>
+        <a:srgbClr val="1F497D"/>
+      </a:dk2>
+      <a:lt2>
+        <a:srgbClr val="EEECE1"/>
+      </a:lt2>
+      <a:accent1>
+        <a:srgbClr val="4F81BD"/>
+      </a:accent1>
+      <a:accent2>
+        <a:srgbClr val="C0504D"/>
+      </a:accent2>
+      <a:accent3>
+        <a:srgbClr val="9BBB59"/>
+      </a:accent3>
+      <a:accent4>
+        <a:srgbClr val="8064A2"/>
+      </a:accent4>
+      <a:accent5>
+        <a:srgbClr val="4BACC6"/>
+      </a:accent5>
+      <a:accent6>
+        <a:srgbClr val="F79646"/>
+      </a:accent6>
+      <a:hlink>
+        <a:srgbClr val="0000FF"/>
+      </a:hlink>
+      <a:folHlink>
+        <a:srgbClr val="800080"/>
+      </a:folHlink>
+    </a:clrScheme>
+    <a:fontScheme name="Стандартная">
+      <a:majorFont>
+        <a:latin typeface="Calibri"/>
+        <a:ea typeface=""/>
+        <a:cs typeface=""/>
+        <a:font script="Jpan" typeface="ＭＳ Ｐゴシック"/>
+        <a:font script="Hang" typeface="맑은 고딕"/>
+        <a:font script="Hans" typeface="宋体"/>
+        <a:font script="Hant" typeface="新細明體"/>
+        <a:font script="Arab" typeface="Times New Roman"/>
+        <a:font script="Hebr" typeface="Times New Roman"/>
+        <a:font script="Thai" typeface="Angsana New"/>
+        <a:font script="Ethi" typeface="Nyala"/>
+        <a:font script="Beng" typeface="Vrinda"/>
+        <a:font script="Gujr" typeface="Shruti"/>
+        <a:font script="Khmr" typeface="MoolBoran"/>
+        <a:font script="Knda" typeface="Tunga"/>
+        <a:font script="Guru" typeface="Raavi"/>
+        <a:font script="Cans" typeface="Euphemia"/>
+        <a:font script="Cher" typeface="Plantagenet Cherokee"/>
+        <a:font script="Yiii" typeface="Microsoft Yi Baiti"/>
+        <a:font script="Tibt" typeface="Microsoft Himalaya"/>
+        <a:font script="Thaa" typeface="MV Boli"/>
+        <a:font script="Deva" typeface="Mangal"/>
+        <a:font script="Telu" typeface="Gautami"/>
+        <a:font script="Taml" typeface="Latha"/>
+        <a:font script="Syrc" typeface="Estrangelo Edessa"/>
+        <a:font script="Orya" typeface="Kalinga"/>
+        <a:font script="Mlym" typeface="Kartika"/>
+        <a:font script="Laoo" typeface="DokChampa"/>
+        <a:font script="Sinh" typeface="Iskoola Pota"/>
+        <a:font script="Mong" typeface="Mongolian Baiti"/>
+        <a:font script="Viet" typeface="Times New Roman"/>
+        <a:font script="Uigh" typeface="Microsoft Uighur"/>
+      </a:majorFont>
+      <a:minorFont>
+        <a:latin typeface="Calibri"/>
+        <a:ea typeface=""/>
+        <a:cs typeface=""/>
+        <a:font script="Jpan" typeface="ＭＳ Ｐゴシック"/>
+        <a:font script="Hang" typeface="맑은 고딕"/>
+        <a:font script="Hans" typeface="宋体"/>
+        <a:font script="Hant" typeface="新細明體"/>
+        <a:font script="Arab" typeface="Arial"/>
+        <a:font script="Hebr" typeface="Arial"/>
+        <a:font script="Thai" typeface="Cordia New"/>
+        <a:font script="Ethi" typeface="Nyala"/>
+        <a:font script="Beng" typeface="Vrinda"/>
+        <a:font script="Gujr" typeface="Shruti"/>
+        <a:font script="Khmr" typeface="DaunPenh"/>
+        <a:font script="Knda" typeface="Tunga"/>
+        <a:font script="Guru" typeface="Raavi"/>
+        <a:font script="Cans" typeface="Euphemia"/>
+        <a:font script="Cher" typeface="Plantagenet Cherokee"/>
+        <a:font script="Yiii" typeface="Microsoft Yi Baiti"/>
+        <a:font script="Tibt" typeface="Microsoft Himalaya"/>
+        <a:font script="Thaa" typeface="MV Boli"/>
+        <a:font script="Deva" typeface="Mangal"/>
+        <a:font script="Telu" typeface="Gautami"/>
+        <a:font script="Taml" typeface="Latha"/>
+        <a:font script="Syrc" typeface="Estrangelo Edessa"/>
+        <a:font script="Orya" typeface="Kalinga"/>
+        <a:font script="Mlym" typeface="Kartika"/>
+        <a:font script="Laoo" typeface="DokChampa"/>
+        <a:font script="Sinh" typeface="Iskoola Pota"/>
+        <a:font script="Mong" typeface="Mongolian Baiti"/>
+        <a:font script="Viet" typeface="Arial"/>
+        <a:font script="Uigh" typeface="Microsoft Uighur"/>
+      </a:minorFont>
+    </a:fontScheme>
+    <a:fmtScheme name="Стандартная">
+      <a:fillStyleLst>
+        <a:solidFill>
+          <a:schemeClr val="phClr"/>
+        </a:solidFill>
+        <a:gradFill rotWithShape="1">
+          <a:gsLst>
+            <a:gs pos="0">
+              <a:schemeClr val="phClr">
+                <a:tint val="50000"/>
+                <a:satMod val="300000"/>
+              </a:schemeClr>
+            </a:gs>
+            <a:gs pos="35000">
+              <a:schemeClr val="phClr">
+                <a:tint val="37000"/>
+                <a:satMod val="300000"/>
+              </a:schemeClr>
+            </a:gs>
+            <a:gs pos="100000">
+              <a:schemeClr val="phClr">
+                <a:tint val="15000"/>
+                <a:satMod val="350000"/>
+              </a:schemeClr>
+            </a:gs>
+          </a:gsLst>
+          <a:lin ang="16200000" scaled="1"/>
+        </a:gradFill>
+        <a:gradFill rotWithShape="1">
+          <a:gsLst>
+            <a:gs pos="0">
+              <a:schemeClr val="phClr">
+                <a:shade val="51000"/>
+                <a:satMod val="130000"/>
+              </a:schemeClr>
+            </a:gs>
+            <a:gs pos="80000">
+              <a:schemeClr val="phClr">
+                <a:shade val="93000"/>
+                <a:satMod val="130000"/>
+              </a:schemeClr>
+            </a:gs>
+            <a:gs pos="100000">
+              <a:schemeClr val="phClr">
+                <a:shade val="94000"/>
+                <a:satMod val="135000"/>
+              </a:schemeClr>
+            </a:gs>
+          </a:gsLst>
+          <a:lin ang="16200000" scaled="0"/>
+        </a:gradFill>
+      </a:fillStyleLst>
+      <a:lnStyleLst>
+        <a:ln w="9525" cap="flat" cmpd="sng" algn="ctr">
+          <a:solidFill>
+            <a:schemeClr val="phClr">
+              <a:shade val="95000"/>
+              <a:satMod val="105000"/>
+            </a:schemeClr>
+          </a:solidFill>
+          <a:prstDash val="solid"/>
+        </a:ln>
+        <a:ln w="25400" cap="flat" cmpd="sng" algn="ctr">
+          <a:solidFill>
+            <a:schemeClr val="phClr"/>
+          </a:solidFill>
+          <a:prstDash val="solid"/>
+        </a:ln>
+        <a:ln w="38100" cap="flat" cmpd="sng" algn="ctr">
+          <a:solidFill>
+            <a:schemeClr val="phClr"/>
+          </a:solidFill>
+          <a:prstDash val="solid"/>
+        </a:ln>
+      </a:lnStyleLst>
+      <a:effectStyleLst>
+        <a:effectStyle>
+          <a:effectLst>
+            <a:outerShdw blurRad="40000" dist="20000" dir="5400000" rotWithShape="0">
+              <a:srgbClr val="000000">
+                <a:alpha val="38000"/>
+              </a:srgbClr>
+            </a:outerShdw>
+          </a:effectLst>
+        </a:effectStyle>
+        <a:effectStyle>
+          <a:effectLst>
+            <a:outerShdw blurRad="40000" dist="23000" dir="5400000" rotWithShape="0">
+              <a:srgbClr val="000000">
+                <a:alpha val="35000"/>
+              </a:srgbClr>
+            </a:outerShdw>
+          </a:effectLst>
+        </a:effectStyle>
+        <a:effectStyle>
+          <a:effectLst>
+            <a:outerShdw blurRad="40000" dist="23000" dir="5400000" rotWithShape="0">
+              <a:srgbClr val="000000">
+                <a:alpha val="35000"/>
+              </a:srgbClr>
+            </a:outerShdw>
+          </a:effectLst>
+          <a:scene3d>
+            <a:camera prst="orthographicFront">
+              <a:rot lat="0" lon="0" rev="0"/>
+            </a:camera>
+            <a:lightRig rig="threePt" dir="t">
+              <a:rot lat="0" lon="0" rev="1200000"/>
+            </a:lightRig>
+          </a:scene3d>
+          <a:sp3d>
+            <a:bevelT w="63500" h="25400"/>
+          </a:sp3d>
+        </a:effectStyle>
+      </a:effectStyleLst>
+      <a:bgFillStyleLst>
+        <a:solidFill>
+          <a:schemeClr val="phClr"/>
+        </a:solidFill>
+        <a:gradFill rotWithShape="1">
+          <a:gsLst>
+            <a:gs pos="0">
+              <a:schemeClr val="phClr">
+                <a:tint val="40000"/>
+                <a:satMod val="350000"/>
+              </a:schemeClr>
+            </a:gs>
+            <a:gs pos="40000">
+              <a:schemeClr val="phClr">
+                <a:tint val="45000"/>
+                <a:shade val="99000"/>
+                <a:satMod val="350000"/>
+              </a:schemeClr>
+            </a:gs>
+            <a:gs pos="100000">
+              <a:schemeClr val="phClr">
+                <a:shade val="20000"/>
+                <a:satMod val="255000"/>
+              </a:schemeClr>
+            </a:gs>
+          </a:gsLst>
+          <a:path path="circle">
+            <a:fillToRect l="50000" t="-80000" r="50000" b="180000"/>
+          </a:path>
+        </a:gradFill>
+        <a:gradFill rotWithShape="1">
+          <a:gsLst>
+            <a:gs pos="0">
+              <a:schemeClr val="phClr">
+                <a:tint val="80000"/>
+                <a:satMod val="300000"/>
+              </a:schemeClr>
+            </a:gs>
+            <a:gs pos="100000">
+              <a:schemeClr val="phClr">
+                <a:shade val="30000"/>
+                <a:satMod val="200000"/>
+              </a:schemeClr>
+            </a:gs>
+          </a:gsLst>
+          <a:path path="circle">
+            <a:fillToRect l="50000" t="50000" r="50000" b="50000"/>
+          </a:path>
+        </a:gradFill>
+      </a:bgFillStyleLst>
+    </a:fmtScheme>
+  </a:themeElements>
+  <a:objectDefaults/>
+  <a:extraClrSchemeLst/>
+</a:theme>
 </file>
--- a/LaTeX-поделки/Системы спинов 1.pptx
+++ b/LaTeX-поделки/Системы спинов 1.pptx
@@ -4,12 +4,18 @@
   <p:sldMasterIdLst>
     <p:sldMasterId id="2147483732" r:id="rId1"/>
   </p:sldMasterIdLst>
+  <p:notesMasterIdLst>
+    <p:notesMasterId r:id="rId18"/>
+  </p:notesMasterIdLst>
+  <p:handoutMasterIdLst>
+    <p:handoutMasterId r:id="rId19"/>
+  </p:handoutMasterIdLst>
   <p:sldIdLst>
     <p:sldId id="256" r:id="rId2"/>
     <p:sldId id="257" r:id="rId3"/>
-    <p:sldId id="258" r:id="rId4"/>
-    <p:sldId id="259" r:id="rId5"/>
-    <p:sldId id="260" r:id="rId6"/>
+    <p:sldId id="259" r:id="rId4"/>
+    <p:sldId id="260" r:id="rId5"/>
+    <p:sldId id="272" r:id="rId6"/>
     <p:sldId id="261" r:id="rId7"/>
     <p:sldId id="262" r:id="rId8"/>
     <p:sldId id="263" r:id="rId9"/>
@@ -122,6 +128,599 @@
 </p:presentation>
 </file>
 
+<file path=ppt/handoutMasters/handoutMaster1.xml><?xml version="1.0" encoding="utf-8"?>
+<p:handoutMaster xmlns:a="http://schemas.openxmlformats.org/drawingml/2006/main" xmlns:r="http://schemas.openxmlformats.org/officeDocument/2006/relationships" xmlns:p="http://schemas.openxmlformats.org/presentationml/2006/main">
+  <p:cSld>
+    <p:bg>
+      <p:bgRef idx="1001">
+        <a:schemeClr val="bg1"/>
+      </p:bgRef>
+    </p:bg>
+    <p:spTree>
+      <p:nvGrpSpPr>
+        <p:cNvPr id="1" name=""/>
+        <p:cNvGrpSpPr/>
+        <p:nvPr/>
+      </p:nvGrpSpPr>
+      <p:grpSpPr>
+        <a:xfrm>
+          <a:off x="0" y="0"/>
+          <a:ext cx="0" cy="0"/>
+          <a:chOff x="0" y="0"/>
+          <a:chExt cx="0" cy="0"/>
+        </a:xfrm>
+      </p:grpSpPr>
+      <p:sp>
+        <p:nvSpPr>
+          <p:cNvPr id="2" name="Верхний колонтитул 1"/>
+          <p:cNvSpPr>
+            <a:spLocks noGrp="1"/>
+          </p:cNvSpPr>
+          <p:nvPr>
+            <p:ph type="hdr" sz="quarter"/>
+          </p:nvPr>
+        </p:nvSpPr>
+        <p:spPr>
+          <a:xfrm>
+            <a:off x="0" y="0"/>
+            <a:ext cx="2971800" cy="457200"/>
+          </a:xfrm>
+          <a:prstGeom prst="rect">
+            <a:avLst/>
+          </a:prstGeom>
+        </p:spPr>
+        <p:txBody>
+          <a:bodyPr vert="horz" lIns="91440" tIns="45720" rIns="91440" bIns="45720" rtlCol="0"/>
+          <a:lstStyle>
+            <a:lvl1pPr algn="l">
+              <a:defRPr sz="1200"/>
+            </a:lvl1pPr>
+          </a:lstStyle>
+          <a:p>
+            <a:endParaRPr lang="ru-RU"/>
+          </a:p>
+        </p:txBody>
+      </p:sp>
+      <p:sp>
+        <p:nvSpPr>
+          <p:cNvPr id="3" name="Дата 2"/>
+          <p:cNvSpPr>
+            <a:spLocks noGrp="1"/>
+          </p:cNvSpPr>
+          <p:nvPr>
+            <p:ph type="dt" sz="quarter" idx="1"/>
+          </p:nvPr>
+        </p:nvSpPr>
+        <p:spPr>
+          <a:xfrm>
+            <a:off x="3884613" y="0"/>
+            <a:ext cx="2971800" cy="457200"/>
+          </a:xfrm>
+          <a:prstGeom prst="rect">
+            <a:avLst/>
+          </a:prstGeom>
+        </p:spPr>
+        <p:txBody>
+          <a:bodyPr vert="horz" lIns="91440" tIns="45720" rIns="91440" bIns="45720" rtlCol="0"/>
+          <a:lstStyle>
+            <a:lvl1pPr algn="r">
+              <a:defRPr sz="1200"/>
+            </a:lvl1pPr>
+          </a:lstStyle>
+          <a:p>
+            <a:fld id="{2DAE3516-E495-44C0-B309-469C16998D46}" type="datetimeFigureOut">
+              <a:rPr lang="ru-RU" smtClean="0"/>
+              <a:pPr/>
+              <a:t>25.04.2018</a:t>
+            </a:fld>
+            <a:endParaRPr lang="ru-RU"/>
+          </a:p>
+        </p:txBody>
+      </p:sp>
+      <p:sp>
+        <p:nvSpPr>
+          <p:cNvPr id="4" name="Нижний колонтитул 3"/>
+          <p:cNvSpPr>
+            <a:spLocks noGrp="1"/>
+          </p:cNvSpPr>
+          <p:nvPr>
+            <p:ph type="ftr" sz="quarter" idx="2"/>
+          </p:nvPr>
+        </p:nvSpPr>
+        <p:spPr>
+          <a:xfrm>
+            <a:off x="0" y="8685213"/>
+            <a:ext cx="2971800" cy="457200"/>
+          </a:xfrm>
+          <a:prstGeom prst="rect">
+            <a:avLst/>
+          </a:prstGeom>
+        </p:spPr>
+        <p:txBody>
+          <a:bodyPr vert="horz" lIns="91440" tIns="45720" rIns="91440" bIns="45720" rtlCol="0" anchor="b"/>
+          <a:lstStyle>
+            <a:lvl1pPr algn="l">
+              <a:defRPr sz="1200"/>
+            </a:lvl1pPr>
+          </a:lstStyle>
+          <a:p>
+            <a:endParaRPr lang="ru-RU"/>
+          </a:p>
+        </p:txBody>
+      </p:sp>
+      <p:sp>
+        <p:nvSpPr>
+          <p:cNvPr id="5" name="Номер слайда 4"/>
+          <p:cNvSpPr>
+            <a:spLocks noGrp="1"/>
+          </p:cNvSpPr>
+          <p:nvPr>
+            <p:ph type="sldNum" sz="quarter" idx="3"/>
+          </p:nvPr>
+        </p:nvSpPr>
+        <p:spPr>
+          <a:xfrm>
+            <a:off x="3884613" y="8685213"/>
+            <a:ext cx="2971800" cy="457200"/>
+          </a:xfrm>
+          <a:prstGeom prst="rect">
+            <a:avLst/>
+          </a:prstGeom>
+        </p:spPr>
+        <p:txBody>
+          <a:bodyPr vert="horz" lIns="91440" tIns="45720" rIns="91440" bIns="45720" rtlCol="0" anchor="b"/>
+          <a:lstStyle>
+            <a:lvl1pPr algn="r">
+              <a:defRPr sz="1200"/>
+            </a:lvl1pPr>
+          </a:lstStyle>
+          <a:p>
+            <a:fld id="{7B6D9256-B3EA-42D4-AE1F-866490FBEDDD}" type="slidenum">
+              <a:rPr lang="ru-RU" smtClean="0"/>
+              <a:pPr/>
+              <a:t>‹#›</a:t>
+            </a:fld>
+            <a:endParaRPr lang="ru-RU"/>
+          </a:p>
+        </p:txBody>
+      </p:sp>
+    </p:spTree>
+  </p:cSld>
+  <p:clrMap bg1="lt1" tx1="dk1" bg2="lt2" tx2="dk2" accent1="accent1" accent2="accent2" accent3="accent3" accent4="accent4" accent5="accent5" accent6="accent6" hlink="hlink" folHlink="folHlink"/>
+</p:handoutMaster>
+</file>
+
+<file path=ppt/notesMasters/notesMaster1.xml><?xml version="1.0" encoding="utf-8"?>
+<p:notesMaster xmlns:a="http://schemas.openxmlformats.org/drawingml/2006/main" xmlns:r="http://schemas.openxmlformats.org/officeDocument/2006/relationships" xmlns:p="http://schemas.openxmlformats.org/presentationml/2006/main">
+  <p:cSld>
+    <p:bg>
+      <p:bgRef idx="1001">
+        <a:schemeClr val="bg1"/>
+      </p:bgRef>
+    </p:bg>
+    <p:spTree>
+      <p:nvGrpSpPr>
+        <p:cNvPr id="1" name=""/>
+        <p:cNvGrpSpPr/>
+        <p:nvPr/>
+      </p:nvGrpSpPr>
+      <p:grpSpPr>
+        <a:xfrm>
+          <a:off x="0" y="0"/>
+          <a:ext cx="0" cy="0"/>
+          <a:chOff x="0" y="0"/>
+          <a:chExt cx="0" cy="0"/>
+        </a:xfrm>
+      </p:grpSpPr>
+      <p:sp>
+        <p:nvSpPr>
+          <p:cNvPr id="2" name="Верхний колонтитул 1"/>
+          <p:cNvSpPr>
+            <a:spLocks noGrp="1"/>
+          </p:cNvSpPr>
+          <p:nvPr>
+            <p:ph type="hdr" sz="quarter"/>
+          </p:nvPr>
+        </p:nvSpPr>
+        <p:spPr>
+          <a:xfrm>
+            <a:off x="0" y="0"/>
+            <a:ext cx="2971800" cy="457200"/>
+          </a:xfrm>
+          <a:prstGeom prst="rect">
+            <a:avLst/>
+          </a:prstGeom>
+        </p:spPr>
+        <p:txBody>
+          <a:bodyPr vert="horz" lIns="91440" tIns="45720" rIns="91440" bIns="45720" rtlCol="0"/>
+          <a:lstStyle>
+            <a:lvl1pPr algn="l">
+              <a:defRPr sz="1200"/>
+            </a:lvl1pPr>
+          </a:lstStyle>
+          <a:p>
+            <a:endParaRPr lang="ru-RU"/>
+          </a:p>
+        </p:txBody>
+      </p:sp>
+      <p:sp>
+        <p:nvSpPr>
+          <p:cNvPr id="3" name="Дата 2"/>
+          <p:cNvSpPr>
+            <a:spLocks noGrp="1"/>
+          </p:cNvSpPr>
+          <p:nvPr>
+            <p:ph type="dt" idx="1"/>
+          </p:nvPr>
+        </p:nvSpPr>
+        <p:spPr>
+          <a:xfrm>
+            <a:off x="3884613" y="0"/>
+            <a:ext cx="2971800" cy="457200"/>
+          </a:xfrm>
+          <a:prstGeom prst="rect">
+            <a:avLst/>
+          </a:prstGeom>
+        </p:spPr>
+        <p:txBody>
+          <a:bodyPr vert="horz" lIns="91440" tIns="45720" rIns="91440" bIns="45720" rtlCol="0"/>
+          <a:lstStyle>
+            <a:lvl1pPr algn="r">
+              <a:defRPr sz="1200"/>
+            </a:lvl1pPr>
+          </a:lstStyle>
+          <a:p>
+            <a:fld id="{A7EC3FFA-A56C-4EDA-BC81-A40063DE4661}" type="datetimeFigureOut">
+              <a:rPr lang="ru-RU" smtClean="0"/>
+              <a:pPr/>
+              <a:t>25.04.2018</a:t>
+            </a:fld>
+            <a:endParaRPr lang="ru-RU"/>
+          </a:p>
+        </p:txBody>
+      </p:sp>
+      <p:sp>
+        <p:nvSpPr>
+          <p:cNvPr id="4" name="Образ слайда 3"/>
+          <p:cNvSpPr>
+            <a:spLocks noGrp="1" noRot="1" noChangeAspect="1"/>
+          </p:cNvSpPr>
+          <p:nvPr>
+            <p:ph type="sldImg" idx="2"/>
+          </p:nvPr>
+        </p:nvSpPr>
+        <p:spPr>
+          <a:xfrm>
+            <a:off x="1143000" y="685800"/>
+            <a:ext cx="4572000" cy="3429000"/>
+          </a:xfrm>
+          <a:prstGeom prst="rect">
+            <a:avLst/>
+          </a:prstGeom>
+          <a:noFill/>
+          <a:ln w="12700">
+            <a:solidFill>
+              <a:prstClr val="black"/>
+            </a:solidFill>
+          </a:ln>
+        </p:spPr>
+        <p:txBody>
+          <a:bodyPr vert="horz" lIns="91440" tIns="45720" rIns="91440" bIns="45720" rtlCol="0" anchor="ctr"/>
+          <a:lstStyle/>
+          <a:p>
+            <a:endParaRPr lang="ru-RU"/>
+          </a:p>
+        </p:txBody>
+      </p:sp>
+      <p:sp>
+        <p:nvSpPr>
+          <p:cNvPr id="5" name="Заметки 4"/>
+          <p:cNvSpPr>
+            <a:spLocks noGrp="1"/>
+          </p:cNvSpPr>
+          <p:nvPr>
+            <p:ph type="body" sz="quarter" idx="3"/>
+          </p:nvPr>
+        </p:nvSpPr>
+        <p:spPr>
+          <a:xfrm>
+            <a:off x="685800" y="4343400"/>
+            <a:ext cx="5486400" cy="4114800"/>
+          </a:xfrm>
+          <a:prstGeom prst="rect">
+            <a:avLst/>
+          </a:prstGeom>
+        </p:spPr>
+        <p:txBody>
+          <a:bodyPr vert="horz" lIns="91440" tIns="45720" rIns="91440" bIns="45720" rtlCol="0">
+            <a:normAutofit/>
+          </a:bodyPr>
+          <a:lstStyle/>
+          <a:p>
+            <a:pPr lvl="0"/>
+            <a:r>
+              <a:rPr lang="ru-RU" smtClean="0"/>
+              <a:t>Образец текста</a:t>
+            </a:r>
+          </a:p>
+          <a:p>
+            <a:pPr lvl="1"/>
+            <a:r>
+              <a:rPr lang="ru-RU" smtClean="0"/>
+              <a:t>Второй уровень</a:t>
+            </a:r>
+          </a:p>
+          <a:p>
+            <a:pPr lvl="2"/>
+            <a:r>
+              <a:rPr lang="ru-RU" smtClean="0"/>
+              <a:t>Третий уровень</a:t>
+            </a:r>
+          </a:p>
+          <a:p>
+            <a:pPr lvl="3"/>
+            <a:r>
+              <a:rPr lang="ru-RU" smtClean="0"/>
+              <a:t>Четвертый уровень</a:t>
+            </a:r>
+          </a:p>
+          <a:p>
+            <a:pPr lvl="4"/>
+            <a:r>
+              <a:rPr lang="ru-RU" smtClean="0"/>
+              <a:t>Пятый уровень</a:t>
+            </a:r>
+            <a:endParaRPr lang="ru-RU"/>
+          </a:p>
+        </p:txBody>
+      </p:sp>
+      <p:sp>
+        <p:nvSpPr>
+          <p:cNvPr id="6" name="Нижний колонтитул 5"/>
+          <p:cNvSpPr>
+            <a:spLocks noGrp="1"/>
+          </p:cNvSpPr>
+          <p:nvPr>
+            <p:ph type="ftr" sz="quarter" idx="4"/>
+          </p:nvPr>
+        </p:nvSpPr>
+        <p:spPr>
+          <a:xfrm>
+            <a:off x="0" y="8685213"/>
+            <a:ext cx="2971800" cy="457200"/>
+          </a:xfrm>
+          <a:prstGeom prst="rect">
+            <a:avLst/>
+          </a:prstGeom>
+        </p:spPr>
+        <p:txBody>
+          <a:bodyPr vert="horz" lIns="91440" tIns="45720" rIns="91440" bIns="45720" rtlCol="0" anchor="b"/>
+          <a:lstStyle>
+            <a:lvl1pPr algn="l">
+              <a:defRPr sz="1200"/>
+            </a:lvl1pPr>
+          </a:lstStyle>
+          <a:p>
+            <a:endParaRPr lang="ru-RU"/>
+          </a:p>
+        </p:txBody>
+      </p:sp>
+      <p:sp>
+        <p:nvSpPr>
+          <p:cNvPr id="7" name="Номер слайда 6"/>
+          <p:cNvSpPr>
+            <a:spLocks noGrp="1"/>
+          </p:cNvSpPr>
+          <p:nvPr>
+            <p:ph type="sldNum" sz="quarter" idx="5"/>
+          </p:nvPr>
+        </p:nvSpPr>
+        <p:spPr>
+          <a:xfrm>
+            <a:off x="3884613" y="8685213"/>
+            <a:ext cx="2971800" cy="457200"/>
+          </a:xfrm>
+          <a:prstGeom prst="rect">
+            <a:avLst/>
+          </a:prstGeom>
+        </p:spPr>
+        <p:txBody>
+          <a:bodyPr vert="horz" lIns="91440" tIns="45720" rIns="91440" bIns="45720" rtlCol="0" anchor="b"/>
+          <a:lstStyle>
+            <a:lvl1pPr algn="r">
+              <a:defRPr sz="1200"/>
+            </a:lvl1pPr>
+          </a:lstStyle>
+          <a:p>
+            <a:fld id="{56B4F9E9-9FC8-4C9E-A8E3-81161DD4E26B}" type="slidenum">
+              <a:rPr lang="ru-RU" smtClean="0"/>
+              <a:pPr/>
+              <a:t>‹#›</a:t>
+            </a:fld>
+            <a:endParaRPr lang="ru-RU"/>
+          </a:p>
+        </p:txBody>
+      </p:sp>
+    </p:spTree>
+  </p:cSld>
+  <p:clrMap bg1="lt1" tx1="dk1" bg2="lt2" tx2="dk2" accent1="accent1" accent2="accent2" accent3="accent3" accent4="accent4" accent5="accent5" accent6="accent6" hlink="hlink" folHlink="folHlink"/>
+  <p:notesStyle>
+    <a:lvl1pPr marL="0" algn="l" defTabSz="914400" rtl="0" eaLnBrk="1" latinLnBrk="0" hangingPunct="1">
+      <a:defRPr sz="1200" kern="1200">
+        <a:solidFill>
+          <a:schemeClr val="tx1"/>
+        </a:solidFill>
+        <a:latin typeface="+mn-lt"/>
+        <a:ea typeface="+mn-ea"/>
+        <a:cs typeface="+mn-cs"/>
+      </a:defRPr>
+    </a:lvl1pPr>
+    <a:lvl2pPr marL="457200" algn="l" defTabSz="914400" rtl="0" eaLnBrk="1" latinLnBrk="0" hangingPunct="1">
+      <a:defRPr sz="1200" kern="1200">
+        <a:solidFill>
+          <a:schemeClr val="tx1"/>
+        </a:solidFill>
+        <a:latin typeface="+mn-lt"/>
+        <a:ea typeface="+mn-ea"/>
+        <a:cs typeface="+mn-cs"/>
+      </a:defRPr>
+    </a:lvl2pPr>
+    <a:lvl3pPr marL="914400" algn="l" defTabSz="914400" rtl="0" eaLnBrk="1" latinLnBrk="0" hangingPunct="1">
+      <a:defRPr sz="1200" kern="1200">
+        <a:solidFill>
+          <a:schemeClr val="tx1"/>
+        </a:solidFill>
+        <a:latin typeface="+mn-lt"/>
+        <a:ea typeface="+mn-ea"/>
+        <a:cs typeface="+mn-cs"/>
+      </a:defRPr>
+    </a:lvl3pPr>
+    <a:lvl4pPr marL="1371600" algn="l" defTabSz="914400" rtl="0" eaLnBrk="1" latinLnBrk="0" hangingPunct="1">
+      <a:defRPr sz="1200" kern="1200">
+        <a:solidFill>
+          <a:schemeClr val="tx1"/>
+        </a:solidFill>
+        <a:latin typeface="+mn-lt"/>
+        <a:ea typeface="+mn-ea"/>
+        <a:cs typeface="+mn-cs"/>
+      </a:defRPr>
+    </a:lvl4pPr>
+    <a:lvl5pPr marL="1828800" algn="l" defTabSz="914400" rtl="0" eaLnBrk="1" latinLnBrk="0" hangingPunct="1">
+      <a:defRPr sz="1200" kern="1200">
+        <a:solidFill>
+          <a:schemeClr val="tx1"/>
+        </a:solidFill>
+        <a:latin typeface="+mn-lt"/>
+        <a:ea typeface="+mn-ea"/>
+        <a:cs typeface="+mn-cs"/>
+      </a:defRPr>
+    </a:lvl5pPr>
+    <a:lvl6pPr marL="2286000" algn="l" defTabSz="914400" rtl="0" eaLnBrk="1" latinLnBrk="0" hangingPunct="1">
+      <a:defRPr sz="1200" kern="1200">
+        <a:solidFill>
+          <a:schemeClr val="tx1"/>
+        </a:solidFill>
+        <a:latin typeface="+mn-lt"/>
+        <a:ea typeface="+mn-ea"/>
+        <a:cs typeface="+mn-cs"/>
+      </a:defRPr>
+    </a:lvl6pPr>
+    <a:lvl7pPr marL="2743200" algn="l" defTabSz="914400" rtl="0" eaLnBrk="1" latinLnBrk="0" hangingPunct="1">
+      <a:defRPr sz="1200" kern="1200">
+        <a:solidFill>
+          <a:schemeClr val="tx1"/>
+        </a:solidFill>
+        <a:latin typeface="+mn-lt"/>
+        <a:ea typeface="+mn-ea"/>
+        <a:cs typeface="+mn-cs"/>
+      </a:defRPr>
+    </a:lvl7pPr>
+    <a:lvl8pPr marL="3200400" algn="l" defTabSz="914400" rtl="0" eaLnBrk="1" latinLnBrk="0" hangingPunct="1">
+      <a:defRPr sz="1200" kern="1200">
+        <a:solidFill>
+          <a:schemeClr val="tx1"/>
+        </a:solidFill>
+        <a:latin typeface="+mn-lt"/>
+        <a:ea typeface="+mn-ea"/>
+        <a:cs typeface="+mn-cs"/>
+      </a:defRPr>
+    </a:lvl8pPr>
+    <a:lvl9pPr marL="3657600" algn="l" defTabSz="914400" rtl="0" eaLnBrk="1" latinLnBrk="0" hangingPunct="1">
+      <a:defRPr sz="1200" kern="1200">
+        <a:solidFill>
+          <a:schemeClr val="tx1"/>
+        </a:solidFill>
+        <a:latin typeface="+mn-lt"/>
+        <a:ea typeface="+mn-ea"/>
+        <a:cs typeface="+mn-cs"/>
+      </a:defRPr>
+    </a:lvl9pPr>
+  </p:notesStyle>
+</p:notesMaster>
+</file>
+
+<file path=ppt/notesSlides/notesSlide1.xml><?xml version="1.0" encoding="utf-8"?>
+<p:notes xmlns:a="http://schemas.openxmlformats.org/drawingml/2006/main" xmlns:r="http://schemas.openxmlformats.org/officeDocument/2006/relationships" xmlns:p="http://schemas.openxmlformats.org/presentationml/2006/main">
+  <p:cSld>
+    <p:spTree>
+      <p:nvGrpSpPr>
+        <p:cNvPr id="1" name=""/>
+        <p:cNvGrpSpPr/>
+        <p:nvPr/>
+      </p:nvGrpSpPr>
+      <p:grpSpPr>
+        <a:xfrm>
+          <a:off x="0" y="0"/>
+          <a:ext cx="0" cy="0"/>
+          <a:chOff x="0" y="0"/>
+          <a:chExt cx="0" cy="0"/>
+        </a:xfrm>
+      </p:grpSpPr>
+      <p:sp>
+        <p:nvSpPr>
+          <p:cNvPr id="2" name="Образ слайда 1"/>
+          <p:cNvSpPr>
+            <a:spLocks noGrp="1" noRot="1" noChangeAspect="1"/>
+          </p:cNvSpPr>
+          <p:nvPr>
+            <p:ph type="sldImg"/>
+          </p:nvPr>
+        </p:nvSpPr>
+        <p:spPr/>
+      </p:sp>
+      <p:sp>
+        <p:nvSpPr>
+          <p:cNvPr id="3" name="Заметки 2"/>
+          <p:cNvSpPr>
+            <a:spLocks noGrp="1"/>
+          </p:cNvSpPr>
+          <p:nvPr>
+            <p:ph type="body" idx="1"/>
+          </p:nvPr>
+        </p:nvSpPr>
+        <p:spPr/>
+        <p:txBody>
+          <a:bodyPr>
+            <a:normAutofit/>
+          </a:bodyPr>
+          <a:lstStyle/>
+          <a:p>
+            <a:endParaRPr lang="ru-RU"/>
+          </a:p>
+        </p:txBody>
+      </p:sp>
+      <p:sp>
+        <p:nvSpPr>
+          <p:cNvPr id="4" name="Номер слайда 3"/>
+          <p:cNvSpPr>
+            <a:spLocks noGrp="1"/>
+          </p:cNvSpPr>
+          <p:nvPr>
+            <p:ph type="sldNum" sz="quarter" idx="10"/>
+          </p:nvPr>
+        </p:nvSpPr>
+        <p:spPr/>
+        <p:txBody>
+          <a:bodyPr/>
+          <a:lstStyle/>
+          <a:p>
+            <a:fld id="{56B4F9E9-9FC8-4C9E-A8E3-81161DD4E26B}" type="slidenum">
+              <a:rPr lang="ru-RU" smtClean="0"/>
+              <a:pPr/>
+              <a:t>1</a:t>
+            </a:fld>
+            <a:endParaRPr lang="ru-RU"/>
+          </a:p>
+        </p:txBody>
+      </p:sp>
+    </p:spTree>
+  </p:cSld>
+  <p:clrMapOvr>
+    <a:masterClrMapping/>
+  </p:clrMapOvr>
+</p:notes>
+</file>
+
 <file path=ppt/slideLayouts/slideLayout1.xml><?xml version="1.0" encoding="utf-8"?>
 <p:sldLayout xmlns:a="http://schemas.openxmlformats.org/drawingml/2006/main" xmlns:r="http://schemas.openxmlformats.org/officeDocument/2006/relationships" xmlns:p="http://schemas.openxmlformats.org/presentationml/2006/main" type="title" preserve="1">
   <p:cSld name="Титульный слайд">
@@ -304,7 +903,7 @@
             <a:fld id="{ED11739C-C208-4F5C-8B29-8EDD222516F3}" type="datetimeFigureOut">
               <a:rPr lang="ru-RU" smtClean="0"/>
               <a:pPr/>
-              <a:t>22.04.2018</a:t>
+              <a:t>25.04.2018</a:t>
             </a:fld>
             <a:endParaRPr lang="ru-RU"/>
           </a:p>
@@ -471,7 +1070,7 @@
             <a:fld id="{ED11739C-C208-4F5C-8B29-8EDD222516F3}" type="datetimeFigureOut">
               <a:rPr lang="ru-RU" smtClean="0"/>
               <a:pPr/>
-              <a:t>22.04.2018</a:t>
+              <a:t>25.04.2018</a:t>
             </a:fld>
             <a:endParaRPr lang="ru-RU"/>
           </a:p>
@@ -648,7 +1247,7 @@
             <a:fld id="{ED11739C-C208-4F5C-8B29-8EDD222516F3}" type="datetimeFigureOut">
               <a:rPr lang="ru-RU" smtClean="0"/>
               <a:pPr/>
-              <a:t>22.04.2018</a:t>
+              <a:t>25.04.2018</a:t>
             </a:fld>
             <a:endParaRPr lang="ru-RU"/>
           </a:p>
@@ -815,7 +1414,7 @@
             <a:fld id="{ED11739C-C208-4F5C-8B29-8EDD222516F3}" type="datetimeFigureOut">
               <a:rPr lang="ru-RU" smtClean="0"/>
               <a:pPr/>
-              <a:t>22.04.2018</a:t>
+              <a:t>25.04.2018</a:t>
             </a:fld>
             <a:endParaRPr lang="ru-RU"/>
           </a:p>
@@ -1058,7 +1657,7 @@
             <a:fld id="{ED11739C-C208-4F5C-8B29-8EDD222516F3}" type="datetimeFigureOut">
               <a:rPr lang="ru-RU" smtClean="0"/>
               <a:pPr/>
-              <a:t>22.04.2018</a:t>
+              <a:t>25.04.2018</a:t>
             </a:fld>
             <a:endParaRPr lang="ru-RU"/>
           </a:p>
@@ -1343,7 +1942,7 @@
             <a:fld id="{ED11739C-C208-4F5C-8B29-8EDD222516F3}" type="datetimeFigureOut">
               <a:rPr lang="ru-RU" smtClean="0"/>
               <a:pPr/>
-              <a:t>22.04.2018</a:t>
+              <a:t>25.04.2018</a:t>
             </a:fld>
             <a:endParaRPr lang="ru-RU"/>
           </a:p>
@@ -1762,7 +2361,7 @@
             <a:fld id="{ED11739C-C208-4F5C-8B29-8EDD222516F3}" type="datetimeFigureOut">
               <a:rPr lang="ru-RU" smtClean="0"/>
               <a:pPr/>
-              <a:t>22.04.2018</a:t>
+              <a:t>25.04.2018</a:t>
             </a:fld>
             <a:endParaRPr lang="ru-RU"/>
           </a:p>
@@ -1877,7 +2476,7 @@
             <a:fld id="{ED11739C-C208-4F5C-8B29-8EDD222516F3}" type="datetimeFigureOut">
               <a:rPr lang="ru-RU" smtClean="0"/>
               <a:pPr/>
-              <a:t>22.04.2018</a:t>
+              <a:t>25.04.2018</a:t>
             </a:fld>
             <a:endParaRPr lang="ru-RU"/>
           </a:p>
@@ -1969,7 +2568,7 @@
             <a:fld id="{ED11739C-C208-4F5C-8B29-8EDD222516F3}" type="datetimeFigureOut">
               <a:rPr lang="ru-RU" smtClean="0"/>
               <a:pPr/>
-              <a:t>22.04.2018</a:t>
+              <a:t>25.04.2018</a:t>
             </a:fld>
             <a:endParaRPr lang="ru-RU"/>
           </a:p>
@@ -2243,7 +2842,7 @@
             <a:fld id="{ED11739C-C208-4F5C-8B29-8EDD222516F3}" type="datetimeFigureOut">
               <a:rPr lang="ru-RU" smtClean="0"/>
               <a:pPr/>
-              <a:t>22.04.2018</a:t>
+              <a:t>25.04.2018</a:t>
             </a:fld>
             <a:endParaRPr lang="ru-RU"/>
           </a:p>
@@ -2493,7 +3092,7 @@
             <a:fld id="{ED11739C-C208-4F5C-8B29-8EDD222516F3}" type="datetimeFigureOut">
               <a:rPr lang="ru-RU" smtClean="0"/>
               <a:pPr/>
-              <a:t>22.04.2018</a:t>
+              <a:t>25.04.2018</a:t>
             </a:fld>
             <a:endParaRPr lang="ru-RU"/>
           </a:p>
@@ -2703,7 +3302,7 @@
             <a:fld id="{ED11739C-C208-4F5C-8B29-8EDD222516F3}" type="datetimeFigureOut">
               <a:rPr lang="ru-RU" smtClean="0"/>
               <a:pPr/>
-              <a:t>22.04.2018</a:t>
+              <a:t>25.04.2018</a:t>
             </a:fld>
             <a:endParaRPr lang="ru-RU"/>
           </a:p>
@@ -3159,7 +3758,7 @@
         <p:spPr>
           <a:xfrm>
             <a:off x="1371600" y="3886200"/>
-            <a:ext cx="6400800" cy="2351112"/>
+            <a:ext cx="6400800" cy="2711152"/>
           </a:xfrm>
         </p:spPr>
         <p:txBody>
@@ -3216,11 +3815,6 @@
               </a:rPr>
               <a:t>)</a:t>
             </a:r>
-            <a:endParaRPr lang="ru-RU" sz="3100" dirty="0" smtClean="0">
-              <a:solidFill>
-                <a:schemeClr val="accent3"/>
-              </a:solidFill>
-            </a:endParaRPr>
           </a:p>
           <a:p>
             <a:r>
@@ -3252,8 +3846,13 @@
                   <a:schemeClr val="tx1"/>
                 </a:solidFill>
               </a:rPr>
-              <a:t>23.04.2018</a:t>
-            </a:r>
+              <a:t>26.04.2018</a:t>
+            </a:r>
+            <a:endParaRPr lang="ru-RU" dirty="0" smtClean="0">
+              <a:solidFill>
+                <a:schemeClr val="tx1"/>
+              </a:solidFill>
+            </a:endParaRPr>
           </a:p>
           <a:p>
             <a:r>
@@ -3272,8 +3871,21 @@
                   <a:schemeClr val="tx1"/>
                 </a:solidFill>
               </a:rPr>
-              <a:t>Гердт Владимир Петрович</a:t>
-            </a:r>
+              <a:t>Гердт Владимир </a:t>
+            </a:r>
+            <a:r>
+              <a:rPr lang="ru-RU" dirty="0" smtClean="0">
+                <a:solidFill>
+                  <a:schemeClr val="tx1"/>
+                </a:solidFill>
+              </a:rPr>
+              <a:t>Петрович (ЛИТ ОИЯИ)</a:t>
+            </a:r>
+            <a:endParaRPr lang="ru-RU" dirty="0" smtClean="0">
+              <a:solidFill>
+                <a:schemeClr val="tx1"/>
+              </a:solidFill>
+            </a:endParaRPr>
           </a:p>
           <a:p>
             <a:r>
@@ -3293,16 +3905,95 @@
               <a:t> Олег </a:t>
             </a:r>
             <a:r>
-              <a:rPr lang="ru-RU" dirty="0">
+              <a:rPr lang="ru-RU" dirty="0" smtClean="0">
                 <a:solidFill>
                   <a:schemeClr val="tx1"/>
                 </a:solidFill>
               </a:rPr>
-              <a:t>Валентинович</a:t>
-            </a:r>
-          </a:p>
-        </p:txBody>
-      </p:sp>
+              <a:t>Валентинович </a:t>
+            </a:r>
+          </a:p>
+          <a:p>
+            <a:r>
+              <a:rPr lang="ru-RU" dirty="0" smtClean="0">
+                <a:solidFill>
+                  <a:schemeClr val="tx1"/>
+                </a:solidFill>
+              </a:rPr>
+              <a:t>(</a:t>
+            </a:r>
+            <a:r>
+              <a:rPr lang="ru-RU" dirty="0" err="1" smtClean="0">
+                <a:solidFill>
+                  <a:schemeClr val="tx1"/>
+                </a:solidFill>
+              </a:rPr>
+              <a:t>сколтех</a:t>
+            </a:r>
+            <a:r>
+              <a:rPr lang="ru-RU" dirty="0" smtClean="0">
+                <a:solidFill>
+                  <a:schemeClr val="tx1"/>
+                </a:solidFill>
+              </a:rPr>
+              <a:t>, РКЦ, МИАН им. Стеклова)</a:t>
+            </a:r>
+            <a:endParaRPr lang="ru-RU" dirty="0">
+              <a:solidFill>
+                <a:schemeClr val="tx1"/>
+              </a:solidFill>
+            </a:endParaRPr>
+          </a:p>
+        </p:txBody>
+      </p:sp>
+      <p:pic>
+        <p:nvPicPr>
+          <p:cNvPr id="4" name="Рисунок 3" descr="msuLogo.png"/>
+          <p:cNvPicPr>
+            <a:picLocks noChangeAspect="1"/>
+          </p:cNvPicPr>
+          <p:nvPr/>
+        </p:nvPicPr>
+        <p:blipFill>
+          <a:blip r:embed="rId3" cstate="print"/>
+          <a:stretch>
+            <a:fillRect/>
+          </a:stretch>
+        </p:blipFill>
+        <p:spPr>
+          <a:xfrm>
+            <a:off x="467544" y="4005064"/>
+            <a:ext cx="1296144" cy="1555373"/>
+          </a:xfrm>
+          <a:prstGeom prst="rect">
+            <a:avLst/>
+          </a:prstGeom>
+        </p:spPr>
+      </p:pic>
+      <p:pic>
+        <p:nvPicPr>
+          <p:cNvPr id="5" name="Рисунок 4" descr="skoltech_logo.png"/>
+          <p:cNvPicPr>
+            <a:picLocks noChangeAspect="1"/>
+          </p:cNvPicPr>
+          <p:nvPr/>
+        </p:nvPicPr>
+        <p:blipFill>
+          <a:blip r:embed="rId4" cstate="print"/>
+          <a:stretch>
+            <a:fillRect/>
+          </a:stretch>
+        </p:blipFill>
+        <p:spPr>
+          <a:xfrm>
+            <a:off x="7308304" y="4581128"/>
+            <a:ext cx="1688058" cy="525133"/>
+          </a:xfrm>
+          <a:prstGeom prst="rect">
+            <a:avLst/>
+          </a:prstGeom>
+        </p:spPr>
+      </p:pic>
     </p:spTree>
   </p:cSld>
   <p:clrMapOvr>
@@ -3398,11 +4089,7 @@
           <a:p>
             <a:r>
               <a:rPr lang="ru-RU" dirty="0" smtClean="0"/>
-              <a:t>Уравнение </a:t>
-            </a:r>
-            <a:r>
-              <a:rPr lang="ru-RU" dirty="0" smtClean="0"/>
-              <a:t>Шредингера</a:t>
+              <a:t>Уравнение Шредингера</a:t>
             </a:r>
             <a:endParaRPr lang="ru-RU" dirty="0"/>
           </a:p>
@@ -3458,11 +4145,7 @@
           <a:p>
             <a:r>
               <a:rPr lang="ru-RU" dirty="0" smtClean="0"/>
-              <a:t>р</a:t>
-            </a:r>
-            <a:r>
-              <a:rPr lang="ru-RU" dirty="0" smtClean="0"/>
-              <a:t>еализован в </a:t>
+              <a:t>реализован в </a:t>
             </a:r>
             <a:r>
               <a:rPr lang="en-US" dirty="0" smtClean="0">
@@ -3575,7 +4258,6 @@
               <a:rPr lang="ru-RU" dirty="0" smtClean="0"/>
               <a:t>Итого ищем СЗ </a:t>
             </a:r>
-            <a:endParaRPr lang="ru-RU" dirty="0" smtClean="0"/>
           </a:p>
           <a:p>
             <a:r>
@@ -3636,6 +4318,36 @@
               <a:rPr lang="ru-RU" dirty="0" smtClean="0"/>
               <a:t>Сравни с вар. методом</a:t>
             </a:r>
+            <a:endParaRPr lang="ru-RU" dirty="0"/>
+          </a:p>
+        </p:txBody>
+      </p:sp>
+      <p:sp>
+        <p:nvSpPr>
+          <p:cNvPr id="12" name="TextBox 11"/>
+          <p:cNvSpPr txBox="1"/>
+          <p:nvPr/>
+        </p:nvSpPr>
+        <p:spPr>
+          <a:xfrm>
+            <a:off x="8725296" y="0"/>
+            <a:ext cx="418704" cy="369332"/>
+          </a:xfrm>
+          <a:prstGeom prst="rect">
+            <a:avLst/>
+          </a:prstGeom>
+          <a:noFill/>
+        </p:spPr>
+        <p:txBody>
+          <a:bodyPr wrap="none" rtlCol="0">
+            <a:spAutoFit/>
+          </a:bodyPr>
+          <a:lstStyle/>
+          <a:p>
+            <a:fld id="{5D38CF63-ABE5-4E8B-B7C2-D6D98AC98260}" type="slidenum">
+              <a:rPr lang="en-US" smtClean="0"/>
+              <a:t>10</a:t>
+            </a:fld>
             <a:endParaRPr lang="ru-RU" dirty="0"/>
           </a:p>
         </p:txBody>
@@ -3685,8 +4397,8 @@
               <a:t>УШ: генерация </a:t>
             </a:r>
             <a:r>
-              <a:rPr lang="ru-RU" dirty="0" err="1" smtClean="0"/>
-              <a:t>Ро</a:t>
+              <a:rPr lang="el-GR" dirty="0" smtClean="0"/>
+              <a:t>ρ</a:t>
             </a:r>
             <a:endParaRPr lang="ru-RU" dirty="0"/>
           </a:p>
@@ -3725,7 +4437,7 @@
         <p:spPr>
           <a:xfrm>
             <a:off x="2843808" y="1772816"/>
-            <a:ext cx="4224426" cy="1200329"/>
+            <a:ext cx="4335033" cy="1200329"/>
           </a:xfrm>
           <a:prstGeom prst="rect">
             <a:avLst/>
@@ -3743,12 +4455,12 @@
               <a:t>Реализован </a:t>
             </a:r>
             <a:r>
-              <a:rPr lang="ru-RU" dirty="0" err="1" smtClean="0"/>
-              <a:t>лгоритм</a:t>
-            </a:r>
-            <a:r>
               <a:rPr lang="ru-RU" dirty="0" smtClean="0"/>
-              <a:t> генерации базиса </a:t>
+              <a:t>алгоритм </a:t>
+            </a:r>
+            <a:r>
+              <a:rPr lang="ru-RU" dirty="0" smtClean="0"/>
+              <a:t>генерации базиса </a:t>
             </a:r>
             <a:r>
               <a:rPr lang="en-US" dirty="0" smtClean="0"/>
@@ -3838,6 +4550,36 @@
           </a:xfrm>
         </p:spPr>
       </p:pic>
+      <p:sp>
+        <p:nvSpPr>
+          <p:cNvPr id="9" name="TextBox 8"/>
+          <p:cNvSpPr txBox="1"/>
+          <p:nvPr/>
+        </p:nvSpPr>
+        <p:spPr>
+          <a:xfrm>
+            <a:off x="8725296" y="0"/>
+            <a:ext cx="418704" cy="369332"/>
+          </a:xfrm>
+          <a:prstGeom prst="rect">
+            <a:avLst/>
+          </a:prstGeom>
+          <a:noFill/>
+        </p:spPr>
+        <p:txBody>
+          <a:bodyPr wrap="none" rtlCol="0">
+            <a:spAutoFit/>
+          </a:bodyPr>
+          <a:lstStyle/>
+          <a:p>
+            <a:fld id="{B900C7DA-BCAE-4398-86D4-12C2D5F60344}" type="slidenum">
+              <a:rPr lang="en-US" smtClean="0"/>
+              <a:t>11</a:t>
+            </a:fld>
+            <a:endParaRPr lang="ru-RU" dirty="0"/>
+          </a:p>
+        </p:txBody>
+      </p:sp>
     </p:spTree>
   </p:cSld>
   <p:clrMapOvr>
@@ -3887,11 +4629,7 @@
           <a:p>
             <a:r>
               <a:rPr lang="ru-RU" dirty="0" smtClean="0"/>
-              <a:t>Вариационный </a:t>
-            </a:r>
-            <a:r>
-              <a:rPr lang="ru-RU" dirty="0" smtClean="0"/>
-              <a:t>метод</a:t>
+              <a:t>Вариационный метод</a:t>
             </a:r>
             <a:endParaRPr lang="ru-RU" dirty="0"/>
           </a:p>
@@ -3946,17 +4684,47 @@
           <p:nvPr/>
         </p:nvGraphicFramePr>
         <p:xfrm>
-          <a:off x="3851920" y="2708920"/>
-          <a:ext cx="4752975" cy="2713037"/>
+          <a:off x="4356100" y="2565400"/>
+          <a:ext cx="3811588" cy="3679825"/>
         </p:xfrm>
         <a:graphic>
           <a:graphicData uri="http://schemas.openxmlformats.org/presentationml/2006/ole">
-            <p:oleObj spid="_x0000_s24580" name="Equation" r:id="rId5" imgW="2628720" imgH="1498320" progId="Equation.DSMT4">
+            <p:oleObj spid="_x0000_s24580" name="Equation" r:id="rId5" imgW="2108160" imgH="2031840" progId="Equation.DSMT4">
               <p:embed/>
             </p:oleObj>
           </a:graphicData>
         </a:graphic>
       </p:graphicFrame>
+      <p:sp>
+        <p:nvSpPr>
+          <p:cNvPr id="9" name="TextBox 8"/>
+          <p:cNvSpPr txBox="1"/>
+          <p:nvPr/>
+        </p:nvSpPr>
+        <p:spPr>
+          <a:xfrm>
+            <a:off x="8725296" y="0"/>
+            <a:ext cx="418704" cy="369332"/>
+          </a:xfrm>
+          <a:prstGeom prst="rect">
+            <a:avLst/>
+          </a:prstGeom>
+          <a:noFill/>
+        </p:spPr>
+        <p:txBody>
+          <a:bodyPr wrap="none" rtlCol="0">
+            <a:spAutoFit/>
+          </a:bodyPr>
+          <a:lstStyle/>
+          <a:p>
+            <a:fld id="{09CC7E8B-2046-45E3-A72C-25366CDDF4B8}" type="slidenum">
+              <a:rPr lang="en-US" smtClean="0"/>
+              <a:t>12</a:t>
+            </a:fld>
+            <a:endParaRPr lang="ru-RU" dirty="0"/>
+          </a:p>
+        </p:txBody>
+      </p:sp>
     </p:spTree>
   </p:cSld>
   <p:clrMapOvr>
@@ -4009,8 +4777,8 @@
               <a:t>Вар. метод: генерация </a:t>
             </a:r>
             <a:r>
-              <a:rPr lang="ru-RU" dirty="0" err="1" smtClean="0"/>
-              <a:t>Ро</a:t>
+              <a:rPr lang="el-GR" dirty="0" smtClean="0"/>
+              <a:t>ρ</a:t>
             </a:r>
             <a:endParaRPr lang="ru-RU" dirty="0"/>
           </a:p>
@@ -4090,12 +4858,12 @@
               <a:t>Реализован </a:t>
             </a:r>
             <a:r>
-              <a:rPr lang="ru-RU" dirty="0" err="1" smtClean="0"/>
-              <a:t>лгоритм</a:t>
-            </a:r>
-            <a:r>
               <a:rPr lang="ru-RU" dirty="0" smtClean="0"/>
-              <a:t> генерации базиса </a:t>
+              <a:t>алгоритм </a:t>
+            </a:r>
+            <a:r>
+              <a:rPr lang="ru-RU" dirty="0" smtClean="0"/>
+              <a:t>генерации базиса </a:t>
             </a:r>
             <a:r>
               <a:rPr lang="en-US" dirty="0" smtClean="0"/>
@@ -4159,6 +4927,36 @@
                 <a:srgbClr val="FF0000"/>
               </a:solidFill>
             </a:endParaRPr>
+          </a:p>
+        </p:txBody>
+      </p:sp>
+      <p:sp>
+        <p:nvSpPr>
+          <p:cNvPr id="9" name="TextBox 8"/>
+          <p:cNvSpPr txBox="1"/>
+          <p:nvPr/>
+        </p:nvSpPr>
+        <p:spPr>
+          <a:xfrm>
+            <a:off x="8725296" y="0"/>
+            <a:ext cx="418704" cy="369332"/>
+          </a:xfrm>
+          <a:prstGeom prst="rect">
+            <a:avLst/>
+          </a:prstGeom>
+          <a:noFill/>
+        </p:spPr>
+        <p:txBody>
+          <a:bodyPr wrap="none" rtlCol="0">
+            <a:spAutoFit/>
+          </a:bodyPr>
+          <a:lstStyle/>
+          <a:p>
+            <a:fld id="{06CA9975-D2D2-42FF-AAFF-3E53F29A016A}" type="slidenum">
+              <a:rPr lang="en-US" smtClean="0"/>
+              <a:t>13</a:t>
+            </a:fld>
+            <a:endParaRPr lang="ru-RU" dirty="0"/>
           </a:p>
         </p:txBody>
       </p:sp>
@@ -4204,11 +5002,7 @@
           <a:p>
             <a:r>
               <a:rPr lang="ru-RU" dirty="0" smtClean="0"/>
-              <a:t>Сравнение </a:t>
-            </a:r>
-            <a:r>
-              <a:rPr lang="ru-RU" dirty="0" smtClean="0"/>
-              <a:t>результатов</a:t>
+              <a:t>Сравнение результатов</a:t>
             </a:r>
             <a:endParaRPr lang="ru-RU" dirty="0"/>
           </a:p>
@@ -4225,8 +5019,8 @@
           </p:nvPr>
         </p:nvGraphicFramePr>
         <p:xfrm>
-          <a:off x="467544" y="2564904"/>
-          <a:ext cx="8229600" cy="2225040"/>
+          <a:off x="3491880" y="2564904"/>
+          <a:ext cx="5122912" cy="2225040"/>
         </p:xfrm>
         <a:graphic>
           <a:graphicData uri="http://schemas.openxmlformats.org/drawingml/2006/table">
@@ -4235,29 +5029,10 @@
                 <a:tableStyleId>{5C22544A-7EE6-4342-B048-85BDC9FD1C3A}</a:tableStyleId>
               </a:tblPr>
               <a:tblGrid>
-                <a:gridCol w="3106688"/>
                 <a:gridCol w="2664296"/>
                 <a:gridCol w="2458616"/>
               </a:tblGrid>
               <a:tr h="370840">
-                <a:tc>
-                  <a:txBody>
-                    <a:bodyPr/>
-                    <a:lstStyle/>
-                    <a:p>
-                      <a:r>
-                        <a:rPr lang="ru-RU" dirty="0" smtClean="0"/>
-                        <a:t>Количество</a:t>
-                      </a:r>
-                      <a:r>
-                        <a:rPr lang="ru-RU" baseline="0" dirty="0" smtClean="0"/>
-                        <a:t> спинов в линии</a:t>
-                      </a:r>
-                      <a:endParaRPr lang="ru-RU" dirty="0"/>
-                    </a:p>
-                  </a:txBody>
-                  <a:tcPr/>
-                </a:tc>
                 <a:tc>
                   <a:txBody>
                     <a:bodyPr/>
@@ -4288,20 +5063,6 @@
                 </a:tc>
               </a:tr>
               <a:tr h="370840">
-                <a:tc>
-                  <a:txBody>
-                    <a:bodyPr/>
-                    <a:lstStyle/>
-                    <a:p>
-                      <a:r>
-                        <a:rPr lang="ru-RU" dirty="0" smtClean="0"/>
-                        <a:t>4</a:t>
-                      </a:r>
-                      <a:endParaRPr lang="ru-RU" dirty="0"/>
-                    </a:p>
-                  </a:txBody>
-                  <a:tcPr/>
-                </a:tc>
                 <a:tc>
                   <a:txBody>
                     <a:bodyPr/>
@@ -4352,20 +5113,6 @@
                     <a:lstStyle/>
                     <a:p>
                       <a:r>
-                        <a:rPr lang="ru-RU" dirty="0" smtClean="0"/>
-                        <a:t>5</a:t>
-                      </a:r>
-                      <a:endParaRPr lang="ru-RU" dirty="0"/>
-                    </a:p>
-                  </a:txBody>
-                  <a:tcPr/>
-                </a:tc>
-                <a:tc>
-                  <a:txBody>
-                    <a:bodyPr/>
-                    <a:lstStyle/>
-                    <a:p>
-                      <a:r>
                         <a:rPr lang="ru-RU" sz="1800" kern="1200" dirty="0" smtClean="0">
                           <a:solidFill>
                             <a:schemeClr val="dk1"/>
@@ -4404,20 +5151,6 @@
                 </a:tc>
               </a:tr>
               <a:tr h="370840">
-                <a:tc>
-                  <a:txBody>
-                    <a:bodyPr/>
-                    <a:lstStyle/>
-                    <a:p>
-                      <a:r>
-                        <a:rPr lang="ru-RU" dirty="0" smtClean="0"/>
-                        <a:t>6</a:t>
-                      </a:r>
-                      <a:endParaRPr lang="ru-RU" dirty="0"/>
-                    </a:p>
-                  </a:txBody>
-                  <a:tcPr/>
-                </a:tc>
                 <a:tc>
                   <a:txBody>
                     <a:bodyPr/>
@@ -4468,20 +5201,6 @@
                     <a:lstStyle/>
                     <a:p>
                       <a:r>
-                        <a:rPr lang="ru-RU" dirty="0" smtClean="0"/>
-                        <a:t>7</a:t>
-                      </a:r>
-                      <a:endParaRPr lang="ru-RU" dirty="0"/>
-                    </a:p>
-                  </a:txBody>
-                  <a:tcPr/>
-                </a:tc>
-                <a:tc>
-                  <a:txBody>
-                    <a:bodyPr/>
-                    <a:lstStyle/>
-                    <a:p>
-                      <a:r>
                         <a:rPr lang="ru-RU" sz="1800" kern="1200" dirty="0" smtClean="0">
                           <a:solidFill>
                             <a:schemeClr val="dk1"/>
@@ -4520,20 +5239,6 @@
                 </a:tc>
               </a:tr>
               <a:tr h="370840">
-                <a:tc>
-                  <a:txBody>
-                    <a:bodyPr/>
-                    <a:lstStyle/>
-                    <a:p>
-                      <a:r>
-                        <a:rPr lang="ru-RU" dirty="0" smtClean="0"/>
-                        <a:t>8</a:t>
-                      </a:r>
-                      <a:endParaRPr lang="ru-RU" dirty="0"/>
-                    </a:p>
-                  </a:txBody>
-                  <a:tcPr/>
-                </a:tc>
                 <a:tc>
                   <a:txBody>
                     <a:bodyPr/>
@@ -4590,12 +5295,12 @@
           <p:nvPr/>
         </p:nvGraphicFramePr>
         <p:xfrm>
-          <a:off x="3275856" y="1412776"/>
-          <a:ext cx="1962483" cy="835099"/>
+          <a:off x="3006725" y="1433513"/>
+          <a:ext cx="2505075" cy="792162"/>
         </p:xfrm>
         <a:graphic>
           <a:graphicData uri="http://schemas.openxmlformats.org/presentationml/2006/ole">
-            <p:oleObj spid="_x0000_s25602" name="Equation" r:id="rId3" imgW="596880" imgH="253800" progId="Equation.DSMT4">
+            <p:oleObj spid="_x0000_s25602" name="Equation" r:id="rId3" imgW="761760" imgH="241200" progId="Equation.DSMT4">
               <p:embed/>
             </p:oleObj>
           </a:graphicData>
@@ -4617,8 +5322,8 @@
         </p:blipFill>
         <p:spPr>
           <a:xfrm>
-            <a:off x="539552" y="4941168"/>
-            <a:ext cx="1368152" cy="820891"/>
+            <a:off x="1259632" y="4971392"/>
+            <a:ext cx="1656184" cy="993710"/>
           </a:xfrm>
           <a:prstGeom prst="rect">
             <a:avLst/>
@@ -4641,8 +5346,8 @@
         </p:blipFill>
         <p:spPr>
           <a:xfrm>
-            <a:off x="539552" y="5805264"/>
-            <a:ext cx="1368152" cy="820891"/>
+            <a:off x="1259632" y="5864290"/>
+            <a:ext cx="1656184" cy="993710"/>
           </a:xfrm>
           <a:prstGeom prst="rect">
             <a:avLst/>
@@ -4871,6 +5576,156 @@
           </a:p>
         </p:txBody>
       </p:sp>
+      <p:sp>
+        <p:nvSpPr>
+          <p:cNvPr id="13" name="TextBox 12"/>
+          <p:cNvSpPr txBox="1"/>
+          <p:nvPr/>
+        </p:nvSpPr>
+        <p:spPr>
+          <a:xfrm>
+            <a:off x="8725296" y="0"/>
+            <a:ext cx="418704" cy="369332"/>
+          </a:xfrm>
+          <a:prstGeom prst="rect">
+            <a:avLst/>
+          </a:prstGeom>
+          <a:noFill/>
+        </p:spPr>
+        <p:txBody>
+          <a:bodyPr wrap="none" rtlCol="0">
+            <a:spAutoFit/>
+          </a:bodyPr>
+          <a:lstStyle/>
+          <a:p>
+            <a:fld id="{5006C41B-05F9-4FF0-B756-5B9387EF0B53}" type="slidenum">
+              <a:rPr lang="en-US" smtClean="0"/>
+              <a:t>14</a:t>
+            </a:fld>
+            <a:endParaRPr lang="ru-RU" dirty="0"/>
+          </a:p>
+        </p:txBody>
+      </p:sp>
+      <p:pic>
+        <p:nvPicPr>
+          <p:cNvPr id="15" name="Рисунок 14" descr="line4.png"/>
+          <p:cNvPicPr>
+            <a:picLocks noChangeAspect="1"/>
+          </p:cNvPicPr>
+          <p:nvPr/>
+        </p:nvPicPr>
+        <p:blipFill>
+          <a:blip r:embed="rId6" cstate="print"/>
+          <a:stretch>
+            <a:fillRect/>
+          </a:stretch>
+        </p:blipFill>
+        <p:spPr>
+          <a:xfrm>
+            <a:off x="467544" y="2996952"/>
+            <a:ext cx="2933711" cy="322708"/>
+          </a:xfrm>
+          <a:prstGeom prst="rect">
+            <a:avLst/>
+          </a:prstGeom>
+        </p:spPr>
+      </p:pic>
+      <p:pic>
+        <p:nvPicPr>
+          <p:cNvPr id="16" name="Рисунок 15" descr="line5.png"/>
+          <p:cNvPicPr>
+            <a:picLocks noChangeAspect="1"/>
+          </p:cNvPicPr>
+          <p:nvPr/>
+        </p:nvPicPr>
+        <p:blipFill>
+          <a:blip r:embed="rId7" cstate="print"/>
+          <a:stretch>
+            <a:fillRect/>
+          </a:stretch>
+        </p:blipFill>
+        <p:spPr>
+          <a:xfrm>
+            <a:off x="467544" y="3356992"/>
+            <a:ext cx="2933711" cy="322708"/>
+          </a:xfrm>
+          <a:prstGeom prst="rect">
+            <a:avLst/>
+          </a:prstGeom>
+        </p:spPr>
+      </p:pic>
+      <p:pic>
+        <p:nvPicPr>
+          <p:cNvPr id="17" name="Рисунок 16" descr="line6.png"/>
+          <p:cNvPicPr>
+            <a:picLocks noChangeAspect="1"/>
+          </p:cNvPicPr>
+          <p:nvPr/>
+        </p:nvPicPr>
+        <p:blipFill>
+          <a:blip r:embed="rId8" cstate="print"/>
+          <a:stretch>
+            <a:fillRect/>
+          </a:stretch>
+        </p:blipFill>
+        <p:spPr>
+          <a:xfrm>
+            <a:off x="467544" y="3717032"/>
+            <a:ext cx="2933711" cy="322708"/>
+          </a:xfrm>
+          <a:prstGeom prst="rect">
+            <a:avLst/>
+          </a:prstGeom>
+        </p:spPr>
+      </p:pic>
+      <p:pic>
+        <p:nvPicPr>
+          <p:cNvPr id="18" name="Рисунок 17" descr="line7.png"/>
+          <p:cNvPicPr>
+            <a:picLocks noChangeAspect="1"/>
+          </p:cNvPicPr>
+          <p:nvPr/>
+        </p:nvPicPr>
+        <p:blipFill>
+          <a:blip r:embed="rId9" cstate="print"/>
+          <a:stretch>
+            <a:fillRect/>
+          </a:stretch>
+        </p:blipFill>
+        <p:spPr>
+          <a:xfrm>
+            <a:off x="467544" y="4077072"/>
+            <a:ext cx="2933711" cy="322708"/>
+          </a:xfrm>
+          <a:prstGeom prst="rect">
+            <a:avLst/>
+          </a:prstGeom>
+        </p:spPr>
+      </p:pic>
+      <p:pic>
+        <p:nvPicPr>
+          <p:cNvPr id="19" name="Рисунок 18" descr="line8.png"/>
+          <p:cNvPicPr>
+            <a:picLocks noChangeAspect="1"/>
+          </p:cNvPicPr>
+          <p:nvPr/>
+        </p:nvPicPr>
+        <p:blipFill>
+          <a:blip r:embed="rId10" cstate="print"/>
+          <a:stretch>
+            <a:fillRect/>
+          </a:stretch>
+        </p:blipFill>
+        <p:spPr>
+          <a:xfrm>
+            <a:off x="467544" y="4437112"/>
+            <a:ext cx="2933711" cy="322708"/>
+          </a:xfrm>
+          <a:prstGeom prst="rect">
+            <a:avLst/>
+          </a:prstGeom>
+        </p:spPr>
+      </p:pic>
     </p:spTree>
   </p:cSld>
   <p:clrMapOvr>
@@ -4912,8 +5767,8 @@
           <a:lstStyle/>
           <a:p>
             <a:r>
-              <a:rPr lang="ru-RU" dirty="0" smtClean="0"/>
-              <a:t>Вывод</a:t>
+              <a:rPr lang="ru-RU" smtClean="0"/>
+              <a:t>Выводы</a:t>
             </a:r>
             <a:endParaRPr lang="ru-RU" dirty="0"/>
           </a:p>
@@ -4921,14 +5776,14 @@
       </p:sp>
       <p:sp>
         <p:nvSpPr>
-          <p:cNvPr id="9" name="TextBox 8"/>
+          <p:cNvPr id="6" name="TextBox 5"/>
           <p:cNvSpPr txBox="1"/>
           <p:nvPr/>
         </p:nvSpPr>
         <p:spPr>
           <a:xfrm>
-            <a:off x="1115616" y="1844824"/>
-            <a:ext cx="4068678" cy="369332"/>
+            <a:off x="8725296" y="0"/>
+            <a:ext cx="418704" cy="369332"/>
           </a:xfrm>
           <a:prstGeom prst="rect">
             <a:avLst/>
@@ -4941,11 +5796,88 @@
           </a:bodyPr>
           <a:lstStyle/>
           <a:p>
-            <a:r>
-              <a:rPr lang="ru-RU" dirty="0" smtClean="0"/>
-              <a:t>До квантового компьютера еще далеко</a:t>
-            </a:r>
+            <a:fld id="{92CD99D9-3420-41A1-A7EC-D74E2BEE2CC8}" type="slidenum">
+              <a:rPr lang="en-US" smtClean="0"/>
+              <a:t>15</a:t>
+            </a:fld>
             <a:endParaRPr lang="ru-RU" dirty="0"/>
+          </a:p>
+        </p:txBody>
+      </p:sp>
+      <p:sp>
+        <p:nvSpPr>
+          <p:cNvPr id="10" name="Содержимое 2"/>
+          <p:cNvSpPr>
+            <a:spLocks noGrp="1"/>
+          </p:cNvSpPr>
+          <p:nvPr>
+            <p:ph idx="1"/>
+          </p:nvPr>
+        </p:nvSpPr>
+        <p:spPr>
+          <a:xfrm>
+            <a:off x="457200" y="1600200"/>
+            <a:ext cx="8229600" cy="4525963"/>
+          </a:xfrm>
+        </p:spPr>
+        <p:txBody>
+          <a:bodyPr>
+            <a:normAutofit/>
+          </a:bodyPr>
+          <a:lstStyle/>
+          <a:p>
+            <a:pPr algn="just"/>
+            <a:r>
+              <a:rPr lang="ru-RU" sz="2000" dirty="0" smtClean="0">
+                <a:latin typeface="Times New Roman" pitchFamily="18" charset="0"/>
+                <a:cs typeface="Times New Roman" pitchFamily="18" charset="0"/>
+              </a:rPr>
+              <a:t>Получены строгие нижние ограничения на энергию основного состояния (в расчете на один спин) в трансляционно-инвариантных спиновых системах в термодинамическом пределе.</a:t>
+            </a:r>
+          </a:p>
+          <a:p>
+            <a:pPr algn="just"/>
+            <a:r>
+              <a:rPr lang="ru-RU" sz="2000" dirty="0" smtClean="0">
+                <a:latin typeface="Times New Roman" pitchFamily="18" charset="0"/>
+                <a:cs typeface="Times New Roman" pitchFamily="18" charset="0"/>
+              </a:rPr>
+              <a:t>Рассмотренные методы позволяют одновременно учитывать все симметрии системы, в том числе не коммутирующие, в том числе в случае спонтанного нарушения симметрии в чистых квантовых состояниях</a:t>
+            </a:r>
+          </a:p>
+          <a:p>
+            <a:pPr algn="just"/>
+            <a:endParaRPr lang="ru-RU" sz="2000" dirty="0" smtClean="0">
+              <a:latin typeface="Times New Roman" pitchFamily="18" charset="0"/>
+              <a:cs typeface="Times New Roman" pitchFamily="18" charset="0"/>
+            </a:endParaRPr>
+          </a:p>
+          <a:p>
+            <a:pPr algn="just"/>
+            <a:r>
+              <a:rPr lang="ru-RU" sz="2000" dirty="0" smtClean="0">
+                <a:latin typeface="Times New Roman" pitchFamily="18" charset="0"/>
+                <a:cs typeface="Times New Roman" pitchFamily="18" charset="0"/>
+              </a:rPr>
+              <a:t>Код доступен по адресу </a:t>
+            </a:r>
+            <a:r>
+              <a:rPr lang="en-US" sz="2000" dirty="0" smtClean="0">
+                <a:solidFill>
+                  <a:srgbClr val="002060"/>
+                </a:solidFill>
+                <a:latin typeface="Times New Roman" pitchFamily="18" charset="0"/>
+                <a:cs typeface="Times New Roman" pitchFamily="18" charset="0"/>
+              </a:rPr>
+              <a:t>https://github.com/FeelUsM/ScalarMixedSpins</a:t>
+            </a:r>
+            <a:endParaRPr lang="ru-RU" sz="2000" dirty="0" smtClean="0">
+              <a:solidFill>
+                <a:srgbClr val="002060"/>
+              </a:solidFill>
+              <a:latin typeface="Times New Roman" pitchFamily="18" charset="0"/>
+              <a:cs typeface="Times New Roman" pitchFamily="18" charset="0"/>
+            </a:endParaRPr>
           </a:p>
         </p:txBody>
       </p:sp>
@@ -4989,7 +5921,11 @@
           <a:bodyPr/>
           <a:lstStyle/>
           <a:p>
-            <a:endParaRPr lang="ru-RU"/>
+            <a:r>
+              <a:rPr lang="ru-RU" dirty="0" smtClean="0"/>
+              <a:t>Спасибо за внимание</a:t>
+            </a:r>
+            <a:endParaRPr lang="ru-RU" dirty="0"/>
           </a:p>
         </p:txBody>
       </p:sp>
@@ -5003,12 +5939,418 @@
             <p:ph idx="1"/>
           </p:nvPr>
         </p:nvSpPr>
-        <p:spPr/>
-        <p:txBody>
-          <a:bodyPr/>
-          <a:lstStyle/>
-          <a:p>
-            <a:endParaRPr lang="ru-RU"/>
+        <p:spPr>
+          <a:xfrm>
+            <a:off x="457200" y="2204864"/>
+            <a:ext cx="8229600" cy="4104456"/>
+          </a:xfrm>
+        </p:spPr>
+        <p:txBody>
+          <a:bodyPr>
+            <a:normAutofit fontScale="85000" lnSpcReduction="10000"/>
+          </a:bodyPr>
+          <a:lstStyle/>
+          <a:p>
+            <a:r>
+              <a:rPr lang="en-US" sz="2000" dirty="0" smtClean="0"/>
+              <a:t>N. </a:t>
+            </a:r>
+            <a:r>
+              <a:rPr lang="en-US" sz="2000" dirty="0" err="1" smtClean="0"/>
+              <a:t>Il'in</a:t>
+            </a:r>
+            <a:r>
+              <a:rPr lang="en-US" sz="2000" dirty="0" smtClean="0"/>
+              <a:t>, E. </a:t>
+            </a:r>
+            <a:r>
+              <a:rPr lang="en-US" sz="2000" dirty="0" err="1" smtClean="0"/>
+              <a:t>Shpagina</a:t>
+            </a:r>
+            <a:r>
+              <a:rPr lang="en-US" sz="2000" dirty="0" smtClean="0"/>
+              <a:t>, F. </a:t>
+            </a:r>
+            <a:r>
+              <a:rPr lang="en-US" sz="2000" dirty="0" err="1" smtClean="0"/>
+              <a:t>Uskov</a:t>
+            </a:r>
+            <a:r>
+              <a:rPr lang="en-US" sz="2000" dirty="0" smtClean="0"/>
+              <a:t>, O. </a:t>
+            </a:r>
+            <a:r>
+              <a:rPr lang="en-US" sz="2000" dirty="0" err="1" smtClean="0"/>
+              <a:t>Lychkovskiy</a:t>
+            </a:r>
+            <a:endParaRPr lang="ru-RU" sz="2000" dirty="0" smtClean="0"/>
+          </a:p>
+          <a:p>
+            <a:pPr>
+              <a:buNone/>
+            </a:pPr>
+            <a:r>
+              <a:rPr lang="ru-RU" sz="2000" dirty="0" smtClean="0"/>
+              <a:t>	</a:t>
+            </a:r>
+            <a:r>
+              <a:rPr lang="en-US" sz="2000" dirty="0" smtClean="0"/>
+              <a:t>Squaring </a:t>
+            </a:r>
+            <a:r>
+              <a:rPr lang="en-US" sz="2000" dirty="0" err="1" smtClean="0"/>
+              <a:t>parametrization</a:t>
+            </a:r>
+            <a:r>
+              <a:rPr lang="en-US" sz="2000" dirty="0" smtClean="0"/>
+              <a:t> of constrained and unconstrained sets of quantum states</a:t>
+            </a:r>
+            <a:r>
+              <a:rPr lang="en-US" sz="2000" dirty="0" smtClean="0"/>
+              <a:t>.</a:t>
+            </a:r>
+            <a:r>
+              <a:rPr lang="ru-RU" sz="2000" dirty="0" smtClean="0"/>
+              <a:t>	</a:t>
+            </a:r>
+            <a:r>
+              <a:rPr lang="en-US" sz="2000" dirty="0" smtClean="0"/>
+              <a:t>J</a:t>
+            </a:r>
+            <a:r>
+              <a:rPr lang="ru-RU" sz="2000" dirty="0" smtClean="0"/>
+              <a:t>.</a:t>
+            </a:r>
+            <a:r>
+              <a:rPr lang="en-US" sz="2000" dirty="0" smtClean="0"/>
+              <a:t> Phys</a:t>
+            </a:r>
+            <a:r>
+              <a:rPr lang="ru-RU" sz="2000" dirty="0" smtClean="0"/>
+              <a:t>.</a:t>
+            </a:r>
+            <a:r>
+              <a:rPr lang="en-US" sz="2000" dirty="0" smtClean="0"/>
+              <a:t> A</a:t>
+            </a:r>
+            <a:r>
+              <a:rPr lang="ru-RU" sz="2000" dirty="0" smtClean="0"/>
+              <a:t>:</a:t>
+            </a:r>
+            <a:r>
+              <a:rPr lang="en-US" sz="2000" dirty="0" smtClean="0"/>
+              <a:t>Math. </a:t>
+            </a:r>
+            <a:r>
+              <a:rPr lang="en-US" sz="2000" dirty="0" err="1" smtClean="0"/>
+              <a:t>Theor</a:t>
+            </a:r>
+            <a:r>
+              <a:rPr lang="en-US" sz="2000" dirty="0" smtClean="0"/>
+              <a:t>. 51 (2018) </a:t>
+            </a:r>
+            <a:r>
+              <a:rPr lang="en-US" sz="2000" dirty="0" smtClean="0"/>
+              <a:t>085301</a:t>
+            </a:r>
+            <a:endParaRPr lang="ru-RU" sz="2000" dirty="0" smtClean="0"/>
+          </a:p>
+          <a:p>
+            <a:r>
+              <a:rPr lang="fi-FI" sz="2000" dirty="0" smtClean="0"/>
+              <a:t>R</a:t>
+            </a:r>
+            <a:r>
+              <a:rPr lang="fi-FI" sz="2000" dirty="0" smtClean="0"/>
+              <a:t>. Tarrah, R. Valenti (1990)</a:t>
+            </a:r>
+            <a:r>
+              <a:rPr lang="ru-RU" sz="2000" dirty="0" smtClean="0"/>
+              <a:t> </a:t>
+            </a:r>
+            <a:r>
+              <a:rPr lang="en-US" sz="2000" dirty="0" smtClean="0"/>
+              <a:t>Exact lover bounds to the ground state of spin systems: The two-dimensional</a:t>
+            </a:r>
+            <a:r>
+              <a:rPr lang="ru-RU" sz="2000" dirty="0" smtClean="0"/>
+              <a:t> </a:t>
+            </a:r>
+            <a:r>
+              <a:rPr lang="en-US" sz="2000" dirty="0" smtClean="0"/>
+              <a:t>S = 1/2 </a:t>
+            </a:r>
+            <a:r>
+              <a:rPr lang="en-US" sz="2000" dirty="0" err="1" smtClean="0"/>
+              <a:t>antiferromagnetic</a:t>
+            </a:r>
+            <a:r>
+              <a:rPr lang="en-US" sz="2000" dirty="0" smtClean="0"/>
+              <a:t> </a:t>
+            </a:r>
+            <a:r>
+              <a:rPr lang="en-US" sz="2000" dirty="0" err="1" smtClean="0"/>
+              <a:t>Geisenberg</a:t>
+            </a:r>
+            <a:r>
+              <a:rPr lang="en-US" sz="2000" dirty="0" smtClean="0"/>
+              <a:t> model	Physical review B , 1990</a:t>
+            </a:r>
+            <a:r>
+              <a:rPr lang="en-US" sz="2000" dirty="0" smtClean="0"/>
+              <a:t>.</a:t>
+            </a:r>
+            <a:endParaRPr lang="ru-RU" sz="2000" dirty="0" smtClean="0"/>
+          </a:p>
+          <a:p>
+            <a:r>
+              <a:rPr lang="en-US" sz="2000" dirty="0" smtClean="0"/>
+              <a:t>P. W. </a:t>
+            </a:r>
+            <a:r>
+              <a:rPr lang="en-US" sz="2000" dirty="0" smtClean="0"/>
+              <a:t>Anderson</a:t>
+            </a:r>
+            <a:r>
+              <a:rPr lang="ru-RU" sz="2000" dirty="0" smtClean="0"/>
+              <a:t>, </a:t>
+            </a:r>
+            <a:r>
+              <a:rPr lang="en-US" sz="2000" dirty="0" smtClean="0"/>
+              <a:t> Limits </a:t>
+            </a:r>
+            <a:r>
+              <a:rPr lang="en-US" sz="2000" dirty="0" smtClean="0"/>
+              <a:t>on the Energy of the </a:t>
+            </a:r>
+            <a:r>
+              <a:rPr lang="en-US" sz="2000" dirty="0" err="1" smtClean="0"/>
+              <a:t>Antiferromagnetic</a:t>
+            </a:r>
+            <a:r>
+              <a:rPr lang="en-US" sz="2000" dirty="0" smtClean="0"/>
+              <a:t> Ground </a:t>
+            </a:r>
+            <a:r>
+              <a:rPr lang="en-US" sz="2000" dirty="0" smtClean="0"/>
+              <a:t>State</a:t>
+            </a:r>
+            <a:r>
+              <a:rPr lang="ru-RU" sz="2000" dirty="0" smtClean="0"/>
+              <a:t>, </a:t>
+            </a:r>
+            <a:r>
+              <a:rPr lang="en-US" sz="2000" dirty="0" smtClean="0"/>
+              <a:t>Letters </a:t>
+            </a:r>
+            <a:r>
+              <a:rPr lang="en-US" sz="2000" dirty="0" smtClean="0"/>
+              <a:t>to the editor </a:t>
+            </a:r>
+            <a:r>
+              <a:rPr lang="en-US" sz="2000" dirty="0" smtClean="0"/>
+              <a:t>1951</a:t>
+            </a:r>
+            <a:endParaRPr lang="ru-RU" sz="2000" dirty="0" smtClean="0"/>
+          </a:p>
+          <a:p>
+            <a:r>
+              <a:rPr lang="en-US" sz="2000" dirty="0" err="1" smtClean="0"/>
+              <a:t>Tillmann</a:t>
+            </a:r>
+            <a:r>
+              <a:rPr lang="en-US" sz="2000" dirty="0" smtClean="0"/>
+              <a:t> Baumgratz1 and Martin B </a:t>
+            </a:r>
+            <a:r>
+              <a:rPr lang="en-US" sz="2000" dirty="0" err="1" smtClean="0"/>
+              <a:t>Plenio</a:t>
+            </a:r>
+            <a:endParaRPr lang="en-US" sz="2000" dirty="0" smtClean="0"/>
+          </a:p>
+          <a:p>
+            <a:pPr>
+              <a:buNone/>
+            </a:pPr>
+            <a:r>
+              <a:rPr lang="ru-RU" sz="2000" dirty="0" smtClean="0"/>
+              <a:t>	</a:t>
+            </a:r>
+            <a:r>
+              <a:rPr lang="en-US" sz="2000" dirty="0" smtClean="0"/>
+              <a:t>Lower </a:t>
+            </a:r>
+            <a:r>
+              <a:rPr lang="en-US" sz="2000" dirty="0" smtClean="0"/>
+              <a:t>bounds for ground states of condensed matter systems</a:t>
+            </a:r>
+          </a:p>
+          <a:p>
+            <a:pPr>
+              <a:buNone/>
+            </a:pPr>
+            <a:r>
+              <a:rPr lang="ru-RU" sz="2000" dirty="0" smtClean="0"/>
+              <a:t>	</a:t>
+            </a:r>
+            <a:r>
+              <a:rPr lang="en-US" sz="2000" dirty="0" smtClean="0"/>
+              <a:t>New </a:t>
+            </a:r>
+            <a:r>
+              <a:rPr lang="en-US" sz="2000" dirty="0" smtClean="0"/>
+              <a:t>Journal of Physics 14 (2012) 023027 (21pp</a:t>
+            </a:r>
+            <a:r>
+              <a:rPr lang="en-US" sz="2000" dirty="0" smtClean="0"/>
+              <a:t>)</a:t>
+            </a:r>
+            <a:endParaRPr lang="ru-RU" sz="2000" dirty="0" smtClean="0"/>
+          </a:p>
+          <a:p>
+            <a:r>
+              <a:rPr lang="en-US" sz="1800" dirty="0" smtClean="0"/>
+              <a:t>David A. </a:t>
+            </a:r>
+            <a:r>
+              <a:rPr lang="en-US" sz="1800" dirty="0" err="1" smtClean="0"/>
+              <a:t>Mazziotti</a:t>
+            </a:r>
+            <a:r>
+              <a:rPr lang="ru-RU" sz="1800" dirty="0" smtClean="0"/>
+              <a:t>, </a:t>
+            </a:r>
+            <a:r>
+              <a:rPr lang="en-US" sz="1800" dirty="0" err="1" smtClean="0"/>
+              <a:t>Variational</a:t>
+            </a:r>
+            <a:r>
+              <a:rPr lang="en-US" sz="1800" dirty="0" smtClean="0"/>
+              <a:t> </a:t>
+            </a:r>
+            <a:r>
+              <a:rPr lang="en-US" sz="1800" dirty="0" smtClean="0"/>
+              <a:t>minimization of atomic and molecular ground-state energies via the two-particle reduced density </a:t>
+            </a:r>
+            <a:r>
+              <a:rPr lang="en-US" sz="1800" dirty="0" smtClean="0"/>
+              <a:t>matrix</a:t>
+            </a:r>
+            <a:r>
+              <a:rPr lang="ru-RU" sz="1800" dirty="0" smtClean="0"/>
+              <a:t>, </a:t>
+            </a:r>
+            <a:r>
+              <a:rPr lang="en-US" sz="1800" dirty="0" smtClean="0"/>
+              <a:t>PHYSICAL </a:t>
+            </a:r>
+            <a:r>
+              <a:rPr lang="en-US" sz="1800" dirty="0" smtClean="0"/>
+              <a:t>REVIEW A, VOLUME 65, </a:t>
+            </a:r>
+            <a:r>
+              <a:rPr lang="en-US" sz="1800" dirty="0" smtClean="0"/>
+              <a:t>062511</a:t>
+            </a:r>
+            <a:endParaRPr lang="en-US" sz="2000" dirty="0" smtClean="0"/>
+          </a:p>
+          <a:p>
+            <a:r>
+              <a:rPr lang="en-US" sz="2000" i="1" dirty="0" smtClean="0"/>
+              <a:t>K.S.D</a:t>
+            </a:r>
+            <a:r>
+              <a:rPr lang="en-US" sz="2000" i="1" dirty="0" smtClean="0"/>
+              <a:t>. Beach, A.W. </a:t>
+            </a:r>
+            <a:r>
+              <a:rPr lang="en-US" sz="2000" i="1" dirty="0" err="1" smtClean="0"/>
+              <a:t>Sandvik</a:t>
+            </a:r>
+            <a:r>
+              <a:rPr lang="en-US" sz="2000" i="1" dirty="0" smtClean="0"/>
+              <a:t> </a:t>
+            </a:r>
+            <a:r>
+              <a:rPr lang="ru-RU" sz="2000" i="1" dirty="0" smtClean="0"/>
+              <a:t> </a:t>
+            </a:r>
+            <a:r>
+              <a:rPr lang="en-US" sz="2000" dirty="0" smtClean="0"/>
+              <a:t>Some formal results for the valence bond basis</a:t>
+            </a:r>
+            <a:r>
+              <a:rPr lang="ru-RU" sz="2000" dirty="0" smtClean="0"/>
+              <a:t> </a:t>
+            </a:r>
+            <a:r>
+              <a:rPr lang="en-US" sz="2000" i="1" dirty="0" smtClean="0"/>
+              <a:t>Nuclear Physics B 750 [FS] (2006) 142–178</a:t>
+            </a:r>
+            <a:endParaRPr lang="ru-RU" sz="2000" dirty="0"/>
+          </a:p>
+        </p:txBody>
+      </p:sp>
+      <p:sp>
+        <p:nvSpPr>
+          <p:cNvPr id="5" name="TextBox 4"/>
+          <p:cNvSpPr txBox="1"/>
+          <p:nvPr/>
+        </p:nvSpPr>
+        <p:spPr>
+          <a:xfrm>
+            <a:off x="8725296" y="0"/>
+            <a:ext cx="418704" cy="369332"/>
+          </a:xfrm>
+          <a:prstGeom prst="rect">
+            <a:avLst/>
+          </a:prstGeom>
+          <a:noFill/>
+        </p:spPr>
+        <p:txBody>
+          <a:bodyPr wrap="none" rtlCol="0">
+            <a:spAutoFit/>
+          </a:bodyPr>
+          <a:lstStyle/>
+          <a:p>
+            <a:r>
+              <a:rPr lang="en-US" dirty="0" smtClean="0"/>
+              <a:t>16</a:t>
+            </a:r>
+            <a:endParaRPr lang="ru-RU" dirty="0"/>
+          </a:p>
+        </p:txBody>
+      </p:sp>
+      <p:sp>
+        <p:nvSpPr>
+          <p:cNvPr id="6" name="TextBox 5"/>
+          <p:cNvSpPr txBox="1"/>
+          <p:nvPr/>
+        </p:nvSpPr>
+        <p:spPr>
+          <a:xfrm>
+            <a:off x="3491880" y="1412776"/>
+            <a:ext cx="1996700" cy="523220"/>
+          </a:xfrm>
+          <a:prstGeom prst="rect">
+            <a:avLst/>
+          </a:prstGeom>
+          <a:noFill/>
+        </p:spPr>
+        <p:txBody>
+          <a:bodyPr wrap="none" rtlCol="0">
+            <a:spAutoFit/>
+          </a:bodyPr>
+          <a:lstStyle/>
+          <a:p>
+            <a:r>
+              <a:rPr lang="ru-RU" sz="2800" dirty="0" smtClean="0"/>
+              <a:t>Литература</a:t>
+            </a:r>
+            <a:r>
+              <a:rPr lang="ru-RU" dirty="0" smtClean="0"/>
+              <a:t>:</a:t>
+            </a:r>
           </a:p>
         </p:txBody>
       </p:sp>
@@ -5070,12 +6412,146 @@
             <p:ph idx="1"/>
           </p:nvPr>
         </p:nvSpPr>
-        <p:spPr/>
-        <p:txBody>
-          <a:bodyPr/>
-          <a:lstStyle/>
-          <a:p>
-            <a:endParaRPr lang="ru-RU"/>
+        <p:spPr>
+          <a:xfrm>
+            <a:off x="457200" y="1556792"/>
+            <a:ext cx="8229600" cy="4525963"/>
+          </a:xfrm>
+        </p:spPr>
+        <p:txBody>
+          <a:bodyPr>
+            <a:normAutofit fontScale="77500" lnSpcReduction="20000"/>
+          </a:bodyPr>
+          <a:lstStyle/>
+          <a:p>
+            <a:r>
+              <a:rPr lang="ru-RU" dirty="0" smtClean="0"/>
+              <a:t>Описание </a:t>
+            </a:r>
+            <a:r>
+              <a:rPr lang="ru-RU" dirty="0" smtClean="0"/>
+              <a:t>модели, задача</a:t>
+            </a:r>
+          </a:p>
+          <a:p>
+            <a:r>
+              <a:rPr lang="ru-RU" dirty="0" smtClean="0"/>
+              <a:t>Методы </a:t>
+            </a:r>
+            <a:r>
+              <a:rPr lang="ru-RU" dirty="0" smtClean="0"/>
+              <a:t>решения</a:t>
+            </a:r>
+            <a:endParaRPr lang="ru-RU" dirty="0" smtClean="0"/>
+          </a:p>
+          <a:p>
+            <a:r>
+              <a:rPr lang="ru-RU" dirty="0" smtClean="0"/>
+              <a:t>Параметризация матрицы плотности</a:t>
+            </a:r>
+          </a:p>
+          <a:p>
+            <a:pPr lvl="1"/>
+            <a:r>
+              <a:rPr lang="ru-RU" dirty="0" smtClean="0"/>
+              <a:t>Символьное умножение матриц</a:t>
+            </a:r>
+          </a:p>
+          <a:p>
+            <a:pPr lvl="1"/>
+            <a:r>
+              <a:rPr lang="ru-RU" dirty="0" smtClean="0"/>
+              <a:t>Скалярное произведение матриц</a:t>
+            </a:r>
+          </a:p>
+          <a:p>
+            <a:pPr lvl="1"/>
+            <a:r>
+              <a:rPr lang="ru-RU" dirty="0" smtClean="0"/>
+              <a:t>Переполненность базиса</a:t>
+            </a:r>
+          </a:p>
+          <a:p>
+            <a:r>
+              <a:rPr lang="ru-RU" dirty="0" smtClean="0"/>
+              <a:t>Уравнение Шредингера</a:t>
+            </a:r>
+          </a:p>
+          <a:p>
+            <a:pPr lvl="1"/>
+            <a:r>
+              <a:rPr lang="ru-RU" dirty="0" smtClean="0"/>
+              <a:t>УШ: генерация </a:t>
+            </a:r>
+            <a:r>
+              <a:rPr lang="el-GR" dirty="0" smtClean="0"/>
+              <a:t>ρ</a:t>
+            </a:r>
+            <a:endParaRPr lang="ru-RU" dirty="0" smtClean="0"/>
+          </a:p>
+          <a:p>
+            <a:r>
+              <a:rPr lang="ru-RU" dirty="0" smtClean="0"/>
+              <a:t>Вариационный метод</a:t>
+            </a:r>
+          </a:p>
+          <a:p>
+            <a:pPr lvl="1"/>
+            <a:r>
+              <a:rPr lang="ru-RU" dirty="0" smtClean="0"/>
+              <a:t>Вар. метод: генерация </a:t>
+            </a:r>
+            <a:r>
+              <a:rPr lang="el-GR" dirty="0" smtClean="0"/>
+              <a:t>ρ</a:t>
+            </a:r>
+            <a:endParaRPr lang="ru-RU" dirty="0" smtClean="0"/>
+          </a:p>
+          <a:p>
+            <a:r>
+              <a:rPr lang="ru-RU" dirty="0" smtClean="0"/>
+              <a:t>Сравнение результатов</a:t>
+            </a:r>
+          </a:p>
+          <a:p>
+            <a:r>
+              <a:rPr lang="ru-RU" dirty="0" smtClean="0"/>
+              <a:t>Выводы</a:t>
+            </a:r>
+            <a:endParaRPr lang="ru-RU" dirty="0" smtClean="0"/>
+          </a:p>
+          <a:p>
+            <a:endParaRPr lang="ru-RU" dirty="0"/>
+          </a:p>
+        </p:txBody>
+      </p:sp>
+      <p:sp>
+        <p:nvSpPr>
+          <p:cNvPr id="6" name="TextBox 5"/>
+          <p:cNvSpPr txBox="1"/>
+          <p:nvPr/>
+        </p:nvSpPr>
+        <p:spPr>
+          <a:xfrm>
+            <a:off x="8842314" y="0"/>
+            <a:ext cx="301686" cy="369332"/>
+          </a:xfrm>
+          <a:prstGeom prst="rect">
+            <a:avLst/>
+          </a:prstGeom>
+          <a:noFill/>
+        </p:spPr>
+        <p:txBody>
+          <a:bodyPr wrap="none" rtlCol="0">
+            <a:spAutoFit/>
+          </a:bodyPr>
+          <a:lstStyle/>
+          <a:p>
+            <a:fld id="{C44726EE-D000-402D-953A-A34E31152CEE}" type="slidenum">
+              <a:rPr lang="en-US" smtClean="0"/>
+              <a:t>2</a:t>
+            </a:fld>
+            <a:endParaRPr lang="ru-RU" dirty="0"/>
           </a:p>
         </p:txBody>
       </p:sp>
@@ -5111,6 +6587,39 @@
           <a:chExt cx="0" cy="0"/>
         </a:xfrm>
       </p:grpSpPr>
+      <p:pic>
+        <p:nvPicPr>
+          <p:cNvPr id="10" name="Picture 16"/>
+          <p:cNvPicPr>
+            <a:picLocks noChangeAspect="1" noChangeArrowheads="1"/>
+          </p:cNvPicPr>
+          <p:nvPr/>
+        </p:nvPicPr>
+        <p:blipFill>
+          <a:blip r:embed="rId3" cstate="print"/>
+          <a:srcRect/>
+          <a:stretch>
+            <a:fillRect/>
+          </a:stretch>
+        </p:blipFill>
+        <p:spPr bwMode="auto">
+          <a:xfrm>
+            <a:off x="7452320" y="5085184"/>
+            <a:ext cx="1336001" cy="893068"/>
+          </a:xfrm>
+          <a:prstGeom prst="rect">
+            <a:avLst/>
+          </a:prstGeom>
+          <a:noFill/>
+          <a:ln w="9525">
+            <a:noFill/>
+            <a:miter lim="800000"/>
+            <a:headEnd/>
+            <a:tailEnd/>
+          </a:ln>
+          <a:effectLst/>
+        </p:spPr>
+      </p:pic>
       <p:sp>
         <p:nvSpPr>
           <p:cNvPr id="2" name="Заголовок 1"/>
@@ -5121,50 +6630,418 @@
             <p:ph type="title"/>
           </p:nvPr>
         </p:nvSpPr>
-        <p:spPr/>
+        <p:spPr>
+          <a:xfrm>
+            <a:off x="467544" y="0"/>
+            <a:ext cx="8229600" cy="1143000"/>
+          </a:xfrm>
+        </p:spPr>
         <p:txBody>
           <a:bodyPr/>
           <a:lstStyle/>
           <a:p>
             <a:r>
               <a:rPr lang="ru-RU" dirty="0" smtClean="0"/>
-              <a:t>Мотивация</a:t>
+              <a:t>Описание модели, задача</a:t>
             </a:r>
             <a:endParaRPr lang="ru-RU" dirty="0"/>
           </a:p>
         </p:txBody>
       </p:sp>
-      <p:sp>
-        <p:nvSpPr>
-          <p:cNvPr id="3" name="Содержимое 2"/>
-          <p:cNvSpPr>
-            <a:spLocks noGrp="1"/>
-          </p:cNvSpPr>
-          <p:nvPr>
-            <p:ph idx="1"/>
-          </p:nvPr>
-        </p:nvSpPr>
-        <p:spPr/>
-        <p:txBody>
-          <a:bodyPr/>
-          <a:lstStyle/>
-          <a:p>
-            <a:r>
-              <a:rPr lang="ru-RU" dirty="0" smtClean="0"/>
-              <a:t>Цель</a:t>
-            </a:r>
-          </a:p>
-          <a:p>
-            <a:r>
-              <a:rPr lang="ru-RU" dirty="0" smtClean="0"/>
-              <a:t>Новизна</a:t>
-            </a:r>
-          </a:p>
-          <a:p>
-            <a:r>
-              <a:rPr lang="ru-RU" dirty="0" smtClean="0"/>
-              <a:t>Квантовый компьютер, все дела…</a:t>
-            </a:r>
+      <p:graphicFrame>
+        <p:nvGraphicFramePr>
+          <p:cNvPr id="5" name="Объект 4"/>
+          <p:cNvGraphicFramePr>
+            <a:graphicFrameLocks noChangeAspect="1"/>
+          </p:cNvGraphicFramePr>
+          <p:nvPr/>
+        </p:nvGraphicFramePr>
+        <p:xfrm>
+          <a:off x="347663" y="1052513"/>
+          <a:ext cx="4395787" cy="1976437"/>
+        </p:xfrm>
+        <a:graphic>
+          <a:graphicData uri="http://schemas.openxmlformats.org/presentationml/2006/ole">
+            <p:oleObj spid="_x0000_s2050" name="Equation" r:id="rId4" imgW="2311200" imgH="1041120" progId="Equation.DSMT4">
+              <p:embed/>
+            </p:oleObj>
+          </a:graphicData>
+        </a:graphic>
+      </p:graphicFrame>
+      <p:pic>
+        <p:nvPicPr>
+          <p:cNvPr id="7" name="Рисунок 6" descr="lattice.png"/>
+          <p:cNvPicPr>
+            <a:picLocks noChangeAspect="1"/>
+          </p:cNvPicPr>
+          <p:nvPr/>
+        </p:nvPicPr>
+        <p:blipFill>
+          <a:blip r:embed="rId5" cstate="print"/>
+          <a:stretch>
+            <a:fillRect/>
+          </a:stretch>
+        </p:blipFill>
+        <p:spPr>
+          <a:xfrm>
+            <a:off x="5146302" y="1138138"/>
+            <a:ext cx="3120348" cy="1872208"/>
+          </a:xfrm>
+          <a:prstGeom prst="rect">
+            <a:avLst/>
+          </a:prstGeom>
+        </p:spPr>
+      </p:pic>
+      <p:graphicFrame>
+        <p:nvGraphicFramePr>
+          <p:cNvPr id="8" name="Объект 7"/>
+          <p:cNvGraphicFramePr>
+            <a:graphicFrameLocks noChangeAspect="1"/>
+          </p:cNvGraphicFramePr>
+          <p:nvPr/>
+        </p:nvGraphicFramePr>
+        <p:xfrm>
+          <a:off x="371475" y="3284538"/>
+          <a:ext cx="4684713" cy="2233612"/>
+        </p:xfrm>
+        <a:graphic>
+          <a:graphicData uri="http://schemas.openxmlformats.org/presentationml/2006/ole">
+            <p:oleObj spid="_x0000_s2051" name="Equation" r:id="rId6" imgW="2450880" imgH="1168200" progId="Equation.DSMT4">
+              <p:embed/>
+            </p:oleObj>
+          </a:graphicData>
+        </a:graphic>
+      </p:graphicFrame>
+      <p:sp>
+        <p:nvSpPr>
+          <p:cNvPr id="9" name="TextBox 8"/>
+          <p:cNvSpPr txBox="1"/>
+          <p:nvPr/>
+        </p:nvSpPr>
+        <p:spPr>
+          <a:xfrm>
+            <a:off x="5220072" y="2996952"/>
+            <a:ext cx="3672408" cy="2144177"/>
+          </a:xfrm>
+          <a:prstGeom prst="rect">
+            <a:avLst/>
+          </a:prstGeom>
+          <a:noFill/>
+        </p:spPr>
+        <p:txBody>
+          <a:bodyPr wrap="square" rtlCol="0">
+            <a:spAutoFit/>
+          </a:bodyPr>
+          <a:lstStyle/>
+          <a:p>
+            <a:r>
+              <a:rPr lang="ru-RU" sz="2000" dirty="0" smtClean="0">
+                <a:latin typeface="Times New Roman" pitchFamily="18" charset="0"/>
+                <a:cs typeface="Times New Roman" pitchFamily="18" charset="0"/>
+              </a:rPr>
+              <a:t>Антиферромагнетики: </a:t>
+            </a:r>
+            <a:endParaRPr lang="en-US" sz="2000" dirty="0" smtClean="0">
+              <a:latin typeface="Times New Roman" pitchFamily="18" charset="0"/>
+              <a:cs typeface="Times New Roman" pitchFamily="18" charset="0"/>
+            </a:endParaRPr>
+          </a:p>
+          <a:p>
+            <a:r>
+              <a:rPr lang="ru-RU" sz="2000" dirty="0" smtClean="0">
+                <a:latin typeface="Times New Roman" pitchFamily="18" charset="0"/>
+                <a:cs typeface="Times New Roman" pitchFamily="18" charset="0"/>
+              </a:rPr>
+              <a:t>Пример </a:t>
+            </a:r>
+            <a:r>
+              <a:rPr lang="ru-RU" sz="2000" dirty="0" smtClean="0">
+                <a:latin typeface="Times New Roman" pitchFamily="18" charset="0"/>
+                <a:cs typeface="Times New Roman" pitchFamily="18" charset="0"/>
+              </a:rPr>
+              <a:t>  </a:t>
+            </a:r>
+            <a:r>
+              <a:rPr lang="en-US" sz="2000" dirty="0" smtClean="0">
+                <a:latin typeface="Times New Roman" pitchFamily="18" charset="0"/>
+                <a:cs typeface="Times New Roman" pitchFamily="18" charset="0"/>
+              </a:rPr>
+              <a:t>1d</a:t>
+            </a:r>
+            <a:r>
+              <a:rPr lang="en-US" sz="2000" dirty="0" smtClean="0">
+                <a:latin typeface="Times New Roman" pitchFamily="18" charset="0"/>
+                <a:cs typeface="Times New Roman" pitchFamily="18" charset="0"/>
+              </a:rPr>
+              <a:t>: </a:t>
+            </a:r>
+            <a:r>
+              <a:rPr lang="en-US" sz="2000" dirty="0" smtClean="0">
+                <a:latin typeface="Times New Roman" pitchFamily="18" charset="0"/>
+                <a:cs typeface="Times New Roman" pitchFamily="18" charset="0"/>
+              </a:rPr>
+              <a:t>Sr</a:t>
+            </a:r>
+            <a:r>
+              <a:rPr lang="en-US" sz="2000" baseline="-25000" dirty="0" smtClean="0">
+                <a:latin typeface="Times New Roman" pitchFamily="18" charset="0"/>
+                <a:cs typeface="Times New Roman" pitchFamily="18" charset="0"/>
+              </a:rPr>
+              <a:t>2</a:t>
+            </a:r>
+            <a:r>
+              <a:rPr lang="en-US" sz="2000" dirty="0" smtClean="0">
+                <a:latin typeface="Times New Roman" pitchFamily="18" charset="0"/>
+                <a:cs typeface="Times New Roman" pitchFamily="18" charset="0"/>
+              </a:rPr>
+              <a:t>Cu(PO</a:t>
+            </a:r>
+            <a:r>
+              <a:rPr lang="en-US" sz="2000" baseline="-25000" dirty="0" smtClean="0">
+                <a:latin typeface="Times New Roman" pitchFamily="18" charset="0"/>
+                <a:cs typeface="Times New Roman" pitchFamily="18" charset="0"/>
+              </a:rPr>
+              <a:t>4</a:t>
+            </a:r>
+            <a:r>
+              <a:rPr lang="en-US" sz="2000" dirty="0" smtClean="0">
+                <a:latin typeface="Times New Roman" pitchFamily="18" charset="0"/>
+                <a:cs typeface="Times New Roman" pitchFamily="18" charset="0"/>
+              </a:rPr>
+              <a:t>)</a:t>
+            </a:r>
+            <a:r>
+              <a:rPr lang="en-US" sz="2000" baseline="-25000" dirty="0" smtClean="0">
+                <a:latin typeface="Times New Roman" pitchFamily="18" charset="0"/>
+                <a:cs typeface="Times New Roman" pitchFamily="18" charset="0"/>
+              </a:rPr>
+              <a:t>2</a:t>
+            </a:r>
+          </a:p>
+          <a:p>
+            <a:r>
+              <a:rPr lang="ru-RU" sz="2000" dirty="0" smtClean="0">
+                <a:latin typeface="Times New Roman" pitchFamily="18" charset="0"/>
+                <a:cs typeface="Times New Roman" pitchFamily="18" charset="0"/>
+              </a:rPr>
+              <a:t>Пример</a:t>
+            </a:r>
+            <a:r>
+              <a:rPr lang="ru-RU" sz="2000" dirty="0" smtClean="0">
+                <a:latin typeface="Times New Roman" pitchFamily="18" charset="0"/>
+                <a:cs typeface="Times New Roman" pitchFamily="18" charset="0"/>
+              </a:rPr>
+              <a:t>ы</a:t>
+            </a:r>
+            <a:r>
+              <a:rPr lang="ru-RU" sz="2000" dirty="0" smtClean="0">
+                <a:latin typeface="Times New Roman" pitchFamily="18" charset="0"/>
+                <a:cs typeface="Times New Roman" pitchFamily="18" charset="0"/>
+              </a:rPr>
+              <a:t> 2</a:t>
+            </a:r>
+            <a:r>
+              <a:rPr lang="en-US" sz="2000" dirty="0" smtClean="0">
+                <a:latin typeface="Times New Roman" pitchFamily="18" charset="0"/>
+                <a:cs typeface="Times New Roman" pitchFamily="18" charset="0"/>
+              </a:rPr>
+              <a:t>d</a:t>
+            </a:r>
+            <a:r>
+              <a:rPr lang="ru-RU" sz="2000" dirty="0" smtClean="0">
+                <a:latin typeface="Times New Roman" pitchFamily="18" charset="0"/>
+                <a:cs typeface="Times New Roman" pitchFamily="18" charset="0"/>
+              </a:rPr>
+              <a:t>: </a:t>
+            </a:r>
+            <a:r>
+              <a:rPr lang="en-US" sz="2000" dirty="0" smtClean="0">
+                <a:latin typeface="Times New Roman" pitchFamily="18" charset="0"/>
+                <a:cs typeface="Times New Roman" pitchFamily="18" charset="0"/>
+              </a:rPr>
+              <a:t>La</a:t>
+            </a:r>
+            <a:r>
+              <a:rPr lang="en-US" sz="2000" baseline="-25000" dirty="0" smtClean="0">
+                <a:latin typeface="Times New Roman" pitchFamily="18" charset="0"/>
+                <a:cs typeface="Times New Roman" pitchFamily="18" charset="0"/>
+              </a:rPr>
+              <a:t>2</a:t>
+            </a:r>
+            <a:r>
+              <a:rPr lang="en-US" sz="2000" dirty="0" smtClean="0">
+                <a:latin typeface="Times New Roman" pitchFamily="18" charset="0"/>
+                <a:cs typeface="Times New Roman" pitchFamily="18" charset="0"/>
+              </a:rPr>
+              <a:t>CuO</a:t>
+            </a:r>
+            <a:r>
+              <a:rPr lang="ru-RU" sz="2000" baseline="-25000" dirty="0" smtClean="0">
+                <a:latin typeface="Times New Roman" pitchFamily="18" charset="0"/>
+                <a:cs typeface="Times New Roman" pitchFamily="18" charset="0"/>
+              </a:rPr>
+              <a:t>4</a:t>
+            </a:r>
+          </a:p>
+          <a:p>
+            <a:r>
+              <a:rPr lang="ru-RU" sz="2000" dirty="0" smtClean="0">
+                <a:latin typeface="Times New Roman" pitchFamily="18" charset="0"/>
+                <a:cs typeface="Times New Roman" pitchFamily="18" charset="0"/>
+              </a:rPr>
+              <a:t>	         </a:t>
+            </a:r>
+            <a:r>
+              <a:rPr lang="en-US" sz="2000" dirty="0" smtClean="0">
+                <a:latin typeface="Times New Roman" pitchFamily="18" charset="0"/>
+                <a:cs typeface="Times New Roman" pitchFamily="18" charset="0"/>
+              </a:rPr>
+              <a:t>YBa</a:t>
+            </a:r>
+            <a:r>
+              <a:rPr lang="en-US" sz="2000" baseline="-25000" dirty="0" smtClean="0">
+                <a:latin typeface="Times New Roman" pitchFamily="18" charset="0"/>
+                <a:cs typeface="Times New Roman" pitchFamily="18" charset="0"/>
+              </a:rPr>
+              <a:t>2</a:t>
+            </a:r>
+            <a:r>
+              <a:rPr lang="en-US" sz="2000" dirty="0" smtClean="0">
+                <a:latin typeface="Times New Roman" pitchFamily="18" charset="0"/>
+                <a:cs typeface="Times New Roman" pitchFamily="18" charset="0"/>
+              </a:rPr>
+              <a:t>CuO</a:t>
+            </a:r>
+            <a:r>
+              <a:rPr lang="en-US" sz="2000" baseline="-25000" dirty="0" smtClean="0">
+                <a:latin typeface="Times New Roman" pitchFamily="18" charset="0"/>
+                <a:cs typeface="Times New Roman" pitchFamily="18" charset="0"/>
+              </a:rPr>
+              <a:t>6</a:t>
+            </a:r>
+            <a:endParaRPr lang="ru-RU" sz="2000" baseline="-25000" dirty="0" smtClean="0">
+              <a:latin typeface="Times New Roman" pitchFamily="18" charset="0"/>
+              <a:cs typeface="Times New Roman" pitchFamily="18" charset="0"/>
+            </a:endParaRPr>
+          </a:p>
+          <a:p>
+            <a:endParaRPr lang="ru-RU" sz="2000" baseline="-25000" dirty="0" smtClean="0">
+              <a:latin typeface="Times New Roman" pitchFamily="18" charset="0"/>
+              <a:cs typeface="Times New Roman" pitchFamily="18" charset="0"/>
+            </a:endParaRPr>
+          </a:p>
+          <a:p>
+            <a:r>
+              <a:rPr lang="ru-RU" sz="2000" dirty="0" smtClean="0">
+                <a:latin typeface="Times New Roman" pitchFamily="18" charset="0"/>
+                <a:cs typeface="Times New Roman" pitchFamily="18" charset="0"/>
+              </a:rPr>
+              <a:t>Спиновые жидкости:</a:t>
+            </a:r>
+          </a:p>
+          <a:p>
+            <a:r>
+              <a:rPr lang="en-US" sz="2000" dirty="0" err="1" smtClean="0">
+                <a:latin typeface="Times New Roman" pitchFamily="18" charset="0"/>
+                <a:cs typeface="Times New Roman" pitchFamily="18" charset="0"/>
+              </a:rPr>
+              <a:t>Herbertsmithite</a:t>
+            </a:r>
+            <a:r>
+              <a:rPr lang="en-US" sz="2000" dirty="0" smtClean="0">
+                <a:latin typeface="Times New Roman" pitchFamily="18" charset="0"/>
+                <a:cs typeface="Times New Roman" pitchFamily="18" charset="0"/>
+              </a:rPr>
+              <a:t> ZnCu</a:t>
+            </a:r>
+            <a:r>
+              <a:rPr lang="en-US" sz="2000" baseline="-25000" dirty="0" smtClean="0">
+                <a:latin typeface="Times New Roman" pitchFamily="18" charset="0"/>
+                <a:cs typeface="Times New Roman" pitchFamily="18" charset="0"/>
+              </a:rPr>
+              <a:t>3</a:t>
+            </a:r>
+            <a:r>
+              <a:rPr lang="en-US" sz="2000" dirty="0" smtClean="0">
+                <a:latin typeface="Times New Roman" pitchFamily="18" charset="0"/>
+                <a:cs typeface="Times New Roman" pitchFamily="18" charset="0"/>
+              </a:rPr>
+              <a:t>(OH)</a:t>
+            </a:r>
+            <a:r>
+              <a:rPr lang="en-US" sz="2000" baseline="-25000" dirty="0" smtClean="0">
+                <a:latin typeface="Times New Roman" pitchFamily="18" charset="0"/>
+                <a:cs typeface="Times New Roman" pitchFamily="18" charset="0"/>
+              </a:rPr>
+              <a:t>6</a:t>
+            </a:r>
+            <a:r>
+              <a:rPr lang="en-US" sz="2000" dirty="0" smtClean="0">
+                <a:latin typeface="Times New Roman" pitchFamily="18" charset="0"/>
+                <a:cs typeface="Times New Roman" pitchFamily="18" charset="0"/>
+              </a:rPr>
+              <a:t>Cl</a:t>
+            </a:r>
+            <a:r>
+              <a:rPr lang="en-US" sz="2000" baseline="-25000" dirty="0" smtClean="0">
+                <a:latin typeface="Times New Roman" pitchFamily="18" charset="0"/>
+                <a:cs typeface="Times New Roman" pitchFamily="18" charset="0"/>
+              </a:rPr>
+              <a:t>2</a:t>
+            </a:r>
+            <a:endParaRPr lang="en-US" sz="2000" baseline="-25000" dirty="0" smtClean="0">
+              <a:latin typeface="Times New Roman" pitchFamily="18" charset="0"/>
+              <a:cs typeface="Times New Roman" pitchFamily="18" charset="0"/>
+            </a:endParaRPr>
+          </a:p>
+        </p:txBody>
+      </p:sp>
+      <p:graphicFrame>
+        <p:nvGraphicFramePr>
+          <p:cNvPr id="11" name="Объект 10"/>
+          <p:cNvGraphicFramePr>
+            <a:graphicFrameLocks noChangeAspect="1"/>
+          </p:cNvGraphicFramePr>
+          <p:nvPr/>
+        </p:nvGraphicFramePr>
+        <p:xfrm>
+          <a:off x="385192" y="5719862"/>
+          <a:ext cx="6511304" cy="691772"/>
+        </p:xfrm>
+        <a:graphic>
+          <a:graphicData uri="http://schemas.openxmlformats.org/presentationml/2006/ole">
+            <p:oleObj spid="_x0000_s2053" name="Equation" r:id="rId7" imgW="2273040" imgH="241200" progId="Equation.DSMT4">
+              <p:embed/>
+            </p:oleObj>
+          </a:graphicData>
+        </a:graphic>
+      </p:graphicFrame>
+      <p:sp>
+        <p:nvSpPr>
+          <p:cNvPr id="13" name="TextBox 12"/>
+          <p:cNvSpPr txBox="1"/>
+          <p:nvPr/>
+        </p:nvSpPr>
+        <p:spPr>
+          <a:xfrm>
+            <a:off x="8842314" y="0"/>
+            <a:ext cx="301686" cy="369332"/>
+          </a:xfrm>
+          <a:prstGeom prst="rect">
+            <a:avLst/>
+          </a:prstGeom>
+          <a:noFill/>
+        </p:spPr>
+        <p:txBody>
+          <a:bodyPr wrap="none" rtlCol="0">
+            <a:spAutoFit/>
+          </a:bodyPr>
+          <a:lstStyle/>
+          <a:p>
+            <a:fld id="{B8323EE8-6BA5-4ED8-A18B-DBB1AE82E622}" type="slidenum">
+              <a:rPr lang="ru-RU" smtClean="0"/>
+              <a:t>3</a:t>
+            </a:fld>
             <a:endParaRPr lang="ru-RU" dirty="0"/>
           </a:p>
         </p:txBody>
@@ -5213,7 +7090,7 @@
         </p:nvSpPr>
         <p:spPr>
           <a:xfrm>
-            <a:off x="467544" y="0"/>
+            <a:off x="457200" y="0"/>
             <a:ext cx="8229600" cy="1143000"/>
           </a:xfrm>
         </p:spPr>
@@ -5223,35 +7100,170 @@
           <a:p>
             <a:r>
               <a:rPr lang="ru-RU" dirty="0" smtClean="0"/>
-              <a:t>Описание модели, задача</a:t>
+              <a:t>Методы решения</a:t>
             </a:r>
             <a:endParaRPr lang="ru-RU" dirty="0"/>
+          </a:p>
+        </p:txBody>
+      </p:sp>
+      <p:sp>
+        <p:nvSpPr>
+          <p:cNvPr id="7" name="TextBox 6"/>
+          <p:cNvSpPr txBox="1"/>
+          <p:nvPr/>
+        </p:nvSpPr>
+        <p:spPr>
+          <a:xfrm>
+            <a:off x="755576" y="980728"/>
+            <a:ext cx="3829959" cy="369332"/>
+          </a:xfrm>
+          <a:prstGeom prst="rect">
+            <a:avLst/>
+          </a:prstGeom>
+          <a:solidFill>
+            <a:srgbClr val="0000FF"/>
+          </a:solidFill>
+        </p:spPr>
+        <p:txBody>
+          <a:bodyPr wrap="none" rtlCol="0">
+            <a:spAutoFit/>
+          </a:bodyPr>
+          <a:lstStyle/>
+          <a:p>
+            <a:r>
+              <a:rPr lang="ru-RU" b="1" dirty="0" smtClean="0">
+                <a:solidFill>
+                  <a:srgbClr val="FFFF00"/>
+                </a:solidFill>
+              </a:rPr>
+              <a:t>Через основную энергию подсистем</a:t>
+            </a:r>
           </a:p>
         </p:txBody>
       </p:sp>
       <p:graphicFrame>
         <p:nvGraphicFramePr>
-          <p:cNvPr id="5" name="Объект 4"/>
+          <p:cNvPr id="8" name="Объект 7"/>
           <p:cNvGraphicFramePr>
             <a:graphicFrameLocks noChangeAspect="1"/>
           </p:cNvGraphicFramePr>
           <p:nvPr/>
         </p:nvGraphicFramePr>
         <p:xfrm>
-          <a:off x="323082" y="982662"/>
-          <a:ext cx="3552825" cy="1976438"/>
+          <a:off x="323528" y="1484784"/>
+          <a:ext cx="4778375" cy="1633537"/>
         </p:xfrm>
         <a:graphic>
           <a:graphicData uri="http://schemas.openxmlformats.org/presentationml/2006/ole">
-            <p:oleObj spid="_x0000_s2050" name="Equation" r:id="rId3" imgW="1866600" imgH="1041120" progId="Equation.DSMT4">
+            <p:oleObj spid="_x0000_s3074" name="Equation" r:id="rId3" imgW="2450880" imgH="838080" progId="Equation.DSMT4">
               <p:embed/>
             </p:oleObj>
           </a:graphicData>
         </a:graphic>
       </p:graphicFrame>
+      <p:sp>
+        <p:nvSpPr>
+          <p:cNvPr id="10" name="TextBox 9"/>
+          <p:cNvSpPr txBox="1"/>
+          <p:nvPr/>
+        </p:nvSpPr>
+        <p:spPr>
+          <a:xfrm>
+            <a:off x="467544" y="3284984"/>
+            <a:ext cx="8073813" cy="923330"/>
+          </a:xfrm>
+          <a:prstGeom prst="rect">
+            <a:avLst/>
+          </a:prstGeom>
+          <a:solidFill>
+            <a:schemeClr val="accent6"/>
+          </a:solidFill>
+        </p:spPr>
+        <p:txBody>
+          <a:bodyPr wrap="none" rtlCol="0">
+            <a:spAutoFit/>
+          </a:bodyPr>
+          <a:lstStyle/>
+          <a:p>
+            <a:r>
+              <a:rPr lang="fi-FI" dirty="0"/>
+              <a:t>R. Tarrah, R. </a:t>
+            </a:r>
+            <a:r>
+              <a:rPr lang="fi-FI" dirty="0" smtClean="0"/>
+              <a:t>Valenti</a:t>
+            </a:r>
+            <a:endParaRPr lang="ru-RU" dirty="0" smtClean="0"/>
+          </a:p>
+          <a:p>
+            <a:r>
+              <a:rPr lang="en-US" dirty="0" smtClean="0"/>
+              <a:t>Exact </a:t>
+            </a:r>
+            <a:r>
+              <a:rPr lang="en-US" dirty="0"/>
+              <a:t>lover bounds to the ground state of spin systems: The two-dimensional</a:t>
+            </a:r>
+          </a:p>
+          <a:p>
+            <a:r>
+              <a:rPr lang="en-US" dirty="0"/>
+              <a:t>S = </a:t>
+            </a:r>
+            <a:r>
+              <a:rPr lang="en-US" dirty="0" smtClean="0"/>
+              <a:t>1</a:t>
+            </a:r>
+            <a:r>
+              <a:rPr lang="en-US" dirty="0"/>
+              <a:t>/</a:t>
+            </a:r>
+            <a:r>
+              <a:rPr lang="en-US" dirty="0" smtClean="0"/>
+              <a:t>2 </a:t>
+            </a:r>
+            <a:r>
+              <a:rPr lang="en-US" dirty="0" err="1"/>
+              <a:t>antiferromagnetic</a:t>
+            </a:r>
+            <a:r>
+              <a:rPr lang="en-US" dirty="0"/>
+              <a:t> </a:t>
+            </a:r>
+            <a:r>
+              <a:rPr lang="en-US" dirty="0" err="1"/>
+              <a:t>Geisenberg</a:t>
+            </a:r>
+            <a:r>
+              <a:rPr lang="en-US" dirty="0"/>
+              <a:t> </a:t>
+            </a:r>
+            <a:r>
+              <a:rPr lang="en-US" dirty="0" smtClean="0"/>
+              <a:t>model		</a:t>
+            </a:r>
+            <a:r>
+              <a:rPr lang="en-US" dirty="0"/>
+              <a:t>Physical </a:t>
+            </a:r>
+            <a:r>
+              <a:rPr lang="en-US" dirty="0" smtClean="0"/>
+              <a:t>review </a:t>
+            </a:r>
+            <a:r>
+              <a:rPr lang="en-US" dirty="0"/>
+              <a:t>B , 1990</a:t>
+            </a:r>
+            <a:r>
+              <a:rPr lang="en-US" dirty="0" smtClean="0"/>
+              <a:t>.</a:t>
+            </a:r>
+          </a:p>
+        </p:txBody>
+      </p:sp>
       <p:pic>
         <p:nvPicPr>
-          <p:cNvPr id="7" name="Рисунок 6" descr="lattice.png"/>
+          <p:cNvPr id="6" name="Рисунок 5" descr="lattice-crest.png"/>
           <p:cNvPicPr>
             <a:picLocks noChangeAspect="1"/>
           </p:cNvPicPr>
@@ -5265,8 +7277,8 @@
         </p:blipFill>
         <p:spPr>
           <a:xfrm>
-            <a:off x="5146302" y="1138138"/>
-            <a:ext cx="3120348" cy="1872208"/>
+            <a:off x="5148064" y="1124744"/>
+            <a:ext cx="3120347" cy="1872208"/>
           </a:xfrm>
           <a:prstGeom prst="rect">
             <a:avLst/>
@@ -5275,19 +7287,19 @@
       </p:pic>
       <p:graphicFrame>
         <p:nvGraphicFramePr>
-          <p:cNvPr id="8" name="Объект 7"/>
+          <p:cNvPr id="14" name="Объект 13"/>
           <p:cNvGraphicFramePr>
             <a:graphicFrameLocks noChangeAspect="1"/>
           </p:cNvGraphicFramePr>
           <p:nvPr/>
         </p:nvGraphicFramePr>
         <p:xfrm>
-          <a:off x="323528" y="3284984"/>
-          <a:ext cx="4781550" cy="2233613"/>
+          <a:off x="5724128" y="5568172"/>
+          <a:ext cx="3024336" cy="1289828"/>
         </p:xfrm>
         <a:graphic>
           <a:graphicData uri="http://schemas.openxmlformats.org/presentationml/2006/ole">
-            <p:oleObj spid="_x0000_s2051" name="Equation" r:id="rId5" imgW="2501640" imgH="1168200" progId="Equation.DSMT4">
+            <p:oleObj spid="_x0000_s3078" name="Equation" r:id="rId5" imgW="2082600" imgH="888840" progId="Equation.DSMT4">
               <p:embed/>
             </p:oleObj>
           </a:graphicData>
@@ -5295,14 +7307,14 @@
       </p:graphicFrame>
       <p:sp>
         <p:nvSpPr>
-          <p:cNvPr id="9" name="TextBox 8"/>
+          <p:cNvPr id="17" name="TextBox 16"/>
           <p:cNvSpPr txBox="1"/>
           <p:nvPr/>
         </p:nvSpPr>
         <p:spPr>
           <a:xfrm>
-            <a:off x="5220072" y="3212976"/>
-            <a:ext cx="3672408" cy="2246769"/>
+            <a:off x="8842314" y="0"/>
+            <a:ext cx="301686" cy="369332"/>
           </a:xfrm>
           <a:prstGeom prst="rect">
             <a:avLst/>
@@ -5310,195 +7322,91 @@
           <a:noFill/>
         </p:spPr>
         <p:txBody>
-          <a:bodyPr wrap="square" rtlCol="0">
+          <a:bodyPr wrap="none" rtlCol="0">
             <a:spAutoFit/>
           </a:bodyPr>
           <a:lstStyle/>
           <a:p>
-            <a:r>
-              <a:rPr lang="ru-RU" sz="2000" dirty="0" smtClean="0">
-                <a:latin typeface="Times New Roman" pitchFamily="18" charset="0"/>
-                <a:cs typeface="Times New Roman" pitchFamily="18" charset="0"/>
-              </a:rPr>
-              <a:t>Антиферромагнетики: </a:t>
-            </a:r>
-            <a:r>
-              <a:rPr lang="en-US" sz="2000" dirty="0" smtClean="0">
-                <a:latin typeface="Times New Roman" pitchFamily="18" charset="0"/>
-                <a:cs typeface="Times New Roman" pitchFamily="18" charset="0"/>
-              </a:rPr>
-              <a:t> J &gt; 0</a:t>
-            </a:r>
-          </a:p>
-          <a:p>
-            <a:r>
-              <a:rPr lang="ru-RU" sz="2000" dirty="0" smtClean="0">
-                <a:latin typeface="Times New Roman" pitchFamily="18" charset="0"/>
-                <a:cs typeface="Times New Roman" pitchFamily="18" charset="0"/>
-              </a:rPr>
-              <a:t>Пример </a:t>
-            </a:r>
-            <a:r>
-              <a:rPr lang="en-US" sz="2000" dirty="0" smtClean="0">
-                <a:latin typeface="Times New Roman" pitchFamily="18" charset="0"/>
-                <a:cs typeface="Times New Roman" pitchFamily="18" charset="0"/>
-              </a:rPr>
-              <a:t>1d: </a:t>
-            </a:r>
-            <a:r>
-              <a:rPr lang="ru-RU" sz="2000" dirty="0" smtClean="0">
-                <a:latin typeface="Times New Roman" pitchFamily="18" charset="0"/>
-                <a:cs typeface="Times New Roman" pitchFamily="18" charset="0"/>
-              </a:rPr>
-              <a:t>????</a:t>
-            </a:r>
-            <a:endParaRPr lang="en-US" sz="2000" dirty="0" smtClean="0">
-              <a:latin typeface="Times New Roman" pitchFamily="18" charset="0"/>
-              <a:cs typeface="Times New Roman" pitchFamily="18" charset="0"/>
-            </a:endParaRPr>
-          </a:p>
-          <a:p>
-            <a:r>
-              <a:rPr lang="ru-RU" sz="2000" dirty="0" smtClean="0">
-                <a:latin typeface="Times New Roman" pitchFamily="18" charset="0"/>
-                <a:cs typeface="Times New Roman" pitchFamily="18" charset="0"/>
-              </a:rPr>
-              <a:t>Пример </a:t>
-            </a:r>
-            <a:r>
-              <a:rPr lang="en-US" sz="2000" dirty="0" smtClean="0">
-                <a:latin typeface="Times New Roman" pitchFamily="18" charset="0"/>
-                <a:cs typeface="Times New Roman" pitchFamily="18" charset="0"/>
-              </a:rPr>
-              <a:t>2d: “</a:t>
-            </a:r>
-            <a:r>
-              <a:rPr lang="ru-RU" sz="2000" dirty="0" err="1" smtClean="0">
-                <a:latin typeface="Times New Roman" pitchFamily="18" charset="0"/>
-                <a:cs typeface="Times New Roman" pitchFamily="18" charset="0"/>
-              </a:rPr>
-              <a:t>Гербертсмитит</a:t>
-            </a:r>
-            <a:r>
-              <a:rPr lang="en-US" sz="2000" dirty="0" smtClean="0">
-                <a:latin typeface="Times New Roman" pitchFamily="18" charset="0"/>
-                <a:cs typeface="Times New Roman" pitchFamily="18" charset="0"/>
-              </a:rPr>
-              <a:t>”</a:t>
-            </a:r>
-            <a:endParaRPr lang="ru-RU" sz="2000" dirty="0" smtClean="0">
-              <a:latin typeface="Times New Roman" pitchFamily="18" charset="0"/>
-              <a:cs typeface="Times New Roman" pitchFamily="18" charset="0"/>
-            </a:endParaRPr>
-          </a:p>
-          <a:p>
-            <a:r>
-              <a:rPr lang="ru-RU" sz="2000" dirty="0" smtClean="0">
-                <a:latin typeface="Times New Roman" pitchFamily="18" charset="0"/>
-                <a:cs typeface="Times New Roman" pitchFamily="18" charset="0"/>
-              </a:rPr>
-              <a:t>Пример </a:t>
-            </a:r>
-            <a:r>
-              <a:rPr lang="en-US" sz="2000" dirty="0">
-                <a:latin typeface="Times New Roman" pitchFamily="18" charset="0"/>
-                <a:cs typeface="Times New Roman" pitchFamily="18" charset="0"/>
-              </a:rPr>
-              <a:t>3</a:t>
-            </a:r>
-            <a:r>
-              <a:rPr lang="en-US" sz="2000" dirty="0" smtClean="0">
-                <a:latin typeface="Times New Roman" pitchFamily="18" charset="0"/>
-                <a:cs typeface="Times New Roman" pitchFamily="18" charset="0"/>
-              </a:rPr>
-              <a:t>d:</a:t>
-            </a:r>
-            <a:r>
-              <a:rPr lang="ru-RU" sz="2000" dirty="0" smtClean="0">
-                <a:latin typeface="Times New Roman" pitchFamily="18" charset="0"/>
-                <a:cs typeface="Times New Roman" pitchFamily="18" charset="0"/>
-              </a:rPr>
-              <a:t> ????</a:t>
-            </a:r>
-            <a:endParaRPr lang="en-US" sz="2000" dirty="0" smtClean="0">
-              <a:latin typeface="Times New Roman" pitchFamily="18" charset="0"/>
-              <a:cs typeface="Times New Roman" pitchFamily="18" charset="0"/>
-            </a:endParaRPr>
-          </a:p>
-          <a:p>
-            <a:endParaRPr lang="en-US" sz="2000" dirty="0" smtClean="0">
-              <a:latin typeface="Times New Roman" pitchFamily="18" charset="0"/>
-              <a:cs typeface="Times New Roman" pitchFamily="18" charset="0"/>
-            </a:endParaRPr>
-          </a:p>
-          <a:p>
-            <a:r>
-              <a:rPr lang="ru-RU" sz="2000" dirty="0">
-                <a:latin typeface="Times New Roman" pitchFamily="18" charset="0"/>
-                <a:cs typeface="Times New Roman" pitchFamily="18" charset="0"/>
-              </a:rPr>
-              <a:t>Ф</a:t>
-            </a:r>
-            <a:r>
-              <a:rPr lang="ru-RU" sz="2000" dirty="0" smtClean="0">
-                <a:latin typeface="Times New Roman" pitchFamily="18" charset="0"/>
-                <a:cs typeface="Times New Roman" pitchFamily="18" charset="0"/>
-              </a:rPr>
-              <a:t>ерромагнетики: </a:t>
-            </a:r>
-            <a:r>
-              <a:rPr lang="en-US" sz="2000" dirty="0" smtClean="0">
-                <a:latin typeface="Times New Roman" pitchFamily="18" charset="0"/>
-                <a:cs typeface="Times New Roman" pitchFamily="18" charset="0"/>
-              </a:rPr>
-              <a:t> </a:t>
-            </a:r>
-            <a:r>
-              <a:rPr lang="ru-RU" sz="2000" dirty="0" smtClean="0">
-                <a:latin typeface="Times New Roman" pitchFamily="18" charset="0"/>
-                <a:cs typeface="Times New Roman" pitchFamily="18" charset="0"/>
-              </a:rPr>
-              <a:t>         </a:t>
-            </a:r>
-            <a:r>
-              <a:rPr lang="en-US" sz="2000" dirty="0" smtClean="0">
-                <a:latin typeface="Times New Roman" pitchFamily="18" charset="0"/>
-                <a:cs typeface="Times New Roman" pitchFamily="18" charset="0"/>
-              </a:rPr>
-              <a:t>J &lt; 0</a:t>
-            </a:r>
-          </a:p>
-          <a:p>
-            <a:r>
-              <a:rPr lang="ru-RU" sz="2000" dirty="0" smtClean="0">
-                <a:latin typeface="Times New Roman" pitchFamily="18" charset="0"/>
-                <a:cs typeface="Times New Roman" pitchFamily="18" charset="0"/>
-              </a:rPr>
-              <a:t>Пример: ????</a:t>
-            </a:r>
+            <a:fld id="{3D77F068-B1AD-48F1-B391-3DEFF3778B57}" type="slidenum">
+              <a:rPr lang="ru-RU" smtClean="0"/>
+              <a:t>4</a:t>
+            </a:fld>
+            <a:endParaRPr lang="ru-RU" dirty="0"/>
           </a:p>
         </p:txBody>
       </p:sp>
       <p:graphicFrame>
         <p:nvGraphicFramePr>
-          <p:cNvPr id="11" name="Объект 10"/>
+          <p:cNvPr id="13" name="Объект 12"/>
           <p:cNvGraphicFramePr>
             <a:graphicFrameLocks noChangeAspect="1"/>
           </p:cNvGraphicFramePr>
           <p:nvPr/>
         </p:nvGraphicFramePr>
         <p:xfrm>
-          <a:off x="385192" y="5719862"/>
-          <a:ext cx="6511304" cy="691772"/>
+          <a:off x="4067944" y="6065912"/>
+          <a:ext cx="1226459" cy="792088"/>
         </p:xfrm>
         <a:graphic>
           <a:graphicData uri="http://schemas.openxmlformats.org/presentationml/2006/ole">
-            <p:oleObj spid="_x0000_s2053" name="Equation" r:id="rId6" imgW="2273040" imgH="241200" progId="Equation.DSMT4">
+            <p:oleObj spid="_x0000_s3079" name="Equation" r:id="rId6" imgW="609480" imgH="393480" progId="Equation.DSMT4">
               <p:embed/>
             </p:oleObj>
           </a:graphicData>
         </a:graphic>
       </p:graphicFrame>
+      <p:sp>
+        <p:nvSpPr>
+          <p:cNvPr id="16" name="TextBox 15"/>
+          <p:cNvSpPr txBox="1"/>
+          <p:nvPr/>
+        </p:nvSpPr>
+        <p:spPr>
+          <a:xfrm>
+            <a:off x="467544" y="4509120"/>
+            <a:ext cx="5763244" cy="923330"/>
+          </a:xfrm>
+          <a:prstGeom prst="rect">
+            <a:avLst/>
+          </a:prstGeom>
+          <a:solidFill>
+            <a:schemeClr val="accent6"/>
+          </a:solidFill>
+        </p:spPr>
+        <p:txBody>
+          <a:bodyPr wrap="none" rtlCol="0">
+            <a:spAutoFit/>
+          </a:bodyPr>
+          <a:lstStyle/>
+          <a:p>
+            <a:r>
+              <a:rPr lang="en-US" dirty="0" smtClean="0"/>
+              <a:t>P. W. Anderson </a:t>
+            </a:r>
+          </a:p>
+          <a:p>
+            <a:r>
+              <a:rPr lang="en-US" dirty="0" smtClean="0"/>
+              <a:t>Limits on the Energy of the </a:t>
+            </a:r>
+            <a:r>
+              <a:rPr lang="en-US" dirty="0" err="1" smtClean="0"/>
+              <a:t>Antiferromagnetic</a:t>
+            </a:r>
+            <a:r>
+              <a:rPr lang="en-US" dirty="0" smtClean="0"/>
+              <a:t> Ground State</a:t>
+            </a:r>
+          </a:p>
+          <a:p>
+            <a:r>
+              <a:rPr lang="en-US" dirty="0" smtClean="0"/>
+              <a:t>Letters to the editor 1951</a:t>
+            </a:r>
+            <a:endParaRPr lang="ru-RU" dirty="0"/>
+          </a:p>
+        </p:txBody>
+      </p:sp>
     </p:spTree>
   </p:cSld>
   <p:clrMapOvr>
@@ -5533,7 +7441,7 @@
       </p:grpSpPr>
       <p:sp>
         <p:nvSpPr>
-          <p:cNvPr id="2" name="Заголовок 1"/>
+          <p:cNvPr id="16" name="Заголовок 1"/>
           <p:cNvSpPr>
             <a:spLocks noGrp="1"/>
           </p:cNvSpPr>
@@ -5559,21 +7467,47 @@
           </a:p>
         </p:txBody>
       </p:sp>
-      <p:sp>
-        <p:nvSpPr>
-          <p:cNvPr id="7" name="TextBox 6"/>
-          <p:cNvSpPr txBox="1"/>
+      <p:pic>
+        <p:nvPicPr>
+          <p:cNvPr id="20" name="Рисунок 19" descr="lattice-crest.png"/>
+          <p:cNvPicPr>
+            <a:picLocks noChangeAspect="1"/>
+          </p:cNvPicPr>
           <p:nvPr/>
-        </p:nvSpPr>
+        </p:nvPicPr>
+        <p:blipFill>
+          <a:blip r:embed="rId3" cstate="print"/>
+          <a:stretch>
+            <a:fillRect/>
+          </a:stretch>
+        </p:blipFill>
         <p:spPr>
           <a:xfrm>
-            <a:off x="0" y="1196752"/>
-            <a:ext cx="423514" cy="369332"/>
+            <a:off x="5148064" y="1124744"/>
+            <a:ext cx="3120347" cy="1872208"/>
           </a:xfrm>
           <a:prstGeom prst="rect">
             <a:avLst/>
           </a:prstGeom>
-          <a:noFill/>
+        </p:spPr>
+      </p:pic>
+      <p:sp>
+        <p:nvSpPr>
+          <p:cNvPr id="21" name="TextBox 20"/>
+          <p:cNvSpPr txBox="1"/>
+          <p:nvPr/>
+        </p:nvSpPr>
+        <p:spPr>
+          <a:xfrm>
+            <a:off x="1547664" y="980728"/>
+            <a:ext cx="2394951" cy="369332"/>
+          </a:xfrm>
+          <a:prstGeom prst="rect">
+            <a:avLst/>
+          </a:prstGeom>
+          <a:solidFill>
+            <a:srgbClr val="0000FF"/>
+          </a:solidFill>
         </p:spPr>
         <p:txBody>
           <a:bodyPr wrap="none" rtlCol="0">
@@ -5582,205 +7516,36 @@
           <a:lstStyle/>
           <a:p>
             <a:r>
-              <a:rPr lang="ru-RU" dirty="0" smtClean="0"/>
-              <a:t>*) </a:t>
-            </a:r>
-            <a:endParaRPr lang="ru-RU" dirty="0"/>
+              <a:rPr lang="ru-RU" b="1" dirty="0" smtClean="0">
+                <a:solidFill>
+                  <a:srgbClr val="FFFF00"/>
+                </a:solidFill>
+              </a:rPr>
+              <a:t>Вариационный метод</a:t>
+            </a:r>
+            <a:endParaRPr lang="ru-RU" b="1" dirty="0">
+              <a:solidFill>
+                <a:srgbClr val="FFFF00"/>
+              </a:solidFill>
+            </a:endParaRPr>
           </a:p>
         </p:txBody>
       </p:sp>
       <p:graphicFrame>
         <p:nvGraphicFramePr>
-          <p:cNvPr id="8" name="Объект 7"/>
+          <p:cNvPr id="22" name="Объект 21"/>
           <p:cNvGraphicFramePr>
             <a:graphicFrameLocks noChangeAspect="1"/>
           </p:cNvGraphicFramePr>
           <p:nvPr/>
         </p:nvGraphicFramePr>
         <p:xfrm>
-          <a:off x="468313" y="1052513"/>
-          <a:ext cx="4579937" cy="1633537"/>
+          <a:off x="323528" y="4293096"/>
+          <a:ext cx="7405688" cy="2398713"/>
         </p:xfrm>
         <a:graphic>
           <a:graphicData uri="http://schemas.openxmlformats.org/presentationml/2006/ole">
-            <p:oleObj spid="_x0000_s3074" name="Equation" r:id="rId3" imgW="2349360" imgH="838080" progId="Equation.DSMT4">
-              <p:embed/>
-            </p:oleObj>
-          </a:graphicData>
-        </a:graphic>
-      </p:graphicFrame>
-      <p:sp>
-        <p:nvSpPr>
-          <p:cNvPr id="10" name="TextBox 9"/>
-          <p:cNvSpPr txBox="1"/>
-          <p:nvPr/>
-        </p:nvSpPr>
-        <p:spPr>
-          <a:xfrm>
-            <a:off x="467544" y="2722314"/>
-            <a:ext cx="8073813" cy="923330"/>
-          </a:xfrm>
-          <a:prstGeom prst="rect">
-            <a:avLst/>
-          </a:prstGeom>
-          <a:solidFill>
-            <a:schemeClr val="accent6"/>
-          </a:solidFill>
-        </p:spPr>
-        <p:txBody>
-          <a:bodyPr wrap="none" rtlCol="0">
-            <a:spAutoFit/>
-          </a:bodyPr>
-          <a:lstStyle/>
-          <a:p>
-            <a:r>
-              <a:rPr lang="fi-FI" dirty="0"/>
-              <a:t>R. Tarrah, R. Valenti (1990</a:t>
-            </a:r>
-            <a:r>
-              <a:rPr lang="fi-FI" dirty="0" smtClean="0"/>
-              <a:t>)</a:t>
-            </a:r>
-            <a:r>
-              <a:rPr lang="ru-RU" dirty="0" smtClean="0"/>
-              <a:t> </a:t>
-            </a:r>
-          </a:p>
-          <a:p>
-            <a:r>
-              <a:rPr lang="en-US" dirty="0" smtClean="0"/>
-              <a:t>Exact </a:t>
-            </a:r>
-            <a:r>
-              <a:rPr lang="en-US" dirty="0"/>
-              <a:t>lover bounds to the ground state of spin systems: The two-dimensional</a:t>
-            </a:r>
-          </a:p>
-          <a:p>
-            <a:r>
-              <a:rPr lang="en-US" dirty="0"/>
-              <a:t>S = </a:t>
-            </a:r>
-            <a:r>
-              <a:rPr lang="en-US" dirty="0" smtClean="0"/>
-              <a:t>1</a:t>
-            </a:r>
-            <a:r>
-              <a:rPr lang="en-US" dirty="0"/>
-              <a:t>/</a:t>
-            </a:r>
-            <a:r>
-              <a:rPr lang="en-US" dirty="0" smtClean="0"/>
-              <a:t>2 </a:t>
-            </a:r>
-            <a:r>
-              <a:rPr lang="en-US" dirty="0" err="1"/>
-              <a:t>antiferromagnetic</a:t>
-            </a:r>
-            <a:r>
-              <a:rPr lang="en-US" dirty="0"/>
-              <a:t> </a:t>
-            </a:r>
-            <a:r>
-              <a:rPr lang="en-US" dirty="0" err="1"/>
-              <a:t>Geisenberg</a:t>
-            </a:r>
-            <a:r>
-              <a:rPr lang="en-US" dirty="0"/>
-              <a:t> </a:t>
-            </a:r>
-            <a:r>
-              <a:rPr lang="en-US" dirty="0" smtClean="0"/>
-              <a:t>model		</a:t>
-            </a:r>
-            <a:r>
-              <a:rPr lang="en-US" dirty="0"/>
-              <a:t>Physical </a:t>
-            </a:r>
-            <a:r>
-              <a:rPr lang="en-US" dirty="0" smtClean="0"/>
-              <a:t>review </a:t>
-            </a:r>
-            <a:r>
-              <a:rPr lang="en-US" dirty="0"/>
-              <a:t>B , 1990</a:t>
-            </a:r>
-            <a:r>
-              <a:rPr lang="en-US" dirty="0" smtClean="0"/>
-              <a:t>.</a:t>
-            </a:r>
-          </a:p>
-        </p:txBody>
-      </p:sp>
-      <p:pic>
-        <p:nvPicPr>
-          <p:cNvPr id="6" name="Рисунок 5" descr="lattice-crest.png"/>
-          <p:cNvPicPr>
-            <a:picLocks noChangeAspect="1"/>
-          </p:cNvPicPr>
-          <p:nvPr/>
-        </p:nvPicPr>
-        <p:blipFill>
-          <a:blip r:embed="rId4" cstate="print"/>
-          <a:stretch>
-            <a:fillRect/>
-          </a:stretch>
-        </p:blipFill>
-        <p:spPr>
-          <a:xfrm>
-            <a:off x="5148064" y="1124744"/>
-            <a:ext cx="3120347" cy="1872208"/>
-          </a:xfrm>
-          <a:prstGeom prst="rect">
-            <a:avLst/>
-          </a:prstGeom>
-        </p:spPr>
-      </p:pic>
-      <p:sp>
-        <p:nvSpPr>
-          <p:cNvPr id="11" name="TextBox 10"/>
-          <p:cNvSpPr txBox="1"/>
-          <p:nvPr/>
-        </p:nvSpPr>
-        <p:spPr>
-          <a:xfrm>
-            <a:off x="0" y="3658418"/>
-            <a:ext cx="370614" cy="369332"/>
-          </a:xfrm>
-          <a:prstGeom prst="rect">
-            <a:avLst/>
-          </a:prstGeom>
-          <a:noFill/>
-        </p:spPr>
-        <p:txBody>
-          <a:bodyPr wrap="none" rtlCol="0">
-            <a:spAutoFit/>
-          </a:bodyPr>
-          <a:lstStyle/>
-          <a:p>
-            <a:r>
-              <a:rPr lang="en-US" dirty="0" smtClean="0"/>
-              <a:t>*)</a:t>
-            </a:r>
-            <a:endParaRPr lang="ru-RU" dirty="0"/>
-          </a:p>
-        </p:txBody>
-      </p:sp>
-      <p:graphicFrame>
-        <p:nvGraphicFramePr>
-          <p:cNvPr id="12" name="Объект 11"/>
-          <p:cNvGraphicFramePr>
-            <a:graphicFrameLocks noChangeAspect="1"/>
-          </p:cNvGraphicFramePr>
-          <p:nvPr/>
-        </p:nvGraphicFramePr>
-        <p:xfrm>
-          <a:off x="395536" y="3717032"/>
-          <a:ext cx="7339012" cy="1820862"/>
-        </p:xfrm>
-        <a:graphic>
-          <a:graphicData uri="http://schemas.openxmlformats.org/presentationml/2006/ole">
-            <p:oleObj spid="_x0000_s3076" name="Equation" r:id="rId5" imgW="4190760" imgH="1041120" progId="Equation.DSMT4">
+            <p:oleObj spid="_x0000_s30728" name="Equation" r:id="rId4" imgW="4228920" imgH="1371600" progId="Equation.DSMT4">
               <p:embed/>
             </p:oleObj>
           </a:graphicData>
@@ -5788,19 +7553,19 @@
       </p:graphicFrame>
       <p:graphicFrame>
         <p:nvGraphicFramePr>
-          <p:cNvPr id="14" name="Объект 13"/>
+          <p:cNvPr id="23" name="Объект 22"/>
           <p:cNvGraphicFramePr>
             <a:graphicFrameLocks noChangeAspect="1"/>
           </p:cNvGraphicFramePr>
           <p:nvPr/>
         </p:nvGraphicFramePr>
         <p:xfrm>
-          <a:off x="395536" y="5568172"/>
+          <a:off x="5724128" y="5568172"/>
           <a:ext cx="3024336" cy="1289828"/>
         </p:xfrm>
         <a:graphic>
           <a:graphicData uri="http://schemas.openxmlformats.org/presentationml/2006/ole">
-            <p:oleObj spid="_x0000_s3078" name="Equation" r:id="rId6" imgW="2082600" imgH="888840" progId="Equation.DSMT4">
+            <p:oleObj spid="_x0000_s30729" name="Equation" r:id="rId5" imgW="2082600" imgH="888840" progId="Equation.DSMT4">
               <p:embed/>
             </p:oleObj>
           </a:graphicData>
@@ -5808,14 +7573,14 @@
       </p:graphicFrame>
       <p:sp>
         <p:nvSpPr>
-          <p:cNvPr id="15" name="TextBox 14"/>
+          <p:cNvPr id="24" name="TextBox 23"/>
           <p:cNvSpPr txBox="1"/>
           <p:nvPr/>
         </p:nvSpPr>
         <p:spPr>
           <a:xfrm>
-            <a:off x="4032151" y="5657671"/>
-            <a:ext cx="5111849" cy="1200329"/>
+            <a:off x="251520" y="3068960"/>
+            <a:ext cx="8208912" cy="1200329"/>
           </a:xfrm>
           <a:prstGeom prst="rect">
             <a:avLst/>
@@ -5825,23 +7590,155 @@
           </a:solidFill>
         </p:spPr>
         <p:txBody>
+          <a:bodyPr wrap="square" rtlCol="0">
+            <a:spAutoFit/>
+          </a:bodyPr>
+          <a:lstStyle/>
+          <a:p>
+            <a:r>
+              <a:rPr lang="en-US" dirty="0" smtClean="0"/>
+              <a:t>David A. </a:t>
+            </a:r>
+            <a:r>
+              <a:rPr lang="en-US" dirty="0" err="1" smtClean="0"/>
+              <a:t>Mazziotti</a:t>
+            </a:r>
+            <a:endParaRPr lang="en-US" dirty="0" smtClean="0"/>
+          </a:p>
+          <a:p>
+            <a:r>
+              <a:rPr lang="en-US" dirty="0" err="1" smtClean="0"/>
+              <a:t>Variational</a:t>
+            </a:r>
+            <a:r>
+              <a:rPr lang="en-US" dirty="0" smtClean="0"/>
+              <a:t> minimization of atomic and molecular </a:t>
+            </a:r>
+            <a:r>
+              <a:rPr lang="en-US" dirty="0" smtClean="0"/>
+              <a:t>ground-state energies via </a:t>
+            </a:r>
+            <a:r>
+              <a:rPr lang="en-US" dirty="0" smtClean="0"/>
+              <a:t>the two-particle reduced </a:t>
+            </a:r>
+            <a:r>
+              <a:rPr lang="en-US" dirty="0" smtClean="0"/>
+              <a:t>density matrix</a:t>
+            </a:r>
+          </a:p>
+          <a:p>
+            <a:r>
+              <a:rPr lang="en-US" dirty="0" smtClean="0"/>
+              <a:t>PHYSICAL REVIEW A, VOLUME 65, 062511</a:t>
+            </a:r>
+            <a:endParaRPr lang="ru-RU" dirty="0"/>
+          </a:p>
+        </p:txBody>
+      </p:sp>
+      <p:sp>
+        <p:nvSpPr>
+          <p:cNvPr id="25" name="TextBox 24"/>
+          <p:cNvSpPr txBox="1"/>
+          <p:nvPr/>
+        </p:nvSpPr>
+        <p:spPr>
+          <a:xfrm>
+            <a:off x="8842314" y="0"/>
+            <a:ext cx="301686" cy="369332"/>
+          </a:xfrm>
+          <a:prstGeom prst="rect">
+            <a:avLst/>
+          </a:prstGeom>
+          <a:noFill/>
+        </p:spPr>
+        <p:txBody>
           <a:bodyPr wrap="none" rtlCol="0">
             <a:spAutoFit/>
           </a:bodyPr>
           <a:lstStyle/>
           <a:p>
-            <a:r>
-              <a:rPr lang="ru-RU" dirty="0" smtClean="0"/>
-              <a:t>??? Ссылка на вариационный метод                          </a:t>
-            </a:r>
-          </a:p>
-          <a:p>
+            <a:fld id="{729C0DD4-D69B-4CF9-B41C-68D36CAF81B7}" type="slidenum">
+              <a:rPr lang="en-US" smtClean="0"/>
+              <a:t>5</a:t>
+            </a:fld>
             <a:endParaRPr lang="ru-RU" dirty="0"/>
           </a:p>
-          <a:p>
-            <a:endParaRPr lang="ru-RU" dirty="0" smtClean="0"/>
-          </a:p>
-          <a:p>
+        </p:txBody>
+      </p:sp>
+      <p:graphicFrame>
+        <p:nvGraphicFramePr>
+          <p:cNvPr id="30731" name="Object 11"/>
+          <p:cNvGraphicFramePr>
+            <a:graphicFrameLocks noChangeAspect="1"/>
+          </p:cNvGraphicFramePr>
+          <p:nvPr/>
+        </p:nvGraphicFramePr>
+        <p:xfrm>
+          <a:off x="4067944" y="6065838"/>
+          <a:ext cx="1227138" cy="792162"/>
+        </p:xfrm>
+        <a:graphic>
+          <a:graphicData uri="http://schemas.openxmlformats.org/presentationml/2006/ole">
+            <p:oleObj spid="_x0000_s30731" name="Equation" r:id="rId6" imgW="609480" imgH="393480" progId="Equation.DSMT4">
+              <p:embed/>
+            </p:oleObj>
+          </a:graphicData>
+        </a:graphic>
+      </p:graphicFrame>
+      <p:sp>
+        <p:nvSpPr>
+          <p:cNvPr id="28" name="TextBox 27"/>
+          <p:cNvSpPr txBox="1"/>
+          <p:nvPr/>
+        </p:nvSpPr>
+        <p:spPr>
+          <a:xfrm>
+            <a:off x="251520" y="1556792"/>
+            <a:ext cx="4680520" cy="1200329"/>
+          </a:xfrm>
+          <a:prstGeom prst="rect">
+            <a:avLst/>
+          </a:prstGeom>
+          <a:solidFill>
+            <a:schemeClr val="accent6"/>
+          </a:solidFill>
+        </p:spPr>
+        <p:txBody>
+          <a:bodyPr wrap="square" rtlCol="0">
+            <a:spAutoFit/>
+          </a:bodyPr>
+          <a:lstStyle/>
+          <a:p>
+            <a:r>
+              <a:rPr lang="en-US" dirty="0" err="1" smtClean="0"/>
+              <a:t>Tillmann</a:t>
+            </a:r>
+            <a:r>
+              <a:rPr lang="en-US" dirty="0" smtClean="0"/>
+              <a:t> Baumgratz1 and Martin B </a:t>
+            </a:r>
+            <a:r>
+              <a:rPr lang="en-US" dirty="0" err="1" smtClean="0"/>
+              <a:t>Plenio</a:t>
+            </a:r>
+            <a:endParaRPr lang="en-US" dirty="0" smtClean="0"/>
+          </a:p>
+          <a:p>
+            <a:r>
+              <a:rPr lang="en-US" dirty="0" smtClean="0"/>
+              <a:t>Lower bounds for ground states of </a:t>
+            </a:r>
+            <a:r>
+              <a:rPr lang="en-US" dirty="0" smtClean="0"/>
+              <a:t>condensed matter systems</a:t>
+            </a:r>
+          </a:p>
+          <a:p>
+            <a:r>
+              <a:rPr lang="en-US" dirty="0" smtClean="0"/>
+              <a:t>New Journal of Physics 14 (2012) 023027 (21pp)</a:t>
+            </a:r>
             <a:endParaRPr lang="ru-RU" dirty="0"/>
           </a:p>
         </p:txBody>
@@ -5851,13 +7748,6 @@
   <p:clrMapOvr>
     <a:masterClrMapping/>
   </p:clrMapOvr>
-  <p:timing>
-    <p:tnLst>
-      <p:par>
-        <p:cTn id="1" dur="indefinite" restart="never" nodeType="tmRoot"/>
-      </p:par>
-    </p:tnLst>
-  </p:timing>
 </p:sld>
 </file>
 
@@ -5880,7 +7770,7 @@
       </p:grpSpPr>
       <p:pic>
         <p:nvPicPr>
-          <p:cNvPr id="8" name="Рисунок 7" descr="2018-04-22_11-16-30.png"/>
+          <p:cNvPr id="12" name="Рисунок 11" descr="2018-04-25_20-36-48.png"/>
           <p:cNvPicPr>
             <a:picLocks noChangeAspect="1"/>
           </p:cNvPicPr>
@@ -5894,8 +7784,8 @@
         </p:blipFill>
         <p:spPr>
           <a:xfrm>
-            <a:off x="179512" y="3933056"/>
-            <a:ext cx="4750870" cy="2924944"/>
+            <a:off x="0" y="4005064"/>
+            <a:ext cx="5047906" cy="2664296"/>
           </a:xfrm>
           <a:prstGeom prst="rect">
             <a:avLst/>
@@ -6002,12 +7892,40 @@
           </a:p>
           <a:p>
             <a:r>
+              <a:rPr lang="en-US" dirty="0" smtClean="0"/>
+              <a:t>J</a:t>
+            </a:r>
+            <a:r>
               <a:rPr lang="ru-RU" dirty="0" smtClean="0"/>
-              <a:t>Ссылка на </a:t>
+              <a:t>.</a:t>
             </a:r>
             <a:r>
               <a:rPr lang="en-US" dirty="0" smtClean="0"/>
-              <a:t>??? J Phys A</a:t>
+              <a:t> Phys</a:t>
+            </a:r>
+            <a:r>
+              <a:rPr lang="ru-RU" dirty="0" smtClean="0"/>
+              <a:t>.</a:t>
+            </a:r>
+            <a:r>
+              <a:rPr lang="en-US" dirty="0" smtClean="0"/>
+              <a:t> A</a:t>
+            </a:r>
+            <a:r>
+              <a:rPr lang="ru-RU" dirty="0" smtClean="0"/>
+              <a:t>:</a:t>
+            </a:r>
+            <a:r>
+              <a:rPr lang="en-US" dirty="0" smtClean="0"/>
+              <a:t>Math. </a:t>
+            </a:r>
+            <a:r>
+              <a:rPr lang="en-US" dirty="0" err="1" smtClean="0"/>
+              <a:t>Theor</a:t>
+            </a:r>
+            <a:r>
+              <a:rPr lang="en-US" dirty="0" smtClean="0"/>
+              <a:t>. 51 (2018) 085301</a:t>
             </a:r>
             <a:endParaRPr lang="ru-RU" dirty="0"/>
           </a:p>
@@ -6082,7 +8000,7 @@
           <p:nvPr/>
         </p:nvGraphicFramePr>
         <p:xfrm>
-          <a:off x="4572001" y="2996952"/>
+          <a:off x="4816128" y="3060452"/>
           <a:ext cx="4327872" cy="3797548"/>
         </p:xfrm>
         <a:graphic>
@@ -6093,6 +8011,36 @@
           </a:graphicData>
         </a:graphic>
       </p:graphicFrame>
+      <p:sp>
+        <p:nvSpPr>
+          <p:cNvPr id="11" name="TextBox 10"/>
+          <p:cNvSpPr txBox="1"/>
+          <p:nvPr/>
+        </p:nvSpPr>
+        <p:spPr>
+          <a:xfrm>
+            <a:off x="8842314" y="0"/>
+            <a:ext cx="301686" cy="369332"/>
+          </a:xfrm>
+          <a:prstGeom prst="rect">
+            <a:avLst/>
+          </a:prstGeom>
+          <a:noFill/>
+        </p:spPr>
+        <p:txBody>
+          <a:bodyPr wrap="none" rtlCol="0">
+            <a:spAutoFit/>
+          </a:bodyPr>
+          <a:lstStyle/>
+          <a:p>
+            <a:fld id="{1D250B29-B08D-4039-ACDF-E194969381CB}" type="slidenum">
+              <a:rPr lang="en-US" smtClean="0"/>
+              <a:t>6</a:t>
+            </a:fld>
+            <a:endParaRPr lang="ru-RU" dirty="0"/>
+          </a:p>
+        </p:txBody>
+      </p:sp>
     </p:spTree>
   </p:cSld>
   <p:clrMapOvr>
@@ -6242,6 +8190,36 @@
           </a:graphicData>
         </a:graphic>
       </p:graphicFrame>
+      <p:sp>
+        <p:nvSpPr>
+          <p:cNvPr id="9" name="TextBox 8"/>
+          <p:cNvSpPr txBox="1"/>
+          <p:nvPr/>
+        </p:nvSpPr>
+        <p:spPr>
+          <a:xfrm>
+            <a:off x="8842314" y="0"/>
+            <a:ext cx="301686" cy="369332"/>
+          </a:xfrm>
+          <a:prstGeom prst="rect">
+            <a:avLst/>
+          </a:prstGeom>
+          <a:noFill/>
+        </p:spPr>
+        <p:txBody>
+          <a:bodyPr wrap="none" rtlCol="0">
+            <a:spAutoFit/>
+          </a:bodyPr>
+          <a:lstStyle/>
+          <a:p>
+            <a:fld id="{EA7CD77F-F82F-47F9-A548-3AA7CC45FA55}" type="slidenum">
+              <a:rPr lang="en-US" smtClean="0"/>
+              <a:t>7</a:t>
+            </a:fld>
+            <a:endParaRPr lang="ru-RU" dirty="0"/>
+          </a:p>
+        </p:txBody>
+      </p:sp>
     </p:spTree>
   </p:cSld>
   <p:clrMapOvr>
@@ -6443,12 +8421,38 @@
           <a:p>
             <a:r>
               <a:rPr lang="en-US" i="1" dirty="0" smtClean="0"/>
-              <a:t>Nuclear </a:t>
-            </a:r>
-            <a:r>
-              <a:rPr lang="en-US" i="1" dirty="0" smtClean="0"/>
-              <a:t>Physics B 750 [FS] (2006) 142–178</a:t>
-            </a:r>
+              <a:t>Nuclear Physics B 750 [FS] (2006) 142–178</a:t>
+            </a:r>
+            <a:endParaRPr lang="ru-RU" dirty="0"/>
+          </a:p>
+        </p:txBody>
+      </p:sp>
+      <p:sp>
+        <p:nvSpPr>
+          <p:cNvPr id="10" name="TextBox 9"/>
+          <p:cNvSpPr txBox="1"/>
+          <p:nvPr/>
+        </p:nvSpPr>
+        <p:spPr>
+          <a:xfrm>
+            <a:off x="8842314" y="0"/>
+            <a:ext cx="301686" cy="369332"/>
+          </a:xfrm>
+          <a:prstGeom prst="rect">
+            <a:avLst/>
+          </a:prstGeom>
+          <a:noFill/>
+        </p:spPr>
+        <p:txBody>
+          <a:bodyPr wrap="none" rtlCol="0">
+            <a:spAutoFit/>
+          </a:bodyPr>
+          <a:lstStyle/>
+          <a:p>
+            <a:fld id="{18F843AE-0634-49C3-902B-4F196FE9391D}" type="slidenum">
+              <a:rPr lang="en-US" smtClean="0"/>
+              <a:t>8</a:t>
+            </a:fld>
             <a:endParaRPr lang="ru-RU" dirty="0"/>
           </a:p>
         </p:txBody>
@@ -6608,6 +8612,36 @@
               <a:rPr lang="ru-RU" dirty="0" smtClean="0"/>
               <a:t>что из уравнений (1 и 2) следуют все линейные зависимости</a:t>
             </a:r>
+            <a:endParaRPr lang="ru-RU" dirty="0"/>
+          </a:p>
+        </p:txBody>
+      </p:sp>
+      <p:sp>
+        <p:nvSpPr>
+          <p:cNvPr id="10" name="TextBox 9"/>
+          <p:cNvSpPr txBox="1"/>
+          <p:nvPr/>
+        </p:nvSpPr>
+        <p:spPr>
+          <a:xfrm>
+            <a:off x="8842314" y="0"/>
+            <a:ext cx="301686" cy="369332"/>
+          </a:xfrm>
+          <a:prstGeom prst="rect">
+            <a:avLst/>
+          </a:prstGeom>
+          <a:noFill/>
+        </p:spPr>
+        <p:txBody>
+          <a:bodyPr wrap="none" rtlCol="0">
+            <a:spAutoFit/>
+          </a:bodyPr>
+          <a:lstStyle/>
+          <a:p>
+            <a:fld id="{2A2E2DD4-ACEB-40ED-A911-4DFDC45ABC2B}" type="slidenum">
+              <a:rPr lang="en-US" smtClean="0"/>
+              <a:t>9</a:t>
+            </a:fld>
             <a:endParaRPr lang="ru-RU" dirty="0"/>
           </a:p>
         </p:txBody>
@@ -6901,4 +8935,570 @@
   <a:objectDefaults/>
   <a:extraClrSchemeLst/>
 </a:theme>
+</file>
+
+<file path=ppt/theme/theme2.xml><?xml version="1.0" encoding="utf-8"?>
+<a:theme xmlns:a="http://schemas.openxmlformats.org/drawingml/2006/main" name="Тема Office">
+  <a:themeElements>
+    <a:clrScheme name="Стандартная">
+      <a:dk1>
+        <a:sysClr val="windowText" lastClr="000000"/>
+      </a:dk1>
+      <a:lt1>
+        <a:sysClr val="window" lastClr="FFFFFF"/>
+      </a:lt1>
+      <a:dk2>
+        <a:srgbClr val="1F497D"/>
+      </a:dk2>
+      <a:lt2>
+        <a:srgbClr val="EEECE1"/>
+      </a:lt2>
+      <a:accent1>
+        <a:srgbClr val="4F81BD"/>
+      </a:accent1>
+      <a:accent2>
+        <a:srgbClr val="C0504D"/>
+      </a:accent2>
+      <a:accent3>
+        <a:srgbClr val="9BBB59"/>
+      </a:accent3>
+      <a:accent4>
+        <a:srgbClr val="8064A2"/>
+      </a:accent4>
+      <a:accent5>
+        <a:srgbClr val="4BACC6"/>
+      </a:accent5>
+      <a:accent6>
+        <a:srgbClr val="F79646"/>
+      </a:accent6>
+      <a:hlink>
+        <a:srgbClr val="0000FF"/>
+      </a:hlink>
+      <a:folHlink>
+        <a:srgbClr val="800080"/>
+      </a:folHlink>
+    </a:clrScheme>
+    <a:fontScheme name="Стандартная">
+      <a:majorFont>
+        <a:latin typeface="Calibri"/>
+        <a:ea typeface=""/>
+        <a:cs typeface=""/>
+        <a:font script="Jpan" typeface="ＭＳ Ｐゴシック"/>
+        <a:font script="Hang" typeface="맑은 고딕"/>
+        <a:font script="Hans" typeface="宋体"/>
+        <a:font script="Hant" typeface="新細明體"/>
+        <a:font script="Arab" typeface="Times New Roman"/>
+        <a:font script="Hebr" typeface="Times New Roman"/>
+        <a:font script="Thai" typeface="Angsana New"/>
+        <a:font script="Ethi" typeface="Nyala"/>
+        <a:font script="Beng" typeface="Vrinda"/>
+        <a:font script="Gujr" typeface="Shruti"/>
+        <a:font script="Khmr" typeface="MoolBoran"/>
+        <a:font script="Knda" typeface="Tunga"/>
+        <a:font script="Guru" typeface="Raavi"/>
+        <a:font script="Cans" typeface="Euphemia"/>
+        <a:font script="Cher" typeface="Plantagenet Cherokee"/>
+        <a:font script="Yiii" typeface="Microsoft Yi Baiti"/>
+        <a:font script="Tibt" typeface="Microsoft Himalaya"/>
+        <a:font script="Thaa" typeface="MV Boli"/>
+        <a:font script="Deva" typeface="Mangal"/>
+        <a:font script="Telu" typeface="Gautami"/>
+        <a:font script="Taml" typeface="Latha"/>
+        <a:font script="Syrc" typeface="Estrangelo Edessa"/>
+        <a:font script="Orya" typeface="Kalinga"/>
+        <a:font script="Mlym" typeface="Kartika"/>
+        <a:font script="Laoo" typeface="DokChampa"/>
+        <a:font script="Sinh" typeface="Iskoola Pota"/>
+        <a:font script="Mong" typeface="Mongolian Baiti"/>
+        <a:font script="Viet" typeface="Times New Roman"/>
+        <a:font script="Uigh" typeface="Microsoft Uighur"/>
+      </a:majorFont>
+      <a:minorFont>
+        <a:latin typeface="Calibri"/>
+        <a:ea typeface=""/>
+        <a:cs typeface=""/>
+        <a:font script="Jpan" typeface="ＭＳ Ｐゴシック"/>
+        <a:font script="Hang" typeface="맑은 고딕"/>
+        <a:font script="Hans" typeface="宋体"/>
+        <a:font script="Hant" typeface="新細明體"/>
+        <a:font script="Arab" typeface="Arial"/>
+        <a:font script="Hebr" typeface="Arial"/>
+        <a:font script="Thai" typeface="Cordia New"/>
+        <a:font script="Ethi" typeface="Nyala"/>
+        <a:font script="Beng" typeface="Vrinda"/>
+        <a:font script="Gujr" typeface="Shruti"/>
+        <a:font script="Khmr" typeface="DaunPenh"/>
+        <a:font script="Knda" typeface="Tunga"/>
+        <a:font script="Guru" typeface="Raavi"/>
+        <a:font script="Cans" typeface="Euphemia"/>
+        <a:font script="Cher" typeface="Plantagenet Cherokee"/>
+        <a:font script="Yiii" typeface="Microsoft Yi Baiti"/>
+        <a:font script="Tibt" typeface="Microsoft Himalaya"/>
+        <a:font script="Thaa" typeface="MV Boli"/>
+        <a:font script="Deva" typeface="Mangal"/>
+        <a:font script="Telu" typeface="Gautami"/>
+        <a:font script="Taml" typeface="Latha"/>
+        <a:font script="Syrc" typeface="Estrangelo Edessa"/>
+        <a:font script="Orya" typeface="Kalinga"/>
+        <a:font script="Mlym" typeface="Kartika"/>
+        <a:font script="Laoo" typeface="DokChampa"/>
+        <a:font script="Sinh" typeface="Iskoola Pota"/>
+        <a:font script="Mong" typeface="Mongolian Baiti"/>
+        <a:font script="Viet" typeface="Arial"/>
+        <a:font script="Uigh" typeface="Microsoft Uighur"/>
+      </a:minorFont>
+    </a:fontScheme>
+    <a:fmtScheme name="Стандартная">
+      <a:fillStyleLst>
+        <a:solidFill>
+          <a:schemeClr val="phClr"/>
+        </a:solidFill>
+        <a:gradFill rotWithShape="1">
+          <a:gsLst>
+            <a:gs pos="0">
+              <a:schemeClr val="phClr">
+                <a:tint val="50000"/>
+                <a:satMod val="300000"/>
+              </a:schemeClr>
+            </a:gs>
+            <a:gs pos="35000">
+              <a:schemeClr val="phClr">
+                <a:tint val="37000"/>
+                <a:satMod val="300000"/>
+              </a:schemeClr>
+            </a:gs>
+            <a:gs pos="100000">
+              <a:schemeClr val="phClr">
+                <a:tint val="15000"/>
+                <a:satMod val="350000"/>
+              </a:schemeClr>
+            </a:gs>
+          </a:gsLst>
+          <a:lin ang="16200000" scaled="1"/>
+        </a:gradFill>
+        <a:gradFill rotWithShape="1">
+          <a:gsLst>
+            <a:gs pos="0">
+              <a:schemeClr val="phClr">
+                <a:shade val="51000"/>
+                <a:satMod val="130000"/>
+              </a:schemeClr>
+            </a:gs>
+            <a:gs pos="80000">
+              <a:schemeClr val="phClr">
+                <a:shade val="93000"/>
+                <a:satMod val="130000"/>
+              </a:schemeClr>
+            </a:gs>
+            <a:gs pos="100000">
+              <a:schemeClr val="phClr">
+                <a:shade val="94000"/>
+                <a:satMod val="135000"/>
+              </a:schemeClr>
+            </a:gs>
+          </a:gsLst>
+          <a:lin ang="16200000" scaled="0"/>
+        </a:gradFill>
+      </a:fillStyleLst>
+      <a:lnStyleLst>
+        <a:ln w="9525" cap="flat" cmpd="sng" algn="ctr">
+          <a:solidFill>
+            <a:schemeClr val="phClr">
+              <a:shade val="95000"/>
+              <a:satMod val="105000"/>
+            </a:schemeClr>
+          </a:solidFill>
+          <a:prstDash val="solid"/>
+        </a:ln>
+        <a:ln w="25400" cap="flat" cmpd="sng" algn="ctr">
+          <a:solidFill>
+            <a:schemeClr val="phClr"/>
+          </a:solidFill>
+          <a:prstDash val="solid"/>
+        </a:ln>
+        <a:ln w="38100" cap="flat" cmpd="sng" algn="ctr">
+          <a:solidFill>
+            <a:schemeClr val="phClr"/>
+          </a:solidFill>
+          <a:prstDash val="solid"/>
+        </a:ln>
+      </a:lnStyleLst>
+      <a:effectStyleLst>
+        <a:effectStyle>
+          <a:effectLst>
+            <a:outerShdw blurRad="40000" dist="20000" dir="5400000" rotWithShape="0">
+              <a:srgbClr val="000000">
+                <a:alpha val="38000"/>
+              </a:srgbClr>
+            </a:outerShdw>
+          </a:effectLst>
+        </a:effectStyle>
+        <a:effectStyle>
+          <a:effectLst>
+            <a:outerShdw blurRad="40000" dist="23000" dir="5400000" rotWithShape="0">
+              <a:srgbClr val="000000">
+                <a:alpha val="35000"/>
+              </a:srgbClr>
+            </a:outerShdw>
+          </a:effectLst>
+        </a:effectStyle>
+        <a:effectStyle>
+          <a:effectLst>
+            <a:outerShdw blurRad="40000" dist="23000" dir="5400000" rotWithShape="0">
+              <a:srgbClr val="000000">
+                <a:alpha val="35000"/>
+              </a:srgbClr>
+            </a:outerShdw>
+          </a:effectLst>
+          <a:scene3d>
+            <a:camera prst="orthographicFront">
+              <a:rot lat="0" lon="0" rev="0"/>
+            </a:camera>
+            <a:lightRig rig="threePt" dir="t">
+              <a:rot lat="0" lon="0" rev="1200000"/>
+            </a:lightRig>
+          </a:scene3d>
+          <a:sp3d>
+            <a:bevelT w="63500" h="25400"/>
+          </a:sp3d>
+        </a:effectStyle>
+      </a:effectStyleLst>
+      <a:bgFillStyleLst>
+        <a:solidFill>
+          <a:schemeClr val="phClr"/>
+        </a:solidFill>
+        <a:gradFill rotWithShape="1">
+          <a:gsLst>
+            <a:gs pos="0">
+              <a:schemeClr val="phClr">
+                <a:tint val="40000"/>
+                <a:satMod val="350000"/>
+              </a:schemeClr>
+            </a:gs>
+            <a:gs pos="40000">
+              <a:schemeClr val="phClr">
+                <a:tint val="45000"/>
+                <a:shade val="99000"/>
+                <a:satMod val="350000"/>
+              </a:schemeClr>
+            </a:gs>
+            <a:gs pos="100000">
+              <a:schemeClr val="phClr">
+                <a:shade val="20000"/>
+                <a:satMod val="255000"/>
+              </a:schemeClr>
+            </a:gs>
+          </a:gsLst>
+          <a:path path="circle">
+            <a:fillToRect l="50000" t="-80000" r="50000" b="180000"/>
+          </a:path>
+        </a:gradFill>
+        <a:gradFill rotWithShape="1">
+          <a:gsLst>
+            <a:gs pos="0">
+              <a:schemeClr val="phClr">
+                <a:tint val="80000"/>
+                <a:satMod val="300000"/>
+              </a:schemeClr>
+            </a:gs>
+            <a:gs pos="100000">
+              <a:schemeClr val="phClr">
+                <a:shade val="30000"/>
+                <a:satMod val="200000"/>
+              </a:schemeClr>
+            </a:gs>
+          </a:gsLst>
+          <a:path path="circle">
+            <a:fillToRect l="50000" t="50000" r="50000" b="50000"/>
+          </a:path>
+        </a:gradFill>
+      </a:bgFillStyleLst>
+    </a:fmtScheme>
+  </a:themeElements>
+  <a:objectDefaults/>
+  <a:extraClrSchemeLst/>
+</a:theme>
+</file>
+
+<file path=ppt/theme/theme3.xml><?xml version="1.0" encoding="utf-8"?>
+<a:theme xmlns:a="http://schemas.openxmlformats.org/drawingml/2006/main" name="Тема Office">
+  <a:themeElements>
+    <a:clrScheme name="Стандартная">
+      <a:dk1>
+        <a:sysClr val="windowText" lastClr="000000"/>
+      </a:dk1>
+      <a:lt1>
+        <a:sysClr val="window" lastClr="FFFFFF"/>
+      </a:lt1>
+      <a:dk2>
+        <a:srgbClr val="1F497D"/>
+      </a:dk2>
+      <a:lt2>
+        <a:srgbClr val="EEECE1"/>
+      </a:lt2>
+      <a:accent1>
+        <a:srgbClr val="4F81BD"/>
+      </a:accent1>
+      <a:accent2>
+        <a:srgbClr val="C0504D"/>
+      </a:accent2>
+      <a:accent3>
+        <a:srgbClr val="9BBB59"/>
+      </a:accent3>
+      <a:accent4>
+        <a:srgbClr val="8064A2"/>
+      </a:accent4>
+      <a:accent5>
+        <a:srgbClr val="4BACC6"/>
+      </a:accent5>
+      <a:accent6>
+        <a:srgbClr val="F79646"/>
+      </a:accent6>
+      <a:hlink>
+        <a:srgbClr val="0000FF"/>
+      </a:hlink>
+      <a:folHlink>
+        <a:srgbClr val="800080"/>
+      </a:folHlink>
+    </a:clrScheme>
+    <a:fontScheme name="Стандартная">
+      <a:majorFont>
+        <a:latin typeface="Calibri"/>
+        <a:ea typeface=""/>
+        <a:cs typeface=""/>
+        <a:font script="Jpan" typeface="ＭＳ Ｐゴシック"/>
+        <a:font script="Hang" typeface="맑은 고딕"/>
+        <a:font script="Hans" typeface="宋体"/>
+        <a:font script="Hant" typeface="新細明體"/>
+        <a:font script="Arab" typeface="Times New Roman"/>
+        <a:font script="Hebr" typeface="Times New Roman"/>
+        <a:font script="Thai" typeface="Angsana New"/>
+        <a:font script="Ethi" typeface="Nyala"/>
+        <a:font script="Beng" typeface="Vrinda"/>
+        <a:font script="Gujr" typeface="Shruti"/>
+        <a:font script="Khmr" typeface="MoolBoran"/>
+        <a:font script="Knda" typeface="Tunga"/>
+        <a:font script="Guru" typeface="Raavi"/>
+        <a:font script="Cans" typeface="Euphemia"/>
+        <a:font script="Cher" typeface="Plantagenet Cherokee"/>
+        <a:font script="Yiii" typeface="Microsoft Yi Baiti"/>
+        <a:font script="Tibt" typeface="Microsoft Himalaya"/>
+        <a:font script="Thaa" typeface="MV Boli"/>
+        <a:font script="Deva" typeface="Mangal"/>
+        <a:font script="Telu" typeface="Gautami"/>
+        <a:font script="Taml" typeface="Latha"/>
+        <a:font script="Syrc" typeface="Estrangelo Edessa"/>
+        <a:font script="Orya" typeface="Kalinga"/>
+        <a:font script="Mlym" typeface="Kartika"/>
+        <a:font script="Laoo" typeface="DokChampa"/>
+        <a:font script="Sinh" typeface="Iskoola Pota"/>
+        <a:font script="Mong" typeface="Mongolian Baiti"/>
+        <a:font script="Viet" typeface="Times New Roman"/>
+        <a:font script="Uigh" typeface="Microsoft Uighur"/>
+      </a:majorFont>
+      <a:minorFont>
+        <a:latin typeface="Calibri"/>
+        <a:ea typeface=""/>
+        <a:cs typeface=""/>
+        <a:font script="Jpan" typeface="ＭＳ Ｐゴシック"/>
+        <a:font script="Hang" typeface="맑은 고딕"/>
+        <a:font script="Hans" typeface="宋体"/>
+        <a:font script="Hant" typeface="新細明體"/>
+        <a:font script="Arab" typeface="Arial"/>
+        <a:font script="Hebr" typeface="Arial"/>
+        <a:font script="Thai" typeface="Cordia New"/>
+        <a:font script="Ethi" typeface="Nyala"/>
+        <a:font script="Beng" typeface="Vrinda"/>
+        <a:font script="Gujr" typeface="Shruti"/>
+        <a:font script="Khmr" typeface="DaunPenh"/>
+        <a:font script="Knda" typeface="Tunga"/>
+        <a:font script="Guru" typeface="Raavi"/>
+        <a:font script="Cans" typeface="Euphemia"/>
+        <a:font script="Cher" typeface="Plantagenet Cherokee"/>
+        <a:font script="Yiii" typeface="Microsoft Yi Baiti"/>
+        <a:font script="Tibt" typeface="Microsoft Himalaya"/>
+        <a:font script="Thaa" typeface="MV Boli"/>
+        <a:font script="Deva" typeface="Mangal"/>
+        <a:font script="Telu" typeface="Gautami"/>
+        <a:font script="Taml" typeface="Latha"/>
+        <a:font script="Syrc" typeface="Estrangelo Edessa"/>
+        <a:font script="Orya" typeface="Kalinga"/>
+        <a:font script="Mlym" typeface="Kartika"/>
+        <a:font script="Laoo" typeface="DokChampa"/>
+        <a:font script="Sinh" typeface="Iskoola Pota"/>
+        <a:font script="Mong" typeface="Mongolian Baiti"/>
+        <a:font script="Viet" typeface="Arial"/>
+        <a:font script="Uigh" typeface="Microsoft Uighur"/>
+      </a:minorFont>
+    </a:fontScheme>
+    <a:fmtScheme name="Стандартная">
+      <a:fillStyleLst>
+        <a:solidFill>
+          <a:schemeClr val="phClr"/>
+        </a:solidFill>
+        <a:gradFill rotWithShape="1">
+          <a:gsLst>
+            <a:gs pos="0">
+              <a:schemeClr val="phClr">
+                <a:tint val="50000"/>
+                <a:satMod val="300000"/>
+              </a:schemeClr>
+            </a:gs>
+            <a:gs pos="35000">
+              <a:schemeClr val="phClr">
+                <a:tint val="37000"/>
+                <a:satMod val="300000"/>
+              </a:schemeClr>
+            </a:gs>
+            <a:gs pos="100000">
+              <a:schemeClr val="phClr">
+                <a:tint val="15000"/>
+                <a:satMod val="350000"/>
+              </a:schemeClr>
+            </a:gs>
+          </a:gsLst>
+          <a:lin ang="16200000" scaled="1"/>
+        </a:gradFill>
+        <a:gradFill rotWithShape="1">
+          <a:gsLst>
+            <a:gs pos="0">
+              <a:schemeClr val="phClr">
+                <a:shade val="51000"/>
+                <a:satMod val="130000"/>
+              </a:schemeClr>
+            </a:gs>
+            <a:gs pos="80000">
+              <a:schemeClr val="phClr">
+                <a:shade val="93000"/>
+                <a:satMod val="130000"/>
+              </a:schemeClr>
+            </a:gs>
+            <a:gs pos="100000">
+              <a:schemeClr val="phClr">
+                <a:shade val="94000"/>
+                <a:satMod val="135000"/>
+              </a:schemeClr>
+            </a:gs>
+          </a:gsLst>
+          <a:lin ang="16200000" scaled="0"/>
+        </a:gradFill>
+      </a:fillStyleLst>
+      <a:lnStyleLst>
+        <a:ln w="9525" cap="flat" cmpd="sng" algn="ctr">
+          <a:solidFill>
+            <a:schemeClr val="phClr">
+              <a:shade val="95000"/>
+              <a:satMod val="105000"/>
+            </a:schemeClr>
+          </a:solidFill>
+          <a:prstDash val="solid"/>
+        </a:ln>
+        <a:ln w="25400" cap="flat" cmpd="sng" algn="ctr">
+          <a:solidFill>
+            <a:schemeClr val="phClr"/>
+          </a:solidFill>
+          <a:prstDash val="solid"/>
+        </a:ln>
+        <a:ln w="38100" cap="flat" cmpd="sng" algn="ctr">
+          <a:solidFill>
+            <a:schemeClr val="phClr"/>
+          </a:solidFill>
+          <a:prstDash val="solid"/>
+        </a:ln>
+      </a:lnStyleLst>
+      <a:effectStyleLst>
+        <a:effectStyle>
+          <a:effectLst>
+            <a:outerShdw blurRad="40000" dist="20000" dir="5400000" rotWithShape="0">
+              <a:srgbClr val="000000">
+                <a:alpha val="38000"/>
+              </a:srgbClr>
+            </a:outerShdw>
+          </a:effectLst>
+        </a:effectStyle>
+        <a:effectStyle>
+          <a:effectLst>
+            <a:outerShdw blurRad="40000" dist="23000" dir="5400000" rotWithShape="0">
+              <a:srgbClr val="000000">
+                <a:alpha val="35000"/>
+              </a:srgbClr>
+            </a:outerShdw>
+          </a:effectLst>
+        </a:effectStyle>
+        <a:effectStyle>
+          <a:effectLst>
+            <a:outerShdw blurRad="40000" dist="23000" dir="5400000" rotWithShape="0">
+              <a:srgbClr val="000000">
+                <a:alpha val="35000"/>
+              </a:srgbClr>
+            </a:outerShdw>
+          </a:effectLst>
+          <a:scene3d>
+            <a:camera prst="orthographicFront">
+              <a:rot lat="0" lon="0" rev="0"/>
+            </a:camera>
+            <a:lightRig rig="threePt" dir="t">
+              <a:rot lat="0" lon="0" rev="1200000"/>
+            </a:lightRig>
+          </a:scene3d>
+          <a:sp3d>
+            <a:bevelT w="63500" h="25400"/>
+          </a:sp3d>
+        </a:effectStyle>
+      </a:effectStyleLst>
+      <a:bgFillStyleLst>
+        <a:solidFill>
+          <a:schemeClr val="phClr"/>
+        </a:solidFill>
+        <a:gradFill rotWithShape="1">
+          <a:gsLst>
+            <a:gs pos="0">
+              <a:schemeClr val="phClr">
+                <a:tint val="40000"/>
+                <a:satMod val="350000"/>
+              </a:schemeClr>
+            </a:gs>
+            <a:gs pos="40000">
+              <a:schemeClr val="phClr">
+                <a:tint val="45000"/>
+                <a:shade val="99000"/>
+                <a:satMod val="350000"/>
+              </a:schemeClr>
+            </a:gs>
+            <a:gs pos="100000">
+              <a:schemeClr val="phClr">
+                <a:shade val="20000"/>
+                <a:satMod val="255000"/>
+              </a:schemeClr>
+            </a:gs>
+          </a:gsLst>
+          <a:path path="circle">
+            <a:fillToRect l="50000" t="-80000" r="50000" b="180000"/>
+          </a:path>
+        </a:gradFill>
+        <a:gradFill rotWithShape="1">
+          <a:gsLst>
+            <a:gs pos="0">
+              <a:schemeClr val="phClr">
+                <a:tint val="80000"/>
+                <a:satMod val="300000"/>
+              </a:schemeClr>
+            </a:gs>
+            <a:gs pos="100000">
+              <a:schemeClr val="phClr">
+                <a:shade val="30000"/>
+                <a:satMod val="200000"/>
+              </a:schemeClr>
+            </a:gs>
+          </a:gsLst>
+          <a:path path="circle">
+            <a:fillToRect l="50000" t="50000" r="50000" b="50000"/>
+          </a:path>
+        </a:gradFill>
+      </a:bgFillStyleLst>
+    </a:fmtScheme>
+  </a:themeElements>
+  <a:objectDefaults/>
+  <a:extraClrSchemeLst/>
+</a:theme>
 </file>
--- a/LaTeX-поделки/Системы спинов 1.pptx
+++ b/LaTeX-поделки/Системы спинов 1.pptx
@@ -13,9 +13,9 @@
   <p:sldIdLst>
     <p:sldId id="256" r:id="rId2"/>
     <p:sldId id="257" r:id="rId3"/>
-    <p:sldId id="258" r:id="rId4"/>
-    <p:sldId id="259" r:id="rId5"/>
-    <p:sldId id="260" r:id="rId6"/>
+    <p:sldId id="259" r:id="rId4"/>
+    <p:sldId id="260" r:id="rId5"/>
+    <p:sldId id="272" r:id="rId6"/>
     <p:sldId id="261" r:id="rId7"/>
     <p:sldId id="262" r:id="rId8"/>
     <p:sldId id="263" r:id="rId9"/>
@@ -210,7 +210,8 @@
           <a:p>
             <a:fld id="{2DAE3516-E495-44C0-B309-469C16998D46}" type="datetimeFigureOut">
               <a:rPr lang="ru-RU" smtClean="0"/>
-              <a:t>23.04.2018</a:t>
+              <a:pPr/>
+              <a:t>25.04.2018</a:t>
             </a:fld>
             <a:endParaRPr lang="ru-RU"/>
           </a:p>
@@ -276,6 +277,7 @@
           <a:p>
             <a:fld id="{7B6D9256-B3EA-42D4-AE1F-866490FBEDDD}" type="slidenum">
               <a:rPr lang="ru-RU" smtClean="0"/>
+              <a:pPr/>
               <a:t>‹#›</a:t>
             </a:fld>
             <a:endParaRPr lang="ru-RU"/>
@@ -370,7 +372,8 @@
           <a:p>
             <a:fld id="{A7EC3FFA-A56C-4EDA-BC81-A40063DE4661}" type="datetimeFigureOut">
               <a:rPr lang="ru-RU" smtClean="0"/>
-              <a:t>23.04.2018</a:t>
+              <a:pPr/>
+              <a:t>25.04.2018</a:t>
             </a:fld>
             <a:endParaRPr lang="ru-RU"/>
           </a:p>
@@ -531,6 +534,7 @@
           <a:p>
             <a:fld id="{56B4F9E9-9FC8-4C9E-A8E3-81161DD4E26B}" type="slidenum">
               <a:rPr lang="ru-RU" smtClean="0"/>
+              <a:pPr/>
               <a:t>‹#›</a:t>
             </a:fld>
             <a:endParaRPr lang="ru-RU"/>
@@ -702,6 +706,7 @@
           <a:p>
             <a:fld id="{56B4F9E9-9FC8-4C9E-A8E3-81161DD4E26B}" type="slidenum">
               <a:rPr lang="ru-RU" smtClean="0"/>
+              <a:pPr/>
               <a:t>1</a:t>
             </a:fld>
             <a:endParaRPr lang="ru-RU"/>
@@ -898,7 +903,7 @@
             <a:fld id="{ED11739C-C208-4F5C-8B29-8EDD222516F3}" type="datetimeFigureOut">
               <a:rPr lang="ru-RU" smtClean="0"/>
               <a:pPr/>
-              <a:t>23.04.2018</a:t>
+              <a:t>25.04.2018</a:t>
             </a:fld>
             <a:endParaRPr lang="ru-RU"/>
           </a:p>
@@ -1065,7 +1070,7 @@
             <a:fld id="{ED11739C-C208-4F5C-8B29-8EDD222516F3}" type="datetimeFigureOut">
               <a:rPr lang="ru-RU" smtClean="0"/>
               <a:pPr/>
-              <a:t>23.04.2018</a:t>
+              <a:t>25.04.2018</a:t>
             </a:fld>
             <a:endParaRPr lang="ru-RU"/>
           </a:p>
@@ -1242,7 +1247,7 @@
             <a:fld id="{ED11739C-C208-4F5C-8B29-8EDD222516F3}" type="datetimeFigureOut">
               <a:rPr lang="ru-RU" smtClean="0"/>
               <a:pPr/>
-              <a:t>23.04.2018</a:t>
+              <a:t>25.04.2018</a:t>
             </a:fld>
             <a:endParaRPr lang="ru-RU"/>
           </a:p>
@@ -1409,7 +1414,7 @@
             <a:fld id="{ED11739C-C208-4F5C-8B29-8EDD222516F3}" type="datetimeFigureOut">
               <a:rPr lang="ru-RU" smtClean="0"/>
               <a:pPr/>
-              <a:t>23.04.2018</a:t>
+              <a:t>25.04.2018</a:t>
             </a:fld>
             <a:endParaRPr lang="ru-RU"/>
           </a:p>
@@ -1652,7 +1657,7 @@
             <a:fld id="{ED11739C-C208-4F5C-8B29-8EDD222516F3}" type="datetimeFigureOut">
               <a:rPr lang="ru-RU" smtClean="0"/>
               <a:pPr/>
-              <a:t>23.04.2018</a:t>
+              <a:t>25.04.2018</a:t>
             </a:fld>
             <a:endParaRPr lang="ru-RU"/>
           </a:p>
@@ -1937,7 +1942,7 @@
             <a:fld id="{ED11739C-C208-4F5C-8B29-8EDD222516F3}" type="datetimeFigureOut">
               <a:rPr lang="ru-RU" smtClean="0"/>
               <a:pPr/>
-              <a:t>23.04.2018</a:t>
+              <a:t>25.04.2018</a:t>
             </a:fld>
             <a:endParaRPr lang="ru-RU"/>
           </a:p>
@@ -2356,7 +2361,7 @@
             <a:fld id="{ED11739C-C208-4F5C-8B29-8EDD222516F3}" type="datetimeFigureOut">
               <a:rPr lang="ru-RU" smtClean="0"/>
               <a:pPr/>
-              <a:t>23.04.2018</a:t>
+              <a:t>25.04.2018</a:t>
             </a:fld>
             <a:endParaRPr lang="ru-RU"/>
           </a:p>
@@ -2471,7 +2476,7 @@
             <a:fld id="{ED11739C-C208-4F5C-8B29-8EDD222516F3}" type="datetimeFigureOut">
               <a:rPr lang="ru-RU" smtClean="0"/>
               <a:pPr/>
-              <a:t>23.04.2018</a:t>
+              <a:t>25.04.2018</a:t>
             </a:fld>
             <a:endParaRPr lang="ru-RU"/>
           </a:p>
@@ -2563,7 +2568,7 @@
             <a:fld id="{ED11739C-C208-4F5C-8B29-8EDD222516F3}" type="datetimeFigureOut">
               <a:rPr lang="ru-RU" smtClean="0"/>
               <a:pPr/>
-              <a:t>23.04.2018</a:t>
+              <a:t>25.04.2018</a:t>
             </a:fld>
             <a:endParaRPr lang="ru-RU"/>
           </a:p>
@@ -2837,7 +2842,7 @@
             <a:fld id="{ED11739C-C208-4F5C-8B29-8EDD222516F3}" type="datetimeFigureOut">
               <a:rPr lang="ru-RU" smtClean="0"/>
               <a:pPr/>
-              <a:t>23.04.2018</a:t>
+              <a:t>25.04.2018</a:t>
             </a:fld>
             <a:endParaRPr lang="ru-RU"/>
           </a:p>
@@ -3087,7 +3092,7 @@
             <a:fld id="{ED11739C-C208-4F5C-8B29-8EDD222516F3}" type="datetimeFigureOut">
               <a:rPr lang="ru-RU" smtClean="0"/>
               <a:pPr/>
-              <a:t>23.04.2018</a:t>
+              <a:t>25.04.2018</a:t>
             </a:fld>
             <a:endParaRPr lang="ru-RU"/>
           </a:p>
@@ -3297,7 +3302,7 @@
             <a:fld id="{ED11739C-C208-4F5C-8B29-8EDD222516F3}" type="datetimeFigureOut">
               <a:rPr lang="ru-RU" smtClean="0"/>
               <a:pPr/>
-              <a:t>23.04.2018</a:t>
+              <a:t>25.04.2018</a:t>
             </a:fld>
             <a:endParaRPr lang="ru-RU"/>
           </a:p>
@@ -3753,7 +3758,7 @@
         <p:spPr>
           <a:xfrm>
             <a:off x="1371600" y="3886200"/>
-            <a:ext cx="6400800" cy="2351112"/>
+            <a:ext cx="6400800" cy="2711152"/>
           </a:xfrm>
         </p:spPr>
         <p:txBody>
@@ -3841,8 +3846,13 @@
                   <a:schemeClr val="tx1"/>
                 </a:solidFill>
               </a:rPr>
-              <a:t>23.04.2018</a:t>
-            </a:r>
+              <a:t>26.04.2018</a:t>
+            </a:r>
+            <a:endParaRPr lang="ru-RU" dirty="0" smtClean="0">
+              <a:solidFill>
+                <a:schemeClr val="tx1"/>
+              </a:solidFill>
+            </a:endParaRPr>
           </a:p>
           <a:p>
             <a:r>
@@ -3861,8 +3871,21 @@
                   <a:schemeClr val="tx1"/>
                 </a:solidFill>
               </a:rPr>
-              <a:t>Гердт Владимир Петрович</a:t>
-            </a:r>
+              <a:t>Гердт Владимир </a:t>
+            </a:r>
+            <a:r>
+              <a:rPr lang="ru-RU" dirty="0" smtClean="0">
+                <a:solidFill>
+                  <a:schemeClr val="tx1"/>
+                </a:solidFill>
+              </a:rPr>
+              <a:t>Петрович (ЛИТ ОИЯИ)</a:t>
+            </a:r>
+            <a:endParaRPr lang="ru-RU" dirty="0" smtClean="0">
+              <a:solidFill>
+                <a:schemeClr val="tx1"/>
+              </a:solidFill>
+            </a:endParaRPr>
           </a:p>
           <a:p>
             <a:r>
@@ -3882,16 +3905,95 @@
               <a:t> Олег </a:t>
             </a:r>
             <a:r>
-              <a:rPr lang="ru-RU" dirty="0">
+              <a:rPr lang="ru-RU" dirty="0" smtClean="0">
                 <a:solidFill>
                   <a:schemeClr val="tx1"/>
                 </a:solidFill>
               </a:rPr>
-              <a:t>Валентинович</a:t>
-            </a:r>
-          </a:p>
-        </p:txBody>
-      </p:sp>
+              <a:t>Валентинович </a:t>
+            </a:r>
+          </a:p>
+          <a:p>
+            <a:r>
+              <a:rPr lang="ru-RU" dirty="0" smtClean="0">
+                <a:solidFill>
+                  <a:schemeClr val="tx1"/>
+                </a:solidFill>
+              </a:rPr>
+              <a:t>(</a:t>
+            </a:r>
+            <a:r>
+              <a:rPr lang="ru-RU" dirty="0" err="1" smtClean="0">
+                <a:solidFill>
+                  <a:schemeClr val="tx1"/>
+                </a:solidFill>
+              </a:rPr>
+              <a:t>сколтех</a:t>
+            </a:r>
+            <a:r>
+              <a:rPr lang="ru-RU" dirty="0" smtClean="0">
+                <a:solidFill>
+                  <a:schemeClr val="tx1"/>
+                </a:solidFill>
+              </a:rPr>
+              <a:t>, РКЦ, МИАН им. Стеклова)</a:t>
+            </a:r>
+            <a:endParaRPr lang="ru-RU" dirty="0">
+              <a:solidFill>
+                <a:schemeClr val="tx1"/>
+              </a:solidFill>
+            </a:endParaRPr>
+          </a:p>
+        </p:txBody>
+      </p:sp>
+      <p:pic>
+        <p:nvPicPr>
+          <p:cNvPr id="4" name="Рисунок 3" descr="msuLogo.png"/>
+          <p:cNvPicPr>
+            <a:picLocks noChangeAspect="1"/>
+          </p:cNvPicPr>
+          <p:nvPr/>
+        </p:nvPicPr>
+        <p:blipFill>
+          <a:blip r:embed="rId3" cstate="print"/>
+          <a:stretch>
+            <a:fillRect/>
+          </a:stretch>
+        </p:blipFill>
+        <p:spPr>
+          <a:xfrm>
+            <a:off x="467544" y="4005064"/>
+            <a:ext cx="1296144" cy="1555373"/>
+          </a:xfrm>
+          <a:prstGeom prst="rect">
+            <a:avLst/>
+          </a:prstGeom>
+        </p:spPr>
+      </p:pic>
+      <p:pic>
+        <p:nvPicPr>
+          <p:cNvPr id="5" name="Рисунок 4" descr="skoltech_logo.png"/>
+          <p:cNvPicPr>
+            <a:picLocks noChangeAspect="1"/>
+          </p:cNvPicPr>
+          <p:nvPr/>
+        </p:nvPicPr>
+        <p:blipFill>
+          <a:blip r:embed="rId4" cstate="print"/>
+          <a:stretch>
+            <a:fillRect/>
+          </a:stretch>
+        </p:blipFill>
+        <p:spPr>
+          <a:xfrm>
+            <a:off x="7308304" y="4581128"/>
+            <a:ext cx="1688058" cy="525133"/>
+          </a:xfrm>
+          <a:prstGeom prst="rect">
+            <a:avLst/>
+          </a:prstGeom>
+        </p:spPr>
+      </p:pic>
     </p:spTree>
   </p:cSld>
   <p:clrMapOvr>
@@ -4228,8 +4330,8 @@
         </p:nvSpPr>
         <p:spPr>
           <a:xfrm>
-            <a:off x="8842314" y="0"/>
-            <a:ext cx="301686" cy="369332"/>
+            <a:off x="8725296" y="0"/>
+            <a:ext cx="418704" cy="369332"/>
           </a:xfrm>
           <a:prstGeom prst="rect">
             <a:avLst/>
@@ -4242,10 +4344,10 @@
           </a:bodyPr>
           <a:lstStyle/>
           <a:p>
-            <a:r>
-              <a:rPr lang="en-US" dirty="0" smtClean="0"/>
-              <a:t>9</a:t>
-            </a:r>
+            <a:fld id="{5D38CF63-ABE5-4E8B-B7C2-D6D98AC98260}" type="slidenum">
+              <a:rPr lang="en-US" smtClean="0"/>
+              <a:t>10</a:t>
+            </a:fld>
             <a:endParaRPr lang="ru-RU" dirty="0"/>
           </a:p>
         </p:txBody>
@@ -4255,13 +4357,6 @@
   <p:clrMapOvr>
     <a:masterClrMapping/>
   </p:clrMapOvr>
-  <p:timing>
-    <p:tnLst>
-      <p:par>
-        <p:cTn id="1" dur="indefinite" restart="never" nodeType="tmRoot"/>
-      </p:par>
-    </p:tnLst>
-  </p:timing>
 </p:sld>
 </file>
 
@@ -4302,8 +4397,8 @@
               <a:t>УШ: генерация </a:t>
             </a:r>
             <a:r>
-              <a:rPr lang="ru-RU" dirty="0" err="1" smtClean="0"/>
-              <a:t>Ро</a:t>
+              <a:rPr lang="el-GR" dirty="0" smtClean="0"/>
+              <a:t>ρ</a:t>
             </a:r>
             <a:endParaRPr lang="ru-RU" dirty="0"/>
           </a:p>
@@ -4342,7 +4437,7 @@
         <p:spPr>
           <a:xfrm>
             <a:off x="2843808" y="1772816"/>
-            <a:ext cx="4224426" cy="1200329"/>
+            <a:ext cx="4335033" cy="1200329"/>
           </a:xfrm>
           <a:prstGeom prst="rect">
             <a:avLst/>
@@ -4360,12 +4455,12 @@
               <a:t>Реализован </a:t>
             </a:r>
             <a:r>
-              <a:rPr lang="ru-RU" dirty="0" err="1" smtClean="0"/>
-              <a:t>лгоритм</a:t>
-            </a:r>
-            <a:r>
               <a:rPr lang="ru-RU" dirty="0" smtClean="0"/>
-              <a:t> генерации базиса </a:t>
+              <a:t>алгоритм </a:t>
+            </a:r>
+            <a:r>
+              <a:rPr lang="ru-RU" dirty="0" smtClean="0"/>
+              <a:t>генерации базиса </a:t>
             </a:r>
             <a:r>
               <a:rPr lang="en-US" dirty="0" smtClean="0"/>
@@ -4477,14 +4572,10 @@
           </a:bodyPr>
           <a:lstStyle/>
           <a:p>
-            <a:r>
-              <a:rPr lang="en-US" dirty="0" smtClean="0"/>
-              <a:t>1</a:t>
-            </a:r>
-            <a:r>
-              <a:rPr lang="ru-RU" dirty="0" smtClean="0"/>
-              <a:t>0</a:t>
-            </a:r>
+            <a:fld id="{B900C7DA-BCAE-4398-86D4-12C2D5F60344}" type="slidenum">
+              <a:rPr lang="en-US" smtClean="0"/>
+              <a:t>11</a:t>
+            </a:fld>
             <a:endParaRPr lang="ru-RU" dirty="0"/>
           </a:p>
         </p:txBody>
@@ -4593,12 +4684,12 @@
           <p:nvPr/>
         </p:nvGraphicFramePr>
         <p:xfrm>
-          <a:off x="4321175" y="2501900"/>
-          <a:ext cx="3811588" cy="3127375"/>
+          <a:off x="4356100" y="2565400"/>
+          <a:ext cx="3811588" cy="3679825"/>
         </p:xfrm>
         <a:graphic>
           <a:graphicData uri="http://schemas.openxmlformats.org/presentationml/2006/ole">
-            <p:oleObj spid="_x0000_s24580" name="Equation" r:id="rId5" imgW="2108160" imgH="1726920" progId="Equation.DSMT4">
+            <p:oleObj spid="_x0000_s24580" name="Equation" r:id="rId5" imgW="2108160" imgH="2031840" progId="Equation.DSMT4">
               <p:embed/>
             </p:oleObj>
           </a:graphicData>
@@ -4626,14 +4717,10 @@
           </a:bodyPr>
           <a:lstStyle/>
           <a:p>
-            <a:r>
-              <a:rPr lang="en-US" dirty="0" smtClean="0"/>
-              <a:t>1</a:t>
-            </a:r>
-            <a:r>
-              <a:rPr lang="ru-RU" dirty="0" smtClean="0"/>
-              <a:t>1</a:t>
-            </a:r>
+            <a:fld id="{09CC7E8B-2046-45E3-A72C-25366CDDF4B8}" type="slidenum">
+              <a:rPr lang="en-US" smtClean="0"/>
+              <a:t>12</a:t>
+            </a:fld>
             <a:endParaRPr lang="ru-RU" dirty="0"/>
           </a:p>
         </p:txBody>
@@ -4690,8 +4777,8 @@
               <a:t>Вар. метод: генерация </a:t>
             </a:r>
             <a:r>
-              <a:rPr lang="ru-RU" dirty="0" err="1" smtClean="0"/>
-              <a:t>Ро</a:t>
+              <a:rPr lang="el-GR" dirty="0" smtClean="0"/>
+              <a:t>ρ</a:t>
             </a:r>
             <a:endParaRPr lang="ru-RU" dirty="0"/>
           </a:p>
@@ -4771,12 +4858,12 @@
               <a:t>Реализован </a:t>
             </a:r>
             <a:r>
-              <a:rPr lang="ru-RU" dirty="0" err="1" smtClean="0"/>
-              <a:t>лгоритм</a:t>
-            </a:r>
-            <a:r>
               <a:rPr lang="ru-RU" dirty="0" smtClean="0"/>
-              <a:t> генерации базиса </a:t>
+              <a:t>алгоритм </a:t>
+            </a:r>
+            <a:r>
+              <a:rPr lang="ru-RU" dirty="0" smtClean="0"/>
+              <a:t>генерации базиса </a:t>
             </a:r>
             <a:r>
               <a:rPr lang="en-US" dirty="0" smtClean="0"/>
@@ -4865,14 +4952,10 @@
           </a:bodyPr>
           <a:lstStyle/>
           <a:p>
-            <a:r>
-              <a:rPr lang="en-US" dirty="0" smtClean="0"/>
-              <a:t>1</a:t>
-            </a:r>
-            <a:r>
-              <a:rPr lang="ru-RU" dirty="0" smtClean="0"/>
-              <a:t>2</a:t>
-            </a:r>
+            <a:fld id="{06CA9975-D2D2-42FF-AAFF-3E53F29A016A}" type="slidenum">
+              <a:rPr lang="en-US" smtClean="0"/>
+              <a:t>13</a:t>
+            </a:fld>
             <a:endParaRPr lang="ru-RU" dirty="0"/>
           </a:p>
         </p:txBody>
@@ -4882,13 +4965,6 @@
   <p:clrMapOvr>
     <a:masterClrMapping/>
   </p:clrMapOvr>
-  <p:timing>
-    <p:tnLst>
-      <p:par>
-        <p:cTn id="1" dur="indefinite" restart="never" nodeType="tmRoot"/>
-      </p:par>
-    </p:tnLst>
-  </p:timing>
 </p:sld>
 </file>
 
@@ -5522,14 +5598,10 @@
           </a:bodyPr>
           <a:lstStyle/>
           <a:p>
-            <a:r>
-              <a:rPr lang="en-US" dirty="0" smtClean="0"/>
-              <a:t>1</a:t>
-            </a:r>
-            <a:r>
-              <a:rPr lang="ru-RU" dirty="0" smtClean="0"/>
-              <a:t>3</a:t>
-            </a:r>
+            <a:fld id="{5006C41B-05F9-4FF0-B756-5B9387EF0B53}" type="slidenum">
+              <a:rPr lang="en-US" smtClean="0"/>
+              <a:t>14</a:t>
+            </a:fld>
             <a:endParaRPr lang="ru-RU" dirty="0"/>
           </a:p>
         </p:txBody>
@@ -5659,13 +5731,6 @@
   <p:clrMapOvr>
     <a:masterClrMapping/>
   </p:clrMapOvr>
-  <p:timing>
-    <p:tnLst>
-      <p:par>
-        <p:cTn id="1" dur="indefinite" restart="never" nodeType="tmRoot"/>
-      </p:par>
-    </p:tnLst>
-  </p:timing>
 </p:sld>
 </file>
 
@@ -5702,12 +5767,8 @@
           <a:lstStyle/>
           <a:p>
             <a:r>
-              <a:rPr lang="ru-RU" dirty="0" smtClean="0"/>
-              <a:t>Вывод</a:t>
-            </a:r>
-            <a:r>
-              <a:rPr lang="ru-RU" dirty="0" smtClean="0"/>
-              <a:t>ы</a:t>
+              <a:rPr lang="ru-RU" smtClean="0"/>
+              <a:t>Выводы</a:t>
             </a:r>
             <a:endParaRPr lang="ru-RU" dirty="0"/>
           </a:p>
@@ -5715,14 +5776,14 @@
       </p:sp>
       <p:sp>
         <p:nvSpPr>
-          <p:cNvPr id="9" name="TextBox 8"/>
+          <p:cNvPr id="6" name="TextBox 5"/>
           <p:cNvSpPr txBox="1"/>
           <p:nvPr/>
         </p:nvSpPr>
         <p:spPr>
           <a:xfrm>
-            <a:off x="827584" y="6165304"/>
-            <a:ext cx="1920719" cy="215444"/>
+            <a:off x="8725296" y="0"/>
+            <a:ext cx="418704" cy="369332"/>
           </a:xfrm>
           <a:prstGeom prst="rect">
             <a:avLst/>
@@ -5735,44 +5796,10 @@
           </a:bodyPr>
           <a:lstStyle/>
           <a:p>
-            <a:r>
-              <a:rPr lang="ru-RU" sz="800" dirty="0" smtClean="0"/>
-              <a:t>До квантового компьютера еще далеко</a:t>
-            </a:r>
-            <a:endParaRPr lang="ru-RU" sz="800" dirty="0"/>
-          </a:p>
-        </p:txBody>
-      </p:sp>
-      <p:sp>
-        <p:nvSpPr>
-          <p:cNvPr id="6" name="TextBox 5"/>
-          <p:cNvSpPr txBox="1"/>
-          <p:nvPr/>
-        </p:nvSpPr>
-        <p:spPr>
-          <a:xfrm>
-            <a:off x="8725296" y="0"/>
-            <a:ext cx="418704" cy="369332"/>
-          </a:xfrm>
-          <a:prstGeom prst="rect">
-            <a:avLst/>
-          </a:prstGeom>
-          <a:noFill/>
-        </p:spPr>
-        <p:txBody>
-          <a:bodyPr wrap="none" rtlCol="0">
-            <a:spAutoFit/>
-          </a:bodyPr>
-          <a:lstStyle/>
-          <a:p>
-            <a:r>
-              <a:rPr lang="en-US" dirty="0" smtClean="0"/>
-              <a:t>1</a:t>
-            </a:r>
-            <a:r>
-              <a:rPr lang="ru-RU" dirty="0" smtClean="0"/>
-              <a:t>4</a:t>
-            </a:r>
+            <a:fld id="{92CD99D9-3420-41A1-A7EC-D74E2BEE2CC8}" type="slidenum">
+              <a:rPr lang="en-US" smtClean="0"/>
+              <a:t>15</a:t>
+            </a:fld>
             <a:endParaRPr lang="ru-RU" dirty="0"/>
           </a:p>
         </p:txBody>
@@ -5795,7 +5822,7 @@
         </p:spPr>
         <p:txBody>
           <a:bodyPr>
-            <a:normAutofit lnSpcReduction="10000"/>
+            <a:normAutofit/>
           </a:bodyPr>
           <a:lstStyle/>
           <a:p>
@@ -5805,7 +5832,7 @@
                 <a:latin typeface="Times New Roman" pitchFamily="18" charset="0"/>
                 <a:cs typeface="Times New Roman" pitchFamily="18" charset="0"/>
               </a:rPr>
-              <a:t>В работе исследованы спиновые системы с явным учетом пространственных симметрий и инвариантности относительно обращения времени.</a:t>
+              <a:t>Получены строгие нижние ограничения на энергию основного состояния (в расчете на один спин) в трансляционно-инвариантных спиновых системах в термодинамическом пределе.</a:t>
             </a:r>
           </a:p>
           <a:p>
@@ -5815,17 +5842,7 @@
                 <a:latin typeface="Times New Roman" pitchFamily="18" charset="0"/>
                 <a:cs typeface="Times New Roman" pitchFamily="18" charset="0"/>
               </a:rPr>
-              <a:t>Рассчитаны точные спектры энергий для кластеров из небольшого числа частиц.</a:t>
-            </a:r>
-          </a:p>
-          <a:p>
-            <a:pPr algn="just"/>
-            <a:r>
-              <a:rPr lang="ru-RU" sz="2000" dirty="0" smtClean="0">
-                <a:latin typeface="Times New Roman" pitchFamily="18" charset="0"/>
-                <a:cs typeface="Times New Roman" pitchFamily="18" charset="0"/>
-              </a:rPr>
-              <a:t>Проведена оценка энергии основного состояния системы большого числа спинов методом ее разбиения на кластеры, спектры которых возможно эффективно рассчитать.</a:t>
+              <a:t>Рассмотренные методы позволяют одновременно учитывать все симметрии системы, в том числе не коммутирующие, в том числе в случае спонтанного нарушения симметрии в чистых квантовых состояниях</a:t>
             </a:r>
           </a:p>
           <a:p>
@@ -5836,16 +5853,31 @@
             </a:endParaRPr>
           </a:p>
           <a:p>
-            <a:pPr algn="just">
-              <a:buNone/>
-            </a:pPr>
+            <a:pPr algn="just"/>
             <a:r>
               <a:rPr lang="ru-RU" sz="2000" dirty="0" smtClean="0">
                 <a:latin typeface="Times New Roman" pitchFamily="18" charset="0"/>
                 <a:cs typeface="Times New Roman" pitchFamily="18" charset="0"/>
               </a:rPr>
-              <a:t>	Исследуемый метод не предполагает конкуренции с наиболее эффективными алгоритмами, вместо этого он описывает систему с точки зрения симметрий, которые могут не коммутировать друг с другом, что исключает возможные появления спонтанного нарушения симметрии.</a:t>
-            </a:r>
+              <a:t>Код доступен по адресу </a:t>
+            </a:r>
+            <a:r>
+              <a:rPr lang="en-US" sz="2000" dirty="0" smtClean="0">
+                <a:solidFill>
+                  <a:srgbClr val="002060"/>
+                </a:solidFill>
+                <a:latin typeface="Times New Roman" pitchFamily="18" charset="0"/>
+                <a:cs typeface="Times New Roman" pitchFamily="18" charset="0"/>
+              </a:rPr>
+              <a:t>https://github.com/FeelUsM/ScalarMixedSpins</a:t>
+            </a:r>
+            <a:endParaRPr lang="ru-RU" sz="2000" dirty="0" smtClean="0">
+              <a:solidFill>
+                <a:srgbClr val="002060"/>
+              </a:solidFill>
+              <a:latin typeface="Times New Roman" pitchFamily="18" charset="0"/>
+              <a:cs typeface="Times New Roman" pitchFamily="18" charset="0"/>
+            </a:endParaRPr>
           </a:p>
         </p:txBody>
       </p:sp>
@@ -5854,13 +5886,6 @@
   <p:clrMapOvr>
     <a:masterClrMapping/>
   </p:clrMapOvr>
-  <p:timing>
-    <p:tnLst>
-      <p:par>
-        <p:cTn id="1" dur="indefinite" restart="never" nodeType="tmRoot"/>
-      </p:par>
-    </p:tnLst>
-  </p:timing>
 </p:sld>
 </file>
 
@@ -5916,15 +5941,120 @@
         </p:nvSpPr>
         <p:spPr>
           <a:xfrm>
-            <a:off x="457200" y="2564904"/>
-            <a:ext cx="8229600" cy="3561259"/>
+            <a:off x="457200" y="2204864"/>
+            <a:ext cx="8229600" cy="4104456"/>
           </a:xfrm>
         </p:spPr>
         <p:txBody>
           <a:bodyPr>
-            <a:normAutofit/>
+            <a:normAutofit fontScale="85000" lnSpcReduction="10000"/>
           </a:bodyPr>
           <a:lstStyle/>
+          <a:p>
+            <a:r>
+              <a:rPr lang="en-US" sz="2000" dirty="0" smtClean="0"/>
+              <a:t>N. </a:t>
+            </a:r>
+            <a:r>
+              <a:rPr lang="en-US" sz="2000" dirty="0" err="1" smtClean="0"/>
+              <a:t>Il'in</a:t>
+            </a:r>
+            <a:r>
+              <a:rPr lang="en-US" sz="2000" dirty="0" smtClean="0"/>
+              <a:t>, E. </a:t>
+            </a:r>
+            <a:r>
+              <a:rPr lang="en-US" sz="2000" dirty="0" err="1" smtClean="0"/>
+              <a:t>Shpagina</a:t>
+            </a:r>
+            <a:r>
+              <a:rPr lang="en-US" sz="2000" dirty="0" smtClean="0"/>
+              <a:t>, F. </a:t>
+            </a:r>
+            <a:r>
+              <a:rPr lang="en-US" sz="2000" dirty="0" err="1" smtClean="0"/>
+              <a:t>Uskov</a:t>
+            </a:r>
+            <a:r>
+              <a:rPr lang="en-US" sz="2000" dirty="0" smtClean="0"/>
+              <a:t>, O. </a:t>
+            </a:r>
+            <a:r>
+              <a:rPr lang="en-US" sz="2000" dirty="0" err="1" smtClean="0"/>
+              <a:t>Lychkovskiy</a:t>
+            </a:r>
+            <a:endParaRPr lang="ru-RU" sz="2000" dirty="0" smtClean="0"/>
+          </a:p>
+          <a:p>
+            <a:pPr>
+              <a:buNone/>
+            </a:pPr>
+            <a:r>
+              <a:rPr lang="ru-RU" sz="2000" dirty="0" smtClean="0"/>
+              <a:t>	</a:t>
+            </a:r>
+            <a:r>
+              <a:rPr lang="en-US" sz="2000" dirty="0" smtClean="0"/>
+              <a:t>Squaring </a:t>
+            </a:r>
+            <a:r>
+              <a:rPr lang="en-US" sz="2000" dirty="0" err="1" smtClean="0"/>
+              <a:t>parametrization</a:t>
+            </a:r>
+            <a:r>
+              <a:rPr lang="en-US" sz="2000" dirty="0" smtClean="0"/>
+              <a:t> of constrained and unconstrained sets of quantum states</a:t>
+            </a:r>
+            <a:r>
+              <a:rPr lang="en-US" sz="2000" dirty="0" smtClean="0"/>
+              <a:t>.</a:t>
+            </a:r>
+            <a:r>
+              <a:rPr lang="ru-RU" sz="2000" dirty="0" smtClean="0"/>
+              <a:t>	</a:t>
+            </a:r>
+            <a:r>
+              <a:rPr lang="en-US" sz="2000" dirty="0" smtClean="0"/>
+              <a:t>J</a:t>
+            </a:r>
+            <a:r>
+              <a:rPr lang="ru-RU" sz="2000" dirty="0" smtClean="0"/>
+              <a:t>.</a:t>
+            </a:r>
+            <a:r>
+              <a:rPr lang="en-US" sz="2000" dirty="0" smtClean="0"/>
+              <a:t> Phys</a:t>
+            </a:r>
+            <a:r>
+              <a:rPr lang="ru-RU" sz="2000" dirty="0" smtClean="0"/>
+              <a:t>.</a:t>
+            </a:r>
+            <a:r>
+              <a:rPr lang="en-US" sz="2000" dirty="0" smtClean="0"/>
+              <a:t> A</a:t>
+            </a:r>
+            <a:r>
+              <a:rPr lang="ru-RU" sz="2000" dirty="0" smtClean="0"/>
+              <a:t>:</a:t>
+            </a:r>
+            <a:r>
+              <a:rPr lang="en-US" sz="2000" dirty="0" smtClean="0"/>
+              <a:t>Math. </a:t>
+            </a:r>
+            <a:r>
+              <a:rPr lang="en-US" sz="2000" dirty="0" err="1" smtClean="0"/>
+              <a:t>Theor</a:t>
+            </a:r>
+            <a:r>
+              <a:rPr lang="en-US" sz="2000" dirty="0" smtClean="0"/>
+              <a:t>. 51 (2018) </a:t>
+            </a:r>
+            <a:r>
+              <a:rPr lang="en-US" sz="2000" dirty="0" smtClean="0"/>
+              <a:t>085301</a:t>
+            </a:r>
+            <a:endParaRPr lang="ru-RU" sz="2000" dirty="0" smtClean="0"/>
+          </a:p>
           <a:p>
             <a:r>
               <a:rPr lang="fi-FI" sz="2000" dirty="0" smtClean="0"/>
@@ -5940,15 +6070,7 @@
             </a:r>
             <a:r>
               <a:rPr lang="en-US" sz="2000" dirty="0" smtClean="0"/>
-              <a:t>Exact </a:t>
-            </a:r>
-            <a:r>
-              <a:rPr lang="en-US" sz="2000" dirty="0" smtClean="0"/>
-              <a:t>lover bounds to the ground state of spin systems: The </a:t>
-            </a:r>
-            <a:r>
-              <a:rPr lang="en-US" sz="2000" dirty="0" smtClean="0"/>
-              <a:t>two-dimensional</a:t>
+              <a:t>Exact lover bounds to the ground state of spin systems: The two-dimensional</a:t>
             </a:r>
             <a:r>
               <a:rPr lang="ru-RU" sz="2000" dirty="0" smtClean="0"/>
@@ -5956,11 +6078,7 @@
             </a:r>
             <a:r>
               <a:rPr lang="en-US" sz="2000" dirty="0" smtClean="0"/>
-              <a:t>S </a:t>
-            </a:r>
-            <a:r>
-              <a:rPr lang="en-US" sz="2000" dirty="0" smtClean="0"/>
-              <a:t>= 1/2 </a:t>
+              <a:t>S = 1/2 </a:t>
             </a:r>
             <a:r>
               <a:rPr lang="en-US" sz="2000" dirty="0" err="1" smtClean="0"/>
@@ -5976,55 +6094,22 @@
             </a:r>
             <a:r>
               <a:rPr lang="en-US" sz="2000" dirty="0" smtClean="0"/>
-              <a:t> model	</a:t>
+              <a:t> model	Physical review B , 1990</a:t>
             </a:r>
             <a:r>
               <a:rPr lang="en-US" sz="2000" dirty="0" smtClean="0"/>
-              <a:t>Physical </a:t>
-            </a:r>
+              <a:t>.</a:t>
+            </a:r>
+            <a:endParaRPr lang="ru-RU" sz="2000" dirty="0" smtClean="0"/>
+          </a:p>
+          <a:p>
             <a:r>
               <a:rPr lang="en-US" sz="2000" dirty="0" smtClean="0"/>
-              <a:t>review B , 1990.</a:t>
-            </a:r>
-          </a:p>
-          <a:p>
-            <a:r>
-              <a:rPr lang="ru-RU" sz="2000" dirty="0" smtClean="0"/>
-              <a:t>??? Ссылка на вариационный метод                          </a:t>
-            </a:r>
-          </a:p>
-          <a:p>
+              <a:t>P. W. </a:t>
+            </a:r>
             <a:r>
               <a:rPr lang="en-US" sz="2000" dirty="0" smtClean="0"/>
-              <a:t>N. </a:t>
-            </a:r>
-            <a:r>
-              <a:rPr lang="en-US" sz="2000" dirty="0" err="1" smtClean="0"/>
-              <a:t>Il'in</a:t>
-            </a:r>
-            <a:r>
-              <a:rPr lang="en-US" sz="2000" dirty="0" smtClean="0"/>
-              <a:t>, E. </a:t>
-            </a:r>
-            <a:r>
-              <a:rPr lang="en-US" sz="2000" dirty="0" err="1" smtClean="0"/>
-              <a:t>Shpagina</a:t>
-            </a:r>
-            <a:r>
-              <a:rPr lang="en-US" sz="2000" dirty="0" smtClean="0"/>
-              <a:t>, F. </a:t>
-            </a:r>
-            <a:r>
-              <a:rPr lang="en-US" sz="2000" dirty="0" err="1" smtClean="0"/>
-              <a:t>Uskov</a:t>
-            </a:r>
-            <a:r>
-              <a:rPr lang="en-US" sz="2000" dirty="0" smtClean="0"/>
-              <a:t>, O. </a:t>
-            </a:r>
-            <a:r>
-              <a:rPr lang="en-US" sz="2000" dirty="0" err="1" smtClean="0"/>
-              <a:t>Lychkovskiy</a:t>
+              <a:t>Anderson</a:t>
             </a:r>
             <a:r>
               <a:rPr lang="ru-RU" sz="2000" dirty="0" smtClean="0"/>
@@ -6032,38 +6117,151 @@
             </a:r>
             <a:r>
               <a:rPr lang="en-US" sz="2000" dirty="0" smtClean="0"/>
-              <a:t>Squaring </a:t>
+              <a:t> Limits </a:t>
+            </a:r>
+            <a:r>
+              <a:rPr lang="en-US" sz="2000" dirty="0" smtClean="0"/>
+              <a:t>on the Energy of the </a:t>
             </a:r>
             <a:r>
               <a:rPr lang="en-US" sz="2000" dirty="0" err="1" smtClean="0"/>
-              <a:t>parametrization</a:t>
+              <a:t>Antiferromagnetic</a:t>
             </a:r>
             <a:r>
               <a:rPr lang="en-US" sz="2000" dirty="0" smtClean="0"/>
-              <a:t> of constrained and unconstrained sets of quantum </a:t>
+              <a:t> Ground </a:t>
             </a:r>
             <a:r>
               <a:rPr lang="en-US" sz="2000" dirty="0" smtClean="0"/>
-              <a:t>states.</a:t>
+              <a:t>State</a:t>
             </a:r>
             <a:r>
               <a:rPr lang="ru-RU" sz="2000" dirty="0" smtClean="0"/>
-              <a:t> Ссылка </a:t>
-            </a:r>
+              <a:t>, </a:t>
+            </a:r>
+            <a:r>
+              <a:rPr lang="en-US" sz="2000" dirty="0" smtClean="0"/>
+              <a:t>Letters </a:t>
+            </a:r>
+            <a:r>
+              <a:rPr lang="en-US" sz="2000" dirty="0" smtClean="0"/>
+              <a:t>to the editor </a:t>
+            </a:r>
+            <a:r>
+              <a:rPr lang="en-US" sz="2000" dirty="0" smtClean="0"/>
+              <a:t>1951</a:t>
+            </a:r>
+            <a:endParaRPr lang="ru-RU" sz="2000" dirty="0" smtClean="0"/>
+          </a:p>
+          <a:p>
+            <a:r>
+              <a:rPr lang="en-US" sz="2000" dirty="0" err="1" smtClean="0"/>
+              <a:t>Tillmann</a:t>
+            </a:r>
+            <a:r>
+              <a:rPr lang="en-US" sz="2000" dirty="0" smtClean="0"/>
+              <a:t> Baumgratz1 and Martin B </a:t>
+            </a:r>
+            <a:r>
+              <a:rPr lang="en-US" sz="2000" dirty="0" err="1" smtClean="0"/>
+              <a:t>Plenio</a:t>
+            </a:r>
+            <a:endParaRPr lang="en-US" sz="2000" dirty="0" smtClean="0"/>
+          </a:p>
+          <a:p>
+            <a:pPr>
+              <a:buNone/>
+            </a:pPr>
             <a:r>
               <a:rPr lang="ru-RU" sz="2000" dirty="0" smtClean="0"/>
-              <a:t>на </a:t>
+              <a:t>	</a:t>
             </a:r>
             <a:r>
               <a:rPr lang="en-US" sz="2000" dirty="0" smtClean="0"/>
-              <a:t>??? J Phys A</a:t>
+              <a:t>Lower </a:t>
+            </a:r>
+            <a:r>
+              <a:rPr lang="en-US" sz="2000" dirty="0" smtClean="0"/>
+              <a:t>bounds for ground states of condensed matter systems</a:t>
+            </a:r>
+          </a:p>
+          <a:p>
+            <a:pPr>
+              <a:buNone/>
+            </a:pPr>
+            <a:r>
+              <a:rPr lang="ru-RU" sz="2000" dirty="0" smtClean="0"/>
+              <a:t>	</a:t>
+            </a:r>
+            <a:r>
+              <a:rPr lang="en-US" sz="2000" dirty="0" smtClean="0"/>
+              <a:t>New </a:t>
+            </a:r>
+            <a:r>
+              <a:rPr lang="en-US" sz="2000" dirty="0" smtClean="0"/>
+              <a:t>Journal of Physics 14 (2012) 023027 (21pp</a:t>
+            </a:r>
+            <a:r>
+              <a:rPr lang="en-US" sz="2000" dirty="0" smtClean="0"/>
+              <a:t>)</a:t>
             </a:r>
             <a:endParaRPr lang="ru-RU" sz="2000" dirty="0" smtClean="0"/>
           </a:p>
           <a:p>
             <a:r>
+              <a:rPr lang="en-US" sz="1800" dirty="0" smtClean="0"/>
+              <a:t>David A. </a:t>
+            </a:r>
+            <a:r>
+              <a:rPr lang="en-US" sz="1800" dirty="0" err="1" smtClean="0"/>
+              <a:t>Mazziotti</a:t>
+            </a:r>
+            <a:r>
+              <a:rPr lang="ru-RU" sz="1800" dirty="0" smtClean="0"/>
+              <a:t>, </a:t>
+            </a:r>
+            <a:r>
+              <a:rPr lang="en-US" sz="1800" dirty="0" err="1" smtClean="0"/>
+              <a:t>Variational</a:t>
+            </a:r>
+            <a:r>
+              <a:rPr lang="en-US" sz="1800" dirty="0" smtClean="0"/>
+              <a:t> </a:t>
+            </a:r>
+            <a:r>
+              <a:rPr lang="en-US" sz="1800" dirty="0" smtClean="0"/>
+              <a:t>minimization of atomic and molecular ground-state energies via the two-particle reduced density </a:t>
+            </a:r>
+            <a:r>
+              <a:rPr lang="en-US" sz="1800" dirty="0" smtClean="0"/>
+              <a:t>matrix</a:t>
+            </a:r>
+            <a:r>
+              <a:rPr lang="ru-RU" sz="1800" dirty="0" smtClean="0"/>
+              <a:t>, </a:t>
+            </a:r>
+            <a:r>
+              <a:rPr lang="en-US" sz="1800" dirty="0" smtClean="0"/>
+              <a:t>PHYSICAL </a:t>
+            </a:r>
+            <a:r>
+              <a:rPr lang="en-US" sz="1800" dirty="0" smtClean="0"/>
+              <a:t>REVIEW A, VOLUME 65, </a:t>
+            </a:r>
+            <a:r>
+              <a:rPr lang="en-US" sz="1800" dirty="0" smtClean="0"/>
+              <a:t>062511</a:t>
+            </a:r>
+            <a:endParaRPr lang="en-US" sz="2000" dirty="0" smtClean="0"/>
+          </a:p>
+          <a:p>
+            <a:r>
               <a:rPr lang="en-US" sz="2000" i="1" dirty="0" smtClean="0"/>
-              <a:t>K.S.D. Beach, A.W. </a:t>
+              <a:t>K.S.D</a:t>
+            </a:r>
+            <a:r>
+              <a:rPr lang="en-US" sz="2000" i="1" dirty="0" smtClean="0"/>
+              <a:t>. Beach, A.W. </a:t>
             </a:r>
             <a:r>
               <a:rPr lang="en-US" sz="2000" i="1" dirty="0" err="1" smtClean="0"/>
@@ -6079,15 +6277,7 @@
             </a:r>
             <a:r>
               <a:rPr lang="en-US" sz="2000" dirty="0" smtClean="0"/>
-              <a:t>Some </a:t>
-            </a:r>
-            <a:r>
-              <a:rPr lang="en-US" sz="2000" dirty="0" smtClean="0"/>
-              <a:t>formal results for the valence bond </a:t>
-            </a:r>
-            <a:r>
-              <a:rPr lang="en-US" sz="2000" dirty="0" smtClean="0"/>
-              <a:t>basis</a:t>
+              <a:t>Some formal results for the valence bond basis</a:t>
             </a:r>
             <a:r>
               <a:rPr lang="ru-RU" sz="2000" dirty="0" smtClean="0"/>
@@ -6095,15 +6285,7 @@
             </a:r>
             <a:r>
               <a:rPr lang="en-US" sz="2000" i="1" dirty="0" smtClean="0"/>
-              <a:t>Nuclear </a:t>
-            </a:r>
-            <a:r>
-              <a:rPr lang="en-US" sz="2000" i="1" dirty="0" smtClean="0"/>
-              <a:t>Physics B 750 [FS] (2006) </a:t>
-            </a:r>
-            <a:r>
-              <a:rPr lang="en-US" sz="2000" i="1" dirty="0" smtClean="0"/>
-              <a:t>142–178</a:t>
+              <a:t>Nuclear Physics B 750 [FS] (2006) 142–178</a:t>
             </a:r>
             <a:endParaRPr lang="ru-RU" sz="2000" dirty="0"/>
           </a:p>
@@ -6133,11 +6315,7 @@
           <a:p>
             <a:r>
               <a:rPr lang="en-US" dirty="0" smtClean="0"/>
-              <a:t>1</a:t>
-            </a:r>
-            <a:r>
-              <a:rPr lang="ru-RU" dirty="0" smtClean="0"/>
-              <a:t>5</a:t>
+              <a:t>16</a:t>
             </a:r>
             <a:endParaRPr lang="ru-RU" dirty="0"/>
           </a:p>
@@ -6151,7 +6329,7 @@
         </p:nvSpPr>
         <p:spPr>
           <a:xfrm>
-            <a:off x="3491880" y="1772816"/>
+            <a:off x="3491880" y="1412776"/>
             <a:ext cx="1996700" cy="523220"/>
           </a:xfrm>
           <a:prstGeom prst="rect">
@@ -6173,7 +6351,6 @@
               <a:rPr lang="ru-RU" dirty="0" smtClean="0"/>
               <a:t>:</a:t>
             </a:r>
-            <a:endParaRPr lang="ru-RU" dirty="0" smtClean="0"/>
           </a:p>
         </p:txBody>
       </p:sp>
@@ -6182,13 +6359,6 @@
   <p:clrMapOvr>
     <a:masterClrMapping/>
   </p:clrMapOvr>
-  <p:timing>
-    <p:tnLst>
-      <p:par>
-        <p:cTn id="1" dur="indefinite" restart="never" nodeType="tmRoot"/>
-      </p:par>
-    </p:tnLst>
-  </p:timing>
 </p:sld>
 </file>
 
@@ -6242,29 +6412,37 @@
             <p:ph idx="1"/>
           </p:nvPr>
         </p:nvSpPr>
-        <p:spPr/>
+        <p:spPr>
+          <a:xfrm>
+            <a:off x="457200" y="1556792"/>
+            <a:ext cx="8229600" cy="4525963"/>
+          </a:xfrm>
+        </p:spPr>
         <p:txBody>
           <a:bodyPr>
-            <a:normAutofit fontScale="70000" lnSpcReduction="20000"/>
+            <a:normAutofit fontScale="77500" lnSpcReduction="20000"/>
           </a:bodyPr>
           <a:lstStyle/>
           <a:p>
             <a:r>
               <a:rPr lang="ru-RU" dirty="0" smtClean="0"/>
-              <a:t>Мотивация</a:t>
-            </a:r>
-          </a:p>
-          <a:p>
+              <a:t>Описание </a:t>
+            </a:r>
             <a:r>
               <a:rPr lang="ru-RU" dirty="0" smtClean="0"/>
-              <a:t>Описание модели, задача</a:t>
+              <a:t>модели, задача</a:t>
             </a:r>
           </a:p>
           <a:p>
             <a:r>
               <a:rPr lang="ru-RU" dirty="0" smtClean="0"/>
-              <a:t>Методы решения</a:t>
-            </a:r>
+              <a:t>Методы </a:t>
+            </a:r>
+            <a:r>
+              <a:rPr lang="ru-RU" dirty="0" smtClean="0"/>
+              <a:t>решения</a:t>
+            </a:r>
+            <a:endParaRPr lang="ru-RU" dirty="0" smtClean="0"/>
           </a:p>
           <a:p>
             <a:r>
@@ -6273,18 +6451,21 @@
             </a:r>
           </a:p>
           <a:p>
+            <a:pPr lvl="1"/>
             <a:r>
               <a:rPr lang="ru-RU" dirty="0" smtClean="0"/>
               <a:t>Символьное умножение матриц</a:t>
             </a:r>
           </a:p>
           <a:p>
+            <a:pPr lvl="1"/>
             <a:r>
               <a:rPr lang="ru-RU" dirty="0" smtClean="0"/>
               <a:t>Скалярное произведение матриц</a:t>
             </a:r>
           </a:p>
           <a:p>
+            <a:pPr lvl="1"/>
             <a:r>
               <a:rPr lang="ru-RU" dirty="0" smtClean="0"/>
               <a:t>Переполненность базиса</a:t>
@@ -6297,13 +6478,14 @@
             </a:r>
           </a:p>
           <a:p>
+            <a:pPr lvl="1"/>
             <a:r>
               <a:rPr lang="ru-RU" dirty="0" smtClean="0"/>
               <a:t>УШ: генерация </a:t>
             </a:r>
             <a:r>
-              <a:rPr lang="ru-RU" dirty="0" err="1" smtClean="0"/>
-              <a:t>Ро</a:t>
+              <a:rPr lang="el-GR" dirty="0" smtClean="0"/>
+              <a:t>ρ</a:t>
             </a:r>
             <a:endParaRPr lang="ru-RU" dirty="0" smtClean="0"/>
           </a:p>
@@ -6314,13 +6496,14 @@
             </a:r>
           </a:p>
           <a:p>
+            <a:pPr lvl="1"/>
             <a:r>
               <a:rPr lang="ru-RU" dirty="0" smtClean="0"/>
               <a:t>Вар. метод: генерация </a:t>
             </a:r>
             <a:r>
-              <a:rPr lang="ru-RU" dirty="0" err="1" smtClean="0"/>
-              <a:t>Ро</a:t>
+              <a:rPr lang="el-GR" dirty="0" smtClean="0"/>
+              <a:t>ρ</a:t>
             </a:r>
             <a:endParaRPr lang="ru-RU" dirty="0" smtClean="0"/>
           </a:p>
@@ -6364,10 +6547,10 @@
           </a:bodyPr>
           <a:lstStyle/>
           <a:p>
-            <a:r>
-              <a:rPr lang="en-US" dirty="0" smtClean="0"/>
-              <a:t>1</a:t>
-            </a:r>
+            <a:fld id="{C44726EE-D000-402D-953A-A34E31152CEE}" type="slidenum">
+              <a:rPr lang="en-US" smtClean="0"/>
+              <a:t>2</a:t>
+            </a:fld>
             <a:endParaRPr lang="ru-RU" dirty="0"/>
           </a:p>
         </p:txBody>
@@ -6404,6 +6587,39 @@
           <a:chExt cx="0" cy="0"/>
         </a:xfrm>
       </p:grpSpPr>
+      <p:pic>
+        <p:nvPicPr>
+          <p:cNvPr id="10" name="Picture 16"/>
+          <p:cNvPicPr>
+            <a:picLocks noChangeAspect="1" noChangeArrowheads="1"/>
+          </p:cNvPicPr>
+          <p:nvPr/>
+        </p:nvPicPr>
+        <p:blipFill>
+          <a:blip r:embed="rId3" cstate="print"/>
+          <a:srcRect/>
+          <a:stretch>
+            <a:fillRect/>
+          </a:stretch>
+        </p:blipFill>
+        <p:spPr bwMode="auto">
+          <a:xfrm>
+            <a:off x="7452320" y="5085184"/>
+            <a:ext cx="1336001" cy="893068"/>
+          </a:xfrm>
+          <a:prstGeom prst="rect">
+            <a:avLst/>
+          </a:prstGeom>
+          <a:noFill/>
+          <a:ln w="9525">
+            <a:noFill/>
+            <a:miter lim="800000"/>
+            <a:headEnd/>
+            <a:tailEnd/>
+          </a:ln>
+          <a:effectLst/>
+        </p:spPr>
+      </p:pic>
       <p:sp>
         <p:nvSpPr>
           <p:cNvPr id="2" name="Заголовок 1"/>
@@ -6414,81 +6630,98 @@
             <p:ph type="title"/>
           </p:nvPr>
         </p:nvSpPr>
-        <p:spPr/>
+        <p:spPr>
+          <a:xfrm>
+            <a:off x="467544" y="0"/>
+            <a:ext cx="8229600" cy="1143000"/>
+          </a:xfrm>
+        </p:spPr>
         <p:txBody>
           <a:bodyPr/>
           <a:lstStyle/>
           <a:p>
             <a:r>
               <a:rPr lang="ru-RU" dirty="0" smtClean="0"/>
-              <a:t>Мотивация</a:t>
+              <a:t>Описание модели, задача</a:t>
             </a:r>
             <a:endParaRPr lang="ru-RU" dirty="0"/>
           </a:p>
         </p:txBody>
       </p:sp>
-      <p:sp>
-        <p:nvSpPr>
-          <p:cNvPr id="3" name="Содержимое 2"/>
-          <p:cNvSpPr>
-            <a:spLocks noGrp="1"/>
-          </p:cNvSpPr>
-          <p:nvPr>
-            <p:ph idx="1"/>
-          </p:nvPr>
-        </p:nvSpPr>
-        <p:spPr/>
-        <p:txBody>
-          <a:bodyPr/>
-          <a:lstStyle/>
-          <a:p>
-            <a:r>
-              <a:rPr lang="ru-RU" dirty="0" smtClean="0"/>
-              <a:t>Квантовый компьютер</a:t>
-            </a:r>
-          </a:p>
-          <a:p>
-            <a:r>
-              <a:rPr lang="ru-RU" dirty="0" err="1" smtClean="0"/>
-              <a:t>Кубиты</a:t>
-            </a:r>
-            <a:endParaRPr lang="en-US" dirty="0" smtClean="0"/>
-          </a:p>
-          <a:p>
-            <a:r>
-              <a:rPr lang="ru-RU" dirty="0" err="1" smtClean="0"/>
-              <a:t>Джозефсоновские</a:t>
-            </a:r>
-            <a:r>
-              <a:rPr lang="ru-RU" dirty="0" smtClean="0"/>
-              <a:t> контакты</a:t>
-            </a:r>
-            <a:endParaRPr lang="ru-RU" dirty="0" smtClean="0"/>
-          </a:p>
-          <a:p>
-            <a:r>
-              <a:rPr lang="ru-RU" dirty="0" smtClean="0"/>
-              <a:t>Высокотемпературные сверхпроводники</a:t>
-            </a:r>
-          </a:p>
-          <a:p>
-            <a:pPr>
-              <a:buNone/>
-            </a:pPr>
-            <a:endParaRPr lang="ru-RU" dirty="0" smtClean="0"/>
-          </a:p>
-        </p:txBody>
-      </p:sp>
-      <p:sp>
-        <p:nvSpPr>
-          <p:cNvPr id="6" name="TextBox 5"/>
+      <p:graphicFrame>
+        <p:nvGraphicFramePr>
+          <p:cNvPr id="5" name="Объект 4"/>
+          <p:cNvGraphicFramePr>
+            <a:graphicFrameLocks noChangeAspect="1"/>
+          </p:cNvGraphicFramePr>
+          <p:nvPr/>
+        </p:nvGraphicFramePr>
+        <p:xfrm>
+          <a:off x="347663" y="1052513"/>
+          <a:ext cx="4395787" cy="1976437"/>
+        </p:xfrm>
+        <a:graphic>
+          <a:graphicData uri="http://schemas.openxmlformats.org/presentationml/2006/ole">
+            <p:oleObj spid="_x0000_s2050" name="Equation" r:id="rId4" imgW="2311200" imgH="1041120" progId="Equation.DSMT4">
+              <p:embed/>
+            </p:oleObj>
+          </a:graphicData>
+        </a:graphic>
+      </p:graphicFrame>
+      <p:pic>
+        <p:nvPicPr>
+          <p:cNvPr id="7" name="Рисунок 6" descr="lattice.png"/>
+          <p:cNvPicPr>
+            <a:picLocks noChangeAspect="1"/>
+          </p:cNvPicPr>
+          <p:nvPr/>
+        </p:nvPicPr>
+        <p:blipFill>
+          <a:blip r:embed="rId5" cstate="print"/>
+          <a:stretch>
+            <a:fillRect/>
+          </a:stretch>
+        </p:blipFill>
+        <p:spPr>
+          <a:xfrm>
+            <a:off x="5146302" y="1138138"/>
+            <a:ext cx="3120348" cy="1872208"/>
+          </a:xfrm>
+          <a:prstGeom prst="rect">
+            <a:avLst/>
+          </a:prstGeom>
+        </p:spPr>
+      </p:pic>
+      <p:graphicFrame>
+        <p:nvGraphicFramePr>
+          <p:cNvPr id="8" name="Объект 7"/>
+          <p:cNvGraphicFramePr>
+            <a:graphicFrameLocks noChangeAspect="1"/>
+          </p:cNvGraphicFramePr>
+          <p:nvPr/>
+        </p:nvGraphicFramePr>
+        <p:xfrm>
+          <a:off x="371475" y="3284538"/>
+          <a:ext cx="4684713" cy="2233612"/>
+        </p:xfrm>
+        <a:graphic>
+          <a:graphicData uri="http://schemas.openxmlformats.org/presentationml/2006/ole">
+            <p:oleObj spid="_x0000_s2051" name="Equation" r:id="rId6" imgW="2450880" imgH="1168200" progId="Equation.DSMT4">
+              <p:embed/>
+            </p:oleObj>
+          </a:graphicData>
+        </a:graphic>
+      </p:graphicFrame>
+      <p:sp>
+        <p:nvSpPr>
+          <p:cNvPr id="9" name="TextBox 8"/>
           <p:cNvSpPr txBox="1"/>
           <p:nvPr/>
         </p:nvSpPr>
         <p:spPr>
           <a:xfrm>
-            <a:off x="8842314" y="0"/>
-            <a:ext cx="301686" cy="369332"/>
+            <a:off x="5220072" y="2996952"/>
+            <a:ext cx="3672408" cy="2144177"/>
           </a:xfrm>
           <a:prstGeom prst="rect">
             <a:avLst/>
@@ -6496,15 +6729,319 @@
           <a:noFill/>
         </p:spPr>
         <p:txBody>
+          <a:bodyPr wrap="square" rtlCol="0">
+            <a:spAutoFit/>
+          </a:bodyPr>
+          <a:lstStyle/>
+          <a:p>
+            <a:r>
+              <a:rPr lang="ru-RU" sz="2000" dirty="0" smtClean="0">
+                <a:latin typeface="Times New Roman" pitchFamily="18" charset="0"/>
+                <a:cs typeface="Times New Roman" pitchFamily="18" charset="0"/>
+              </a:rPr>
+              <a:t>Антиферромагнетики: </a:t>
+            </a:r>
+            <a:endParaRPr lang="en-US" sz="2000" dirty="0" smtClean="0">
+              <a:latin typeface="Times New Roman" pitchFamily="18" charset="0"/>
+              <a:cs typeface="Times New Roman" pitchFamily="18" charset="0"/>
+            </a:endParaRPr>
+          </a:p>
+          <a:p>
+            <a:r>
+              <a:rPr lang="ru-RU" sz="2000" dirty="0" smtClean="0">
+                <a:latin typeface="Times New Roman" pitchFamily="18" charset="0"/>
+                <a:cs typeface="Times New Roman" pitchFamily="18" charset="0"/>
+              </a:rPr>
+              <a:t>Пример </a:t>
+            </a:r>
+            <a:r>
+              <a:rPr lang="ru-RU" sz="2000" dirty="0" smtClean="0">
+                <a:latin typeface="Times New Roman" pitchFamily="18" charset="0"/>
+                <a:cs typeface="Times New Roman" pitchFamily="18" charset="0"/>
+              </a:rPr>
+              <a:t>  </a:t>
+            </a:r>
+            <a:r>
+              <a:rPr lang="en-US" sz="2000" dirty="0" smtClean="0">
+                <a:latin typeface="Times New Roman" pitchFamily="18" charset="0"/>
+                <a:cs typeface="Times New Roman" pitchFamily="18" charset="0"/>
+              </a:rPr>
+              <a:t>1d</a:t>
+            </a:r>
+            <a:r>
+              <a:rPr lang="en-US" sz="2000" dirty="0" smtClean="0">
+                <a:latin typeface="Times New Roman" pitchFamily="18" charset="0"/>
+                <a:cs typeface="Times New Roman" pitchFamily="18" charset="0"/>
+              </a:rPr>
+              <a:t>: </a:t>
+            </a:r>
+            <a:r>
+              <a:rPr lang="en-US" sz="2000" dirty="0" smtClean="0">
+                <a:latin typeface="Times New Roman" pitchFamily="18" charset="0"/>
+                <a:cs typeface="Times New Roman" pitchFamily="18" charset="0"/>
+              </a:rPr>
+              <a:t>Sr</a:t>
+            </a:r>
+            <a:r>
+              <a:rPr lang="en-US" sz="2000" baseline="-25000" dirty="0" smtClean="0">
+                <a:latin typeface="Times New Roman" pitchFamily="18" charset="0"/>
+                <a:cs typeface="Times New Roman" pitchFamily="18" charset="0"/>
+              </a:rPr>
+              <a:t>2</a:t>
+            </a:r>
+            <a:r>
+              <a:rPr lang="en-US" sz="2000" dirty="0" smtClean="0">
+                <a:latin typeface="Times New Roman" pitchFamily="18" charset="0"/>
+                <a:cs typeface="Times New Roman" pitchFamily="18" charset="0"/>
+              </a:rPr>
+              <a:t>Cu(PO</a:t>
+            </a:r>
+            <a:r>
+              <a:rPr lang="en-US" sz="2000" baseline="-25000" dirty="0" smtClean="0">
+                <a:latin typeface="Times New Roman" pitchFamily="18" charset="0"/>
+                <a:cs typeface="Times New Roman" pitchFamily="18" charset="0"/>
+              </a:rPr>
+              <a:t>4</a:t>
+            </a:r>
+            <a:r>
+              <a:rPr lang="en-US" sz="2000" dirty="0" smtClean="0">
+                <a:latin typeface="Times New Roman" pitchFamily="18" charset="0"/>
+                <a:cs typeface="Times New Roman" pitchFamily="18" charset="0"/>
+              </a:rPr>
+              <a:t>)</a:t>
+            </a:r>
+            <a:r>
+              <a:rPr lang="en-US" sz="2000" baseline="-25000" dirty="0" smtClean="0">
+                <a:latin typeface="Times New Roman" pitchFamily="18" charset="0"/>
+                <a:cs typeface="Times New Roman" pitchFamily="18" charset="0"/>
+              </a:rPr>
+              <a:t>2</a:t>
+            </a:r>
+          </a:p>
+          <a:p>
+            <a:r>
+              <a:rPr lang="ru-RU" sz="2000" dirty="0" smtClean="0">
+                <a:latin typeface="Times New Roman" pitchFamily="18" charset="0"/>
+                <a:cs typeface="Times New Roman" pitchFamily="18" charset="0"/>
+              </a:rPr>
+              <a:t>Пример</a:t>
+            </a:r>
+            <a:r>
+              <a:rPr lang="ru-RU" sz="2000" dirty="0" smtClean="0">
+                <a:latin typeface="Times New Roman" pitchFamily="18" charset="0"/>
+                <a:cs typeface="Times New Roman" pitchFamily="18" charset="0"/>
+              </a:rPr>
+              <a:t>ы</a:t>
+            </a:r>
+            <a:r>
+              <a:rPr lang="ru-RU" sz="2000" dirty="0" smtClean="0">
+                <a:latin typeface="Times New Roman" pitchFamily="18" charset="0"/>
+                <a:cs typeface="Times New Roman" pitchFamily="18" charset="0"/>
+              </a:rPr>
+              <a:t> 2</a:t>
+            </a:r>
+            <a:r>
+              <a:rPr lang="en-US" sz="2000" dirty="0" smtClean="0">
+                <a:latin typeface="Times New Roman" pitchFamily="18" charset="0"/>
+                <a:cs typeface="Times New Roman" pitchFamily="18" charset="0"/>
+              </a:rPr>
+              <a:t>d</a:t>
+            </a:r>
+            <a:r>
+              <a:rPr lang="ru-RU" sz="2000" dirty="0" smtClean="0">
+                <a:latin typeface="Times New Roman" pitchFamily="18" charset="0"/>
+                <a:cs typeface="Times New Roman" pitchFamily="18" charset="0"/>
+              </a:rPr>
+              <a:t>: </a:t>
+            </a:r>
+            <a:r>
+              <a:rPr lang="en-US" sz="2000" dirty="0" smtClean="0">
+                <a:latin typeface="Times New Roman" pitchFamily="18" charset="0"/>
+                <a:cs typeface="Times New Roman" pitchFamily="18" charset="0"/>
+              </a:rPr>
+              <a:t>La</a:t>
+            </a:r>
+            <a:r>
+              <a:rPr lang="en-US" sz="2000" baseline="-25000" dirty="0" smtClean="0">
+                <a:latin typeface="Times New Roman" pitchFamily="18" charset="0"/>
+                <a:cs typeface="Times New Roman" pitchFamily="18" charset="0"/>
+              </a:rPr>
+              <a:t>2</a:t>
+            </a:r>
+            <a:r>
+              <a:rPr lang="en-US" sz="2000" dirty="0" smtClean="0">
+                <a:latin typeface="Times New Roman" pitchFamily="18" charset="0"/>
+                <a:cs typeface="Times New Roman" pitchFamily="18" charset="0"/>
+              </a:rPr>
+              <a:t>CuO</a:t>
+            </a:r>
+            <a:r>
+              <a:rPr lang="ru-RU" sz="2000" baseline="-25000" dirty="0" smtClean="0">
+                <a:latin typeface="Times New Roman" pitchFamily="18" charset="0"/>
+                <a:cs typeface="Times New Roman" pitchFamily="18" charset="0"/>
+              </a:rPr>
+              <a:t>4</a:t>
+            </a:r>
+          </a:p>
+          <a:p>
+            <a:r>
+              <a:rPr lang="ru-RU" sz="2000" dirty="0" smtClean="0">
+                <a:latin typeface="Times New Roman" pitchFamily="18" charset="0"/>
+                <a:cs typeface="Times New Roman" pitchFamily="18" charset="0"/>
+              </a:rPr>
+              <a:t>	         </a:t>
+            </a:r>
+            <a:r>
+              <a:rPr lang="en-US" sz="2000" dirty="0" smtClean="0">
+                <a:latin typeface="Times New Roman" pitchFamily="18" charset="0"/>
+                <a:cs typeface="Times New Roman" pitchFamily="18" charset="0"/>
+              </a:rPr>
+              <a:t>YBa</a:t>
+            </a:r>
+            <a:r>
+              <a:rPr lang="en-US" sz="2000" baseline="-25000" dirty="0" smtClean="0">
+                <a:latin typeface="Times New Roman" pitchFamily="18" charset="0"/>
+                <a:cs typeface="Times New Roman" pitchFamily="18" charset="0"/>
+              </a:rPr>
+              <a:t>2</a:t>
+            </a:r>
+            <a:r>
+              <a:rPr lang="en-US" sz="2000" dirty="0" smtClean="0">
+                <a:latin typeface="Times New Roman" pitchFamily="18" charset="0"/>
+                <a:cs typeface="Times New Roman" pitchFamily="18" charset="0"/>
+              </a:rPr>
+              <a:t>CuO</a:t>
+            </a:r>
+            <a:r>
+              <a:rPr lang="en-US" sz="2000" baseline="-25000" dirty="0" smtClean="0">
+                <a:latin typeface="Times New Roman" pitchFamily="18" charset="0"/>
+                <a:cs typeface="Times New Roman" pitchFamily="18" charset="0"/>
+              </a:rPr>
+              <a:t>6</a:t>
+            </a:r>
+            <a:endParaRPr lang="ru-RU" sz="2000" baseline="-25000" dirty="0" smtClean="0">
+              <a:latin typeface="Times New Roman" pitchFamily="18" charset="0"/>
+              <a:cs typeface="Times New Roman" pitchFamily="18" charset="0"/>
+            </a:endParaRPr>
+          </a:p>
+          <a:p>
+            <a:endParaRPr lang="ru-RU" sz="2000" baseline="-25000" dirty="0" smtClean="0">
+              <a:latin typeface="Times New Roman" pitchFamily="18" charset="0"/>
+              <a:cs typeface="Times New Roman" pitchFamily="18" charset="0"/>
+            </a:endParaRPr>
+          </a:p>
+          <a:p>
+            <a:r>
+              <a:rPr lang="ru-RU" sz="2000" dirty="0" smtClean="0">
+                <a:latin typeface="Times New Roman" pitchFamily="18" charset="0"/>
+                <a:cs typeface="Times New Roman" pitchFamily="18" charset="0"/>
+              </a:rPr>
+              <a:t>Спиновые жидкости:</a:t>
+            </a:r>
+          </a:p>
+          <a:p>
+            <a:r>
+              <a:rPr lang="en-US" sz="2000" dirty="0" err="1" smtClean="0">
+                <a:latin typeface="Times New Roman" pitchFamily="18" charset="0"/>
+                <a:cs typeface="Times New Roman" pitchFamily="18" charset="0"/>
+              </a:rPr>
+              <a:t>Herbertsmithite</a:t>
+            </a:r>
+            <a:r>
+              <a:rPr lang="en-US" sz="2000" dirty="0" smtClean="0">
+                <a:latin typeface="Times New Roman" pitchFamily="18" charset="0"/>
+                <a:cs typeface="Times New Roman" pitchFamily="18" charset="0"/>
+              </a:rPr>
+              <a:t> ZnCu</a:t>
+            </a:r>
+            <a:r>
+              <a:rPr lang="en-US" sz="2000" baseline="-25000" dirty="0" smtClean="0">
+                <a:latin typeface="Times New Roman" pitchFamily="18" charset="0"/>
+                <a:cs typeface="Times New Roman" pitchFamily="18" charset="0"/>
+              </a:rPr>
+              <a:t>3</a:t>
+            </a:r>
+            <a:r>
+              <a:rPr lang="en-US" sz="2000" dirty="0" smtClean="0">
+                <a:latin typeface="Times New Roman" pitchFamily="18" charset="0"/>
+                <a:cs typeface="Times New Roman" pitchFamily="18" charset="0"/>
+              </a:rPr>
+              <a:t>(OH)</a:t>
+            </a:r>
+            <a:r>
+              <a:rPr lang="en-US" sz="2000" baseline="-25000" dirty="0" smtClean="0">
+                <a:latin typeface="Times New Roman" pitchFamily="18" charset="0"/>
+                <a:cs typeface="Times New Roman" pitchFamily="18" charset="0"/>
+              </a:rPr>
+              <a:t>6</a:t>
+            </a:r>
+            <a:r>
+              <a:rPr lang="en-US" sz="2000" dirty="0" smtClean="0">
+                <a:latin typeface="Times New Roman" pitchFamily="18" charset="0"/>
+                <a:cs typeface="Times New Roman" pitchFamily="18" charset="0"/>
+              </a:rPr>
+              <a:t>Cl</a:t>
+            </a:r>
+            <a:r>
+              <a:rPr lang="en-US" sz="2000" baseline="-25000" dirty="0" smtClean="0">
+                <a:latin typeface="Times New Roman" pitchFamily="18" charset="0"/>
+                <a:cs typeface="Times New Roman" pitchFamily="18" charset="0"/>
+              </a:rPr>
+              <a:t>2</a:t>
+            </a:r>
+            <a:endParaRPr lang="en-US" sz="2000" baseline="-25000" dirty="0" smtClean="0">
+              <a:latin typeface="Times New Roman" pitchFamily="18" charset="0"/>
+              <a:cs typeface="Times New Roman" pitchFamily="18" charset="0"/>
+            </a:endParaRPr>
+          </a:p>
+        </p:txBody>
+      </p:sp>
+      <p:graphicFrame>
+        <p:nvGraphicFramePr>
+          <p:cNvPr id="11" name="Объект 10"/>
+          <p:cNvGraphicFramePr>
+            <a:graphicFrameLocks noChangeAspect="1"/>
+          </p:cNvGraphicFramePr>
+          <p:nvPr/>
+        </p:nvGraphicFramePr>
+        <p:xfrm>
+          <a:off x="385192" y="5719862"/>
+          <a:ext cx="6511304" cy="691772"/>
+        </p:xfrm>
+        <a:graphic>
+          <a:graphicData uri="http://schemas.openxmlformats.org/presentationml/2006/ole">
+            <p:oleObj spid="_x0000_s2053" name="Equation" r:id="rId7" imgW="2273040" imgH="241200" progId="Equation.DSMT4">
+              <p:embed/>
+            </p:oleObj>
+          </a:graphicData>
+        </a:graphic>
+      </p:graphicFrame>
+      <p:sp>
+        <p:nvSpPr>
+          <p:cNvPr id="13" name="TextBox 12"/>
+          <p:cNvSpPr txBox="1"/>
+          <p:nvPr/>
+        </p:nvSpPr>
+        <p:spPr>
+          <a:xfrm>
+            <a:off x="8842314" y="0"/>
+            <a:ext cx="301686" cy="369332"/>
+          </a:xfrm>
+          <a:prstGeom prst="rect">
+            <a:avLst/>
+          </a:prstGeom>
+          <a:noFill/>
+        </p:spPr>
+        <p:txBody>
           <a:bodyPr wrap="none" rtlCol="0">
             <a:spAutoFit/>
           </a:bodyPr>
           <a:lstStyle/>
           <a:p>
-            <a:r>
-              <a:rPr lang="en-US" dirty="0" smtClean="0"/>
-              <a:t>2</a:t>
-            </a:r>
+            <a:fld id="{B8323EE8-6BA5-4ED8-A18B-DBB1AE82E622}" type="slidenum">
+              <a:rPr lang="ru-RU" smtClean="0"/>
+              <a:t>3</a:t>
+            </a:fld>
             <a:endParaRPr lang="ru-RU" dirty="0"/>
           </a:p>
         </p:txBody>
@@ -6553,7 +7090,7 @@
         </p:nvSpPr>
         <p:spPr>
           <a:xfrm>
-            <a:off x="467544" y="0"/>
+            <a:off x="457200" y="0"/>
             <a:ext cx="8229600" cy="1143000"/>
           </a:xfrm>
         </p:spPr>
@@ -6563,35 +7100,170 @@
           <a:p>
             <a:r>
               <a:rPr lang="ru-RU" dirty="0" smtClean="0"/>
-              <a:t>Описание модели, задача</a:t>
+              <a:t>Методы решения</a:t>
             </a:r>
             <a:endParaRPr lang="ru-RU" dirty="0"/>
+          </a:p>
+        </p:txBody>
+      </p:sp>
+      <p:sp>
+        <p:nvSpPr>
+          <p:cNvPr id="7" name="TextBox 6"/>
+          <p:cNvSpPr txBox="1"/>
+          <p:nvPr/>
+        </p:nvSpPr>
+        <p:spPr>
+          <a:xfrm>
+            <a:off x="755576" y="980728"/>
+            <a:ext cx="3829959" cy="369332"/>
+          </a:xfrm>
+          <a:prstGeom prst="rect">
+            <a:avLst/>
+          </a:prstGeom>
+          <a:solidFill>
+            <a:srgbClr val="0000FF"/>
+          </a:solidFill>
+        </p:spPr>
+        <p:txBody>
+          <a:bodyPr wrap="none" rtlCol="0">
+            <a:spAutoFit/>
+          </a:bodyPr>
+          <a:lstStyle/>
+          <a:p>
+            <a:r>
+              <a:rPr lang="ru-RU" b="1" dirty="0" smtClean="0">
+                <a:solidFill>
+                  <a:srgbClr val="FFFF00"/>
+                </a:solidFill>
+              </a:rPr>
+              <a:t>Через основную энергию подсистем</a:t>
+            </a:r>
           </a:p>
         </p:txBody>
       </p:sp>
       <p:graphicFrame>
         <p:nvGraphicFramePr>
-          <p:cNvPr id="5" name="Объект 4"/>
+          <p:cNvPr id="8" name="Объект 7"/>
           <p:cNvGraphicFramePr>
             <a:graphicFrameLocks noChangeAspect="1"/>
           </p:cNvGraphicFramePr>
           <p:nvPr/>
         </p:nvGraphicFramePr>
         <p:xfrm>
-          <a:off x="347663" y="1052513"/>
-          <a:ext cx="4395787" cy="1976437"/>
+          <a:off x="323528" y="1484784"/>
+          <a:ext cx="4778375" cy="1633537"/>
         </p:xfrm>
         <a:graphic>
           <a:graphicData uri="http://schemas.openxmlformats.org/presentationml/2006/ole">
-            <p:oleObj spid="_x0000_s2050" name="Equation" r:id="rId3" imgW="2311200" imgH="1041120" progId="Equation.DSMT4">
+            <p:oleObj spid="_x0000_s3074" name="Equation" r:id="rId3" imgW="2450880" imgH="838080" progId="Equation.DSMT4">
               <p:embed/>
             </p:oleObj>
           </a:graphicData>
         </a:graphic>
       </p:graphicFrame>
+      <p:sp>
+        <p:nvSpPr>
+          <p:cNvPr id="10" name="TextBox 9"/>
+          <p:cNvSpPr txBox="1"/>
+          <p:nvPr/>
+        </p:nvSpPr>
+        <p:spPr>
+          <a:xfrm>
+            <a:off x="467544" y="3284984"/>
+            <a:ext cx="8073813" cy="923330"/>
+          </a:xfrm>
+          <a:prstGeom prst="rect">
+            <a:avLst/>
+          </a:prstGeom>
+          <a:solidFill>
+            <a:schemeClr val="accent6"/>
+          </a:solidFill>
+        </p:spPr>
+        <p:txBody>
+          <a:bodyPr wrap="none" rtlCol="0">
+            <a:spAutoFit/>
+          </a:bodyPr>
+          <a:lstStyle/>
+          <a:p>
+            <a:r>
+              <a:rPr lang="fi-FI" dirty="0"/>
+              <a:t>R. Tarrah, R. </a:t>
+            </a:r>
+            <a:r>
+              <a:rPr lang="fi-FI" dirty="0" smtClean="0"/>
+              <a:t>Valenti</a:t>
+            </a:r>
+            <a:endParaRPr lang="ru-RU" dirty="0" smtClean="0"/>
+          </a:p>
+          <a:p>
+            <a:r>
+              <a:rPr lang="en-US" dirty="0" smtClean="0"/>
+              <a:t>Exact </a:t>
+            </a:r>
+            <a:r>
+              <a:rPr lang="en-US" dirty="0"/>
+              <a:t>lover bounds to the ground state of spin systems: The two-dimensional</a:t>
+            </a:r>
+          </a:p>
+          <a:p>
+            <a:r>
+              <a:rPr lang="en-US" dirty="0"/>
+              <a:t>S = </a:t>
+            </a:r>
+            <a:r>
+              <a:rPr lang="en-US" dirty="0" smtClean="0"/>
+              <a:t>1</a:t>
+            </a:r>
+            <a:r>
+              <a:rPr lang="en-US" dirty="0"/>
+              <a:t>/</a:t>
+            </a:r>
+            <a:r>
+              <a:rPr lang="en-US" dirty="0" smtClean="0"/>
+              <a:t>2 </a:t>
+            </a:r>
+            <a:r>
+              <a:rPr lang="en-US" dirty="0" err="1"/>
+              <a:t>antiferromagnetic</a:t>
+            </a:r>
+            <a:r>
+              <a:rPr lang="en-US" dirty="0"/>
+              <a:t> </a:t>
+            </a:r>
+            <a:r>
+              <a:rPr lang="en-US" dirty="0" err="1"/>
+              <a:t>Geisenberg</a:t>
+            </a:r>
+            <a:r>
+              <a:rPr lang="en-US" dirty="0"/>
+              <a:t> </a:t>
+            </a:r>
+            <a:r>
+              <a:rPr lang="en-US" dirty="0" smtClean="0"/>
+              <a:t>model		</a:t>
+            </a:r>
+            <a:r>
+              <a:rPr lang="en-US" dirty="0"/>
+              <a:t>Physical </a:t>
+            </a:r>
+            <a:r>
+              <a:rPr lang="en-US" dirty="0" smtClean="0"/>
+              <a:t>review </a:t>
+            </a:r>
+            <a:r>
+              <a:rPr lang="en-US" dirty="0"/>
+              <a:t>B , 1990</a:t>
+            </a:r>
+            <a:r>
+              <a:rPr lang="en-US" dirty="0" smtClean="0"/>
+              <a:t>.</a:t>
+            </a:r>
+          </a:p>
+        </p:txBody>
+      </p:sp>
       <p:pic>
         <p:nvPicPr>
-          <p:cNvPr id="7" name="Рисунок 6" descr="lattice.png"/>
+          <p:cNvPr id="6" name="Рисунок 5" descr="lattice-crest.png"/>
           <p:cNvPicPr>
             <a:picLocks noChangeAspect="1"/>
           </p:cNvPicPr>
@@ -6605,8 +7277,8 @@
         </p:blipFill>
         <p:spPr>
           <a:xfrm>
-            <a:off x="5146302" y="1138138"/>
-            <a:ext cx="3120348" cy="1872208"/>
+            <a:off x="5148064" y="1124744"/>
+            <a:ext cx="3120347" cy="1872208"/>
           </a:xfrm>
           <a:prstGeom prst="rect">
             <a:avLst/>
@@ -6615,19 +7287,19 @@
       </p:pic>
       <p:graphicFrame>
         <p:nvGraphicFramePr>
-          <p:cNvPr id="8" name="Объект 7"/>
+          <p:cNvPr id="14" name="Объект 13"/>
           <p:cNvGraphicFramePr>
             <a:graphicFrameLocks noChangeAspect="1"/>
           </p:cNvGraphicFramePr>
           <p:nvPr/>
         </p:nvGraphicFramePr>
         <p:xfrm>
-          <a:off x="371475" y="3284538"/>
-          <a:ext cx="4684713" cy="2233612"/>
+          <a:off x="5724128" y="5568172"/>
+          <a:ext cx="3024336" cy="1289828"/>
         </p:xfrm>
         <a:graphic>
           <a:graphicData uri="http://schemas.openxmlformats.org/presentationml/2006/ole">
-            <p:oleObj spid="_x0000_s2051" name="Equation" r:id="rId5" imgW="2450880" imgH="1168200" progId="Equation.DSMT4">
+            <p:oleObj spid="_x0000_s3078" name="Equation" r:id="rId5" imgW="2082600" imgH="888840" progId="Equation.DSMT4">
               <p:embed/>
             </p:oleObj>
           </a:graphicData>
@@ -6635,14 +7307,14 @@
       </p:graphicFrame>
       <p:sp>
         <p:nvSpPr>
-          <p:cNvPr id="9" name="TextBox 8"/>
+          <p:cNvPr id="17" name="TextBox 16"/>
           <p:cNvSpPr txBox="1"/>
           <p:nvPr/>
         </p:nvSpPr>
         <p:spPr>
           <a:xfrm>
-            <a:off x="5220072" y="3212976"/>
-            <a:ext cx="3672408" cy="2554545"/>
+            <a:off x="8842314" y="0"/>
+            <a:ext cx="301686" cy="369332"/>
           </a:xfrm>
           <a:prstGeom prst="rect">
             <a:avLst/>
@@ -6650,213 +7322,34 @@
           <a:noFill/>
         </p:spPr>
         <p:txBody>
-          <a:bodyPr wrap="square" rtlCol="0">
+          <a:bodyPr wrap="none" rtlCol="0">
             <a:spAutoFit/>
           </a:bodyPr>
           <a:lstStyle/>
           <a:p>
-            <a:r>
-              <a:rPr lang="ru-RU" sz="2000" dirty="0" smtClean="0">
-                <a:latin typeface="Times New Roman" pitchFamily="18" charset="0"/>
-                <a:cs typeface="Times New Roman" pitchFamily="18" charset="0"/>
-              </a:rPr>
-              <a:t>Антиферромагнетики: </a:t>
-            </a:r>
-            <a:r>
-              <a:rPr lang="en-US" sz="2000" dirty="0" smtClean="0">
-                <a:latin typeface="Times New Roman" pitchFamily="18" charset="0"/>
-                <a:cs typeface="Times New Roman" pitchFamily="18" charset="0"/>
-              </a:rPr>
-              <a:t> J &gt; 0</a:t>
-            </a:r>
-          </a:p>
-          <a:p>
-            <a:r>
-              <a:rPr lang="ru-RU" sz="2000" dirty="0" smtClean="0">
-                <a:latin typeface="Times New Roman" pitchFamily="18" charset="0"/>
-                <a:cs typeface="Times New Roman" pitchFamily="18" charset="0"/>
-              </a:rPr>
-              <a:t>Пример </a:t>
-            </a:r>
-            <a:r>
-              <a:rPr lang="en-US" sz="2000" dirty="0" smtClean="0">
-                <a:latin typeface="Times New Roman" pitchFamily="18" charset="0"/>
-                <a:cs typeface="Times New Roman" pitchFamily="18" charset="0"/>
-              </a:rPr>
-              <a:t>1d: </a:t>
-            </a:r>
-            <a:r>
-              <a:rPr lang="ru-RU" sz="2000" dirty="0" smtClean="0">
-                <a:latin typeface="Times New Roman" pitchFamily="18" charset="0"/>
-                <a:cs typeface="Times New Roman" pitchFamily="18" charset="0"/>
-              </a:rPr>
-              <a:t>????</a:t>
-            </a:r>
-            <a:endParaRPr lang="en-US" sz="2000" dirty="0" smtClean="0">
-              <a:latin typeface="Times New Roman" pitchFamily="18" charset="0"/>
-              <a:cs typeface="Times New Roman" pitchFamily="18" charset="0"/>
-            </a:endParaRPr>
-          </a:p>
-          <a:p>
-            <a:r>
-              <a:rPr lang="ru-RU" sz="2000" dirty="0" smtClean="0">
-                <a:latin typeface="Times New Roman" pitchFamily="18" charset="0"/>
-                <a:cs typeface="Times New Roman" pitchFamily="18" charset="0"/>
-              </a:rPr>
-              <a:t>Пример </a:t>
-            </a:r>
-            <a:r>
-              <a:rPr lang="en-US" sz="2000" dirty="0" smtClean="0">
-                <a:latin typeface="Times New Roman" pitchFamily="18" charset="0"/>
-                <a:cs typeface="Times New Roman" pitchFamily="18" charset="0"/>
-              </a:rPr>
-              <a:t>2d: “</a:t>
-            </a:r>
-            <a:r>
-              <a:rPr lang="ru-RU" sz="2000" dirty="0" err="1" smtClean="0">
-                <a:latin typeface="Times New Roman" pitchFamily="18" charset="0"/>
-                <a:cs typeface="Times New Roman" pitchFamily="18" charset="0"/>
-              </a:rPr>
-              <a:t>Гербертсмитит</a:t>
-            </a:r>
-            <a:r>
-              <a:rPr lang="en-US" sz="2000" dirty="0" smtClean="0">
-                <a:latin typeface="Times New Roman" pitchFamily="18" charset="0"/>
-                <a:cs typeface="Times New Roman" pitchFamily="18" charset="0"/>
-              </a:rPr>
-              <a:t>”</a:t>
-            </a:r>
-          </a:p>
-          <a:p>
-            <a:r>
-              <a:rPr lang="en-US" sz="2000" dirty="0" smtClean="0">
-                <a:latin typeface="Times New Roman" pitchFamily="18" charset="0"/>
-                <a:cs typeface="Times New Roman" pitchFamily="18" charset="0"/>
-              </a:rPr>
-              <a:t>		La</a:t>
-            </a:r>
-            <a:r>
-              <a:rPr lang="en-US" sz="2000" baseline="-25000" dirty="0" smtClean="0">
-                <a:latin typeface="Times New Roman" pitchFamily="18" charset="0"/>
-                <a:cs typeface="Times New Roman" pitchFamily="18" charset="0"/>
-              </a:rPr>
-              <a:t>2</a:t>
-            </a:r>
-            <a:r>
-              <a:rPr lang="en-US" sz="2000" dirty="0" smtClean="0">
-                <a:latin typeface="Times New Roman" pitchFamily="18" charset="0"/>
-                <a:cs typeface="Times New Roman" pitchFamily="18" charset="0"/>
-              </a:rPr>
-              <a:t>CuO</a:t>
-            </a:r>
-            <a:endParaRPr lang="ru-RU" sz="2000" dirty="0" smtClean="0">
-              <a:latin typeface="Times New Roman" pitchFamily="18" charset="0"/>
-              <a:cs typeface="Times New Roman" pitchFamily="18" charset="0"/>
-            </a:endParaRPr>
-          </a:p>
-          <a:p>
-            <a:r>
-              <a:rPr lang="ru-RU" sz="2000" dirty="0" smtClean="0">
-                <a:latin typeface="Times New Roman" pitchFamily="18" charset="0"/>
-                <a:cs typeface="Times New Roman" pitchFamily="18" charset="0"/>
-              </a:rPr>
-              <a:t>Пример </a:t>
-            </a:r>
-            <a:r>
-              <a:rPr lang="en-US" sz="2000" dirty="0">
-                <a:latin typeface="Times New Roman" pitchFamily="18" charset="0"/>
-                <a:cs typeface="Times New Roman" pitchFamily="18" charset="0"/>
-              </a:rPr>
-              <a:t>3</a:t>
-            </a:r>
-            <a:r>
-              <a:rPr lang="en-US" sz="2000" dirty="0" smtClean="0">
-                <a:latin typeface="Times New Roman" pitchFamily="18" charset="0"/>
-                <a:cs typeface="Times New Roman" pitchFamily="18" charset="0"/>
-              </a:rPr>
-              <a:t>d:</a:t>
-            </a:r>
-            <a:r>
-              <a:rPr lang="ru-RU" sz="2000" dirty="0" smtClean="0">
-                <a:latin typeface="Times New Roman" pitchFamily="18" charset="0"/>
-                <a:cs typeface="Times New Roman" pitchFamily="18" charset="0"/>
-              </a:rPr>
-              <a:t> ????</a:t>
-            </a:r>
-            <a:endParaRPr lang="en-US" sz="2000" dirty="0" smtClean="0">
-              <a:latin typeface="Times New Roman" pitchFamily="18" charset="0"/>
-              <a:cs typeface="Times New Roman" pitchFamily="18" charset="0"/>
-            </a:endParaRPr>
-          </a:p>
-          <a:p>
-            <a:endParaRPr lang="en-US" sz="2000" dirty="0" smtClean="0">
-              <a:latin typeface="Times New Roman" pitchFamily="18" charset="0"/>
-              <a:cs typeface="Times New Roman" pitchFamily="18" charset="0"/>
-            </a:endParaRPr>
-          </a:p>
-          <a:p>
-            <a:r>
-              <a:rPr lang="ru-RU" sz="2000" dirty="0">
-                <a:latin typeface="Times New Roman" pitchFamily="18" charset="0"/>
-                <a:cs typeface="Times New Roman" pitchFamily="18" charset="0"/>
-              </a:rPr>
-              <a:t>Ф</a:t>
-            </a:r>
-            <a:r>
-              <a:rPr lang="ru-RU" sz="2000" dirty="0" smtClean="0">
-                <a:latin typeface="Times New Roman" pitchFamily="18" charset="0"/>
-                <a:cs typeface="Times New Roman" pitchFamily="18" charset="0"/>
-              </a:rPr>
-              <a:t>ерромагнетики: </a:t>
-            </a:r>
-            <a:r>
-              <a:rPr lang="en-US" sz="2000" dirty="0" smtClean="0">
-                <a:latin typeface="Times New Roman" pitchFamily="18" charset="0"/>
-                <a:cs typeface="Times New Roman" pitchFamily="18" charset="0"/>
-              </a:rPr>
-              <a:t> </a:t>
-            </a:r>
-            <a:r>
-              <a:rPr lang="ru-RU" sz="2000" dirty="0" smtClean="0">
-                <a:latin typeface="Times New Roman" pitchFamily="18" charset="0"/>
-                <a:cs typeface="Times New Roman" pitchFamily="18" charset="0"/>
-              </a:rPr>
-              <a:t>         </a:t>
-            </a:r>
-            <a:r>
-              <a:rPr lang="en-US" sz="2000" dirty="0" smtClean="0">
-                <a:latin typeface="Times New Roman" pitchFamily="18" charset="0"/>
-                <a:cs typeface="Times New Roman" pitchFamily="18" charset="0"/>
-              </a:rPr>
-              <a:t>J &lt; 0</a:t>
-            </a:r>
-          </a:p>
-          <a:p>
-            <a:r>
-              <a:rPr lang="ru-RU" sz="2000" dirty="0" smtClean="0">
-                <a:latin typeface="Times New Roman" pitchFamily="18" charset="0"/>
-                <a:cs typeface="Times New Roman" pitchFamily="18" charset="0"/>
-              </a:rPr>
-              <a:t>Пример: ????</a:t>
-            </a:r>
+            <a:fld id="{3D77F068-B1AD-48F1-B391-3DEFF3778B57}" type="slidenum">
+              <a:rPr lang="ru-RU" smtClean="0"/>
+              <a:t>4</a:t>
+            </a:fld>
+            <a:endParaRPr lang="ru-RU" dirty="0"/>
           </a:p>
         </p:txBody>
       </p:sp>
       <p:graphicFrame>
         <p:nvGraphicFramePr>
-          <p:cNvPr id="11" name="Объект 10"/>
+          <p:cNvPr id="13" name="Объект 12"/>
           <p:cNvGraphicFramePr>
             <a:graphicFrameLocks noChangeAspect="1"/>
           </p:cNvGraphicFramePr>
           <p:nvPr/>
         </p:nvGraphicFramePr>
         <p:xfrm>
-          <a:off x="385192" y="5719862"/>
-          <a:ext cx="6511304" cy="691772"/>
+          <a:off x="4067944" y="6065912"/>
+          <a:ext cx="1226459" cy="792088"/>
         </p:xfrm>
         <a:graphic>
           <a:graphicData uri="http://schemas.openxmlformats.org/presentationml/2006/ole">
-            <p:oleObj spid="_x0000_s2053" name="Equation" r:id="rId6" imgW="2273040" imgH="241200" progId="Equation.DSMT4">
+            <p:oleObj spid="_x0000_s3079" name="Equation" r:id="rId6" imgW="609480" imgH="393480" progId="Equation.DSMT4">
               <p:embed/>
             </p:oleObj>
           </a:graphicData>
@@ -6864,19 +7357,21 @@
       </p:graphicFrame>
       <p:sp>
         <p:nvSpPr>
-          <p:cNvPr id="13" name="TextBox 12"/>
+          <p:cNvPr id="16" name="TextBox 15"/>
           <p:cNvSpPr txBox="1"/>
           <p:nvPr/>
         </p:nvSpPr>
         <p:spPr>
           <a:xfrm>
-            <a:off x="8842314" y="0"/>
-            <a:ext cx="301686" cy="369332"/>
+            <a:off x="467544" y="4509120"/>
+            <a:ext cx="5763244" cy="923330"/>
           </a:xfrm>
           <a:prstGeom prst="rect">
             <a:avLst/>
           </a:prstGeom>
-          <a:noFill/>
+          <a:solidFill>
+            <a:schemeClr val="accent6"/>
+          </a:solidFill>
         </p:spPr>
         <p:txBody>
           <a:bodyPr wrap="none" rtlCol="0">
@@ -6886,7 +7381,27 @@
           <a:p>
             <a:r>
               <a:rPr lang="en-US" dirty="0" smtClean="0"/>
-              <a:t>3</a:t>
+              <a:t>P. W. Anderson </a:t>
+            </a:r>
+          </a:p>
+          <a:p>
+            <a:r>
+              <a:rPr lang="en-US" dirty="0" smtClean="0"/>
+              <a:t>Limits on the Energy of the </a:t>
+            </a:r>
+            <a:r>
+              <a:rPr lang="en-US" dirty="0" err="1" smtClean="0"/>
+              <a:t>Antiferromagnetic</a:t>
+            </a:r>
+            <a:r>
+              <a:rPr lang="en-US" dirty="0" smtClean="0"/>
+              <a:t> Ground State</a:t>
+            </a:r>
+          </a:p>
+          <a:p>
+            <a:r>
+              <a:rPr lang="en-US" dirty="0" smtClean="0"/>
+              <a:t>Letters to the editor 1951</a:t>
             </a:r>
             <a:endParaRPr lang="ru-RU" dirty="0"/>
           </a:p>
@@ -6926,7 +7441,7 @@
       </p:grpSpPr>
       <p:sp>
         <p:nvSpPr>
-          <p:cNvPr id="2" name="Заголовок 1"/>
+          <p:cNvPr id="16" name="Заголовок 1"/>
           <p:cNvSpPr>
             <a:spLocks noGrp="1"/>
           </p:cNvSpPr>
@@ -6952,21 +7467,47 @@
           </a:p>
         </p:txBody>
       </p:sp>
-      <p:sp>
-        <p:nvSpPr>
-          <p:cNvPr id="7" name="TextBox 6"/>
-          <p:cNvSpPr txBox="1"/>
+      <p:pic>
+        <p:nvPicPr>
+          <p:cNvPr id="20" name="Рисунок 19" descr="lattice-crest.png"/>
+          <p:cNvPicPr>
+            <a:picLocks noChangeAspect="1"/>
+          </p:cNvPicPr>
           <p:nvPr/>
-        </p:nvSpPr>
+        </p:nvPicPr>
+        <p:blipFill>
+          <a:blip r:embed="rId3" cstate="print"/>
+          <a:stretch>
+            <a:fillRect/>
+          </a:stretch>
+        </p:blipFill>
         <p:spPr>
           <a:xfrm>
-            <a:off x="0" y="1196752"/>
-            <a:ext cx="423514" cy="369332"/>
+            <a:off x="5148064" y="1124744"/>
+            <a:ext cx="3120347" cy="1872208"/>
           </a:xfrm>
           <a:prstGeom prst="rect">
             <a:avLst/>
           </a:prstGeom>
-          <a:noFill/>
+        </p:spPr>
+      </p:pic>
+      <p:sp>
+        <p:nvSpPr>
+          <p:cNvPr id="21" name="TextBox 20"/>
+          <p:cNvSpPr txBox="1"/>
+          <p:nvPr/>
+        </p:nvSpPr>
+        <p:spPr>
+          <a:xfrm>
+            <a:off x="1547664" y="980728"/>
+            <a:ext cx="2394951" cy="369332"/>
+          </a:xfrm>
+          <a:prstGeom prst="rect">
+            <a:avLst/>
+          </a:prstGeom>
+          <a:solidFill>
+            <a:srgbClr val="0000FF"/>
+          </a:solidFill>
         </p:spPr>
         <p:txBody>
           <a:bodyPr wrap="none" rtlCol="0">
@@ -6975,205 +7516,36 @@
           <a:lstStyle/>
           <a:p>
             <a:r>
-              <a:rPr lang="ru-RU" dirty="0" smtClean="0"/>
-              <a:t>*) </a:t>
-            </a:r>
-            <a:endParaRPr lang="ru-RU" dirty="0"/>
+              <a:rPr lang="ru-RU" b="1" dirty="0" smtClean="0">
+                <a:solidFill>
+                  <a:srgbClr val="FFFF00"/>
+                </a:solidFill>
+              </a:rPr>
+              <a:t>Вариационный метод</a:t>
+            </a:r>
+            <a:endParaRPr lang="ru-RU" b="1" dirty="0">
+              <a:solidFill>
+                <a:srgbClr val="FFFF00"/>
+              </a:solidFill>
+            </a:endParaRPr>
           </a:p>
         </p:txBody>
       </p:sp>
       <p:graphicFrame>
         <p:nvGraphicFramePr>
-          <p:cNvPr id="8" name="Объект 7"/>
+          <p:cNvPr id="22" name="Объект 21"/>
           <p:cNvGraphicFramePr>
             <a:graphicFrameLocks noChangeAspect="1"/>
           </p:cNvGraphicFramePr>
           <p:nvPr/>
         </p:nvGraphicFramePr>
         <p:xfrm>
-          <a:off x="369888" y="1052513"/>
-          <a:ext cx="4778375" cy="1633537"/>
+          <a:off x="323528" y="4293096"/>
+          <a:ext cx="7405688" cy="2398713"/>
         </p:xfrm>
         <a:graphic>
           <a:graphicData uri="http://schemas.openxmlformats.org/presentationml/2006/ole">
-            <p:oleObj spid="_x0000_s3074" name="Equation" r:id="rId3" imgW="2450880" imgH="838080" progId="Equation.DSMT4">
-              <p:embed/>
-            </p:oleObj>
-          </a:graphicData>
-        </a:graphic>
-      </p:graphicFrame>
-      <p:sp>
-        <p:nvSpPr>
-          <p:cNvPr id="10" name="TextBox 9"/>
-          <p:cNvSpPr txBox="1"/>
-          <p:nvPr/>
-        </p:nvSpPr>
-        <p:spPr>
-          <a:xfrm>
-            <a:off x="467544" y="2722314"/>
-            <a:ext cx="8073813" cy="923330"/>
-          </a:xfrm>
-          <a:prstGeom prst="rect">
-            <a:avLst/>
-          </a:prstGeom>
-          <a:solidFill>
-            <a:schemeClr val="accent6"/>
-          </a:solidFill>
-        </p:spPr>
-        <p:txBody>
-          <a:bodyPr wrap="none" rtlCol="0">
-            <a:spAutoFit/>
-          </a:bodyPr>
-          <a:lstStyle/>
-          <a:p>
-            <a:r>
-              <a:rPr lang="fi-FI" dirty="0"/>
-              <a:t>R. Tarrah, R. Valenti (1990</a:t>
-            </a:r>
-            <a:r>
-              <a:rPr lang="fi-FI" dirty="0" smtClean="0"/>
-              <a:t>)</a:t>
-            </a:r>
-            <a:r>
-              <a:rPr lang="ru-RU" dirty="0" smtClean="0"/>
-              <a:t> </a:t>
-            </a:r>
-          </a:p>
-          <a:p>
-            <a:r>
-              <a:rPr lang="en-US" dirty="0" smtClean="0"/>
-              <a:t>Exact </a:t>
-            </a:r>
-            <a:r>
-              <a:rPr lang="en-US" dirty="0"/>
-              <a:t>lover bounds to the ground state of spin systems: The two-dimensional</a:t>
-            </a:r>
-          </a:p>
-          <a:p>
-            <a:r>
-              <a:rPr lang="en-US" dirty="0"/>
-              <a:t>S = </a:t>
-            </a:r>
-            <a:r>
-              <a:rPr lang="en-US" dirty="0" smtClean="0"/>
-              <a:t>1</a:t>
-            </a:r>
-            <a:r>
-              <a:rPr lang="en-US" dirty="0"/>
-              <a:t>/</a:t>
-            </a:r>
-            <a:r>
-              <a:rPr lang="en-US" dirty="0" smtClean="0"/>
-              <a:t>2 </a:t>
-            </a:r>
-            <a:r>
-              <a:rPr lang="en-US" dirty="0" err="1"/>
-              <a:t>antiferromagnetic</a:t>
-            </a:r>
-            <a:r>
-              <a:rPr lang="en-US" dirty="0"/>
-              <a:t> </a:t>
-            </a:r>
-            <a:r>
-              <a:rPr lang="en-US" dirty="0" err="1"/>
-              <a:t>Geisenberg</a:t>
-            </a:r>
-            <a:r>
-              <a:rPr lang="en-US" dirty="0"/>
-              <a:t> </a:t>
-            </a:r>
-            <a:r>
-              <a:rPr lang="en-US" dirty="0" smtClean="0"/>
-              <a:t>model		</a:t>
-            </a:r>
-            <a:r>
-              <a:rPr lang="en-US" dirty="0"/>
-              <a:t>Physical </a:t>
-            </a:r>
-            <a:r>
-              <a:rPr lang="en-US" dirty="0" smtClean="0"/>
-              <a:t>review </a:t>
-            </a:r>
-            <a:r>
-              <a:rPr lang="en-US" dirty="0"/>
-              <a:t>B , 1990</a:t>
-            </a:r>
-            <a:r>
-              <a:rPr lang="en-US" dirty="0" smtClean="0"/>
-              <a:t>.</a:t>
-            </a:r>
-          </a:p>
-        </p:txBody>
-      </p:sp>
-      <p:pic>
-        <p:nvPicPr>
-          <p:cNvPr id="6" name="Рисунок 5" descr="lattice-crest.png"/>
-          <p:cNvPicPr>
-            <a:picLocks noChangeAspect="1"/>
-          </p:cNvPicPr>
-          <p:nvPr/>
-        </p:nvPicPr>
-        <p:blipFill>
-          <a:blip r:embed="rId4" cstate="print"/>
-          <a:stretch>
-            <a:fillRect/>
-          </a:stretch>
-        </p:blipFill>
-        <p:spPr>
-          <a:xfrm>
-            <a:off x="5148064" y="1124744"/>
-            <a:ext cx="3120347" cy="1872208"/>
-          </a:xfrm>
-          <a:prstGeom prst="rect">
-            <a:avLst/>
-          </a:prstGeom>
-        </p:spPr>
-      </p:pic>
-      <p:sp>
-        <p:nvSpPr>
-          <p:cNvPr id="11" name="TextBox 10"/>
-          <p:cNvSpPr txBox="1"/>
-          <p:nvPr/>
-        </p:nvSpPr>
-        <p:spPr>
-          <a:xfrm>
-            <a:off x="0" y="3658418"/>
-            <a:ext cx="370614" cy="369332"/>
-          </a:xfrm>
-          <a:prstGeom prst="rect">
-            <a:avLst/>
-          </a:prstGeom>
-          <a:noFill/>
-        </p:spPr>
-        <p:txBody>
-          <a:bodyPr wrap="none" rtlCol="0">
-            <a:spAutoFit/>
-          </a:bodyPr>
-          <a:lstStyle/>
-          <a:p>
-            <a:r>
-              <a:rPr lang="en-US" dirty="0" smtClean="0"/>
-              <a:t>*)</a:t>
-            </a:r>
-            <a:endParaRPr lang="ru-RU" dirty="0"/>
-          </a:p>
-        </p:txBody>
-      </p:sp>
-      <p:graphicFrame>
-        <p:nvGraphicFramePr>
-          <p:cNvPr id="12" name="Объект 11"/>
-          <p:cNvGraphicFramePr>
-            <a:graphicFrameLocks noChangeAspect="1"/>
-          </p:cNvGraphicFramePr>
-          <p:nvPr/>
-        </p:nvGraphicFramePr>
-        <p:xfrm>
-          <a:off x="361950" y="3716338"/>
-          <a:ext cx="7405688" cy="1820862"/>
-        </p:xfrm>
-        <a:graphic>
-          <a:graphicData uri="http://schemas.openxmlformats.org/presentationml/2006/ole">
-            <p:oleObj spid="_x0000_s3076" name="Equation" r:id="rId5" imgW="4228920" imgH="1041120" progId="Equation.DSMT4">
+            <p:oleObj spid="_x0000_s30728" name="Equation" r:id="rId4" imgW="4228920" imgH="1371600" progId="Equation.DSMT4">
               <p:embed/>
             </p:oleObj>
           </a:graphicData>
@@ -7181,19 +7553,19 @@
       </p:graphicFrame>
       <p:graphicFrame>
         <p:nvGraphicFramePr>
-          <p:cNvPr id="14" name="Объект 13"/>
+          <p:cNvPr id="23" name="Объект 22"/>
           <p:cNvGraphicFramePr>
             <a:graphicFrameLocks noChangeAspect="1"/>
           </p:cNvGraphicFramePr>
           <p:nvPr/>
         </p:nvGraphicFramePr>
         <p:xfrm>
-          <a:off x="395536" y="5568172"/>
+          <a:off x="5724128" y="5568172"/>
           <a:ext cx="3024336" cy="1289828"/>
         </p:xfrm>
         <a:graphic>
           <a:graphicData uri="http://schemas.openxmlformats.org/presentationml/2006/ole">
-            <p:oleObj spid="_x0000_s3078" name="Equation" r:id="rId6" imgW="2082600" imgH="888840" progId="Equation.DSMT4">
+            <p:oleObj spid="_x0000_s30729" name="Equation" r:id="rId5" imgW="2082600" imgH="888840" progId="Equation.DSMT4">
               <p:embed/>
             </p:oleObj>
           </a:graphicData>
@@ -7201,14 +7573,14 @@
       </p:graphicFrame>
       <p:sp>
         <p:nvSpPr>
-          <p:cNvPr id="15" name="TextBox 14"/>
+          <p:cNvPr id="24" name="TextBox 23"/>
           <p:cNvSpPr txBox="1"/>
           <p:nvPr/>
         </p:nvSpPr>
         <p:spPr>
           <a:xfrm>
-            <a:off x="4032151" y="5657671"/>
-            <a:ext cx="5111849" cy="1200329"/>
+            <a:off x="251520" y="3068960"/>
+            <a:ext cx="8208912" cy="1200329"/>
           </a:xfrm>
           <a:prstGeom prst="rect">
             <a:avLst/>
@@ -7218,30 +7590,55 @@
           </a:solidFill>
         </p:spPr>
         <p:txBody>
-          <a:bodyPr wrap="none" rtlCol="0">
+          <a:bodyPr wrap="square" rtlCol="0">
             <a:spAutoFit/>
           </a:bodyPr>
           <a:lstStyle/>
           <a:p>
             <a:r>
-              <a:rPr lang="ru-RU" dirty="0" smtClean="0"/>
-              <a:t>??? Ссылка на вариационный метод                          </a:t>
-            </a:r>
-          </a:p>
-          <a:p>
+              <a:rPr lang="en-US" dirty="0" smtClean="0"/>
+              <a:t>David A. </a:t>
+            </a:r>
+            <a:r>
+              <a:rPr lang="en-US" dirty="0" err="1" smtClean="0"/>
+              <a:t>Mazziotti</a:t>
+            </a:r>
+            <a:endParaRPr lang="en-US" dirty="0" smtClean="0"/>
+          </a:p>
+          <a:p>
+            <a:r>
+              <a:rPr lang="en-US" dirty="0" err="1" smtClean="0"/>
+              <a:t>Variational</a:t>
+            </a:r>
+            <a:r>
+              <a:rPr lang="en-US" dirty="0" smtClean="0"/>
+              <a:t> minimization of atomic and molecular </a:t>
+            </a:r>
+            <a:r>
+              <a:rPr lang="en-US" dirty="0" smtClean="0"/>
+              <a:t>ground-state energies via </a:t>
+            </a:r>
+            <a:r>
+              <a:rPr lang="en-US" dirty="0" smtClean="0"/>
+              <a:t>the two-particle reduced </a:t>
+            </a:r>
+            <a:r>
+              <a:rPr lang="en-US" dirty="0" smtClean="0"/>
+              <a:t>density matrix</a:t>
+            </a:r>
+          </a:p>
+          <a:p>
+            <a:r>
+              <a:rPr lang="en-US" dirty="0" smtClean="0"/>
+              <a:t>PHYSICAL REVIEW A, VOLUME 65, 062511</a:t>
+            </a:r>
             <a:endParaRPr lang="ru-RU" dirty="0"/>
           </a:p>
-          <a:p>
-            <a:endParaRPr lang="ru-RU" dirty="0" smtClean="0"/>
-          </a:p>
-          <a:p>
-            <a:endParaRPr lang="ru-RU" dirty="0"/>
-          </a:p>
-        </p:txBody>
-      </p:sp>
-      <p:sp>
-        <p:nvSpPr>
-          <p:cNvPr id="17" name="TextBox 16"/>
+        </p:txBody>
+      </p:sp>
+      <p:sp>
+        <p:nvSpPr>
+          <p:cNvPr id="25" name="TextBox 24"/>
           <p:cNvSpPr txBox="1"/>
           <p:nvPr/>
         </p:nvSpPr>
@@ -7261,9 +7658,86 @@
           </a:bodyPr>
           <a:lstStyle/>
           <a:p>
+            <a:fld id="{729C0DD4-D69B-4CF9-B41C-68D36CAF81B7}" type="slidenum">
+              <a:rPr lang="en-US" smtClean="0"/>
+              <a:t>5</a:t>
+            </a:fld>
+            <a:endParaRPr lang="ru-RU" dirty="0"/>
+          </a:p>
+        </p:txBody>
+      </p:sp>
+      <p:graphicFrame>
+        <p:nvGraphicFramePr>
+          <p:cNvPr id="30731" name="Object 11"/>
+          <p:cNvGraphicFramePr>
+            <a:graphicFrameLocks noChangeAspect="1"/>
+          </p:cNvGraphicFramePr>
+          <p:nvPr/>
+        </p:nvGraphicFramePr>
+        <p:xfrm>
+          <a:off x="4067944" y="6065838"/>
+          <a:ext cx="1227138" cy="792162"/>
+        </p:xfrm>
+        <a:graphic>
+          <a:graphicData uri="http://schemas.openxmlformats.org/presentationml/2006/ole">
+            <p:oleObj spid="_x0000_s30731" name="Equation" r:id="rId6" imgW="609480" imgH="393480" progId="Equation.DSMT4">
+              <p:embed/>
+            </p:oleObj>
+          </a:graphicData>
+        </a:graphic>
+      </p:graphicFrame>
+      <p:sp>
+        <p:nvSpPr>
+          <p:cNvPr id="28" name="TextBox 27"/>
+          <p:cNvSpPr txBox="1"/>
+          <p:nvPr/>
+        </p:nvSpPr>
+        <p:spPr>
+          <a:xfrm>
+            <a:off x="251520" y="1556792"/>
+            <a:ext cx="4680520" cy="1200329"/>
+          </a:xfrm>
+          <a:prstGeom prst="rect">
+            <a:avLst/>
+          </a:prstGeom>
+          <a:solidFill>
+            <a:schemeClr val="accent6"/>
+          </a:solidFill>
+        </p:spPr>
+        <p:txBody>
+          <a:bodyPr wrap="square" rtlCol="0">
+            <a:spAutoFit/>
+          </a:bodyPr>
+          <a:lstStyle/>
+          <a:p>
+            <a:r>
+              <a:rPr lang="en-US" dirty="0" err="1" smtClean="0"/>
+              <a:t>Tillmann</a:t>
+            </a:r>
             <a:r>
               <a:rPr lang="en-US" dirty="0" smtClean="0"/>
-              <a:t>4</a:t>
+              <a:t> Baumgratz1 and Martin B </a:t>
+            </a:r>
+            <a:r>
+              <a:rPr lang="en-US" dirty="0" err="1" smtClean="0"/>
+              <a:t>Plenio</a:t>
+            </a:r>
+            <a:endParaRPr lang="en-US" dirty="0" smtClean="0"/>
+          </a:p>
+          <a:p>
+            <a:r>
+              <a:rPr lang="en-US" dirty="0" smtClean="0"/>
+              <a:t>Lower bounds for ground states of </a:t>
+            </a:r>
+            <a:r>
+              <a:rPr lang="en-US" dirty="0" smtClean="0"/>
+              <a:t>condensed matter systems</a:t>
+            </a:r>
+          </a:p>
+          <a:p>
+            <a:r>
+              <a:rPr lang="en-US" dirty="0" smtClean="0"/>
+              <a:t>New Journal of Physics 14 (2012) 023027 (21pp)</a:t>
             </a:r>
             <a:endParaRPr lang="ru-RU" dirty="0"/>
           </a:p>
@@ -7274,13 +7748,6 @@
   <p:clrMapOvr>
     <a:masterClrMapping/>
   </p:clrMapOvr>
-  <p:timing>
-    <p:tnLst>
-      <p:par>
-        <p:cTn id="1" dur="indefinite" restart="never" nodeType="tmRoot"/>
-      </p:par>
-    </p:tnLst>
-  </p:timing>
 </p:sld>
 </file>
 
@@ -7303,7 +7770,7 @@
       </p:grpSpPr>
       <p:pic>
         <p:nvPicPr>
-          <p:cNvPr id="8" name="Рисунок 7" descr="2018-04-22_11-16-30.png"/>
+          <p:cNvPr id="12" name="Рисунок 11" descr="2018-04-25_20-36-48.png"/>
           <p:cNvPicPr>
             <a:picLocks noChangeAspect="1"/>
           </p:cNvPicPr>
@@ -7317,8 +7784,8 @@
         </p:blipFill>
         <p:spPr>
           <a:xfrm>
-            <a:off x="179512" y="3933056"/>
-            <a:ext cx="4750870" cy="2924944"/>
+            <a:off x="0" y="4005064"/>
+            <a:ext cx="5047906" cy="2664296"/>
           </a:xfrm>
           <a:prstGeom prst="rect">
             <a:avLst/>
@@ -7566,10 +8033,10 @@
           </a:bodyPr>
           <a:lstStyle/>
           <a:p>
-            <a:r>
-              <a:rPr lang="en-US" dirty="0" smtClean="0"/>
-              <a:t>5</a:t>
-            </a:r>
+            <a:fld id="{1D250B29-B08D-4039-ACDF-E194969381CB}" type="slidenum">
+              <a:rPr lang="en-US" smtClean="0"/>
+              <a:t>6</a:t>
+            </a:fld>
             <a:endParaRPr lang="ru-RU" dirty="0"/>
           </a:p>
         </p:txBody>
@@ -7745,10 +8212,10 @@
           </a:bodyPr>
           <a:lstStyle/>
           <a:p>
-            <a:r>
-              <a:rPr lang="en-US" dirty="0" smtClean="0"/>
-              <a:t>6</a:t>
-            </a:r>
+            <a:fld id="{EA7CD77F-F82F-47F9-A548-3AA7CC45FA55}" type="slidenum">
+              <a:rPr lang="en-US" smtClean="0"/>
+              <a:t>7</a:t>
+            </a:fld>
             <a:endParaRPr lang="ru-RU" dirty="0"/>
           </a:p>
         </p:txBody>
@@ -7982,10 +8449,10 @@
           </a:bodyPr>
           <a:lstStyle/>
           <a:p>
-            <a:r>
-              <a:rPr lang="en-US" dirty="0" smtClean="0"/>
-              <a:t>7</a:t>
-            </a:r>
+            <a:fld id="{18F843AE-0634-49C3-902B-4F196FE9391D}" type="slidenum">
+              <a:rPr lang="en-US" smtClean="0"/>
+              <a:t>8</a:t>
+            </a:fld>
             <a:endParaRPr lang="ru-RU" dirty="0"/>
           </a:p>
         </p:txBody>
@@ -8171,10 +8638,10 @@
           </a:bodyPr>
           <a:lstStyle/>
           <a:p>
-            <a:r>
-              <a:rPr lang="en-US" dirty="0" smtClean="0"/>
-              <a:t>8</a:t>
-            </a:r>
+            <a:fld id="{2A2E2DD4-ACEB-40ED-A911-4DFDC45ABC2B}" type="slidenum">
+              <a:rPr lang="en-US" smtClean="0"/>
+              <a:t>9</a:t>
+            </a:fld>
             <a:endParaRPr lang="ru-RU" dirty="0"/>
           </a:p>
         </p:txBody>
@@ -8184,13 +8651,6 @@
   <p:clrMapOvr>
     <a:masterClrMapping/>
   </p:clrMapOvr>
-  <p:timing>
-    <p:tnLst>
-      <p:par>
-        <p:cTn id="1" dur="indefinite" restart="never" nodeType="tmRoot"/>
-      </p:par>
-    </p:tnLst>
-  </p:timing>
 </p:sld>
 </file>
 

--- a/LaTeX-поделки/Системы спинов 1.pptx
+++ b/LaTeX-поделки/Системы спинов 1.pptx
@@ -211,7 +211,7 @@
             <a:fld id="{2DAE3516-E495-44C0-B309-469C16998D46}" type="datetimeFigureOut">
               <a:rPr lang="ru-RU" smtClean="0"/>
               <a:pPr/>
-              <a:t>25.04.2018</a:t>
+              <a:t>23.05.2018</a:t>
             </a:fld>
             <a:endParaRPr lang="ru-RU"/>
           </a:p>
@@ -373,7 +373,7 @@
             <a:fld id="{A7EC3FFA-A56C-4EDA-BC81-A40063DE4661}" type="datetimeFigureOut">
               <a:rPr lang="ru-RU" smtClean="0"/>
               <a:pPr/>
-              <a:t>25.04.2018</a:t>
+              <a:t>23.05.2018</a:t>
             </a:fld>
             <a:endParaRPr lang="ru-RU"/>
           </a:p>
@@ -903,7 +903,7 @@
             <a:fld id="{ED11739C-C208-4F5C-8B29-8EDD222516F3}" type="datetimeFigureOut">
               <a:rPr lang="ru-RU" smtClean="0"/>
               <a:pPr/>
-              <a:t>25.04.2018</a:t>
+              <a:t>23.05.2018</a:t>
             </a:fld>
             <a:endParaRPr lang="ru-RU"/>
           </a:p>
@@ -1070,7 +1070,7 @@
             <a:fld id="{ED11739C-C208-4F5C-8B29-8EDD222516F3}" type="datetimeFigureOut">
               <a:rPr lang="ru-RU" smtClean="0"/>
               <a:pPr/>
-              <a:t>25.04.2018</a:t>
+              <a:t>23.05.2018</a:t>
             </a:fld>
             <a:endParaRPr lang="ru-RU"/>
           </a:p>
@@ -1247,7 +1247,7 @@
             <a:fld id="{ED11739C-C208-4F5C-8B29-8EDD222516F3}" type="datetimeFigureOut">
               <a:rPr lang="ru-RU" smtClean="0"/>
               <a:pPr/>
-              <a:t>25.04.2018</a:t>
+              <a:t>23.05.2018</a:t>
             </a:fld>
             <a:endParaRPr lang="ru-RU"/>
           </a:p>
@@ -1414,7 +1414,7 @@
             <a:fld id="{ED11739C-C208-4F5C-8B29-8EDD222516F3}" type="datetimeFigureOut">
               <a:rPr lang="ru-RU" smtClean="0"/>
               <a:pPr/>
-              <a:t>25.04.2018</a:t>
+              <a:t>23.05.2018</a:t>
             </a:fld>
             <a:endParaRPr lang="ru-RU"/>
           </a:p>
@@ -1657,7 +1657,7 @@
             <a:fld id="{ED11739C-C208-4F5C-8B29-8EDD222516F3}" type="datetimeFigureOut">
               <a:rPr lang="ru-RU" smtClean="0"/>
               <a:pPr/>
-              <a:t>25.04.2018</a:t>
+              <a:t>23.05.2018</a:t>
             </a:fld>
             <a:endParaRPr lang="ru-RU"/>
           </a:p>
@@ -1942,7 +1942,7 @@
             <a:fld id="{ED11739C-C208-4F5C-8B29-8EDD222516F3}" type="datetimeFigureOut">
               <a:rPr lang="ru-RU" smtClean="0"/>
               <a:pPr/>
-              <a:t>25.04.2018</a:t>
+              <a:t>23.05.2018</a:t>
             </a:fld>
             <a:endParaRPr lang="ru-RU"/>
           </a:p>
@@ -2361,7 +2361,7 @@
             <a:fld id="{ED11739C-C208-4F5C-8B29-8EDD222516F3}" type="datetimeFigureOut">
               <a:rPr lang="ru-RU" smtClean="0"/>
               <a:pPr/>
-              <a:t>25.04.2018</a:t>
+              <a:t>23.05.2018</a:t>
             </a:fld>
             <a:endParaRPr lang="ru-RU"/>
           </a:p>
@@ -2476,7 +2476,7 @@
             <a:fld id="{ED11739C-C208-4F5C-8B29-8EDD222516F3}" type="datetimeFigureOut">
               <a:rPr lang="ru-RU" smtClean="0"/>
               <a:pPr/>
-              <a:t>25.04.2018</a:t>
+              <a:t>23.05.2018</a:t>
             </a:fld>
             <a:endParaRPr lang="ru-RU"/>
           </a:p>
@@ -2568,7 +2568,7 @@
             <a:fld id="{ED11739C-C208-4F5C-8B29-8EDD222516F3}" type="datetimeFigureOut">
               <a:rPr lang="ru-RU" smtClean="0"/>
               <a:pPr/>
-              <a:t>25.04.2018</a:t>
+              <a:t>23.05.2018</a:t>
             </a:fld>
             <a:endParaRPr lang="ru-RU"/>
           </a:p>
@@ -2842,7 +2842,7 @@
             <a:fld id="{ED11739C-C208-4F5C-8B29-8EDD222516F3}" type="datetimeFigureOut">
               <a:rPr lang="ru-RU" smtClean="0"/>
               <a:pPr/>
-              <a:t>25.04.2018</a:t>
+              <a:t>23.05.2018</a:t>
             </a:fld>
             <a:endParaRPr lang="ru-RU"/>
           </a:p>
@@ -3092,7 +3092,7 @@
             <a:fld id="{ED11739C-C208-4F5C-8B29-8EDD222516F3}" type="datetimeFigureOut">
               <a:rPr lang="ru-RU" smtClean="0"/>
               <a:pPr/>
-              <a:t>25.04.2018</a:t>
+              <a:t>23.05.2018</a:t>
             </a:fld>
             <a:endParaRPr lang="ru-RU"/>
           </a:p>
@@ -3302,7 +3302,7 @@
             <a:fld id="{ED11739C-C208-4F5C-8B29-8EDD222516F3}" type="datetimeFigureOut">
               <a:rPr lang="ru-RU" smtClean="0"/>
               <a:pPr/>
-              <a:t>25.04.2018</a:t>
+              <a:t>23.05.2018</a:t>
             </a:fld>
             <a:endParaRPr lang="ru-RU"/>
           </a:p>
@@ -3732,16 +3732,9 @@
             </a:br>
             <a:r>
               <a:rPr lang="ru-RU" sz="4000" dirty="0" smtClean="0"/>
-              <a:t>точная </a:t>
-            </a:r>
-            <a:r>
-              <a:rPr lang="ru-RU" sz="4000" dirty="0"/>
-              <a:t>диагонализация</a:t>
-            </a:r>
-            <a:r>
-              <a:rPr lang="ru-RU" dirty="0"/>
-              <a:t>. </a:t>
-            </a:r>
+              <a:t>точная диагонализация</a:t>
+            </a:r>
+            <a:endParaRPr lang="ru-RU" dirty="0"/>
           </a:p>
         </p:txBody>
       </p:sp>
@@ -3757,8 +3750,8 @@
         </p:nvSpPr>
         <p:spPr>
           <a:xfrm>
-            <a:off x="1371600" y="3886200"/>
-            <a:ext cx="6400800" cy="2711152"/>
+            <a:off x="467544" y="3886200"/>
+            <a:ext cx="8352928" cy="2711152"/>
           </a:xfrm>
         </p:spPr>
         <p:txBody>
@@ -3848,11 +3841,6 @@
               </a:rPr>
               <a:t>26.04.2018</a:t>
             </a:r>
-            <a:endParaRPr lang="ru-RU" dirty="0" smtClean="0">
-              <a:solidFill>
-                <a:schemeClr val="tx1"/>
-              </a:solidFill>
-            </a:endParaRPr>
           </a:p>
           <a:p>
             <a:r>
@@ -3871,21 +3859,8 @@
                   <a:schemeClr val="tx1"/>
                 </a:solidFill>
               </a:rPr>
-              <a:t>Гердт Владимир </a:t>
-            </a:r>
-            <a:r>
-              <a:rPr lang="ru-RU" dirty="0" smtClean="0">
-                <a:solidFill>
-                  <a:schemeClr val="tx1"/>
-                </a:solidFill>
-              </a:rPr>
-              <a:t>Петрович (ЛИТ ОИЯИ)</a:t>
-            </a:r>
-            <a:endParaRPr lang="ru-RU" dirty="0" smtClean="0">
-              <a:solidFill>
-                <a:schemeClr val="tx1"/>
-              </a:solidFill>
-            </a:endParaRPr>
+              <a:t>Гердт Владимир Петрович (ЛИТ ОИЯИ)</a:t>
+            </a:r>
           </a:p>
           <a:p>
             <a:r>
@@ -3902,18 +3877,8 @@
                   <a:schemeClr val="tx1"/>
                 </a:solidFill>
               </a:rPr>
-              <a:t> Олег </a:t>
-            </a:r>
-            <a:r>
-              <a:rPr lang="ru-RU" dirty="0" smtClean="0">
-                <a:solidFill>
-                  <a:schemeClr val="tx1"/>
-                </a:solidFill>
-              </a:rPr>
-              <a:t>Валентинович </a:t>
-            </a:r>
-          </a:p>
-          <a:p>
+              <a:t> Олег Валентинович </a:t>
+            </a:r>
             <a:r>
               <a:rPr lang="ru-RU" dirty="0" smtClean="0">
                 <a:solidFill>
@@ -3928,7 +3893,7 @@
                   <a:schemeClr val="tx1"/>
                 </a:solidFill>
               </a:rPr>
-              <a:t>сколтех</a:t>
+              <a:t>Сколтех</a:t>
             </a:r>
             <a:r>
               <a:rPr lang="ru-RU" dirty="0" smtClean="0">
@@ -3936,7 +3901,30 @@
                   <a:schemeClr val="tx1"/>
                 </a:solidFill>
               </a:rPr>
-              <a:t>, РКЦ, МИАН им. Стеклова)</a:t>
+              <a:t>, РКЦ, </a:t>
+            </a:r>
+            <a:r>
+              <a:rPr lang="ru-RU" dirty="0" smtClean="0">
+                <a:solidFill>
+                  <a:schemeClr val="tx1"/>
+                </a:solidFill>
+              </a:rPr>
+              <a:t>МИАН)</a:t>
+            </a:r>
+            <a:endParaRPr lang="en-US" dirty="0" smtClean="0">
+              <a:solidFill>
+                <a:schemeClr val="tx1"/>
+              </a:solidFill>
+            </a:endParaRPr>
+          </a:p>
+          <a:p>
+            <a:r>
+              <a:rPr lang="ru-RU" dirty="0" smtClean="0">
+                <a:solidFill>
+                  <a:schemeClr val="tx1"/>
+                </a:solidFill>
+              </a:rPr>
+              <a:t>Теряев Олег Валерианович (ЛТФ ОИЯИ)</a:t>
             </a:r>
             <a:endParaRPr lang="ru-RU" dirty="0">
               <a:solidFill>
@@ -3962,7 +3950,7 @@
         </p:blipFill>
         <p:spPr>
           <a:xfrm>
-            <a:off x="467544" y="4005064"/>
+            <a:off x="467544" y="3429000"/>
             <a:ext cx="1296144" cy="1555373"/>
           </a:xfrm>
           <a:prstGeom prst="rect">
@@ -3986,7 +3974,7 @@
         </p:blipFill>
         <p:spPr>
           <a:xfrm>
-            <a:off x="7308304" y="4581128"/>
+            <a:off x="7236296" y="4005064"/>
             <a:ext cx="1688058" cy="525133"/>
           </a:xfrm>
           <a:prstGeom prst="rect">
@@ -4028,20 +4016,20 @@
       </p:grpSpPr>
       <p:sp>
         <p:nvSpPr>
-          <p:cNvPr id="7" name="Прямоугольник 6"/>
+          <p:cNvPr id="13" name="Прямоугольник 12"/>
           <p:cNvSpPr/>
           <p:nvPr/>
         </p:nvSpPr>
         <p:spPr>
           <a:xfrm>
-            <a:off x="323528" y="4581128"/>
-            <a:ext cx="2376264" cy="2276872"/>
+            <a:off x="3275856" y="3573016"/>
+            <a:ext cx="5688632" cy="1080120"/>
           </a:xfrm>
           <a:prstGeom prst="rect">
             <a:avLst/>
           </a:prstGeom>
           <a:solidFill>
-            <a:schemeClr val="bg2"/>
+            <a:srgbClr val="92D050"/>
           </a:solidFill>
           <a:ln>
             <a:noFill/>
@@ -4072,6 +4060,72 @@
           </a:p>
         </p:txBody>
       </p:sp>
+      <p:graphicFrame>
+        <p:nvGraphicFramePr>
+          <p:cNvPr id="11" name="Объект 10"/>
+          <p:cNvGraphicFramePr>
+            <a:graphicFrameLocks noChangeAspect="1"/>
+          </p:cNvGraphicFramePr>
+          <p:nvPr/>
+        </p:nvGraphicFramePr>
+        <p:xfrm>
+          <a:off x="3527425" y="3644900"/>
+          <a:ext cx="5233988" cy="920750"/>
+        </p:xfrm>
+        <a:graphic>
+          <a:graphicData uri="http://schemas.openxmlformats.org/presentationml/2006/ole">
+            <p:oleObj spid="_x0000_s23556" name="Equation" r:id="rId3" imgW="3898800" imgH="685800" progId="Equation.DSMT4">
+              <p:embed/>
+            </p:oleObj>
+          </a:graphicData>
+        </a:graphic>
+      </p:graphicFrame>
+      <p:sp>
+        <p:nvSpPr>
+          <p:cNvPr id="7" name="Прямоугольник 6"/>
+          <p:cNvSpPr/>
+          <p:nvPr/>
+        </p:nvSpPr>
+        <p:spPr>
+          <a:xfrm>
+            <a:off x="323528" y="4581128"/>
+            <a:ext cx="2376264" cy="2276872"/>
+          </a:xfrm>
+          <a:prstGeom prst="rect">
+            <a:avLst/>
+          </a:prstGeom>
+          <a:solidFill>
+            <a:schemeClr val="bg2"/>
+          </a:solidFill>
+          <a:ln>
+            <a:noFill/>
+          </a:ln>
+        </p:spPr>
+        <p:style>
+          <a:lnRef idx="2">
+            <a:schemeClr val="accent1">
+              <a:shade val="50000"/>
+            </a:schemeClr>
+          </a:lnRef>
+          <a:fillRef idx="1">
+            <a:schemeClr val="accent1"/>
+          </a:fillRef>
+          <a:effectRef idx="0">
+            <a:schemeClr val="accent1"/>
+          </a:effectRef>
+          <a:fontRef idx="minor">
+            <a:schemeClr val="lt1"/>
+          </a:fontRef>
+        </p:style>
+        <p:txBody>
+          <a:bodyPr rtlCol="0" anchor="ctr"/>
+          <a:lstStyle/>
+          <a:p>
+            <a:pPr algn="ctr"/>
+            <a:endParaRPr lang="ru-RU"/>
+          </a:p>
+        </p:txBody>
+      </p:sp>
       <p:sp>
         <p:nvSpPr>
           <p:cNvPr id="2" name="Заголовок 1"/>
@@ -4104,12 +4158,12 @@
           <p:nvPr/>
         </p:nvGraphicFramePr>
         <p:xfrm>
-          <a:off x="323528" y="1268760"/>
-          <a:ext cx="6403975" cy="3170238"/>
+          <a:off x="251520" y="1196752"/>
+          <a:ext cx="7362825" cy="3170237"/>
         </p:xfrm>
         <a:graphic>
           <a:graphicData uri="http://schemas.openxmlformats.org/presentationml/2006/ole">
-            <p:oleObj spid="_x0000_s23554" name="Equation" r:id="rId3" imgW="3898800" imgH="1930320" progId="Equation.DSMT4">
+            <p:oleObj spid="_x0000_s23554" name="Equation" r:id="rId4" imgW="4483080" imgH="1930320" progId="Equation.DSMT4">
               <p:embed/>
             </p:oleObj>
           </a:graphicData>
@@ -4180,12 +4234,12 @@
           <p:nvPr/>
         </p:nvGraphicFramePr>
         <p:xfrm>
-          <a:off x="395536" y="4581128"/>
-          <a:ext cx="1571919" cy="1944216"/>
+          <a:off x="365125" y="4581525"/>
+          <a:ext cx="1633538" cy="1943100"/>
         </p:xfrm>
         <a:graphic>
           <a:graphicData uri="http://schemas.openxmlformats.org/presentationml/2006/ole">
-            <p:oleObj spid="_x0000_s23555" name="Equation" r:id="rId4" imgW="965160" imgH="1193760" progId="Equation.DSMT4">
+            <p:oleObj spid="_x0000_s23555" name="Equation" r:id="rId5" imgW="1002960" imgH="1193760" progId="Equation.DSMT4">
               <p:embed/>
             </p:oleObj>
           </a:graphicData>
@@ -4199,7 +4253,7 @@
         </p:nvSpPr>
         <p:spPr>
           <a:xfrm>
-            <a:off x="6444208" y="4293096"/>
+            <a:off x="6516216" y="4797152"/>
             <a:ext cx="2242217" cy="1754326"/>
           </a:xfrm>
           <a:prstGeom prst="rect">
@@ -4277,14 +4331,14 @@
           <p:nvPr/>
         </p:nvPicPr>
         <p:blipFill>
-          <a:blip r:embed="rId5" cstate="print"/>
+          <a:blip r:embed="rId6" cstate="print"/>
           <a:stretch>
             <a:fillRect/>
           </a:stretch>
         </p:blipFill>
         <p:spPr>
           <a:xfrm>
-            <a:off x="2915816" y="4221088"/>
+            <a:off x="2915816" y="4653136"/>
             <a:ext cx="3312368" cy="1987420"/>
           </a:xfrm>
           <a:prstGeom prst="rect">
@@ -4346,9 +4400,56 @@
           <a:p>
             <a:fld id="{5D38CF63-ABE5-4E8B-B7C2-D6D98AC98260}" type="slidenum">
               <a:rPr lang="en-US" smtClean="0"/>
+              <a:pPr/>
               <a:t>10</a:t>
             </a:fld>
             <a:endParaRPr lang="ru-RU" dirty="0"/>
+          </a:p>
+        </p:txBody>
+      </p:sp>
+      <p:sp>
+        <p:nvSpPr>
+          <p:cNvPr id="14" name="Прямоугольник 13"/>
+          <p:cNvSpPr/>
+          <p:nvPr/>
+        </p:nvSpPr>
+        <p:spPr>
+          <a:xfrm>
+            <a:off x="2411760" y="1340768"/>
+            <a:ext cx="1080120" cy="432048"/>
+          </a:xfrm>
+          <a:prstGeom prst="rect">
+            <a:avLst/>
+          </a:prstGeom>
+          <a:noFill/>
+          <a:ln>
+            <a:solidFill>
+              <a:srgbClr val="FF0000"/>
+            </a:solidFill>
+          </a:ln>
+        </p:spPr>
+        <p:style>
+          <a:lnRef idx="2">
+            <a:schemeClr val="accent1">
+              <a:shade val="50000"/>
+            </a:schemeClr>
+          </a:lnRef>
+          <a:fillRef idx="1">
+            <a:schemeClr val="accent1"/>
+          </a:fillRef>
+          <a:effectRef idx="0">
+            <a:schemeClr val="accent1"/>
+          </a:effectRef>
+          <a:fontRef idx="minor">
+            <a:schemeClr val="lt1"/>
+          </a:fontRef>
+        </p:style>
+        <p:txBody>
+          <a:bodyPr rtlCol="0" anchor="ctr"/>
+          <a:lstStyle/>
+          <a:p>
+            <a:pPr algn="ctr"/>
+            <a:endParaRPr lang="ru-RU"/>
           </a:p>
         </p:txBody>
       </p:sp>
@@ -4452,15 +4553,7 @@
           <a:p>
             <a:r>
               <a:rPr lang="ru-RU" dirty="0" smtClean="0"/>
-              <a:t>Реализован </a:t>
-            </a:r>
-            <a:r>
-              <a:rPr lang="ru-RU" dirty="0" smtClean="0"/>
-              <a:t>алгоритм </a:t>
-            </a:r>
-            <a:r>
-              <a:rPr lang="ru-RU" dirty="0" smtClean="0"/>
-              <a:t>генерации базиса </a:t>
+              <a:t>Реализован алгоритм генерации базиса </a:t>
             </a:r>
             <a:r>
               <a:rPr lang="en-US" dirty="0" smtClean="0"/>
@@ -4527,9 +4620,40 @@
           </a:p>
         </p:txBody>
       </p:sp>
+      <p:sp>
+        <p:nvSpPr>
+          <p:cNvPr id="9" name="TextBox 8"/>
+          <p:cNvSpPr txBox="1"/>
+          <p:nvPr/>
+        </p:nvSpPr>
+        <p:spPr>
+          <a:xfrm>
+            <a:off x="8725296" y="0"/>
+            <a:ext cx="418704" cy="369332"/>
+          </a:xfrm>
+          <a:prstGeom prst="rect">
+            <a:avLst/>
+          </a:prstGeom>
+          <a:noFill/>
+        </p:spPr>
+        <p:txBody>
+          <a:bodyPr wrap="none" rtlCol="0">
+            <a:spAutoFit/>
+          </a:bodyPr>
+          <a:lstStyle/>
+          <a:p>
+            <a:fld id="{B900C7DA-BCAE-4398-86D4-12C2D5F60344}" type="slidenum">
+              <a:rPr lang="en-US" smtClean="0"/>
+              <a:pPr/>
+              <a:t>11</a:t>
+            </a:fld>
+            <a:endParaRPr lang="ru-RU" dirty="0"/>
+          </a:p>
+        </p:txBody>
+      </p:sp>
       <p:pic>
         <p:nvPicPr>
-          <p:cNvPr id="8" name="Содержимое 7" descr="2018-04-22_23-21-46.png"/>
+          <p:cNvPr id="10" name="Содержимое 9" descr="2018-05-23_19-46-30.png"/>
           <p:cNvPicPr>
             <a:picLocks noGrp="1" noChangeAspect="1"/>
           </p:cNvPicPr>
@@ -4545,41 +4669,11 @@
         </p:blipFill>
         <p:spPr>
           <a:xfrm>
-            <a:off x="539552" y="2996952"/>
-            <a:ext cx="8081723" cy="3544441"/>
+            <a:off x="683568" y="2924944"/>
+            <a:ext cx="7679269" cy="3933056"/>
           </a:xfrm>
         </p:spPr>
       </p:pic>
-      <p:sp>
-        <p:nvSpPr>
-          <p:cNvPr id="9" name="TextBox 8"/>
-          <p:cNvSpPr txBox="1"/>
-          <p:nvPr/>
-        </p:nvSpPr>
-        <p:spPr>
-          <a:xfrm>
-            <a:off x="8725296" y="0"/>
-            <a:ext cx="418704" cy="369332"/>
-          </a:xfrm>
-          <a:prstGeom prst="rect">
-            <a:avLst/>
-          </a:prstGeom>
-          <a:noFill/>
-        </p:spPr>
-        <p:txBody>
-          <a:bodyPr wrap="none" rtlCol="0">
-            <a:spAutoFit/>
-          </a:bodyPr>
-          <a:lstStyle/>
-          <a:p>
-            <a:fld id="{B900C7DA-BCAE-4398-86D4-12C2D5F60344}" type="slidenum">
-              <a:rPr lang="en-US" smtClean="0"/>
-              <a:t>11</a:t>
-            </a:fld>
-            <a:endParaRPr lang="ru-RU" dirty="0"/>
-          </a:p>
-        </p:txBody>
-      </p:sp>
     </p:spTree>
   </p:cSld>
   <p:clrMapOvr>
@@ -4612,6 +4706,92 @@
           <a:chExt cx="0" cy="0"/>
         </a:xfrm>
       </p:grpSpPr>
+      <p:graphicFrame>
+        <p:nvGraphicFramePr>
+          <p:cNvPr id="5" name="Объект 4"/>
+          <p:cNvGraphicFramePr>
+            <a:graphicFrameLocks noChangeAspect="1"/>
+          </p:cNvGraphicFramePr>
+          <p:nvPr/>
+        </p:nvGraphicFramePr>
+        <p:xfrm>
+          <a:off x="200025" y="1412875"/>
+          <a:ext cx="8801100" cy="900113"/>
+        </p:xfrm>
+        <a:graphic>
+          <a:graphicData uri="http://schemas.openxmlformats.org/presentationml/2006/ole">
+            <p:oleObj spid="_x0000_s24579" name="Equation" r:id="rId3" imgW="4470120" imgH="457200" progId="Equation.DSMT4">
+              <p:embed/>
+            </p:oleObj>
+          </a:graphicData>
+        </a:graphic>
+      </p:graphicFrame>
+      <p:sp>
+        <p:nvSpPr>
+          <p:cNvPr id="10" name="Прямоугольник 9"/>
+          <p:cNvSpPr/>
+          <p:nvPr/>
+        </p:nvSpPr>
+        <p:spPr>
+          <a:xfrm>
+            <a:off x="3301207" y="2492896"/>
+            <a:ext cx="5688632" cy="791964"/>
+          </a:xfrm>
+          <a:prstGeom prst="rect">
+            <a:avLst/>
+          </a:prstGeom>
+          <a:solidFill>
+            <a:srgbClr val="92D050"/>
+          </a:solidFill>
+          <a:ln>
+            <a:noFill/>
+          </a:ln>
+        </p:spPr>
+        <p:style>
+          <a:lnRef idx="2">
+            <a:schemeClr val="accent1">
+              <a:shade val="50000"/>
+            </a:schemeClr>
+          </a:lnRef>
+          <a:fillRef idx="1">
+            <a:schemeClr val="accent1"/>
+          </a:fillRef>
+          <a:effectRef idx="0">
+            <a:schemeClr val="accent1"/>
+          </a:effectRef>
+          <a:fontRef idx="minor">
+            <a:schemeClr val="lt1"/>
+          </a:fontRef>
+        </p:style>
+        <p:txBody>
+          <a:bodyPr rtlCol="0" anchor="ctr"/>
+          <a:lstStyle/>
+          <a:p>
+            <a:pPr algn="ctr"/>
+            <a:endParaRPr lang="ru-RU"/>
+          </a:p>
+        </p:txBody>
+      </p:sp>
+      <p:graphicFrame>
+        <p:nvGraphicFramePr>
+          <p:cNvPr id="11" name="Объект 10"/>
+          <p:cNvGraphicFramePr>
+            <a:graphicFrameLocks noChangeAspect="1"/>
+          </p:cNvGraphicFramePr>
+          <p:nvPr/>
+        </p:nvGraphicFramePr>
+        <p:xfrm>
+          <a:off x="3347864" y="2564904"/>
+          <a:ext cx="5641975" cy="612775"/>
+        </p:xfrm>
+        <a:graphic>
+          <a:graphicData uri="http://schemas.openxmlformats.org/presentationml/2006/ole">
+            <p:oleObj spid="_x0000_s24582" name="Equation" r:id="rId4" imgW="4203360" imgH="457200" progId="Equation.DSMT4">
+              <p:embed/>
+            </p:oleObj>
+          </a:graphicData>
+        </a:graphic>
+      </p:graphicFrame>
       <p:sp>
         <p:nvSpPr>
           <p:cNvPr id="2" name="Заголовок 1"/>
@@ -4644,37 +4824,48 @@
           <p:nvPr/>
         </p:nvGraphicFramePr>
         <p:xfrm>
-          <a:off x="539750" y="2298700"/>
-          <a:ext cx="2663825" cy="3551238"/>
+          <a:off x="539552" y="2276872"/>
+          <a:ext cx="2751137" cy="3530600"/>
         </p:xfrm>
         <a:graphic>
           <a:graphicData uri="http://schemas.openxmlformats.org/presentationml/2006/ole">
-            <p:oleObj spid="_x0000_s24578" name="Equation" r:id="rId3" imgW="1562040" imgH="2082600" progId="Equation.DSMT4">
+            <p:oleObj spid="_x0000_s24578" name="Equation" r:id="rId5" imgW="1612800" imgH="2070000" progId="Equation.DSMT4">
               <p:embed/>
             </p:oleObj>
           </a:graphicData>
         </a:graphic>
       </p:graphicFrame>
-      <p:graphicFrame>
-        <p:nvGraphicFramePr>
-          <p:cNvPr id="5" name="Объект 4"/>
-          <p:cNvGraphicFramePr>
-            <a:graphicFrameLocks noChangeAspect="1"/>
-          </p:cNvGraphicFramePr>
+      <p:sp>
+        <p:nvSpPr>
+          <p:cNvPr id="9" name="TextBox 8"/>
+          <p:cNvSpPr txBox="1"/>
           <p:nvPr/>
-        </p:nvGraphicFramePr>
-        <p:xfrm>
-          <a:off x="899592" y="1412776"/>
-          <a:ext cx="7577979" cy="900922"/>
-        </p:xfrm>
-        <a:graphic>
-          <a:graphicData uri="http://schemas.openxmlformats.org/presentationml/2006/ole">
-            <p:oleObj spid="_x0000_s24579" name="Equation" r:id="rId4" imgW="3848040" imgH="457200" progId="Equation.DSMT4">
-              <p:embed/>
-            </p:oleObj>
-          </a:graphicData>
-        </a:graphic>
-      </p:graphicFrame>
+        </p:nvSpPr>
+        <p:spPr>
+          <a:xfrm>
+            <a:off x="8725296" y="0"/>
+            <a:ext cx="418704" cy="369332"/>
+          </a:xfrm>
+          <a:prstGeom prst="rect">
+            <a:avLst/>
+          </a:prstGeom>
+          <a:noFill/>
+        </p:spPr>
+        <p:txBody>
+          <a:bodyPr wrap="none" rtlCol="0">
+            <a:spAutoFit/>
+          </a:bodyPr>
+          <a:lstStyle/>
+          <a:p>
+            <a:fld id="{09CC7E8B-2046-45E3-A72C-25366CDDF4B8}" type="slidenum">
+              <a:rPr lang="en-US" smtClean="0"/>
+              <a:pPr/>
+              <a:t>12</a:t>
+            </a:fld>
+            <a:endParaRPr lang="ru-RU" dirty="0"/>
+          </a:p>
+        </p:txBody>
+      </p:sp>
       <p:graphicFrame>
         <p:nvGraphicFramePr>
           <p:cNvPr id="6" name="Объект 5"/>
@@ -4684,12 +4875,12 @@
           <p:nvPr/>
         </p:nvGraphicFramePr>
         <p:xfrm>
-          <a:off x="4356100" y="2565400"/>
-          <a:ext cx="3811588" cy="3679825"/>
+          <a:off x="4355976" y="3339877"/>
+          <a:ext cx="3456384" cy="3336900"/>
         </p:xfrm>
         <a:graphic>
           <a:graphicData uri="http://schemas.openxmlformats.org/presentationml/2006/ole">
-            <p:oleObj spid="_x0000_s24580" name="Equation" r:id="rId5" imgW="2108160" imgH="2031840" progId="Equation.DSMT4">
+            <p:oleObj spid="_x0000_s24580" name="Equation" r:id="rId6" imgW="2108160" imgH="2031840" progId="Equation.DSMT4">
               <p:embed/>
             </p:oleObj>
           </a:graphicData>
@@ -4697,31 +4888,139 @@
       </p:graphicFrame>
       <p:sp>
         <p:nvSpPr>
-          <p:cNvPr id="9" name="TextBox 8"/>
-          <p:cNvSpPr txBox="1"/>
+          <p:cNvPr id="13" name="Прямоугольник 12"/>
+          <p:cNvSpPr/>
           <p:nvPr/>
         </p:nvSpPr>
         <p:spPr>
           <a:xfrm>
-            <a:off x="8725296" y="0"/>
-            <a:ext cx="418704" cy="369332"/>
+            <a:off x="6012160" y="5805264"/>
+            <a:ext cx="1152128" cy="360040"/>
           </a:xfrm>
           <a:prstGeom prst="rect">
             <a:avLst/>
           </a:prstGeom>
           <a:noFill/>
-        </p:spPr>
-        <p:txBody>
-          <a:bodyPr wrap="none" rtlCol="0">
-            <a:spAutoFit/>
-          </a:bodyPr>
-          <a:lstStyle/>
-          <a:p>
-            <a:fld id="{09CC7E8B-2046-45E3-A72C-25366CDDF4B8}" type="slidenum">
-              <a:rPr lang="en-US" smtClean="0"/>
-              <a:t>12</a:t>
-            </a:fld>
-            <a:endParaRPr lang="ru-RU" dirty="0"/>
+          <a:ln>
+            <a:solidFill>
+              <a:srgbClr val="FF0000"/>
+            </a:solidFill>
+          </a:ln>
+        </p:spPr>
+        <p:style>
+          <a:lnRef idx="2">
+            <a:schemeClr val="accent1">
+              <a:shade val="50000"/>
+            </a:schemeClr>
+          </a:lnRef>
+          <a:fillRef idx="1">
+            <a:schemeClr val="accent1"/>
+          </a:fillRef>
+          <a:effectRef idx="0">
+            <a:schemeClr val="accent1"/>
+          </a:effectRef>
+          <a:fontRef idx="minor">
+            <a:schemeClr val="lt1"/>
+          </a:fontRef>
+        </p:style>
+        <p:txBody>
+          <a:bodyPr rtlCol="0" anchor="ctr"/>
+          <a:lstStyle/>
+          <a:p>
+            <a:pPr algn="ctr"/>
+            <a:endParaRPr lang="ru-RU"/>
+          </a:p>
+        </p:txBody>
+      </p:sp>
+      <p:sp>
+        <p:nvSpPr>
+          <p:cNvPr id="14" name="Прямоугольник 13"/>
+          <p:cNvSpPr/>
+          <p:nvPr/>
+        </p:nvSpPr>
+        <p:spPr>
+          <a:xfrm>
+            <a:off x="1907704" y="3789040"/>
+            <a:ext cx="1368152" cy="864096"/>
+          </a:xfrm>
+          <a:prstGeom prst="rect">
+            <a:avLst/>
+          </a:prstGeom>
+          <a:noFill/>
+          <a:ln>
+            <a:solidFill>
+              <a:srgbClr val="FF0000"/>
+            </a:solidFill>
+          </a:ln>
+        </p:spPr>
+        <p:style>
+          <a:lnRef idx="2">
+            <a:schemeClr val="accent1">
+              <a:shade val="50000"/>
+            </a:schemeClr>
+          </a:lnRef>
+          <a:fillRef idx="1">
+            <a:schemeClr val="accent1"/>
+          </a:fillRef>
+          <a:effectRef idx="0">
+            <a:schemeClr val="accent1"/>
+          </a:effectRef>
+          <a:fontRef idx="minor">
+            <a:schemeClr val="lt1"/>
+          </a:fontRef>
+        </p:style>
+        <p:txBody>
+          <a:bodyPr rtlCol="0" anchor="ctr"/>
+          <a:lstStyle/>
+          <a:p>
+            <a:pPr algn="ctr"/>
+            <a:endParaRPr lang="ru-RU"/>
+          </a:p>
+        </p:txBody>
+      </p:sp>
+      <p:sp>
+        <p:nvSpPr>
+          <p:cNvPr id="12" name="Прямоугольник 11"/>
+          <p:cNvSpPr/>
+          <p:nvPr/>
+        </p:nvSpPr>
+        <p:spPr>
+          <a:xfrm>
+            <a:off x="5652120" y="1484784"/>
+            <a:ext cx="1296144" cy="360040"/>
+          </a:xfrm>
+          <a:prstGeom prst="rect">
+            <a:avLst/>
+          </a:prstGeom>
+          <a:noFill/>
+          <a:ln>
+            <a:solidFill>
+              <a:srgbClr val="FF0000"/>
+            </a:solidFill>
+          </a:ln>
+        </p:spPr>
+        <p:style>
+          <a:lnRef idx="2">
+            <a:schemeClr val="accent1">
+              <a:shade val="50000"/>
+            </a:schemeClr>
+          </a:lnRef>
+          <a:fillRef idx="1">
+            <a:schemeClr val="accent1"/>
+          </a:fillRef>
+          <a:effectRef idx="0">
+            <a:schemeClr val="accent1"/>
+          </a:effectRef>
+          <a:fontRef idx="minor">
+            <a:schemeClr val="lt1"/>
+          </a:fontRef>
+        </p:style>
+        <p:txBody>
+          <a:bodyPr rtlCol="0" anchor="ctr"/>
+          <a:lstStyle/>
+          <a:p>
+            <a:pPr algn="ctr"/>
+            <a:endParaRPr lang="ru-RU"/>
           </a:p>
         </p:txBody>
       </p:sp>
@@ -4786,7 +5085,153 @@
       </p:sp>
       <p:pic>
         <p:nvPicPr>
-          <p:cNvPr id="4" name="Содержимое 3" descr="2018-04-22_23-22-05.png"/>
+          <p:cNvPr id="5" name="Рисунок 4" descr="cluster-crest.png"/>
+          <p:cNvPicPr>
+            <a:picLocks noChangeAspect="1"/>
+          </p:cNvPicPr>
+          <p:nvPr/>
+        </p:nvPicPr>
+        <p:blipFill>
+          <a:blip r:embed="rId2" cstate="print"/>
+          <a:stretch>
+            <a:fillRect/>
+          </a:stretch>
+        </p:blipFill>
+        <p:spPr>
+          <a:xfrm>
+            <a:off x="683568" y="1340768"/>
+            <a:ext cx="1438095" cy="1428572"/>
+          </a:xfrm>
+          <a:prstGeom prst="rect">
+            <a:avLst/>
+          </a:prstGeom>
+        </p:spPr>
+      </p:pic>
+      <p:sp>
+        <p:nvSpPr>
+          <p:cNvPr id="8" name="TextBox 7"/>
+          <p:cNvSpPr txBox="1"/>
+          <p:nvPr/>
+        </p:nvSpPr>
+        <p:spPr>
+          <a:xfrm>
+            <a:off x="2843808" y="1484784"/>
+            <a:ext cx="5135958" cy="1200329"/>
+          </a:xfrm>
+          <a:prstGeom prst="rect">
+            <a:avLst/>
+          </a:prstGeom>
+          <a:noFill/>
+        </p:spPr>
+        <p:txBody>
+          <a:bodyPr wrap="none" rtlCol="0">
+            <a:spAutoFit/>
+          </a:bodyPr>
+          <a:lstStyle/>
+          <a:p>
+            <a:r>
+              <a:rPr lang="ru-RU" dirty="0" smtClean="0"/>
+              <a:t>Реализован алгоритм генерации базиса </a:t>
+            </a:r>
+            <a:r>
+              <a:rPr lang="en-US" dirty="0" smtClean="0"/>
+              <a:t>A</a:t>
+            </a:r>
+            <a:r>
+              <a:rPr lang="en-US" baseline="-25000" dirty="0" smtClean="0"/>
+              <a:t>i</a:t>
+            </a:r>
+            <a:endParaRPr lang="ru-RU" dirty="0" smtClean="0"/>
+          </a:p>
+          <a:p>
+            <a:r>
+              <a:rPr lang="ru-RU" dirty="0" smtClean="0"/>
+              <a:t>на </a:t>
+            </a:r>
+            <a:r>
+              <a:rPr lang="en-US" dirty="0" smtClean="0">
+                <a:solidFill>
+                  <a:srgbClr val="FF0000"/>
+                </a:solidFill>
+              </a:rPr>
+              <a:t>Wolfram </a:t>
+            </a:r>
+            <a:r>
+              <a:rPr lang="en-US" dirty="0" err="1" smtClean="0">
+                <a:solidFill>
+                  <a:srgbClr val="FF0000"/>
+                </a:solidFill>
+              </a:rPr>
+              <a:t>Mathematica</a:t>
+            </a:r>
+            <a:endParaRPr lang="ru-RU" dirty="0" smtClean="0">
+              <a:solidFill>
+                <a:srgbClr val="FF0000"/>
+              </a:solidFill>
+            </a:endParaRPr>
+          </a:p>
+          <a:p>
+            <a:endParaRPr lang="ru-RU" dirty="0" smtClean="0">
+              <a:solidFill>
+                <a:srgbClr val="FF0000"/>
+              </a:solidFill>
+            </a:endParaRPr>
+          </a:p>
+          <a:p>
+            <a:r>
+              <a:rPr lang="en-US" dirty="0" smtClean="0"/>
+              <a:t>A</a:t>
+            </a:r>
+            <a:r>
+              <a:rPr lang="en-US" baseline="-25000" dirty="0" smtClean="0"/>
+              <a:t>i</a:t>
+            </a:r>
+            <a:r>
+              <a:rPr lang="ru-RU" dirty="0" smtClean="0"/>
+              <a:t> подчиняются симметриям всей сетки кристалла</a:t>
+            </a:r>
+            <a:endParaRPr lang="ru-RU" dirty="0">
+              <a:solidFill>
+                <a:srgbClr val="FF0000"/>
+              </a:solidFill>
+            </a:endParaRPr>
+          </a:p>
+        </p:txBody>
+      </p:sp>
+      <p:sp>
+        <p:nvSpPr>
+          <p:cNvPr id="9" name="TextBox 8"/>
+          <p:cNvSpPr txBox="1"/>
+          <p:nvPr/>
+        </p:nvSpPr>
+        <p:spPr>
+          <a:xfrm>
+            <a:off x="8725296" y="0"/>
+            <a:ext cx="418704" cy="369332"/>
+          </a:xfrm>
+          <a:prstGeom prst="rect">
+            <a:avLst/>
+          </a:prstGeom>
+          <a:noFill/>
+        </p:spPr>
+        <p:txBody>
+          <a:bodyPr wrap="none" rtlCol="0">
+            <a:spAutoFit/>
+          </a:bodyPr>
+          <a:lstStyle/>
+          <a:p>
+            <a:fld id="{06CA9975-D2D2-42FF-AAFF-3E53F29A016A}" type="slidenum">
+              <a:rPr lang="en-US" smtClean="0"/>
+              <a:pPr/>
+              <a:t>13</a:t>
+            </a:fld>
+            <a:endParaRPr lang="ru-RU" dirty="0"/>
+          </a:p>
+        </p:txBody>
+      </p:sp>
+      <p:pic>
+        <p:nvPicPr>
+          <p:cNvPr id="12" name="Содержимое 11" descr="2018-05-23_19-50-11.png"/>
           <p:cNvPicPr>
             <a:picLocks noGrp="1" noChangeAspect="1"/>
           </p:cNvPicPr>
@@ -4795,27 +5240,6 @@
           </p:nvPr>
         </p:nvPicPr>
         <p:blipFill>
-          <a:blip r:embed="rId2" cstate="print"/>
-          <a:stretch>
-            <a:fillRect/>
-          </a:stretch>
-        </p:blipFill>
-        <p:spPr>
-          <a:xfrm>
-            <a:off x="683568" y="2852936"/>
-            <a:ext cx="7898856" cy="3635499"/>
-          </a:xfrm>
-        </p:spPr>
-      </p:pic>
-      <p:pic>
-        <p:nvPicPr>
-          <p:cNvPr id="5" name="Рисунок 4" descr="cluster-crest.png"/>
-          <p:cNvPicPr>
-            <a:picLocks noChangeAspect="1"/>
-          </p:cNvPicPr>
-          <p:nvPr/>
-        </p:nvPicPr>
-        <p:blipFill>
           <a:blip r:embed="rId3" cstate="print"/>
           <a:stretch>
             <a:fillRect/>
@@ -4823,143 +5247,11 @@
         </p:blipFill>
         <p:spPr>
           <a:xfrm>
-            <a:off x="683568" y="1340768"/>
-            <a:ext cx="1438095" cy="1428572"/>
-          </a:xfrm>
-          <a:prstGeom prst="rect">
-            <a:avLst/>
-          </a:prstGeom>
+            <a:off x="971600" y="2621410"/>
+            <a:ext cx="7128792" cy="4236590"/>
+          </a:xfrm>
         </p:spPr>
       </p:pic>
-      <p:sp>
-        <p:nvSpPr>
-          <p:cNvPr id="8" name="TextBox 7"/>
-          <p:cNvSpPr txBox="1"/>
-          <p:nvPr/>
-        </p:nvSpPr>
-        <p:spPr>
-          <a:xfrm>
-            <a:off x="2843808" y="1484784"/>
-            <a:ext cx="5135958" cy="1200329"/>
-          </a:xfrm>
-          <a:prstGeom prst="rect">
-            <a:avLst/>
-          </a:prstGeom>
-          <a:noFill/>
-        </p:spPr>
-        <p:txBody>
-          <a:bodyPr wrap="none" rtlCol="0">
-            <a:spAutoFit/>
-          </a:bodyPr>
-          <a:lstStyle/>
-          <a:p>
-            <a:r>
-              <a:rPr lang="ru-RU" dirty="0" smtClean="0"/>
-              <a:t>Реализован </a:t>
-            </a:r>
-            <a:r>
-              <a:rPr lang="ru-RU" dirty="0" smtClean="0"/>
-              <a:t>алгоритм </a:t>
-            </a:r>
-            <a:r>
-              <a:rPr lang="ru-RU" dirty="0" smtClean="0"/>
-              <a:t>генерации базиса </a:t>
-            </a:r>
-            <a:r>
-              <a:rPr lang="en-US" dirty="0" smtClean="0"/>
-              <a:t>A</a:t>
-            </a:r>
-            <a:r>
-              <a:rPr lang="en-US" baseline="-25000" dirty="0" smtClean="0"/>
-              <a:t>i</a:t>
-            </a:r>
-            <a:endParaRPr lang="ru-RU" dirty="0" smtClean="0"/>
-          </a:p>
-          <a:p>
-            <a:r>
-              <a:rPr lang="ru-RU" dirty="0" smtClean="0"/>
-              <a:t>на </a:t>
-            </a:r>
-            <a:r>
-              <a:rPr lang="en-US" dirty="0" smtClean="0">
-                <a:solidFill>
-                  <a:srgbClr val="FF0000"/>
-                </a:solidFill>
-              </a:rPr>
-              <a:t>Wolfram </a:t>
-            </a:r>
-            <a:r>
-              <a:rPr lang="en-US" dirty="0" err="1" smtClean="0">
-                <a:solidFill>
-                  <a:srgbClr val="FF0000"/>
-                </a:solidFill>
-              </a:rPr>
-              <a:t>Mathematica</a:t>
-            </a:r>
-            <a:endParaRPr lang="ru-RU" dirty="0" smtClean="0">
-              <a:solidFill>
-                <a:srgbClr val="FF0000"/>
-              </a:solidFill>
-            </a:endParaRPr>
-          </a:p>
-          <a:p>
-            <a:endParaRPr lang="ru-RU" dirty="0" smtClean="0">
-              <a:solidFill>
-                <a:srgbClr val="FF0000"/>
-              </a:solidFill>
-            </a:endParaRPr>
-          </a:p>
-          <a:p>
-            <a:r>
-              <a:rPr lang="en-US" dirty="0" smtClean="0"/>
-              <a:t>A</a:t>
-            </a:r>
-            <a:r>
-              <a:rPr lang="en-US" baseline="-25000" dirty="0" smtClean="0"/>
-              <a:t>i</a:t>
-            </a:r>
-            <a:r>
-              <a:rPr lang="ru-RU" dirty="0" smtClean="0"/>
-              <a:t> подчиняются симметриям всей сетки кристалла</a:t>
-            </a:r>
-            <a:endParaRPr lang="ru-RU" dirty="0">
-              <a:solidFill>
-                <a:srgbClr val="FF0000"/>
-              </a:solidFill>
-            </a:endParaRPr>
-          </a:p>
-        </p:txBody>
-      </p:sp>
-      <p:sp>
-        <p:nvSpPr>
-          <p:cNvPr id="9" name="TextBox 8"/>
-          <p:cNvSpPr txBox="1"/>
-          <p:nvPr/>
-        </p:nvSpPr>
-        <p:spPr>
-          <a:xfrm>
-            <a:off x="8725296" y="0"/>
-            <a:ext cx="418704" cy="369332"/>
-          </a:xfrm>
-          <a:prstGeom prst="rect">
-            <a:avLst/>
-          </a:prstGeom>
-          <a:noFill/>
-        </p:spPr>
-        <p:txBody>
-          <a:bodyPr wrap="none" rtlCol="0">
-            <a:spAutoFit/>
-          </a:bodyPr>
-          <a:lstStyle/>
-          <a:p>
-            <a:fld id="{06CA9975-D2D2-42FF-AAFF-3E53F29A016A}" type="slidenum">
-              <a:rPr lang="en-US" smtClean="0"/>
-              <a:t>13</a:t>
-            </a:fld>
-            <a:endParaRPr lang="ru-RU" dirty="0"/>
-          </a:p>
-        </p:txBody>
-      </p:sp>
     </p:spTree>
   </p:cSld>
   <p:clrMapOvr>
@@ -5600,6 +5892,7 @@
           <a:p>
             <a:fld id="{5006C41B-05F9-4FF0-B756-5B9387EF0B53}" type="slidenum">
               <a:rPr lang="en-US" smtClean="0"/>
+              <a:pPr/>
               <a:t>14</a:t>
             </a:fld>
             <a:endParaRPr lang="ru-RU" dirty="0"/>
@@ -5798,6 +6091,7 @@
           <a:p>
             <a:fld id="{92CD99D9-3420-41A1-A7EC-D74E2BEE2CC8}" type="slidenum">
               <a:rPr lang="en-US" smtClean="0"/>
+              <a:pPr/>
               <a:t>15</a:t>
             </a:fld>
             <a:endParaRPr lang="ru-RU" dirty="0"/>
@@ -5834,6 +6128,17 @@
               </a:rPr>
               <a:t>Получены строгие нижние ограничения на энергию основного состояния (в расчете на один спин) в трансляционно-инвариантных спиновых системах в термодинамическом пределе.</a:t>
             </a:r>
+            <a:endParaRPr lang="en-US" sz="2000" dirty="0" smtClean="0">
+              <a:latin typeface="Times New Roman" pitchFamily="18" charset="0"/>
+              <a:cs typeface="Times New Roman" pitchFamily="18" charset="0"/>
+            </a:endParaRPr>
+          </a:p>
+          <a:p>
+            <a:pPr algn="just"/>
+            <a:endParaRPr lang="ru-RU" sz="2000" dirty="0" smtClean="0">
+              <a:latin typeface="Times New Roman" pitchFamily="18" charset="0"/>
+              <a:cs typeface="Times New Roman" pitchFamily="18" charset="0"/>
+            </a:endParaRPr>
           </a:p>
           <a:p>
             <a:pPr algn="just"/>
@@ -5952,38 +6257,38 @@
           <a:lstStyle/>
           <a:p>
             <a:r>
-              <a:rPr lang="en-US" sz="2000" dirty="0" smtClean="0"/>
+              <a:rPr lang="en-US" sz="2000" i="1" dirty="0" smtClean="0"/>
               <a:t>N. </a:t>
             </a:r>
             <a:r>
-              <a:rPr lang="en-US" sz="2000" dirty="0" err="1" smtClean="0"/>
+              <a:rPr lang="en-US" sz="2000" i="1" dirty="0" err="1" smtClean="0"/>
               <a:t>Il'in</a:t>
             </a:r>
             <a:r>
-              <a:rPr lang="en-US" sz="2000" dirty="0" smtClean="0"/>
+              <a:rPr lang="en-US" sz="2000" i="1" dirty="0" smtClean="0"/>
               <a:t>, E. </a:t>
             </a:r>
             <a:r>
-              <a:rPr lang="en-US" sz="2000" dirty="0" err="1" smtClean="0"/>
+              <a:rPr lang="en-US" sz="2000" i="1" dirty="0" err="1" smtClean="0"/>
               <a:t>Shpagina</a:t>
             </a:r>
             <a:r>
-              <a:rPr lang="en-US" sz="2000" dirty="0" smtClean="0"/>
+              <a:rPr lang="en-US" sz="2000" i="1" dirty="0" smtClean="0"/>
               <a:t>, F. </a:t>
             </a:r>
             <a:r>
-              <a:rPr lang="en-US" sz="2000" dirty="0" err="1" smtClean="0"/>
+              <a:rPr lang="en-US" sz="2000" i="1" dirty="0" err="1" smtClean="0"/>
               <a:t>Uskov</a:t>
             </a:r>
             <a:r>
-              <a:rPr lang="en-US" sz="2000" dirty="0" smtClean="0"/>
+              <a:rPr lang="en-US" sz="2000" i="1" dirty="0" smtClean="0"/>
               <a:t>, O. </a:t>
             </a:r>
             <a:r>
-              <a:rPr lang="en-US" sz="2000" dirty="0" err="1" smtClean="0"/>
+              <a:rPr lang="en-US" sz="2000" i="1" dirty="0" err="1" smtClean="0"/>
               <a:t>Lychkovskiy</a:t>
             </a:r>
-            <a:endParaRPr lang="ru-RU" sz="2000" dirty="0" smtClean="0"/>
+            <a:endParaRPr lang="ru-RU" sz="2000" i="1" dirty="0" smtClean="0"/>
           </a:p>
           <a:p>
             <a:pPr>
@@ -6003,186 +6308,91 @@
             </a:r>
             <a:r>
               <a:rPr lang="en-US" sz="2000" dirty="0" smtClean="0"/>
-              <a:t> of constrained and unconstrained sets of quantum states</a:t>
-            </a:r>
-            <a:r>
-              <a:rPr lang="en-US" sz="2000" dirty="0" smtClean="0"/>
-              <a:t>.</a:t>
-            </a:r>
-            <a:r>
-              <a:rPr lang="ru-RU" sz="2000" dirty="0" smtClean="0"/>
-              <a:t>	</a:t>
-            </a:r>
-            <a:r>
-              <a:rPr lang="en-US" sz="2000" dirty="0" smtClean="0"/>
-              <a:t>J</a:t>
-            </a:r>
-            <a:r>
-              <a:rPr lang="ru-RU" sz="2000" dirty="0" smtClean="0"/>
-              <a:t>.</a:t>
-            </a:r>
-            <a:r>
-              <a:rPr lang="en-US" sz="2000" dirty="0" smtClean="0"/>
-              <a:t> Phys</a:t>
-            </a:r>
-            <a:r>
-              <a:rPr lang="ru-RU" sz="2000" dirty="0" smtClean="0"/>
-              <a:t>.</a:t>
-            </a:r>
-            <a:r>
-              <a:rPr lang="en-US" sz="2000" dirty="0" smtClean="0"/>
-              <a:t> A</a:t>
-            </a:r>
-            <a:r>
-              <a:rPr lang="ru-RU" sz="2000" dirty="0" smtClean="0"/>
-              <a:t>:</a:t>
-            </a:r>
-            <a:r>
-              <a:rPr lang="en-US" sz="2000" dirty="0" smtClean="0"/>
-              <a:t>Math. </a:t>
-            </a:r>
-            <a:r>
-              <a:rPr lang="en-US" sz="2000" dirty="0" err="1" smtClean="0"/>
-              <a:t>Theor</a:t>
-            </a:r>
-            <a:r>
-              <a:rPr lang="en-US" sz="2000" dirty="0" smtClean="0"/>
-              <a:t>. 51 (2018) </a:t>
-            </a:r>
-            <a:r>
-              <a:rPr lang="en-US" sz="2000" dirty="0" smtClean="0"/>
-              <a:t>085301</a:t>
-            </a:r>
-            <a:endParaRPr lang="ru-RU" sz="2000" dirty="0" smtClean="0"/>
-          </a:p>
-          <a:p>
-            <a:r>
-              <a:rPr lang="fi-FI" sz="2000" dirty="0" smtClean="0"/>
-              <a:t>R</a:t>
-            </a:r>
-            <a:r>
-              <a:rPr lang="fi-FI" sz="2000" dirty="0" smtClean="0"/>
-              <a:t>. Tarrah, R. Valenti (1990)</a:t>
-            </a:r>
-            <a:r>
-              <a:rPr lang="ru-RU" sz="2000" dirty="0" smtClean="0"/>
-              <a:t> </a:t>
-            </a:r>
-            <a:r>
-              <a:rPr lang="en-US" sz="2000" dirty="0" smtClean="0"/>
-              <a:t>Exact lover bounds to the ground state of spin systems: The two-dimensional</a:t>
-            </a:r>
-            <a:r>
-              <a:rPr lang="ru-RU" sz="2000" dirty="0" smtClean="0"/>
-              <a:t> </a:t>
-            </a:r>
-            <a:r>
-              <a:rPr lang="en-US" sz="2000" dirty="0" smtClean="0"/>
-              <a:t>S = 1/2 </a:t>
-            </a:r>
-            <a:r>
-              <a:rPr lang="en-US" sz="2000" dirty="0" err="1" smtClean="0"/>
-              <a:t>antiferromagnetic</a:t>
-            </a:r>
-            <a:r>
-              <a:rPr lang="en-US" sz="2000" dirty="0" smtClean="0"/>
-              <a:t> </a:t>
-            </a:r>
-            <a:r>
-              <a:rPr lang="en-US" sz="2000" dirty="0" err="1" smtClean="0"/>
-              <a:t>Geisenberg</a:t>
-            </a:r>
-            <a:r>
-              <a:rPr lang="en-US" sz="2000" dirty="0" smtClean="0"/>
-              <a:t> model	Physical review B , 1990</a:t>
-            </a:r>
-            <a:r>
-              <a:rPr lang="en-US" sz="2000" dirty="0" smtClean="0"/>
-              <a:t>.</a:t>
-            </a:r>
-            <a:endParaRPr lang="ru-RU" sz="2000" dirty="0" smtClean="0"/>
-          </a:p>
-          <a:p>
-            <a:r>
-              <a:rPr lang="en-US" sz="2000" dirty="0" smtClean="0"/>
-              <a:t>P. W. </a:t>
-            </a:r>
-            <a:r>
-              <a:rPr lang="en-US" sz="2000" dirty="0" smtClean="0"/>
-              <a:t>Anderson</a:t>
-            </a:r>
-            <a:r>
-              <a:rPr lang="ru-RU" sz="2000" dirty="0" smtClean="0"/>
-              <a:t>, </a:t>
-            </a:r>
-            <a:r>
-              <a:rPr lang="en-US" sz="2000" dirty="0" smtClean="0"/>
-              <a:t> Limits </a:t>
-            </a:r>
-            <a:r>
-              <a:rPr lang="en-US" sz="2000" dirty="0" smtClean="0"/>
-              <a:t>on the Energy of the </a:t>
-            </a:r>
-            <a:r>
-              <a:rPr lang="en-US" sz="2000" dirty="0" err="1" smtClean="0"/>
-              <a:t>Antiferromagnetic</a:t>
-            </a:r>
-            <a:r>
-              <a:rPr lang="en-US" sz="2000" dirty="0" smtClean="0"/>
-              <a:t> Ground </a:t>
-            </a:r>
-            <a:r>
-              <a:rPr lang="en-US" sz="2000" dirty="0" smtClean="0"/>
-              <a:t>State</a:t>
-            </a:r>
-            <a:r>
-              <a:rPr lang="ru-RU" sz="2000" dirty="0" smtClean="0"/>
-              <a:t>, </a:t>
-            </a:r>
-            <a:r>
-              <a:rPr lang="en-US" sz="2000" dirty="0" smtClean="0"/>
-              <a:t>Letters </a:t>
-            </a:r>
-            <a:r>
-              <a:rPr lang="en-US" sz="2000" dirty="0" smtClean="0"/>
-              <a:t>to the editor </a:t>
-            </a:r>
-            <a:r>
-              <a:rPr lang="en-US" sz="2000" dirty="0" smtClean="0"/>
-              <a:t>1951</a:t>
-            </a:r>
-            <a:endParaRPr lang="ru-RU" sz="2000" dirty="0" smtClean="0"/>
-          </a:p>
-          <a:p>
-            <a:r>
-              <a:rPr lang="en-US" sz="2000" dirty="0" err="1" smtClean="0"/>
-              <a:t>Tillmann</a:t>
-            </a:r>
-            <a:r>
-              <a:rPr lang="en-US" sz="2000" dirty="0" smtClean="0"/>
-              <a:t> Baumgratz1 and Martin B </a:t>
-            </a:r>
-            <a:r>
-              <a:rPr lang="en-US" sz="2000" dirty="0" err="1" smtClean="0"/>
-              <a:t>Plenio</a:t>
-            </a:r>
-            <a:endParaRPr lang="en-US" sz="2000" dirty="0" smtClean="0"/>
+              <a:t> of constrained and unconstrained sets of quantum states.</a:t>
+            </a:r>
           </a:p>
           <a:p>
             <a:pPr>
               <a:buNone/>
             </a:pPr>
             <a:r>
+              <a:rPr lang="en-US" sz="2000" i="1" dirty="0" smtClean="0"/>
+              <a:t>	J</a:t>
+            </a:r>
+            <a:r>
+              <a:rPr lang="ru-RU" sz="2000" i="1" dirty="0" smtClean="0"/>
+              <a:t>.</a:t>
+            </a:r>
+            <a:r>
+              <a:rPr lang="en-US" sz="2000" i="1" dirty="0" smtClean="0"/>
+              <a:t> Phys</a:t>
+            </a:r>
+            <a:r>
+              <a:rPr lang="ru-RU" sz="2000" i="1" dirty="0" smtClean="0"/>
+              <a:t>.</a:t>
+            </a:r>
+            <a:r>
+              <a:rPr lang="en-US" sz="2000" i="1" dirty="0" smtClean="0"/>
+              <a:t> A</a:t>
+            </a:r>
+            <a:r>
+              <a:rPr lang="ru-RU" sz="2000" i="1" dirty="0" smtClean="0"/>
+              <a:t>:</a:t>
+            </a:r>
+            <a:r>
+              <a:rPr lang="en-US" sz="2000" i="1" dirty="0" smtClean="0"/>
+              <a:t> Math. </a:t>
+            </a:r>
+            <a:r>
+              <a:rPr lang="en-US" sz="2000" i="1" dirty="0" err="1" smtClean="0"/>
+              <a:t>Theor</a:t>
+            </a:r>
+            <a:r>
+              <a:rPr lang="en-US" sz="2000" i="1" dirty="0" smtClean="0"/>
+              <a:t>. 51 (2018) 085301</a:t>
+            </a:r>
+            <a:endParaRPr lang="ru-RU" sz="2000" i="1" dirty="0" smtClean="0"/>
+          </a:p>
+          <a:p>
+            <a:r>
+              <a:rPr lang="fi-FI" sz="2000" i="1" dirty="0" smtClean="0"/>
+              <a:t>R. Tarrah, R. Valenti (1990)</a:t>
+            </a:r>
+            <a:r>
+              <a:rPr lang="ru-RU" sz="2000" i="1" dirty="0" smtClean="0"/>
+              <a:t> </a:t>
+            </a:r>
+            <a:r>
+              <a:rPr lang="en-US" sz="2000" i="1" dirty="0" smtClean="0"/>
+              <a:t>   </a:t>
+            </a:r>
+            <a:r>
+              <a:rPr lang="en-US" sz="2000" dirty="0" smtClean="0"/>
+              <a:t>Exact lover bounds to the ground state of spin systems: The two-dimensional</a:t>
+            </a:r>
+            <a:r>
               <a:rPr lang="ru-RU" sz="2000" dirty="0" smtClean="0"/>
-              <a:t>	</a:t>
+              <a:t> </a:t>
             </a:r>
             <a:r>
               <a:rPr lang="en-US" sz="2000" dirty="0" smtClean="0"/>
-              <a:t>Lower </a:t>
+              <a:t>S = 1/2 </a:t>
+            </a:r>
+            <a:r>
+              <a:rPr lang="en-US" sz="2000" dirty="0" err="1" smtClean="0"/>
+              <a:t>antiferromagnetic</a:t>
             </a:r>
             <a:r>
               <a:rPr lang="en-US" sz="2000" dirty="0" smtClean="0"/>
-              <a:t>bounds for ground states of condensed matter systems</a:t>
+              <a:t> </a:t>
+            </a:r>
+            <a:r>
+              <a:rPr lang="en-US" sz="2000" dirty="0" err="1" smtClean="0"/>
+              <a:t>Geisenberg</a:t>
+            </a:r>
+            <a:r>
+              <a:rPr lang="en-US" sz="2000" dirty="0" smtClean="0"/>
+              <a:t> model	</a:t>
             </a:r>
           </a:p>
           <a:p>
@@ -6190,30 +6400,97 @@
               <a:buNone/>
             </a:pPr>
             <a:r>
+              <a:rPr lang="en-US" sz="2000" i="1" dirty="0" smtClean="0"/>
+              <a:t>	Physical review B , 1990.</a:t>
+            </a:r>
+            <a:endParaRPr lang="ru-RU" sz="2000" i="1" dirty="0" smtClean="0"/>
+          </a:p>
+          <a:p>
+            <a:r>
+              <a:rPr lang="en-US" sz="2000" i="1" dirty="0" smtClean="0"/>
+              <a:t>P. W. Anderson</a:t>
+            </a:r>
+            <a:r>
+              <a:rPr lang="ru-RU" sz="2000" dirty="0" smtClean="0"/>
+              <a:t>, </a:t>
+            </a:r>
+            <a:r>
+              <a:rPr lang="en-US" sz="2000" dirty="0" smtClean="0"/>
+              <a:t> 	   Limits on the Energy of the </a:t>
+            </a:r>
+            <a:r>
+              <a:rPr lang="en-US" sz="2000" dirty="0" err="1" smtClean="0"/>
+              <a:t>Antiferromagnetic</a:t>
+            </a:r>
+            <a:r>
+              <a:rPr lang="en-US" sz="2000" dirty="0" smtClean="0"/>
+              <a:t> Ground State</a:t>
+            </a:r>
+            <a:r>
+              <a:rPr lang="ru-RU" sz="2000" dirty="0" smtClean="0"/>
+              <a:t>, </a:t>
+            </a:r>
+            <a:endParaRPr lang="en-US" sz="2000" dirty="0" smtClean="0"/>
+          </a:p>
+          <a:p>
+            <a:pPr>
+              <a:buNone/>
+            </a:pPr>
+            <a:r>
+              <a:rPr lang="en-US" sz="2000" i="1" dirty="0" smtClean="0"/>
+              <a:t>	Letters to the editor 1951</a:t>
+            </a:r>
+            <a:endParaRPr lang="ru-RU" sz="2000" i="1" dirty="0" smtClean="0"/>
+          </a:p>
+          <a:p>
+            <a:r>
+              <a:rPr lang="en-US" sz="2000" i="1" dirty="0" err="1" smtClean="0"/>
+              <a:t>Tillmann</a:t>
+            </a:r>
+            <a:r>
+              <a:rPr lang="en-US" sz="2000" i="1" dirty="0" smtClean="0"/>
+              <a:t> Baumgratz1 and Martin B </a:t>
+            </a:r>
+            <a:r>
+              <a:rPr lang="en-US" sz="2000" i="1" dirty="0" err="1" smtClean="0"/>
+              <a:t>Plenio</a:t>
+            </a:r>
+            <a:endParaRPr lang="en-US" sz="2000" i="1" dirty="0" smtClean="0"/>
+          </a:p>
+          <a:p>
+            <a:pPr>
+              <a:buNone/>
+            </a:pPr>
+            <a:r>
               <a:rPr lang="ru-RU" sz="2000" dirty="0" smtClean="0"/>
               <a:t>	</a:t>
             </a:r>
             <a:r>
               <a:rPr lang="en-US" sz="2000" dirty="0" smtClean="0"/>
-              <a:t>New </a:t>
-            </a:r>
-            <a:r>
-              <a:rPr lang="en-US" sz="2000" dirty="0" smtClean="0"/>
-              <a:t>Journal of Physics 14 (2012) 023027 (21pp</a:t>
-            </a:r>
-            <a:r>
-              <a:rPr lang="en-US" sz="2000" dirty="0" smtClean="0"/>
-              <a:t>)</a:t>
-            </a:r>
-            <a:endParaRPr lang="ru-RU" sz="2000" dirty="0" smtClean="0"/>
-          </a:p>
-          <a:p>
-            <a:r>
-              <a:rPr lang="en-US" sz="1800" dirty="0" smtClean="0"/>
+              <a:t>Lower bounds for ground states of condensed matter systems</a:t>
+            </a:r>
+          </a:p>
+          <a:p>
+            <a:pPr>
+              <a:buNone/>
+            </a:pPr>
+            <a:r>
+              <a:rPr lang="ru-RU" sz="2000" dirty="0" smtClean="0"/>
+              <a:t>	</a:t>
+            </a:r>
+            <a:r>
+              <a:rPr lang="en-US" sz="2000" i="1" dirty="0" smtClean="0"/>
+              <a:t>New Journal of Physics 14 (2012) 023027 (21pp)</a:t>
+            </a:r>
+            <a:endParaRPr lang="ru-RU" sz="2000" i="1" dirty="0" smtClean="0"/>
+          </a:p>
+          <a:p>
+            <a:r>
+              <a:rPr lang="en-US" sz="1800" i="1" dirty="0" smtClean="0"/>
               <a:t>David A. </a:t>
             </a:r>
             <a:r>
-              <a:rPr lang="en-US" sz="1800" dirty="0" err="1" smtClean="0"/>
+              <a:rPr lang="en-US" sz="1800" i="1" dirty="0" err="1" smtClean="0"/>
               <a:t>Mazziotti</a:t>
             </a:r>
             <a:r>
@@ -6226,15 +6503,7 @@
             </a:r>
             <a:r>
               <a:rPr lang="en-US" sz="1800" dirty="0" smtClean="0"/>
-              <a:t> </a:t>
-            </a:r>
-            <a:r>
-              <a:rPr lang="en-US" sz="1800" dirty="0" smtClean="0"/>
-              <a:t>minimization of atomic and molecular ground-state energies via the two-particle reduced density </a:t>
-            </a:r>
-            <a:r>
-              <a:rPr lang="en-US" sz="1800" dirty="0" smtClean="0"/>
-              <a:t>matrix</a:t>
+              <a:t> minimization of atomic and molecular ground-state energies via the two-particle reduced density matrix</a:t>
             </a:r>
             <a:r>
               <a:rPr lang="ru-RU" sz="1800" dirty="0" smtClean="0"/>
@@ -6242,26 +6511,26 @@
             </a:r>
             <a:r>
               <a:rPr lang="en-US" sz="1800" dirty="0" smtClean="0"/>
-              <a:t>PHYSICAL </a:t>
-            </a:r>
-            <a:r>
-              <a:rPr lang="en-US" sz="1800" dirty="0" smtClean="0"/>
-              <a:t>REVIEW A, VOLUME 65, </a:t>
-            </a:r>
-            <a:r>
-              <a:rPr lang="en-US" sz="1800" dirty="0" smtClean="0"/>
-              <a:t>062511</a:t>
-            </a:r>
-            <a:endParaRPr lang="en-US" sz="2000" dirty="0" smtClean="0"/>
+              <a:t>	</a:t>
+            </a:r>
+            <a:r>
+              <a:rPr lang="en-US" sz="1800" i="1" dirty="0" smtClean="0"/>
+              <a:t>PHYSICAL REVIEW A, VOLUME 65, </a:t>
+            </a:r>
+            <a:r>
+              <a:rPr lang="en-US" sz="1600" i="1" dirty="0" smtClean="0"/>
+              <a:t>(2002)</a:t>
+            </a:r>
+            <a:r>
+              <a:rPr lang="en-US" sz="1800" i="1" dirty="0" smtClean="0"/>
+              <a:t> 062511</a:t>
+            </a:r>
+            <a:endParaRPr lang="en-US" sz="2000" i="1" dirty="0" smtClean="0"/>
           </a:p>
           <a:p>
             <a:r>
               <a:rPr lang="en-US" sz="2000" i="1" dirty="0" smtClean="0"/>
-              <a:t>K.S.D</a:t>
-            </a:r>
-            <a:r>
-              <a:rPr lang="en-US" sz="2000" i="1" dirty="0" smtClean="0"/>
-              <a:t>. Beach, A.W. </a:t>
+              <a:t>K.S.D. Beach, A.W. </a:t>
             </a:r>
             <a:r>
               <a:rPr lang="en-US" sz="2000" i="1" dirty="0" err="1" smtClean="0"/>
@@ -6426,23 +6695,14 @@
           <a:p>
             <a:r>
               <a:rPr lang="ru-RU" dirty="0" smtClean="0"/>
-              <a:t>Описание </a:t>
-            </a:r>
+              <a:t>Описание модели, задача</a:t>
+            </a:r>
+          </a:p>
+          <a:p>
             <a:r>
               <a:rPr lang="ru-RU" dirty="0" smtClean="0"/>
-              <a:t>модели, задача</a:t>
-            </a:r>
-          </a:p>
-          <a:p>
-            <a:r>
-              <a:rPr lang="ru-RU" dirty="0" smtClean="0"/>
-              <a:t>Методы </a:t>
-            </a:r>
-            <a:r>
-              <a:rPr lang="ru-RU" dirty="0" smtClean="0"/>
-              <a:t>решения</a:t>
-            </a:r>
-            <a:endParaRPr lang="ru-RU" dirty="0" smtClean="0"/>
+              <a:t>Методы решения</a:t>
+            </a:r>
           </a:p>
           <a:p>
             <a:r>
@@ -6518,7 +6778,6 @@
               <a:rPr lang="ru-RU" dirty="0" smtClean="0"/>
               <a:t>Выводы</a:t>
             </a:r>
-            <a:endParaRPr lang="ru-RU" dirty="0" smtClean="0"/>
           </a:p>
           <a:p>
             <a:endParaRPr lang="ru-RU" dirty="0"/>
@@ -6549,6 +6808,7 @@
           <a:p>
             <a:fld id="{C44726EE-D000-402D-953A-A34E31152CEE}" type="slidenum">
               <a:rPr lang="en-US" smtClean="0"/>
+              <a:pPr/>
               <a:t>2</a:t>
             </a:fld>
             <a:endParaRPr lang="ru-RU" dirty="0"/>
@@ -6701,12 +6961,12 @@
           <p:nvPr/>
         </p:nvGraphicFramePr>
         <p:xfrm>
-          <a:off x="371475" y="3284538"/>
-          <a:ext cx="4684713" cy="2233612"/>
+          <a:off x="371475" y="3721100"/>
+          <a:ext cx="4684713" cy="1360488"/>
         </p:xfrm>
         <a:graphic>
           <a:graphicData uri="http://schemas.openxmlformats.org/presentationml/2006/ole">
-            <p:oleObj spid="_x0000_s2051" name="Equation" r:id="rId6" imgW="2450880" imgH="1168200" progId="Equation.DSMT4">
+            <p:oleObj spid="_x0000_s2051" name="Equation" r:id="rId6" imgW="2450880" imgH="711000" progId="Equation.DSMT4">
               <p:embed/>
             </p:oleObj>
           </a:graphicData>
@@ -6752,35 +7012,14 @@
                 <a:latin typeface="Times New Roman" pitchFamily="18" charset="0"/>
                 <a:cs typeface="Times New Roman" pitchFamily="18" charset="0"/>
               </a:rPr>
-              <a:t>Пример </a:t>
-            </a:r>
-            <a:r>
-              <a:rPr lang="ru-RU" sz="2000" dirty="0" smtClean="0">
-                <a:latin typeface="Times New Roman" pitchFamily="18" charset="0"/>
-                <a:cs typeface="Times New Roman" pitchFamily="18" charset="0"/>
-              </a:rPr>
-              <a:t>  </a:t>
+              <a:t>Пример   </a:t>
             </a:r>
             <a:r>
               <a:rPr lang="en-US" sz="2000" dirty="0" smtClean="0">
                 <a:latin typeface="Times New Roman" pitchFamily="18" charset="0"/>
                 <a:cs typeface="Times New Roman" pitchFamily="18" charset="0"/>
               </a:rPr>
-              <a:t>1d</a:t>
-            </a:r>
-            <a:r>
-              <a:rPr lang="en-US" sz="2000" dirty="0" smtClean="0">
-                <a:latin typeface="Times New Roman" pitchFamily="18" charset="0"/>
-                <a:cs typeface="Times New Roman" pitchFamily="18" charset="0"/>
-              </a:rPr>
-              <a:t>: </a:t>
-            </a:r>
-            <a:r>
-              <a:rPr lang="en-US" sz="2000" dirty="0" smtClean="0">
-                <a:latin typeface="Times New Roman" pitchFamily="18" charset="0"/>
-                <a:cs typeface="Times New Roman" pitchFamily="18" charset="0"/>
-              </a:rPr>
-              <a:t>Sr</a:t>
+              <a:t>1d: Sr</a:t>
             </a:r>
             <a:r>
               <a:rPr lang="en-US" sz="2000" baseline="-25000" dirty="0" smtClean="0">
@@ -6824,21 +7063,7 @@
                 <a:latin typeface="Times New Roman" pitchFamily="18" charset="0"/>
                 <a:cs typeface="Times New Roman" pitchFamily="18" charset="0"/>
               </a:rPr>
-              <a:t>Пример</a:t>
-            </a:r>
-            <a:r>
-              <a:rPr lang="ru-RU" sz="2000" dirty="0" smtClean="0">
-                <a:latin typeface="Times New Roman" pitchFamily="18" charset="0"/>
-                <a:cs typeface="Times New Roman" pitchFamily="18" charset="0"/>
-              </a:rPr>
-              <a:t>ы</a:t>
-            </a:r>
-            <a:r>
-              <a:rPr lang="ru-RU" sz="2000" dirty="0" smtClean="0">
-                <a:latin typeface="Times New Roman" pitchFamily="18" charset="0"/>
-                <a:cs typeface="Times New Roman" pitchFamily="18" charset="0"/>
-              </a:rPr>
-              <a:t> 2</a:t>
+              <a:t>Примеры 2</a:t>
             </a:r>
             <a:r>
               <a:rPr lang="en-US" sz="2000" dirty="0" smtClean="0">
@@ -6989,10 +7214,6 @@
               </a:rPr>
               <a:t>2</a:t>
             </a:r>
-            <a:endParaRPr lang="en-US" sz="2000" baseline="-25000" dirty="0" smtClean="0">
-              <a:latin typeface="Times New Roman" pitchFamily="18" charset="0"/>
-              <a:cs typeface="Times New Roman" pitchFamily="18" charset="0"/>
-            </a:endParaRPr>
           </a:p>
         </p:txBody>
       </p:sp>
@@ -7040,6 +7261,7 @@
           <a:p>
             <a:fld id="{B8323EE8-6BA5-4ED8-A18B-DBB1AE82E622}" type="slidenum">
               <a:rPr lang="ru-RU" smtClean="0"/>
+              <a:pPr/>
               <a:t>3</a:t>
             </a:fld>
             <a:endParaRPr lang="ru-RU" dirty="0"/>
@@ -7078,69 +7300,6 @@
           <a:chExt cx="0" cy="0"/>
         </a:xfrm>
       </p:grpSpPr>
-      <p:sp>
-        <p:nvSpPr>
-          <p:cNvPr id="2" name="Заголовок 1"/>
-          <p:cNvSpPr>
-            <a:spLocks noGrp="1"/>
-          </p:cNvSpPr>
-          <p:nvPr>
-            <p:ph type="title"/>
-          </p:nvPr>
-        </p:nvSpPr>
-        <p:spPr>
-          <a:xfrm>
-            <a:off x="457200" y="0"/>
-            <a:ext cx="8229600" cy="1143000"/>
-          </a:xfrm>
-        </p:spPr>
-        <p:txBody>
-          <a:bodyPr/>
-          <a:lstStyle/>
-          <a:p>
-            <a:r>
-              <a:rPr lang="ru-RU" dirty="0" smtClean="0"/>
-              <a:t>Методы решения</a:t>
-            </a:r>
-            <a:endParaRPr lang="ru-RU" dirty="0"/>
-          </a:p>
-        </p:txBody>
-      </p:sp>
-      <p:sp>
-        <p:nvSpPr>
-          <p:cNvPr id="7" name="TextBox 6"/>
-          <p:cNvSpPr txBox="1"/>
-          <p:nvPr/>
-        </p:nvSpPr>
-        <p:spPr>
-          <a:xfrm>
-            <a:off x="755576" y="980728"/>
-            <a:ext cx="3829959" cy="369332"/>
-          </a:xfrm>
-          <a:prstGeom prst="rect">
-            <a:avLst/>
-          </a:prstGeom>
-          <a:solidFill>
-            <a:srgbClr val="0000FF"/>
-          </a:solidFill>
-        </p:spPr>
-        <p:txBody>
-          <a:bodyPr wrap="none" rtlCol="0">
-            <a:spAutoFit/>
-          </a:bodyPr>
-          <a:lstStyle/>
-          <a:p>
-            <a:r>
-              <a:rPr lang="ru-RU" b="1" dirty="0" smtClean="0">
-                <a:solidFill>
-                  <a:srgbClr val="FFFF00"/>
-                </a:solidFill>
-              </a:rPr>
-              <a:t>Через основную энергию подсистем</a:t>
-            </a:r>
-          </a:p>
-        </p:txBody>
-      </p:sp>
       <p:graphicFrame>
         <p:nvGraphicFramePr>
           <p:cNvPr id="8" name="Объект 7"/>
@@ -7150,17 +7309,91 @@
           <p:nvPr/>
         </p:nvGraphicFramePr>
         <p:xfrm>
-          <a:off x="323528" y="1484784"/>
-          <a:ext cx="4778375" cy="1633537"/>
+          <a:off x="311150" y="1484313"/>
+          <a:ext cx="4803775" cy="1633537"/>
         </p:xfrm>
         <a:graphic>
           <a:graphicData uri="http://schemas.openxmlformats.org/presentationml/2006/ole">
-            <p:oleObj spid="_x0000_s3074" name="Equation" r:id="rId3" imgW="2450880" imgH="838080" progId="Equation.DSMT4">
+            <p:oleObj spid="_x0000_s3074" name="Equation" r:id="rId3" imgW="2463480" imgH="838080" progId="Equation.DSMT4">
               <p:embed/>
             </p:oleObj>
           </a:graphicData>
         </a:graphic>
       </p:graphicFrame>
+      <p:sp>
+        <p:nvSpPr>
+          <p:cNvPr id="11" name="Прямоугольник 10"/>
+          <p:cNvSpPr/>
+          <p:nvPr/>
+        </p:nvSpPr>
+        <p:spPr>
+          <a:xfrm>
+            <a:off x="323528" y="2348880"/>
+            <a:ext cx="4752528" cy="792088"/>
+          </a:xfrm>
+          <a:prstGeom prst="rect">
+            <a:avLst/>
+          </a:prstGeom>
+          <a:noFill/>
+          <a:ln>
+            <a:solidFill>
+              <a:srgbClr val="FF0000"/>
+            </a:solidFill>
+          </a:ln>
+        </p:spPr>
+        <p:style>
+          <a:lnRef idx="2">
+            <a:schemeClr val="accent1">
+              <a:shade val="50000"/>
+            </a:schemeClr>
+          </a:lnRef>
+          <a:fillRef idx="1">
+            <a:schemeClr val="accent1"/>
+          </a:fillRef>
+          <a:effectRef idx="0">
+            <a:schemeClr val="accent1"/>
+          </a:effectRef>
+          <a:fontRef idx="minor">
+            <a:schemeClr val="lt1"/>
+          </a:fontRef>
+        </p:style>
+        <p:txBody>
+          <a:bodyPr rtlCol="0" anchor="ctr"/>
+          <a:lstStyle/>
+          <a:p>
+            <a:pPr algn="ctr"/>
+            <a:endParaRPr lang="ru-RU"/>
+          </a:p>
+        </p:txBody>
+      </p:sp>
+      <p:sp>
+        <p:nvSpPr>
+          <p:cNvPr id="2" name="Заголовок 1"/>
+          <p:cNvSpPr>
+            <a:spLocks noGrp="1"/>
+          </p:cNvSpPr>
+          <p:nvPr>
+            <p:ph type="title"/>
+          </p:nvPr>
+        </p:nvSpPr>
+        <p:spPr>
+          <a:xfrm>
+            <a:off x="457200" y="0"/>
+            <a:ext cx="8229600" cy="1143000"/>
+          </a:xfrm>
+        </p:spPr>
+        <p:txBody>
+          <a:bodyPr/>
+          <a:lstStyle/>
+          <a:p>
+            <a:r>
+              <a:rPr lang="ru-RU" dirty="0" smtClean="0"/>
+              <a:t>Методы решения</a:t>
+            </a:r>
+            <a:endParaRPr lang="ru-RU" dirty="0"/>
+          </a:p>
+        </p:txBody>
+      </p:sp>
       <p:sp>
         <p:nvSpPr>
           <p:cNvPr id="10" name="TextBox 9"/>
@@ -7186,23 +7419,23 @@
           <a:lstStyle/>
           <a:p>
             <a:r>
-              <a:rPr lang="fi-FI" dirty="0"/>
+              <a:rPr lang="fi-FI" i="1" dirty="0"/>
               <a:t>R. Tarrah, R. </a:t>
             </a:r>
             <a:r>
-              <a:rPr lang="fi-FI" dirty="0" smtClean="0"/>
+              <a:rPr lang="fi-FI" i="1" dirty="0" smtClean="0"/>
               <a:t>Valenti</a:t>
             </a:r>
-            <a:endParaRPr lang="ru-RU" dirty="0" smtClean="0"/>
+            <a:endParaRPr lang="ru-RU" i="1" dirty="0" smtClean="0"/>
           </a:p>
           <a:p>
             <a:r>
               <a:rPr lang="en-US" dirty="0" smtClean="0"/>
-              <a:t>Exact </a:t>
+              <a:t>Exact lower </a:t>
             </a:r>
             <a:r>
               <a:rPr lang="en-US" dirty="0"/>
-              <a:t>lover bounds to the ground state of spin systems: The two-dimensional</a:t>
+              <a:t>bounds to the ground state of spin systems: The two-dimensional</a:t>
             </a:r>
           </a:p>
           <a:p>
@@ -7243,19 +7476,19 @@
               <a:t>model		</a:t>
             </a:r>
             <a:r>
-              <a:rPr lang="en-US" dirty="0"/>
+              <a:rPr lang="en-US" i="1" dirty="0"/>
               <a:t>Physical </a:t>
             </a:r>
             <a:r>
-              <a:rPr lang="en-US" dirty="0" smtClean="0"/>
+              <a:rPr lang="en-US" i="1" dirty="0" smtClean="0"/>
               <a:t>review </a:t>
             </a:r>
             <a:r>
-              <a:rPr lang="en-US" dirty="0"/>
+              <a:rPr lang="en-US" i="1" dirty="0"/>
               <a:t>B , 1990</a:t>
             </a:r>
             <a:r>
-              <a:rPr lang="en-US" dirty="0" smtClean="0"/>
+              <a:rPr lang="en-US" i="1" dirty="0" smtClean="0"/>
               <a:t>.</a:t>
             </a:r>
           </a:p>
@@ -7329,6 +7562,7 @@
           <a:p>
             <a:fld id="{3D77F068-B1AD-48F1-B391-3DEFF3778B57}" type="slidenum">
               <a:rPr lang="ru-RU" smtClean="0"/>
+              <a:pPr/>
               <a:t>4</a:t>
             </a:fld>
             <a:endParaRPr lang="ru-RU" dirty="0"/>
@@ -7380,7 +7614,7 @@
           <a:lstStyle/>
           <a:p>
             <a:r>
-              <a:rPr lang="en-US" dirty="0" smtClean="0"/>
+              <a:rPr lang="en-US" i="1" dirty="0" smtClean="0"/>
               <a:t>P. W. Anderson </a:t>
             </a:r>
           </a:p>
@@ -7400,10 +7634,45 @@
           </a:p>
           <a:p>
             <a:r>
-              <a:rPr lang="en-US" dirty="0" smtClean="0"/>
+              <a:rPr lang="en-US" i="1" dirty="0" smtClean="0"/>
               <a:t>Letters to the editor 1951</a:t>
             </a:r>
-            <a:endParaRPr lang="ru-RU" dirty="0"/>
+            <a:endParaRPr lang="ru-RU" i="1" dirty="0"/>
+          </a:p>
+        </p:txBody>
+      </p:sp>
+      <p:sp>
+        <p:nvSpPr>
+          <p:cNvPr id="7" name="TextBox 6"/>
+          <p:cNvSpPr txBox="1"/>
+          <p:nvPr/>
+        </p:nvSpPr>
+        <p:spPr>
+          <a:xfrm>
+            <a:off x="251520" y="980728"/>
+            <a:ext cx="4940070" cy="369332"/>
+          </a:xfrm>
+          <a:prstGeom prst="rect">
+            <a:avLst/>
+          </a:prstGeom>
+          <a:solidFill>
+            <a:srgbClr val="0000FF"/>
+          </a:solidFill>
+        </p:spPr>
+        <p:txBody>
+          <a:bodyPr wrap="none" rtlCol="0">
+            <a:spAutoFit/>
+          </a:bodyPr>
+          <a:lstStyle/>
+          <a:p>
+            <a:r>
+              <a:rPr lang="ru-RU" b="1" dirty="0" smtClean="0">
+                <a:solidFill>
+                  <a:srgbClr val="FFFF00"/>
+                </a:solidFill>
+              </a:rPr>
+              <a:t>Через энергию основного состояния подсистем</a:t>
+            </a:r>
           </a:p>
         </p:txBody>
       </p:sp>
@@ -7439,6 +7708,72 @@
           <a:chExt cx="0" cy="0"/>
         </a:xfrm>
       </p:grpSpPr>
+      <p:graphicFrame>
+        <p:nvGraphicFramePr>
+          <p:cNvPr id="22" name="Объект 21"/>
+          <p:cNvGraphicFramePr>
+            <a:graphicFrameLocks noChangeAspect="1"/>
+          </p:cNvGraphicFramePr>
+          <p:nvPr/>
+        </p:nvGraphicFramePr>
+        <p:xfrm>
+          <a:off x="234950" y="4292600"/>
+          <a:ext cx="7583488" cy="2398713"/>
+        </p:xfrm>
+        <a:graphic>
+          <a:graphicData uri="http://schemas.openxmlformats.org/presentationml/2006/ole">
+            <p:oleObj spid="_x0000_s30728" name="Equation" r:id="rId3" imgW="4330440" imgH="1371600" progId="Equation.DSMT4">
+              <p:embed/>
+            </p:oleObj>
+          </a:graphicData>
+        </a:graphic>
+      </p:graphicFrame>
+      <p:sp>
+        <p:nvSpPr>
+          <p:cNvPr id="11" name="Прямоугольник 10"/>
+          <p:cNvSpPr/>
+          <p:nvPr/>
+        </p:nvSpPr>
+        <p:spPr>
+          <a:xfrm>
+            <a:off x="251520" y="6021288"/>
+            <a:ext cx="3240360" cy="648072"/>
+          </a:xfrm>
+          <a:prstGeom prst="rect">
+            <a:avLst/>
+          </a:prstGeom>
+          <a:noFill/>
+          <a:ln>
+            <a:solidFill>
+              <a:srgbClr val="FF0000"/>
+            </a:solidFill>
+          </a:ln>
+        </p:spPr>
+        <p:style>
+          <a:lnRef idx="2">
+            <a:schemeClr val="accent1">
+              <a:shade val="50000"/>
+            </a:schemeClr>
+          </a:lnRef>
+          <a:fillRef idx="1">
+            <a:schemeClr val="accent1"/>
+          </a:fillRef>
+          <a:effectRef idx="0">
+            <a:schemeClr val="accent1"/>
+          </a:effectRef>
+          <a:fontRef idx="minor">
+            <a:schemeClr val="lt1"/>
+          </a:fontRef>
+        </p:style>
+        <p:txBody>
+          <a:bodyPr rtlCol="0" anchor="ctr"/>
+          <a:lstStyle/>
+          <a:p>
+            <a:pPr algn="ctr"/>
+            <a:endParaRPr lang="ru-RU"/>
+          </a:p>
+        </p:txBody>
+      </p:sp>
       <p:sp>
         <p:nvSpPr>
           <p:cNvPr id="16" name="Заголовок 1"/>
@@ -7476,7 +7811,7 @@
           <p:nvPr/>
         </p:nvPicPr>
         <p:blipFill>
-          <a:blip r:embed="rId3" cstate="print"/>
+          <a:blip r:embed="rId4" cstate="print"/>
           <a:stretch>
             <a:fillRect/>
           </a:stretch>
@@ -7531,26 +7866,6 @@
           </a:p>
         </p:txBody>
       </p:sp>
-      <p:graphicFrame>
-        <p:nvGraphicFramePr>
-          <p:cNvPr id="22" name="Объект 21"/>
-          <p:cNvGraphicFramePr>
-            <a:graphicFrameLocks noChangeAspect="1"/>
-          </p:cNvGraphicFramePr>
-          <p:nvPr/>
-        </p:nvGraphicFramePr>
-        <p:xfrm>
-          <a:off x="323528" y="4293096"/>
-          <a:ext cx="7405688" cy="2398713"/>
-        </p:xfrm>
-        <a:graphic>
-          <a:graphicData uri="http://schemas.openxmlformats.org/presentationml/2006/ole">
-            <p:oleObj spid="_x0000_s30728" name="Equation" r:id="rId4" imgW="4228920" imgH="1371600" progId="Equation.DSMT4">
-              <p:embed/>
-            </p:oleObj>
-          </a:graphicData>
-        </a:graphic>
-      </p:graphicFrame>
       <p:graphicFrame>
         <p:nvGraphicFramePr>
           <p:cNvPr id="23" name="Объект 22"/>
@@ -7596,14 +7911,14 @@
           <a:lstStyle/>
           <a:p>
             <a:r>
-              <a:rPr lang="en-US" dirty="0" smtClean="0"/>
+              <a:rPr lang="en-US" i="1" dirty="0" smtClean="0"/>
               <a:t>David A. </a:t>
             </a:r>
             <a:r>
-              <a:rPr lang="en-US" dirty="0" err="1" smtClean="0"/>
+              <a:rPr lang="en-US" i="1" dirty="0" err="1" smtClean="0"/>
               <a:t>Mazziotti</a:t>
             </a:r>
-            <a:endParaRPr lang="en-US" dirty="0" smtClean="0"/>
+            <a:endParaRPr lang="en-US" i="1" dirty="0" smtClean="0"/>
           </a:p>
           <a:p>
             <a:r>
@@ -7612,27 +7927,19 @@
             </a:r>
             <a:r>
               <a:rPr lang="en-US" dirty="0" smtClean="0"/>
-              <a:t> minimization of atomic and molecular </a:t>
-            </a:r>
-            <a:r>
-              <a:rPr lang="en-US" dirty="0" smtClean="0"/>
-              <a:t>ground-state energies via </a:t>
-            </a:r>
-            <a:r>
-              <a:rPr lang="en-US" dirty="0" smtClean="0"/>
-              <a:t>the two-particle reduced </a:t>
-            </a:r>
-            <a:r>
-              <a:rPr lang="en-US" dirty="0" smtClean="0"/>
-              <a:t>density matrix</a:t>
-            </a:r>
-          </a:p>
-          <a:p>
-            <a:r>
-              <a:rPr lang="en-US" dirty="0" smtClean="0"/>
-              <a:t>PHYSICAL REVIEW A, VOLUME 65, 062511</a:t>
-            </a:r>
-            <a:endParaRPr lang="ru-RU" dirty="0"/>
+              <a:t> minimization of atomic and molecular ground-state energies via the two-particle reduced density matrix</a:t>
+            </a:r>
+          </a:p>
+          <a:p>
+            <a:r>
+              <a:rPr lang="en-US" i="1" dirty="0" smtClean="0"/>
+              <a:t>PHYSICAL REVIEW A, VOLUME 65, </a:t>
+            </a:r>
+            <a:r>
+              <a:rPr lang="en-US" i="1" smtClean="0"/>
+              <a:t>(2002) 062511</a:t>
+            </a:r>
+            <a:endParaRPr lang="ru-RU" i="1" dirty="0"/>
           </a:p>
         </p:txBody>
       </p:sp>
@@ -7660,6 +7967,7 @@
           <a:p>
             <a:fld id="{729C0DD4-D69B-4CF9-B41C-68D36CAF81B7}" type="slidenum">
               <a:rPr lang="en-US" smtClean="0"/>
+              <a:pPr/>
               <a:t>5</a:t>
             </a:fld>
             <a:endParaRPr lang="ru-RU" dirty="0"/>
@@ -7711,35 +8019,31 @@
           <a:lstStyle/>
           <a:p>
             <a:r>
-              <a:rPr lang="en-US" dirty="0" err="1" smtClean="0"/>
+              <a:rPr lang="en-US" i="1" dirty="0" err="1" smtClean="0"/>
               <a:t>Tillmann</a:t>
             </a:r>
             <a:r>
+              <a:rPr lang="en-US" i="1" dirty="0" smtClean="0"/>
+              <a:t> Baumgratz1 and Martin B </a:t>
+            </a:r>
+            <a:r>
+              <a:rPr lang="en-US" i="1" dirty="0" err="1" smtClean="0"/>
+              <a:t>Plenio</a:t>
+            </a:r>
+            <a:endParaRPr lang="en-US" i="1" dirty="0" smtClean="0"/>
+          </a:p>
+          <a:p>
+            <a:r>
               <a:rPr lang="en-US" dirty="0" smtClean="0"/>
-              <a:t> Baumgratz1 and Martin B </a:t>
-            </a:r>
-            <a:r>
-              <a:rPr lang="en-US" dirty="0" err="1" smtClean="0"/>
-              <a:t>Plenio</a:t>
-            </a:r>
-            <a:endParaRPr lang="en-US" dirty="0" smtClean="0"/>
-          </a:p>
-          <a:p>
-            <a:r>
-              <a:rPr lang="en-US" dirty="0" smtClean="0"/>
-              <a:t>Lower bounds for ground states of </a:t>
-            </a:r>
-            <a:r>
-              <a:rPr lang="en-US" dirty="0" smtClean="0"/>
-              <a:t>condensed matter systems</a:t>
-            </a:r>
-          </a:p>
-          <a:p>
-            <a:r>
-              <a:rPr lang="en-US" dirty="0" smtClean="0"/>
+              <a:t>Lower bounds for ground states of condensed matter systems</a:t>
+            </a:r>
+          </a:p>
+          <a:p>
+            <a:r>
+              <a:rPr lang="en-US" i="1" dirty="0" smtClean="0"/>
               <a:t>New Journal of Physics 14 (2012) 023027 (21pp)</a:t>
             </a:r>
-            <a:endParaRPr lang="ru-RU" dirty="0"/>
+            <a:endParaRPr lang="ru-RU" i="1" dirty="0"/>
           </a:p>
         </p:txBody>
       </p:sp>
@@ -7784,8 +8088,8 @@
         </p:blipFill>
         <p:spPr>
           <a:xfrm>
-            <a:off x="0" y="4005064"/>
-            <a:ext cx="5047906" cy="2664296"/>
+            <a:off x="0" y="4178846"/>
+            <a:ext cx="5076056" cy="2679154"/>
           </a:xfrm>
           <a:prstGeom prst="rect">
             <a:avLst/>
@@ -7842,38 +8146,38 @@
           <a:lstStyle/>
           <a:p>
             <a:r>
-              <a:rPr lang="en-US" dirty="0" smtClean="0"/>
+              <a:rPr lang="en-US" i="1" dirty="0" smtClean="0"/>
               <a:t>N. </a:t>
             </a:r>
             <a:r>
-              <a:rPr lang="en-US" dirty="0" err="1" smtClean="0"/>
+              <a:rPr lang="en-US" i="1" dirty="0" err="1" smtClean="0"/>
               <a:t>Il'in</a:t>
             </a:r>
             <a:r>
-              <a:rPr lang="en-US" dirty="0" smtClean="0"/>
+              <a:rPr lang="en-US" i="1" dirty="0" smtClean="0"/>
               <a:t>, E. </a:t>
             </a:r>
             <a:r>
-              <a:rPr lang="en-US" dirty="0" err="1" smtClean="0"/>
+              <a:rPr lang="en-US" i="1" dirty="0" err="1" smtClean="0"/>
               <a:t>Shpagina</a:t>
             </a:r>
             <a:r>
-              <a:rPr lang="en-US" dirty="0" smtClean="0"/>
+              <a:rPr lang="en-US" i="1" dirty="0" smtClean="0"/>
               <a:t>, F. </a:t>
             </a:r>
             <a:r>
-              <a:rPr lang="en-US" dirty="0" err="1" smtClean="0"/>
+              <a:rPr lang="en-US" i="1" dirty="0" err="1" smtClean="0"/>
               <a:t>Uskov</a:t>
             </a:r>
             <a:r>
-              <a:rPr lang="en-US" dirty="0" smtClean="0"/>
+              <a:rPr lang="en-US" i="1" dirty="0" smtClean="0"/>
               <a:t>, O. </a:t>
             </a:r>
             <a:r>
-              <a:rPr lang="en-US" dirty="0" err="1" smtClean="0"/>
+              <a:rPr lang="en-US" i="1" dirty="0" err="1" smtClean="0"/>
               <a:t>Lychkovskiy</a:t>
             </a:r>
-            <a:endParaRPr lang="ru-RU" dirty="0" smtClean="0"/>
+            <a:endParaRPr lang="ru-RU" i="1" dirty="0" smtClean="0"/>
           </a:p>
           <a:p>
             <a:r>
@@ -7892,42 +8196,42 @@
           </a:p>
           <a:p>
             <a:r>
-              <a:rPr lang="en-US" dirty="0" smtClean="0"/>
+              <a:rPr lang="en-US" i="1" dirty="0" smtClean="0"/>
               <a:t>J</a:t>
             </a:r>
             <a:r>
-              <a:rPr lang="ru-RU" dirty="0" smtClean="0"/>
+              <a:rPr lang="ru-RU" i="1" dirty="0" smtClean="0"/>
               <a:t>.</a:t>
             </a:r>
             <a:r>
-              <a:rPr lang="en-US" dirty="0" smtClean="0"/>
+              <a:rPr lang="en-US" i="1" dirty="0" smtClean="0"/>
               <a:t> Phys</a:t>
             </a:r>
             <a:r>
-              <a:rPr lang="ru-RU" dirty="0" smtClean="0"/>
+              <a:rPr lang="ru-RU" i="1" dirty="0" smtClean="0"/>
               <a:t>.</a:t>
             </a:r>
             <a:r>
-              <a:rPr lang="en-US" dirty="0" smtClean="0"/>
+              <a:rPr lang="en-US" i="1" dirty="0" smtClean="0"/>
               <a:t> A</a:t>
             </a:r>
             <a:r>
-              <a:rPr lang="ru-RU" dirty="0" smtClean="0"/>
+              <a:rPr lang="ru-RU" i="1" dirty="0" smtClean="0"/>
               <a:t>:</a:t>
             </a:r>
             <a:r>
-              <a:rPr lang="en-US" dirty="0" smtClean="0"/>
-              <a:t>Math. </a:t>
-            </a:r>
-            <a:r>
-              <a:rPr lang="en-US" dirty="0" err="1" smtClean="0"/>
+              <a:rPr lang="en-US" i="1" dirty="0" smtClean="0"/>
+              <a:t> Math. </a:t>
+            </a:r>
+            <a:r>
+              <a:rPr lang="en-US" i="1" dirty="0" err="1" smtClean="0"/>
               <a:t>Theor</a:t>
             </a:r>
             <a:r>
-              <a:rPr lang="en-US" dirty="0" smtClean="0"/>
+              <a:rPr lang="en-US" i="1" dirty="0" smtClean="0"/>
               <a:t>. 51 (2018) 085301</a:t>
             </a:r>
-            <a:endParaRPr lang="ru-RU" dirty="0"/>
+            <a:endParaRPr lang="ru-RU" i="1" dirty="0"/>
           </a:p>
         </p:txBody>
       </p:sp>
@@ -7940,12 +8244,12 @@
           <p:nvPr/>
         </p:nvGraphicFramePr>
         <p:xfrm>
-          <a:off x="467544" y="1268760"/>
-          <a:ext cx="6986588" cy="774700"/>
+          <a:off x="387350" y="1268413"/>
+          <a:ext cx="7150100" cy="774700"/>
         </p:xfrm>
         <a:graphic>
           <a:graphicData uri="http://schemas.openxmlformats.org/presentationml/2006/ole">
-            <p:oleObj spid="_x0000_s19457" name="Equation" r:id="rId4" imgW="3784320" imgH="419040" progId="Equation.DSMT4">
+            <p:oleObj spid="_x0000_s19457" name="Equation" r:id="rId4" imgW="3873240" imgH="419040" progId="Equation.DSMT4">
               <p:embed/>
             </p:oleObj>
           </a:graphicData>
@@ -7961,7 +8265,7 @@
         </p:nvGraphicFramePr>
         <p:xfrm>
           <a:off x="467544" y="2996952"/>
-          <a:ext cx="2965450" cy="922337"/>
+          <a:ext cx="3456384" cy="1075031"/>
         </p:xfrm>
         <a:graphic>
           <a:graphicData uri="http://schemas.openxmlformats.org/presentationml/2006/ole">
@@ -8000,12 +8304,12 @@
           <p:nvPr/>
         </p:nvGraphicFramePr>
         <p:xfrm>
-          <a:off x="4816128" y="3060452"/>
-          <a:ext cx="4327872" cy="3797548"/>
+          <a:off x="4860032" y="3068960"/>
+          <a:ext cx="4116387" cy="3148013"/>
         </p:xfrm>
         <a:graphic>
           <a:graphicData uri="http://schemas.openxmlformats.org/presentationml/2006/ole">
-            <p:oleObj spid="_x0000_s19460" name="Equation" r:id="rId7" imgW="3124080" imgH="2743200" progId="Equation.DSMT4">
+            <p:oleObj spid="_x0000_s19460" name="Equation" r:id="rId7" imgW="2971800" imgH="2273040" progId="Equation.DSMT4">
               <p:embed/>
             </p:oleObj>
           </a:graphicData>
@@ -8035,9 +8339,148 @@
           <a:p>
             <a:fld id="{1D250B29-B08D-4039-ACDF-E194969381CB}" type="slidenum">
               <a:rPr lang="en-US" smtClean="0"/>
+              <a:pPr/>
               <a:t>6</a:t>
             </a:fld>
             <a:endParaRPr lang="ru-RU" dirty="0"/>
+          </a:p>
+        </p:txBody>
+      </p:sp>
+      <p:sp>
+        <p:nvSpPr>
+          <p:cNvPr id="10" name="Прямоугольник 9"/>
+          <p:cNvSpPr/>
+          <p:nvPr/>
+        </p:nvSpPr>
+        <p:spPr>
+          <a:xfrm>
+            <a:off x="4932040" y="1268760"/>
+            <a:ext cx="1224136" cy="792088"/>
+          </a:xfrm>
+          <a:prstGeom prst="rect">
+            <a:avLst/>
+          </a:prstGeom>
+          <a:noFill/>
+          <a:ln>
+            <a:solidFill>
+              <a:srgbClr val="FF0000"/>
+            </a:solidFill>
+          </a:ln>
+        </p:spPr>
+        <p:style>
+          <a:lnRef idx="2">
+            <a:schemeClr val="accent1">
+              <a:shade val="50000"/>
+            </a:schemeClr>
+          </a:lnRef>
+          <a:fillRef idx="1">
+            <a:schemeClr val="accent1"/>
+          </a:fillRef>
+          <a:effectRef idx="0">
+            <a:schemeClr val="accent1"/>
+          </a:effectRef>
+          <a:fontRef idx="minor">
+            <a:schemeClr val="lt1"/>
+          </a:fontRef>
+        </p:style>
+        <p:txBody>
+          <a:bodyPr rtlCol="0" anchor="ctr"/>
+          <a:lstStyle/>
+          <a:p>
+            <a:pPr algn="ctr"/>
+            <a:endParaRPr lang="ru-RU"/>
+          </a:p>
+        </p:txBody>
+      </p:sp>
+      <p:sp>
+        <p:nvSpPr>
+          <p:cNvPr id="13" name="Прямоугольник 12"/>
+          <p:cNvSpPr/>
+          <p:nvPr/>
+        </p:nvSpPr>
+        <p:spPr>
+          <a:xfrm>
+            <a:off x="467544" y="2996952"/>
+            <a:ext cx="2880320" cy="648072"/>
+          </a:xfrm>
+          <a:prstGeom prst="rect">
+            <a:avLst/>
+          </a:prstGeom>
+          <a:noFill/>
+          <a:ln>
+            <a:solidFill>
+              <a:srgbClr val="FF0000"/>
+            </a:solidFill>
+          </a:ln>
+        </p:spPr>
+        <p:style>
+          <a:lnRef idx="2">
+            <a:schemeClr val="accent1">
+              <a:shade val="50000"/>
+            </a:schemeClr>
+          </a:lnRef>
+          <a:fillRef idx="1">
+            <a:schemeClr val="accent1"/>
+          </a:fillRef>
+          <a:effectRef idx="0">
+            <a:schemeClr val="accent1"/>
+          </a:effectRef>
+          <a:fontRef idx="minor">
+            <a:schemeClr val="lt1"/>
+          </a:fontRef>
+        </p:style>
+        <p:txBody>
+          <a:bodyPr rtlCol="0" anchor="ctr"/>
+          <a:lstStyle/>
+          <a:p>
+            <a:pPr algn="ctr"/>
+            <a:endParaRPr lang="ru-RU"/>
+          </a:p>
+        </p:txBody>
+      </p:sp>
+      <p:sp>
+        <p:nvSpPr>
+          <p:cNvPr id="14" name="Прямоугольник 13"/>
+          <p:cNvSpPr/>
+          <p:nvPr/>
+        </p:nvSpPr>
+        <p:spPr>
+          <a:xfrm>
+            <a:off x="5868144" y="2996952"/>
+            <a:ext cx="1152128" cy="432048"/>
+          </a:xfrm>
+          <a:prstGeom prst="rect">
+            <a:avLst/>
+          </a:prstGeom>
+          <a:noFill/>
+          <a:ln>
+            <a:solidFill>
+              <a:srgbClr val="FF0000"/>
+            </a:solidFill>
+          </a:ln>
+        </p:spPr>
+        <p:style>
+          <a:lnRef idx="2">
+            <a:schemeClr val="accent1">
+              <a:shade val="50000"/>
+            </a:schemeClr>
+          </a:lnRef>
+          <a:fillRef idx="1">
+            <a:schemeClr val="accent1"/>
+          </a:fillRef>
+          <a:effectRef idx="0">
+            <a:schemeClr val="accent1"/>
+          </a:effectRef>
+          <a:fontRef idx="minor">
+            <a:schemeClr val="lt1"/>
+          </a:fontRef>
+        </p:style>
+        <p:txBody>
+          <a:bodyPr rtlCol="0" anchor="ctr"/>
+          <a:lstStyle/>
+          <a:p>
+            <a:pPr algn="ctr"/>
+            <a:endParaRPr lang="ru-RU"/>
           </a:p>
         </p:txBody>
       </p:sp>
@@ -8075,6 +8518,52 @@
       </p:grpSpPr>
       <p:sp>
         <p:nvSpPr>
+          <p:cNvPr id="8" name="Прямоугольник 7"/>
+          <p:cNvSpPr/>
+          <p:nvPr/>
+        </p:nvSpPr>
+        <p:spPr>
+          <a:xfrm>
+            <a:off x="2699792" y="4869160"/>
+            <a:ext cx="1584176" cy="288032"/>
+          </a:xfrm>
+          <a:prstGeom prst="rect">
+            <a:avLst/>
+          </a:prstGeom>
+          <a:solidFill>
+            <a:srgbClr val="FFFF00"/>
+          </a:solidFill>
+          <a:ln>
+            <a:noFill/>
+          </a:ln>
+        </p:spPr>
+        <p:style>
+          <a:lnRef idx="2">
+            <a:schemeClr val="accent1">
+              <a:shade val="50000"/>
+            </a:schemeClr>
+          </a:lnRef>
+          <a:fillRef idx="1">
+            <a:schemeClr val="accent1"/>
+          </a:fillRef>
+          <a:effectRef idx="0">
+            <a:schemeClr val="accent1"/>
+          </a:effectRef>
+          <a:fontRef idx="minor">
+            <a:schemeClr val="lt1"/>
+          </a:fontRef>
+        </p:style>
+        <p:txBody>
+          <a:bodyPr rtlCol="0" anchor="ctr"/>
+          <a:lstStyle/>
+          <a:p>
+            <a:pPr algn="ctr"/>
+            <a:endParaRPr lang="ru-RU"/>
+          </a:p>
+        </p:txBody>
+      </p:sp>
+      <p:sp>
+        <p:nvSpPr>
           <p:cNvPr id="2" name="Заголовок 1"/>
           <p:cNvSpPr>
             <a:spLocks noGrp="1"/>
@@ -8179,12 +8668,12 @@
           <p:nvPr/>
         </p:nvGraphicFramePr>
         <p:xfrm>
-          <a:off x="179512" y="1484784"/>
-          <a:ext cx="4291012" cy="5210175"/>
+          <a:off x="230188" y="1484313"/>
+          <a:ext cx="4189412" cy="5210175"/>
         </p:xfrm>
         <a:graphic>
           <a:graphicData uri="http://schemas.openxmlformats.org/presentationml/2006/ole">
-            <p:oleObj spid="_x0000_s4099" name="Equation" r:id="rId4" imgW="3213000" imgH="3898800" progId="Equation.DSMT4">
+            <p:oleObj spid="_x0000_s4099" name="Equation" r:id="rId4" imgW="3136680" imgH="3898800" progId="Equation.DSMT4">
               <p:embed/>
             </p:oleObj>
           </a:graphicData>
@@ -8214,9 +8703,56 @@
           <a:p>
             <a:fld id="{EA7CD77F-F82F-47F9-A548-3AA7CC45FA55}" type="slidenum">
               <a:rPr lang="en-US" smtClean="0"/>
+              <a:pPr/>
               <a:t>7</a:t>
             </a:fld>
             <a:endParaRPr lang="ru-RU" dirty="0"/>
+          </a:p>
+        </p:txBody>
+      </p:sp>
+      <p:sp>
+        <p:nvSpPr>
+          <p:cNvPr id="7" name="Прямоугольник 6"/>
+          <p:cNvSpPr/>
+          <p:nvPr/>
+        </p:nvSpPr>
+        <p:spPr>
+          <a:xfrm>
+            <a:off x="179512" y="5157192"/>
+            <a:ext cx="4032448" cy="648072"/>
+          </a:xfrm>
+          <a:prstGeom prst="rect">
+            <a:avLst/>
+          </a:prstGeom>
+          <a:noFill/>
+          <a:ln>
+            <a:solidFill>
+              <a:srgbClr val="FF0000"/>
+            </a:solidFill>
+          </a:ln>
+        </p:spPr>
+        <p:style>
+          <a:lnRef idx="2">
+            <a:schemeClr val="accent1">
+              <a:shade val="50000"/>
+            </a:schemeClr>
+          </a:lnRef>
+          <a:fillRef idx="1">
+            <a:schemeClr val="accent1"/>
+          </a:fillRef>
+          <a:effectRef idx="0">
+            <a:schemeClr val="accent1"/>
+          </a:effectRef>
+          <a:fontRef idx="minor">
+            <a:schemeClr val="lt1"/>
+          </a:fontRef>
+        </p:style>
+        <p:txBody>
+          <a:bodyPr rtlCol="0" anchor="ctr"/>
+          <a:lstStyle/>
+          <a:p>
+            <a:pPr algn="ctr"/>
+            <a:endParaRPr lang="ru-RU"/>
           </a:p>
         </p:txBody>
       </p:sp>
@@ -8362,12 +8898,12 @@
           <p:nvPr/>
         </p:nvGraphicFramePr>
         <p:xfrm>
-          <a:off x="179512" y="1772816"/>
-          <a:ext cx="5105400" cy="2232025"/>
+          <a:off x="454025" y="1773238"/>
+          <a:ext cx="4556125" cy="2232025"/>
         </p:xfrm>
         <a:graphic>
           <a:graphicData uri="http://schemas.openxmlformats.org/presentationml/2006/ole">
-            <p:oleObj spid="_x0000_s21506" name="Equation" r:id="rId4" imgW="3429000" imgH="1498320" progId="Equation.DSMT4">
+            <p:oleObj spid="_x0000_s21506" name="Equation" r:id="rId4" imgW="3060360" imgH="1498320" progId="Equation.DSMT4">
               <p:embed/>
             </p:oleObj>
           </a:graphicData>
@@ -8451,6 +8987,7 @@
           <a:p>
             <a:fld id="{18F843AE-0634-49C3-902B-4F196FE9391D}" type="slidenum">
               <a:rPr lang="en-US" smtClean="0"/>
+              <a:pPr/>
               <a:t>8</a:t>
             </a:fld>
             <a:endParaRPr lang="ru-RU" dirty="0"/>
@@ -8581,7 +9118,7 @@
         <p:spPr>
           <a:xfrm>
             <a:off x="611560" y="5949280"/>
-            <a:ext cx="6152966" cy="646331"/>
+            <a:ext cx="7416824" cy="646331"/>
           </a:xfrm>
           <a:prstGeom prst="rect">
             <a:avLst/>
@@ -8589,10 +9126,16 @@
           <a:noFill/>
         </p:spPr>
         <p:txBody>
-          <a:bodyPr wrap="none" rtlCol="0">
+          <a:bodyPr wrap="square" rtlCol="0">
             <a:spAutoFit/>
           </a:bodyPr>
           <a:lstStyle/>
+          <a:p>
+            <a:r>
+              <a:rPr lang="ru-RU" dirty="0" smtClean="0"/>
+              <a:t>из уравнений (1 и 2) следуют все линейные зависимости в базисе</a:t>
+            </a:r>
+          </a:p>
           <a:p>
             <a:r>
               <a:rPr lang="ru-RU" dirty="0" smtClean="0">
@@ -8600,17 +9143,11 @@
                   <a:srgbClr val="FF0000"/>
                 </a:solidFill>
               </a:rPr>
-              <a:t>Было проверено </a:t>
+              <a:t>	это было проверено </a:t>
             </a:r>
             <a:r>
               <a:rPr lang="ru-RU" dirty="0" smtClean="0"/>
-              <a:t>в плоть до 10 спинов, </a:t>
-            </a:r>
-          </a:p>
-          <a:p>
-            <a:r>
-              <a:rPr lang="ru-RU" dirty="0" smtClean="0"/>
-              <a:t>что из уравнений (1 и 2) следуют все линейные зависимости</a:t>
+              <a:t>вплоть до 10 спинов</a:t>
             </a:r>
             <a:endParaRPr lang="ru-RU" dirty="0"/>
           </a:p>
@@ -8640,6 +9177,7 @@
           <a:p>
             <a:fld id="{2A2E2DD4-ACEB-40ED-A911-4DFDC45ABC2B}" type="slidenum">
               <a:rPr lang="en-US" smtClean="0"/>
+              <a:pPr/>
               <a:t>9</a:t>
             </a:fld>
             <a:endParaRPr lang="ru-RU" dirty="0"/>

--- a/LaTeX-поделки/Системы спинов 1.pptx
+++ b/LaTeX-поделки/Системы спинов 1.pptx
@@ -5,10 +5,10 @@
     <p:sldMasterId id="2147483732" r:id="rId1"/>
   </p:sldMasterIdLst>
   <p:notesMasterIdLst>
-    <p:notesMasterId r:id="rId18"/>
+    <p:notesMasterId r:id="rId17"/>
   </p:notesMasterIdLst>
   <p:handoutMasterIdLst>
-    <p:handoutMasterId r:id="rId19"/>
+    <p:handoutMasterId r:id="rId18"/>
   </p:handoutMasterIdLst>
   <p:sldIdLst>
     <p:sldId id="256" r:id="rId2"/>
@@ -23,10 +23,9 @@
     <p:sldId id="265" r:id="rId11"/>
     <p:sldId id="266" r:id="rId12"/>
     <p:sldId id="267" r:id="rId13"/>
-    <p:sldId id="271" r:id="rId14"/>
-    <p:sldId id="268" r:id="rId15"/>
-    <p:sldId id="269" r:id="rId16"/>
-    <p:sldId id="270" r:id="rId17"/>
+    <p:sldId id="268" r:id="rId14"/>
+    <p:sldId id="269" r:id="rId15"/>
+    <p:sldId id="270" r:id="rId16"/>
   </p:sldIdLst>
   <p:sldSz cx="9144000" cy="6858000" type="screen4x3"/>
   <p:notesSz cx="6858000" cy="9144000"/>
@@ -211,7 +210,7 @@
             <a:fld id="{2DAE3516-E495-44C0-B309-469C16998D46}" type="datetimeFigureOut">
               <a:rPr lang="ru-RU" smtClean="0"/>
               <a:pPr/>
-              <a:t>23.05.2018</a:t>
+              <a:t>23.09.2018</a:t>
             </a:fld>
             <a:endParaRPr lang="ru-RU"/>
           </a:p>
@@ -373,7 +372,7 @@
             <a:fld id="{A7EC3FFA-A56C-4EDA-BC81-A40063DE4661}" type="datetimeFigureOut">
               <a:rPr lang="ru-RU" smtClean="0"/>
               <a:pPr/>
-              <a:t>23.05.2018</a:t>
+              <a:t>23.09.2018</a:t>
             </a:fld>
             <a:endParaRPr lang="ru-RU"/>
           </a:p>
@@ -903,7 +902,7 @@
             <a:fld id="{ED11739C-C208-4F5C-8B29-8EDD222516F3}" type="datetimeFigureOut">
               <a:rPr lang="ru-RU" smtClean="0"/>
               <a:pPr/>
-              <a:t>23.05.2018</a:t>
+              <a:t>23.09.2018</a:t>
             </a:fld>
             <a:endParaRPr lang="ru-RU"/>
           </a:p>
@@ -1070,7 +1069,7 @@
             <a:fld id="{ED11739C-C208-4F5C-8B29-8EDD222516F3}" type="datetimeFigureOut">
               <a:rPr lang="ru-RU" smtClean="0"/>
               <a:pPr/>
-              <a:t>23.05.2018</a:t>
+              <a:t>23.09.2018</a:t>
             </a:fld>
             <a:endParaRPr lang="ru-RU"/>
           </a:p>
@@ -1247,7 +1246,7 @@
             <a:fld id="{ED11739C-C208-4F5C-8B29-8EDD222516F3}" type="datetimeFigureOut">
               <a:rPr lang="ru-RU" smtClean="0"/>
               <a:pPr/>
-              <a:t>23.05.2018</a:t>
+              <a:t>23.09.2018</a:t>
             </a:fld>
             <a:endParaRPr lang="ru-RU"/>
           </a:p>
@@ -1414,7 +1413,7 @@
             <a:fld id="{ED11739C-C208-4F5C-8B29-8EDD222516F3}" type="datetimeFigureOut">
               <a:rPr lang="ru-RU" smtClean="0"/>
               <a:pPr/>
-              <a:t>23.05.2018</a:t>
+              <a:t>23.09.2018</a:t>
             </a:fld>
             <a:endParaRPr lang="ru-RU"/>
           </a:p>
@@ -1657,7 +1656,7 @@
             <a:fld id="{ED11739C-C208-4F5C-8B29-8EDD222516F3}" type="datetimeFigureOut">
               <a:rPr lang="ru-RU" smtClean="0"/>
               <a:pPr/>
-              <a:t>23.05.2018</a:t>
+              <a:t>23.09.2018</a:t>
             </a:fld>
             <a:endParaRPr lang="ru-RU"/>
           </a:p>
@@ -1942,7 +1941,7 @@
             <a:fld id="{ED11739C-C208-4F5C-8B29-8EDD222516F3}" type="datetimeFigureOut">
               <a:rPr lang="ru-RU" smtClean="0"/>
               <a:pPr/>
-              <a:t>23.05.2018</a:t>
+              <a:t>23.09.2018</a:t>
             </a:fld>
             <a:endParaRPr lang="ru-RU"/>
           </a:p>
@@ -2361,7 +2360,7 @@
             <a:fld id="{ED11739C-C208-4F5C-8B29-8EDD222516F3}" type="datetimeFigureOut">
               <a:rPr lang="ru-RU" smtClean="0"/>
               <a:pPr/>
-              <a:t>23.05.2018</a:t>
+              <a:t>23.09.2018</a:t>
             </a:fld>
             <a:endParaRPr lang="ru-RU"/>
           </a:p>
@@ -2476,7 +2475,7 @@
             <a:fld id="{ED11739C-C208-4F5C-8B29-8EDD222516F3}" type="datetimeFigureOut">
               <a:rPr lang="ru-RU" smtClean="0"/>
               <a:pPr/>
-              <a:t>23.05.2018</a:t>
+              <a:t>23.09.2018</a:t>
             </a:fld>
             <a:endParaRPr lang="ru-RU"/>
           </a:p>
@@ -2568,7 +2567,7 @@
             <a:fld id="{ED11739C-C208-4F5C-8B29-8EDD222516F3}" type="datetimeFigureOut">
               <a:rPr lang="ru-RU" smtClean="0"/>
               <a:pPr/>
-              <a:t>23.05.2018</a:t>
+              <a:t>23.09.2018</a:t>
             </a:fld>
             <a:endParaRPr lang="ru-RU"/>
           </a:p>
@@ -2842,7 +2841,7 @@
             <a:fld id="{ED11739C-C208-4F5C-8B29-8EDD222516F3}" type="datetimeFigureOut">
               <a:rPr lang="ru-RU" smtClean="0"/>
               <a:pPr/>
-              <a:t>23.05.2018</a:t>
+              <a:t>23.09.2018</a:t>
             </a:fld>
             <a:endParaRPr lang="ru-RU"/>
           </a:p>
@@ -3092,7 +3091,7 @@
             <a:fld id="{ED11739C-C208-4F5C-8B29-8EDD222516F3}" type="datetimeFigureOut">
               <a:rPr lang="ru-RU" smtClean="0"/>
               <a:pPr/>
-              <a:t>23.05.2018</a:t>
+              <a:t>23.09.2018</a:t>
             </a:fld>
             <a:endParaRPr lang="ru-RU"/>
           </a:p>
@@ -3302,7 +3301,7 @@
             <a:fld id="{ED11739C-C208-4F5C-8B29-8EDD222516F3}" type="datetimeFigureOut">
               <a:rPr lang="ru-RU" smtClean="0"/>
               <a:pPr/>
-              <a:t>23.05.2018</a:t>
+              <a:t>23.09.2018</a:t>
             </a:fld>
             <a:endParaRPr lang="ru-RU"/>
           </a:p>
@@ -3756,7 +3755,7 @@
         </p:spPr>
         <p:txBody>
           <a:bodyPr>
-            <a:normAutofit fontScale="77500" lnSpcReduction="20000"/>
+            <a:normAutofit fontScale="92500" lnSpcReduction="20000"/>
           </a:bodyPr>
           <a:lstStyle/>
           <a:p>
@@ -3854,16 +3853,6 @@
           </a:p>
           <a:p>
             <a:r>
-              <a:rPr lang="ru-RU" dirty="0" smtClean="0">
-                <a:solidFill>
-                  <a:schemeClr val="tx1"/>
-                </a:solidFill>
-              </a:rPr>
-              <a:t>Гердт Владимир Петрович (ЛИТ ОИЯИ)</a:t>
-            </a:r>
-          </a:p>
-          <a:p>
-            <a:r>
               <a:rPr lang="ru-RU" dirty="0" err="1" smtClean="0">
                 <a:solidFill>
                   <a:schemeClr val="tx1"/>
@@ -3877,7 +3866,7 @@
                   <a:schemeClr val="tx1"/>
                 </a:solidFill>
               </a:rPr>
-              <a:t> Олег Валентинович </a:t>
+              <a:t> </a:t>
             </a:r>
             <a:r>
               <a:rPr lang="ru-RU" dirty="0" smtClean="0">
@@ -3885,7 +3874,7 @@
                   <a:schemeClr val="tx1"/>
                 </a:solidFill>
               </a:rPr>
-              <a:t>(</a:t>
+              <a:t>Олег Валентинович (</a:t>
             </a:r>
             <a:r>
               <a:rPr lang="ru-RU" dirty="0" err="1" smtClean="0">
@@ -3904,29 +3893,22 @@
               <a:t>, РКЦ, </a:t>
             </a:r>
             <a:r>
-              <a:rPr lang="ru-RU" dirty="0" smtClean="0">
+              <a:rPr lang="ru-RU" smtClean="0">
                 <a:solidFill>
                   <a:schemeClr val="tx1"/>
                 </a:solidFill>
               </a:rPr>
-              <a:t>МИАН)</a:t>
-            </a:r>
-            <a:endParaRPr lang="en-US" dirty="0" smtClean="0">
-              <a:solidFill>
-                <a:schemeClr val="tx1"/>
-              </a:solidFill>
-            </a:endParaRPr>
-          </a:p>
-          <a:p>
-            <a:r>
-              <a:rPr lang="ru-RU" dirty="0" smtClean="0">
+              <a:t>МИАН</a:t>
+            </a:r>
+            <a:r>
+              <a:rPr lang="ru-RU" smtClean="0">
                 <a:solidFill>
                   <a:schemeClr val="tx1"/>
                 </a:solidFill>
               </a:rPr>
-              <a:t>Теряев Олег Валерианович (ЛТФ ОИЯИ)</a:t>
-            </a:r>
-            <a:endParaRPr lang="ru-RU" dirty="0">
+              <a:t>)</a:t>
+            </a:r>
+            <a:endParaRPr lang="en-US" dirty="0" smtClean="0">
               <a:solidFill>
                 <a:schemeClr val="tx1"/>
               </a:solidFill>
@@ -4728,72 +4710,6 @@
       </p:graphicFrame>
       <p:sp>
         <p:nvSpPr>
-          <p:cNvPr id="10" name="Прямоугольник 9"/>
-          <p:cNvSpPr/>
-          <p:nvPr/>
-        </p:nvSpPr>
-        <p:spPr>
-          <a:xfrm>
-            <a:off x="3301207" y="2492896"/>
-            <a:ext cx="5688632" cy="791964"/>
-          </a:xfrm>
-          <a:prstGeom prst="rect">
-            <a:avLst/>
-          </a:prstGeom>
-          <a:solidFill>
-            <a:srgbClr val="92D050"/>
-          </a:solidFill>
-          <a:ln>
-            <a:noFill/>
-          </a:ln>
-        </p:spPr>
-        <p:style>
-          <a:lnRef idx="2">
-            <a:schemeClr val="accent1">
-              <a:shade val="50000"/>
-            </a:schemeClr>
-          </a:lnRef>
-          <a:fillRef idx="1">
-            <a:schemeClr val="accent1"/>
-          </a:fillRef>
-          <a:effectRef idx="0">
-            <a:schemeClr val="accent1"/>
-          </a:effectRef>
-          <a:fontRef idx="minor">
-            <a:schemeClr val="lt1"/>
-          </a:fontRef>
-        </p:style>
-        <p:txBody>
-          <a:bodyPr rtlCol="0" anchor="ctr"/>
-          <a:lstStyle/>
-          <a:p>
-            <a:pPr algn="ctr"/>
-            <a:endParaRPr lang="ru-RU"/>
-          </a:p>
-        </p:txBody>
-      </p:sp>
-      <p:graphicFrame>
-        <p:nvGraphicFramePr>
-          <p:cNvPr id="11" name="Объект 10"/>
-          <p:cNvGraphicFramePr>
-            <a:graphicFrameLocks noChangeAspect="1"/>
-          </p:cNvGraphicFramePr>
-          <p:nvPr/>
-        </p:nvGraphicFramePr>
-        <p:xfrm>
-          <a:off x="3347864" y="2564904"/>
-          <a:ext cx="5641975" cy="612775"/>
-        </p:xfrm>
-        <a:graphic>
-          <a:graphicData uri="http://schemas.openxmlformats.org/presentationml/2006/ole">
-            <p:oleObj spid="_x0000_s24582" name="Equation" r:id="rId4" imgW="4203360" imgH="457200" progId="Equation.DSMT4">
-              <p:embed/>
-            </p:oleObj>
-          </a:graphicData>
-        </a:graphic>
-      </p:graphicFrame>
-      <p:sp>
-        <p:nvSpPr>
           <p:cNvPr id="2" name="Заголовок 1"/>
           <p:cNvSpPr>
             <a:spLocks noGrp="1"/>
@@ -4829,7 +4745,7 @@
         </p:xfrm>
         <a:graphic>
           <a:graphicData uri="http://schemas.openxmlformats.org/presentationml/2006/ole">
-            <p:oleObj spid="_x0000_s24578" name="Equation" r:id="rId5" imgW="1612800" imgH="2070000" progId="Equation.DSMT4">
+            <p:oleObj spid="_x0000_s24578" name="Equation" r:id="rId4" imgW="1612800" imgH="2070000" progId="Equation.DSMT4">
               <p:embed/>
             </p:oleObj>
           </a:graphicData>
@@ -4880,7 +4796,7 @@
         </p:xfrm>
         <a:graphic>
           <a:graphicData uri="http://schemas.openxmlformats.org/presentationml/2006/ole">
-            <p:oleObj spid="_x0000_s24580" name="Equation" r:id="rId6" imgW="2108160" imgH="2031840" progId="Equation.DSMT4">
+            <p:oleObj spid="_x0000_s24580" name="Equation" r:id="rId5" imgW="2108160" imgH="2031840" progId="Equation.DSMT4">
               <p:embed/>
             </p:oleObj>
           </a:graphicData>
@@ -5073,227 +4989,6 @@
           <a:p>
             <a:r>
               <a:rPr lang="ru-RU" dirty="0" smtClean="0"/>
-              <a:t>Вар. метод: генерация </a:t>
-            </a:r>
-            <a:r>
-              <a:rPr lang="el-GR" dirty="0" smtClean="0"/>
-              <a:t>ρ</a:t>
-            </a:r>
-            <a:endParaRPr lang="ru-RU" dirty="0"/>
-          </a:p>
-        </p:txBody>
-      </p:sp>
-      <p:pic>
-        <p:nvPicPr>
-          <p:cNvPr id="5" name="Рисунок 4" descr="cluster-crest.png"/>
-          <p:cNvPicPr>
-            <a:picLocks noChangeAspect="1"/>
-          </p:cNvPicPr>
-          <p:nvPr/>
-        </p:nvPicPr>
-        <p:blipFill>
-          <a:blip r:embed="rId2" cstate="print"/>
-          <a:stretch>
-            <a:fillRect/>
-          </a:stretch>
-        </p:blipFill>
-        <p:spPr>
-          <a:xfrm>
-            <a:off x="683568" y="1340768"/>
-            <a:ext cx="1438095" cy="1428572"/>
-          </a:xfrm>
-          <a:prstGeom prst="rect">
-            <a:avLst/>
-          </a:prstGeom>
-        </p:spPr>
-      </p:pic>
-      <p:sp>
-        <p:nvSpPr>
-          <p:cNvPr id="8" name="TextBox 7"/>
-          <p:cNvSpPr txBox="1"/>
-          <p:nvPr/>
-        </p:nvSpPr>
-        <p:spPr>
-          <a:xfrm>
-            <a:off x="2843808" y="1484784"/>
-            <a:ext cx="5135958" cy="1200329"/>
-          </a:xfrm>
-          <a:prstGeom prst="rect">
-            <a:avLst/>
-          </a:prstGeom>
-          <a:noFill/>
-        </p:spPr>
-        <p:txBody>
-          <a:bodyPr wrap="none" rtlCol="0">
-            <a:spAutoFit/>
-          </a:bodyPr>
-          <a:lstStyle/>
-          <a:p>
-            <a:r>
-              <a:rPr lang="ru-RU" dirty="0" smtClean="0"/>
-              <a:t>Реализован алгоритм генерации базиса </a:t>
-            </a:r>
-            <a:r>
-              <a:rPr lang="en-US" dirty="0" smtClean="0"/>
-              <a:t>A</a:t>
-            </a:r>
-            <a:r>
-              <a:rPr lang="en-US" baseline="-25000" dirty="0" smtClean="0"/>
-              <a:t>i</a:t>
-            </a:r>
-            <a:endParaRPr lang="ru-RU" dirty="0" smtClean="0"/>
-          </a:p>
-          <a:p>
-            <a:r>
-              <a:rPr lang="ru-RU" dirty="0" smtClean="0"/>
-              <a:t>на </a:t>
-            </a:r>
-            <a:r>
-              <a:rPr lang="en-US" dirty="0" smtClean="0">
-                <a:solidFill>
-                  <a:srgbClr val="FF0000"/>
-                </a:solidFill>
-              </a:rPr>
-              <a:t>Wolfram </a:t>
-            </a:r>
-            <a:r>
-              <a:rPr lang="en-US" dirty="0" err="1" smtClean="0">
-                <a:solidFill>
-                  <a:srgbClr val="FF0000"/>
-                </a:solidFill>
-              </a:rPr>
-              <a:t>Mathematica</a:t>
-            </a:r>
-            <a:endParaRPr lang="ru-RU" dirty="0" smtClean="0">
-              <a:solidFill>
-                <a:srgbClr val="FF0000"/>
-              </a:solidFill>
-            </a:endParaRPr>
-          </a:p>
-          <a:p>
-            <a:endParaRPr lang="ru-RU" dirty="0" smtClean="0">
-              <a:solidFill>
-                <a:srgbClr val="FF0000"/>
-              </a:solidFill>
-            </a:endParaRPr>
-          </a:p>
-          <a:p>
-            <a:r>
-              <a:rPr lang="en-US" dirty="0" smtClean="0"/>
-              <a:t>A</a:t>
-            </a:r>
-            <a:r>
-              <a:rPr lang="en-US" baseline="-25000" dirty="0" smtClean="0"/>
-              <a:t>i</a:t>
-            </a:r>
-            <a:r>
-              <a:rPr lang="ru-RU" dirty="0" smtClean="0"/>
-              <a:t> подчиняются симметриям всей сетки кристалла</a:t>
-            </a:r>
-            <a:endParaRPr lang="ru-RU" dirty="0">
-              <a:solidFill>
-                <a:srgbClr val="FF0000"/>
-              </a:solidFill>
-            </a:endParaRPr>
-          </a:p>
-        </p:txBody>
-      </p:sp>
-      <p:sp>
-        <p:nvSpPr>
-          <p:cNvPr id="9" name="TextBox 8"/>
-          <p:cNvSpPr txBox="1"/>
-          <p:nvPr/>
-        </p:nvSpPr>
-        <p:spPr>
-          <a:xfrm>
-            <a:off x="8725296" y="0"/>
-            <a:ext cx="418704" cy="369332"/>
-          </a:xfrm>
-          <a:prstGeom prst="rect">
-            <a:avLst/>
-          </a:prstGeom>
-          <a:noFill/>
-        </p:spPr>
-        <p:txBody>
-          <a:bodyPr wrap="none" rtlCol="0">
-            <a:spAutoFit/>
-          </a:bodyPr>
-          <a:lstStyle/>
-          <a:p>
-            <a:fld id="{06CA9975-D2D2-42FF-AAFF-3E53F29A016A}" type="slidenum">
-              <a:rPr lang="en-US" smtClean="0"/>
-              <a:pPr/>
-              <a:t>13</a:t>
-            </a:fld>
-            <a:endParaRPr lang="ru-RU" dirty="0"/>
-          </a:p>
-        </p:txBody>
-      </p:sp>
-      <p:pic>
-        <p:nvPicPr>
-          <p:cNvPr id="12" name="Содержимое 11" descr="2018-05-23_19-50-11.png"/>
-          <p:cNvPicPr>
-            <a:picLocks noGrp="1" noChangeAspect="1"/>
-          </p:cNvPicPr>
-          <p:nvPr>
-            <p:ph idx="1"/>
-          </p:nvPr>
-        </p:nvPicPr>
-        <p:blipFill>
-          <a:blip r:embed="rId3" cstate="print"/>
-          <a:stretch>
-            <a:fillRect/>
-          </a:stretch>
-        </p:blipFill>
-        <p:spPr>
-          <a:xfrm>
-            <a:off x="971600" y="2621410"/>
-            <a:ext cx="7128792" cy="4236590"/>
-          </a:xfrm>
-        </p:spPr>
-      </p:pic>
-    </p:spTree>
-  </p:cSld>
-  <p:clrMapOvr>
-    <a:masterClrMapping/>
-  </p:clrMapOvr>
-</p:sld>
-</file>
-
-<file path=ppt/slides/slide14.xml><?xml version="1.0" encoding="utf-8"?>
-<p:sld xmlns:a="http://schemas.openxmlformats.org/drawingml/2006/main" xmlns:r="http://schemas.openxmlformats.org/officeDocument/2006/relationships" xmlns:p="http://schemas.openxmlformats.org/presentationml/2006/main">
-  <p:cSld>
-    <p:spTree>
-      <p:nvGrpSpPr>
-        <p:cNvPr id="1" name=""/>
-        <p:cNvGrpSpPr/>
-        <p:nvPr/>
-      </p:nvGrpSpPr>
-      <p:grpSpPr>
-        <a:xfrm>
-          <a:off x="0" y="0"/>
-          <a:ext cx="0" cy="0"/>
-          <a:chOff x="0" y="0"/>
-          <a:chExt cx="0" cy="0"/>
-        </a:xfrm>
-      </p:grpSpPr>
-      <p:sp>
-        <p:nvSpPr>
-          <p:cNvPr id="2" name="Заголовок 1"/>
-          <p:cNvSpPr>
-            <a:spLocks noGrp="1"/>
-          </p:cNvSpPr>
-          <p:nvPr>
-            <p:ph type="title"/>
-          </p:nvPr>
-        </p:nvSpPr>
-        <p:spPr/>
-        <p:txBody>
-          <a:bodyPr/>
-          <a:lstStyle/>
-          <a:p>
-            <a:r>
-              <a:rPr lang="ru-RU" dirty="0" smtClean="0"/>
               <a:t>Сравнение результатов</a:t>
             </a:r>
             <a:endParaRPr lang="ru-RU" dirty="0"/>
@@ -5312,7 +5007,7 @@
         </p:nvGraphicFramePr>
         <p:xfrm>
           <a:off x="3491880" y="2564904"/>
-          <a:ext cx="5122912" cy="2225040"/>
+          <a:ext cx="2664296" cy="2225040"/>
         </p:xfrm>
         <a:graphic>
           <a:graphicData uri="http://schemas.openxmlformats.org/drawingml/2006/table">
@@ -5322,7 +5017,6 @@
               </a:tblPr>
               <a:tblGrid>
                 <a:gridCol w="2664296"/>
-                <a:gridCol w="2458616"/>
               </a:tblGrid>
               <a:tr h="370840">
                 <a:tc>
@@ -5333,20 +5027,6 @@
                       <a:r>
                         <a:rPr lang="ru-RU" dirty="0" smtClean="0"/>
                         <a:t>Уравнение Шредингера</a:t>
-                      </a:r>
-                      <a:endParaRPr lang="ru-RU" dirty="0"/>
-                    </a:p>
-                  </a:txBody>
-                  <a:tcPr/>
-                </a:tc>
-                <a:tc>
-                  <a:txBody>
-                    <a:bodyPr/>
-                    <a:lstStyle/>
-                    <a:p>
-                      <a:r>
-                        <a:rPr lang="ru-RU" dirty="0" smtClean="0"/>
-                        <a:t>Вариационный метод</a:t>
                       </a:r>
                       <a:endParaRPr lang="ru-RU" dirty="0"/>
                     </a:p>
@@ -5376,27 +5056,6 @@
                   </a:txBody>
                   <a:tcPr/>
                 </a:tc>
-                <a:tc>
-                  <a:txBody>
-                    <a:bodyPr/>
-                    <a:lstStyle/>
-                    <a:p>
-                      <a:r>
-                        <a:rPr lang="ru-RU" sz="1800" kern="1200" dirty="0" smtClean="0">
-                          <a:solidFill>
-                            <a:schemeClr val="dk1"/>
-                          </a:solidFill>
-                          <a:latin typeface="+mn-lt"/>
-                          <a:ea typeface="+mn-ea"/>
-                          <a:cs typeface="+mn-cs"/>
-                        </a:rPr>
-                        <a:t>-2.09548</a:t>
-                      </a:r>
-                      <a:endParaRPr lang="ru-RU" dirty="0"/>
-                    </a:p>
-                  </a:txBody>
-                  <a:tcPr/>
-                </a:tc>
               </a:tr>
               <a:tr h="370840">
                 <a:tc>
@@ -5414,27 +5073,6 @@
                           <a:cs typeface="+mn-cs"/>
                         </a:rPr>
                         <a:t>-1.92789</a:t>
-                      </a:r>
-                      <a:endParaRPr lang="ru-RU" dirty="0"/>
-                    </a:p>
-                  </a:txBody>
-                  <a:tcPr/>
-                </a:tc>
-                <a:tc>
-                  <a:txBody>
-                    <a:bodyPr/>
-                    <a:lstStyle/>
-                    <a:p>
-                      <a:r>
-                        <a:rPr lang="ru-RU" sz="1800" kern="1200" dirty="0" smtClean="0">
-                          <a:solidFill>
-                            <a:schemeClr val="dk1"/>
-                          </a:solidFill>
-                          <a:latin typeface="+mn-lt"/>
-                          <a:ea typeface="+mn-ea"/>
-                          <a:cs typeface="+mn-cs"/>
-                        </a:rPr>
-                        <a:t>-1.91063</a:t>
                       </a:r>
                       <a:endParaRPr lang="ru-RU" dirty="0"/>
                     </a:p>
@@ -5464,27 +5102,6 @@
                   </a:txBody>
                   <a:tcPr/>
                 </a:tc>
-                <a:tc>
-                  <a:txBody>
-                    <a:bodyPr/>
-                    <a:lstStyle/>
-                    <a:p>
-                      <a:r>
-                        <a:rPr lang="ru-RU" sz="1800" kern="1200" dirty="0" smtClean="0">
-                          <a:solidFill>
-                            <a:schemeClr val="dk1"/>
-                          </a:solidFill>
-                          <a:latin typeface="+mn-lt"/>
-                          <a:ea typeface="+mn-ea"/>
-                          <a:cs typeface="+mn-cs"/>
-                        </a:rPr>
-                        <a:t>-1.94983</a:t>
-                      </a:r>
-                      <a:endParaRPr lang="ru-RU" dirty="0"/>
-                    </a:p>
-                  </a:txBody>
-                  <a:tcPr/>
-                </a:tc>
               </a:tr>
               <a:tr h="370840">
                 <a:tc>
@@ -5502,27 +5119,6 @@
                           <a:cs typeface="+mn-cs"/>
                         </a:rPr>
                         <a:t>-1.89083</a:t>
-                      </a:r>
-                      <a:endParaRPr lang="ru-RU" dirty="0"/>
-                    </a:p>
-                  </a:txBody>
-                  <a:tcPr/>
-                </a:tc>
-                <a:tc>
-                  <a:txBody>
-                    <a:bodyPr/>
-                    <a:lstStyle/>
-                    <a:p>
-                      <a:r>
-                        <a:rPr lang="ru-RU" sz="1800" kern="1200" dirty="0" smtClean="0">
-                          <a:solidFill>
-                            <a:schemeClr val="dk1"/>
-                          </a:solidFill>
-                          <a:latin typeface="+mn-lt"/>
-                          <a:ea typeface="+mn-ea"/>
-                          <a:cs typeface="+mn-cs"/>
-                        </a:rPr>
-                        <a:t>-1.87265</a:t>
                       </a:r>
                       <a:endParaRPr lang="ru-RU" dirty="0"/>
                     </a:p>
@@ -5552,27 +5148,6 @@
                   </a:txBody>
                   <a:tcPr/>
                 </a:tc>
-                <a:tc>
-                  <a:txBody>
-                    <a:bodyPr/>
-                    <a:lstStyle/>
-                    <a:p>
-                      <a:r>
-                        <a:rPr lang="ru-RU" sz="1800" kern="1200" dirty="0" smtClean="0">
-                          <a:solidFill>
-                            <a:schemeClr val="dk1"/>
-                          </a:solidFill>
-                          <a:latin typeface="+mn-lt"/>
-                          <a:ea typeface="+mn-ea"/>
-                          <a:cs typeface="+mn-cs"/>
-                        </a:rPr>
-                        <a:t>-1.8388</a:t>
-                      </a:r>
-                      <a:endParaRPr lang="ru-RU" dirty="0"/>
-                    </a:p>
-                  </a:txBody>
-                  <a:tcPr/>
-                </a:tc>
               </a:tr>
             </a:tbl>
           </a:graphicData>
@@ -5587,7 +5162,7 @@
           <p:nvPr/>
         </p:nvGraphicFramePr>
         <p:xfrm>
-          <a:off x="3006725" y="1433513"/>
+          <a:off x="3275856" y="1412776"/>
           <a:ext cx="2505075" cy="792162"/>
         </p:xfrm>
         <a:graphic>
@@ -5656,7 +5231,7 @@
         </p:nvGraphicFramePr>
         <p:xfrm>
           <a:off x="3491880" y="5373216"/>
-          <a:ext cx="5231904" cy="1112520"/>
+          <a:ext cx="2615952" cy="1112520"/>
         </p:xfrm>
         <a:graphic>
           <a:graphicData uri="http://schemas.openxmlformats.org/drawingml/2006/table">
@@ -5665,7 +5240,6 @@
                 <a:tableStyleId>{5C22544A-7EE6-4342-B048-85BDC9FD1C3A}</a:tableStyleId>
               </a:tblPr>
               <a:tblGrid>
-                <a:gridCol w="2615952"/>
                 <a:gridCol w="2615952"/>
               </a:tblGrid>
               <a:tr h="370840">
@@ -5699,52 +5273,8 @@
                   </a:txBody>
                   <a:tcPr/>
                 </a:tc>
-                <a:tc>
-                  <a:txBody>
-                    <a:bodyPr/>
-                    <a:lstStyle/>
-                    <a:p>
-                      <a:pPr marL="0" marR="0" indent="0" algn="l" defTabSz="914400" rtl="0" eaLnBrk="1" fontAlgn="auto" latinLnBrk="0" hangingPunct="1">
-                        <a:lnSpc>
-                          <a:spcPct val="100000"/>
-                        </a:lnSpc>
-                        <a:spcBef>
-                          <a:spcPts val="0"/>
-                        </a:spcBef>
-                        <a:spcAft>
-                          <a:spcPts val="0"/>
-                        </a:spcAft>
-                        <a:buClrTx/>
-                        <a:buSzTx/>
-                        <a:buFontTx/>
-                        <a:buNone/>
-                        <a:tabLst/>
-                        <a:defRPr/>
-                      </a:pPr>
-                      <a:r>
-                        <a:rPr lang="ru-RU" dirty="0" smtClean="0"/>
-                        <a:t>Вариационный метод</a:t>
-                      </a:r>
-                    </a:p>
-                  </a:txBody>
-                  <a:tcPr/>
-                </a:tc>
               </a:tr>
               <a:tr h="370840">
-                <a:tc>
-                  <a:txBody>
-                    <a:bodyPr/>
-                    <a:lstStyle/>
-                    <a:p>
-                      <a:r>
-                        <a:rPr lang="ru-RU" dirty="0" smtClean="0"/>
-                        <a:t>-3</a:t>
-                      </a:r>
-                      <a:endParaRPr lang="ru-RU" dirty="0"/>
-                    </a:p>
-                  </a:txBody>
-                  <a:tcPr/>
-                </a:tc>
                 <a:tc>
                   <a:txBody>
                     <a:bodyPr/>
@@ -5782,27 +5312,6 @@
                   </a:txBody>
                   <a:tcPr/>
                 </a:tc>
-                <a:tc>
-                  <a:txBody>
-                    <a:bodyPr/>
-                    <a:lstStyle/>
-                    <a:p>
-                      <a:r>
-                        <a:rPr lang="ru-RU" sz="1800" kern="1200" dirty="0" smtClean="0">
-                          <a:solidFill>
-                            <a:schemeClr val="dk1"/>
-                          </a:solidFill>
-                          <a:latin typeface="+mn-lt"/>
-                          <a:ea typeface="+mn-ea"/>
-                          <a:cs typeface="+mn-cs"/>
-                        </a:rPr>
-                        <a:t>-2.9657</a:t>
-                      </a:r>
-                      <a:endParaRPr lang="ru-RU" dirty="0"/>
-                    </a:p>
-                  </a:txBody>
-                  <a:tcPr/>
-                </a:tc>
               </a:tr>
             </a:tbl>
           </a:graphicData>
@@ -5893,7 +5402,7 @@
             <a:fld id="{5006C41B-05F9-4FF0-B756-5B9387EF0B53}" type="slidenum">
               <a:rPr lang="en-US" smtClean="0"/>
               <a:pPr/>
-              <a:t>14</a:t>
+              <a:t>13</a:t>
             </a:fld>
             <a:endParaRPr lang="ru-RU" dirty="0"/>
           </a:p>
@@ -6027,7 +5536,7 @@
 </p:sld>
 </file>
 
-<file path=ppt/slides/slide15.xml><?xml version="1.0" encoding="utf-8"?>
+<file path=ppt/slides/slide14.xml><?xml version="1.0" encoding="utf-8"?>
 <p:sld xmlns:a="http://schemas.openxmlformats.org/drawingml/2006/main" xmlns:r="http://schemas.openxmlformats.org/officeDocument/2006/relationships" xmlns:p="http://schemas.openxmlformats.org/presentationml/2006/main">
   <p:cSld>
     <p:spTree>
@@ -6092,7 +5601,7 @@
             <a:fld id="{92CD99D9-3420-41A1-A7EC-D74E2BEE2CC8}" type="slidenum">
               <a:rPr lang="en-US" smtClean="0"/>
               <a:pPr/>
-              <a:t>15</a:t>
+              <a:t>14</a:t>
             </a:fld>
             <a:endParaRPr lang="ru-RU" dirty="0"/>
           </a:p>
@@ -6194,7 +5703,7 @@
 </p:sld>
 </file>
 
-<file path=ppt/slides/slide16.xml><?xml version="1.0" encoding="utf-8"?>
+<file path=ppt/slides/slide15.xml><?xml version="1.0" encoding="utf-8"?>
 <p:sld xmlns:a="http://schemas.openxmlformats.org/drawingml/2006/main" xmlns:r="http://schemas.openxmlformats.org/officeDocument/2006/relationships" xmlns:p="http://schemas.openxmlformats.org/presentationml/2006/main">
   <p:cSld>
     <p:spTree>
@@ -6961,12 +6470,12 @@
           <p:nvPr/>
         </p:nvGraphicFramePr>
         <p:xfrm>
-          <a:off x="371475" y="3721100"/>
-          <a:ext cx="4684713" cy="1360488"/>
+          <a:off x="323528" y="3284984"/>
+          <a:ext cx="3009900" cy="1431925"/>
         </p:xfrm>
         <a:graphic>
           <a:graphicData uri="http://schemas.openxmlformats.org/presentationml/2006/ole">
-            <p:oleObj spid="_x0000_s2051" name="Equation" r:id="rId6" imgW="2450880" imgH="711000" progId="Equation.DSMT4">
+            <p:oleObj spid="_x0000_s2051" name="Equation" r:id="rId6" imgW="1574640" imgH="749160" progId="Equation.DSMT4">
               <p:embed/>
             </p:oleObj>
           </a:graphicData>
@@ -7226,12 +6735,12 @@
           <p:nvPr/>
         </p:nvGraphicFramePr>
         <p:xfrm>
-          <a:off x="385192" y="5719862"/>
-          <a:ext cx="6511304" cy="691772"/>
+          <a:off x="323528" y="5186576"/>
+          <a:ext cx="5184576" cy="1408321"/>
         </p:xfrm>
         <a:graphic>
           <a:graphicData uri="http://schemas.openxmlformats.org/presentationml/2006/ole">
-            <p:oleObj spid="_x0000_s2053" name="Equation" r:id="rId7" imgW="2273040" imgH="241200" progId="Equation.DSMT4">
+            <p:oleObj spid="_x0000_s2053" name="Equation" r:id="rId7" imgW="2527200" imgH="685800" progId="Equation.DSMT4">
               <p:embed/>
             </p:oleObj>
           </a:graphicData>
